--- a/FinalPresentation.pptx
+++ b/FinalPresentation.pptx
@@ -9,14 +9,16 @@
     <p:sldId id="257" r:id="rId3"/>
     <p:sldId id="258" r:id="rId4"/>
     <p:sldId id="264" r:id="rId5"/>
-    <p:sldId id="259" r:id="rId6"/>
-    <p:sldId id="260" r:id="rId7"/>
-    <p:sldId id="265" r:id="rId8"/>
-    <p:sldId id="267" r:id="rId9"/>
-    <p:sldId id="266" r:id="rId10"/>
-    <p:sldId id="261" r:id="rId11"/>
-    <p:sldId id="262" r:id="rId12"/>
-    <p:sldId id="263" r:id="rId13"/>
+    <p:sldId id="265" r:id="rId6"/>
+    <p:sldId id="267" r:id="rId7"/>
+    <p:sldId id="271" r:id="rId8"/>
+    <p:sldId id="266" r:id="rId9"/>
+    <p:sldId id="259" r:id="rId10"/>
+    <p:sldId id="269" r:id="rId11"/>
+    <p:sldId id="270" r:id="rId12"/>
+    <p:sldId id="261" r:id="rId13"/>
+    <p:sldId id="262" r:id="rId14"/>
+    <p:sldId id="263" r:id="rId15"/>
   </p:sldIdLst>
   <p:sldSz cx="12192000" cy="6858000"/>
   <p:notesSz cx="6858000" cy="9144000"/>
@@ -252,7 +254,7 @@
           <a:p>
             <a:fld id="{22A47A49-5AE2-4897-B188-74D33D88087C}" type="datetimeFigureOut">
               <a:rPr lang="en-US" smtClean="0"/>
-              <a:t>4/17/2017</a:t>
+              <a:t>4/18/2017</a:t>
             </a:fld>
             <a:endParaRPr lang="en-US"/>
           </a:p>
@@ -420,7 +422,7 @@
           <a:p>
             <a:fld id="{22A47A49-5AE2-4897-B188-74D33D88087C}" type="datetimeFigureOut">
               <a:rPr lang="en-US" smtClean="0"/>
-              <a:t>4/17/2017</a:t>
+              <a:t>4/18/2017</a:t>
             </a:fld>
             <a:endParaRPr lang="en-US"/>
           </a:p>
@@ -598,7 +600,7 @@
           <a:p>
             <a:fld id="{22A47A49-5AE2-4897-B188-74D33D88087C}" type="datetimeFigureOut">
               <a:rPr lang="en-US" smtClean="0"/>
-              <a:t>4/17/2017</a:t>
+              <a:t>4/18/2017</a:t>
             </a:fld>
             <a:endParaRPr lang="en-US"/>
           </a:p>
@@ -766,7 +768,7 @@
           <a:p>
             <a:fld id="{22A47A49-5AE2-4897-B188-74D33D88087C}" type="datetimeFigureOut">
               <a:rPr lang="en-US" smtClean="0"/>
-              <a:t>4/17/2017</a:t>
+              <a:t>4/18/2017</a:t>
             </a:fld>
             <a:endParaRPr lang="en-US"/>
           </a:p>
@@ -1011,7 +1013,7 @@
           <a:p>
             <a:fld id="{22A47A49-5AE2-4897-B188-74D33D88087C}" type="datetimeFigureOut">
               <a:rPr lang="en-US" smtClean="0"/>
-              <a:t>4/17/2017</a:t>
+              <a:t>4/18/2017</a:t>
             </a:fld>
             <a:endParaRPr lang="en-US"/>
           </a:p>
@@ -1240,7 +1242,7 @@
           <a:p>
             <a:fld id="{22A47A49-5AE2-4897-B188-74D33D88087C}" type="datetimeFigureOut">
               <a:rPr lang="en-US" smtClean="0"/>
-              <a:t>4/17/2017</a:t>
+              <a:t>4/18/2017</a:t>
             </a:fld>
             <a:endParaRPr lang="en-US"/>
           </a:p>
@@ -1604,7 +1606,7 @@
           <a:p>
             <a:fld id="{22A47A49-5AE2-4897-B188-74D33D88087C}" type="datetimeFigureOut">
               <a:rPr lang="en-US" smtClean="0"/>
-              <a:t>4/17/2017</a:t>
+              <a:t>4/18/2017</a:t>
             </a:fld>
             <a:endParaRPr lang="en-US"/>
           </a:p>
@@ -1721,7 +1723,7 @@
           <a:p>
             <a:fld id="{22A47A49-5AE2-4897-B188-74D33D88087C}" type="datetimeFigureOut">
               <a:rPr lang="en-US" smtClean="0"/>
-              <a:t>4/17/2017</a:t>
+              <a:t>4/18/2017</a:t>
             </a:fld>
             <a:endParaRPr lang="en-US"/>
           </a:p>
@@ -1816,7 +1818,7 @@
           <a:p>
             <a:fld id="{22A47A49-5AE2-4897-B188-74D33D88087C}" type="datetimeFigureOut">
               <a:rPr lang="en-US" smtClean="0"/>
-              <a:t>4/17/2017</a:t>
+              <a:t>4/18/2017</a:t>
             </a:fld>
             <a:endParaRPr lang="en-US"/>
           </a:p>
@@ -2091,7 +2093,7 @@
           <a:p>
             <a:fld id="{22A47A49-5AE2-4897-B188-74D33D88087C}" type="datetimeFigureOut">
               <a:rPr lang="en-US" smtClean="0"/>
-              <a:t>4/17/2017</a:t>
+              <a:t>4/18/2017</a:t>
             </a:fld>
             <a:endParaRPr lang="en-US"/>
           </a:p>
@@ -2343,7 +2345,7 @@
           <a:p>
             <a:fld id="{22A47A49-5AE2-4897-B188-74D33D88087C}" type="datetimeFigureOut">
               <a:rPr lang="en-US" smtClean="0"/>
-              <a:t>4/17/2017</a:t>
+              <a:t>4/18/2017</a:t>
             </a:fld>
             <a:endParaRPr lang="en-US"/>
           </a:p>
@@ -2554,7 +2556,7 @@
           <a:p>
             <a:fld id="{22A47A49-5AE2-4897-B188-74D33D88087C}" type="datetimeFigureOut">
               <a:rPr lang="en-US" smtClean="0"/>
-              <a:t>4/17/2017</a:t>
+              <a:t>4/18/2017</a:t>
             </a:fld>
             <a:endParaRPr lang="en-US"/>
           </a:p>
@@ -2959,45 +2961,54 @@
           <a:chExt cx="0" cy="0"/>
         </a:xfrm>
       </p:grpSpPr>
-      <p:pic>
-        <p:nvPicPr>
-          <p:cNvPr id="1026" name="Picture 2" descr="Image result for rossmann deutschland"/>
-          <p:cNvPicPr>
-            <a:picLocks noChangeAspect="1" noChangeArrowheads="1"/>
-          </p:cNvPicPr>
+      <p:sp>
+        <p:nvSpPr>
+          <p:cNvPr id="4" name="Rectangle 3"/>
+          <p:cNvSpPr/>
           <p:nvPr/>
-        </p:nvPicPr>
-        <p:blipFill rotWithShape="1">
-          <a:blip r:embed="rId2">
-            <a:extLst>
-              <a:ext uri="{28A0092B-C50C-407E-A947-70E740481C1C}">
-                <a14:useLocalDpi xmlns:a14="http://schemas.microsoft.com/office/drawing/2010/main" val="0"/>
-              </a:ext>
-            </a:extLst>
-          </a:blip>
-          <a:srcRect t="10376" r="1" b="9750"/>
-          <a:stretch/>
-        </p:blipFill>
-        <p:spPr bwMode="auto">
-          <a:xfrm>
-            <a:off x="20" y="10"/>
-            <a:ext cx="12191980" cy="4571990"/>
+        </p:nvSpPr>
+        <p:spPr>
+          <a:xfrm>
+            <a:off x="0" y="1"/>
+            <a:ext cx="12192000" cy="4764946"/>
           </a:xfrm>
           <a:prstGeom prst="rect">
             <a:avLst/>
           </a:prstGeom>
-          <a:noFill/>
-          <a:extLst>
-            <a:ext uri="{909E8E84-426E-40DD-AFC4-6F175D3DCCD1}">
-              <a14:hiddenFill xmlns:a14="http://schemas.microsoft.com/office/drawing/2010/main">
-                <a:solidFill>
-                  <a:srgbClr val="FFFFFF"/>
-                </a:solidFill>
-              </a14:hiddenFill>
-            </a:ext>
-          </a:extLst>
-        </p:spPr>
-      </p:pic>
+          <a:solidFill>
+            <a:schemeClr val="tx1"/>
+          </a:solidFill>
+          <a:ln>
+            <a:solidFill>
+              <a:schemeClr val="tx1"/>
+            </a:solidFill>
+          </a:ln>
+        </p:spPr>
+        <p:style>
+          <a:lnRef idx="2">
+            <a:schemeClr val="accent1">
+              <a:shade val="50000"/>
+            </a:schemeClr>
+          </a:lnRef>
+          <a:fillRef idx="1">
+            <a:schemeClr val="accent1"/>
+          </a:fillRef>
+          <a:effectRef idx="0">
+            <a:schemeClr val="accent1"/>
+          </a:effectRef>
+          <a:fontRef idx="minor">
+            <a:schemeClr val="lt1"/>
+          </a:fontRef>
+        </p:style>
+        <p:txBody>
+          <a:bodyPr rtlCol="0" anchor="ctr"/>
+          <a:lstStyle/>
+          <a:p>
+            <a:pPr algn="ctr"/>
+            <a:endParaRPr lang="en-US"/>
+          </a:p>
+        </p:txBody>
+      </p:sp>
       <p:cxnSp>
         <p:nvCxnSpPr>
           <p:cNvPr id="71" name="Straight Connector 70"/>
@@ -3055,27 +3066,164 @@
         </p:nvSpPr>
         <p:spPr>
           <a:xfrm>
-            <a:off x="8499107" y="5091763"/>
-            <a:ext cx="2974207" cy="1264587"/>
+            <a:off x="8499107" y="4911591"/>
+            <a:ext cx="2974207" cy="1619430"/>
           </a:xfrm>
         </p:spPr>
         <p:txBody>
           <a:bodyPr anchor="ctr">
-            <a:normAutofit/>
+            <a:normAutofit lnSpcReduction="10000"/>
           </a:bodyPr>
           <a:lstStyle/>
           <a:p>
             <a:pPr algn="l"/>
             <a:r>
-              <a:rPr lang="en-US" sz="1900"/>
+              <a:rPr lang="en-US" sz="1600" b="1" dirty="0"/>
               <a:t>Group 7</a:t>
             </a:r>
           </a:p>
           <a:p>
             <a:pPr algn="l"/>
             <a:r>
-              <a:rPr lang="en-US" sz="1900"/>
-              <a:t>Matt Esporrin, Brittany Hayes, Verghese Polukannil &amp; Lisha Shangguan</a:t>
+              <a:rPr lang="en-US" sz="1600" dirty="0"/>
+              <a:t>Matt </a:t>
+            </a:r>
+            <a:r>
+              <a:rPr lang="en-US" sz="1600" dirty="0" err="1"/>
+              <a:t>Esporrin</a:t>
+            </a:r>
+            <a:endParaRPr lang="en-US" sz="1600" dirty="0"/>
+          </a:p>
+          <a:p>
+            <a:pPr algn="l"/>
+            <a:r>
+              <a:rPr lang="en-US" sz="1600" dirty="0"/>
+              <a:t>Brittany Hayes </a:t>
+            </a:r>
+          </a:p>
+          <a:p>
+            <a:pPr algn="l"/>
+            <a:r>
+              <a:rPr lang="en-US" sz="1600" dirty="0" err="1"/>
+              <a:t>Verghese</a:t>
+            </a:r>
+            <a:r>
+              <a:rPr lang="en-US" sz="1600" dirty="0"/>
+              <a:t> </a:t>
+            </a:r>
+            <a:r>
+              <a:rPr lang="en-US" sz="1600" dirty="0" err="1"/>
+              <a:t>Polukannil</a:t>
+            </a:r>
+            <a:endParaRPr lang="en-US" sz="1600" dirty="0"/>
+          </a:p>
+          <a:p>
+            <a:pPr algn="l"/>
+            <a:r>
+              <a:rPr lang="en-US" sz="1600" dirty="0"/>
+              <a:t>Lisha </a:t>
+            </a:r>
+            <a:r>
+              <a:rPr lang="en-US" sz="1600" dirty="0" err="1"/>
+              <a:t>Shangguan</a:t>
+            </a:r>
+            <a:endParaRPr lang="en-US" sz="1600" dirty="0"/>
+          </a:p>
+        </p:txBody>
+      </p:sp>
+      <p:pic>
+        <p:nvPicPr>
+          <p:cNvPr id="1028" name="Picture 4" descr="Image result for rossmann drugstore"/>
+          <p:cNvPicPr>
+            <a:picLocks noChangeAspect="1" noChangeArrowheads="1"/>
+          </p:cNvPicPr>
+          <p:nvPr/>
+        </p:nvPicPr>
+        <p:blipFill>
+          <a:blip r:embed="rId2">
+            <a:extLst>
+              <a:ext uri="{28A0092B-C50C-407E-A947-70E740481C1C}">
+                <a14:useLocalDpi xmlns:a14="http://schemas.microsoft.com/office/drawing/2010/main" val="0"/>
+              </a:ext>
+            </a:extLst>
+          </a:blip>
+          <a:srcRect/>
+          <a:stretch>
+            <a:fillRect/>
+          </a:stretch>
+        </p:blipFill>
+        <p:spPr bwMode="auto">
+          <a:xfrm>
+            <a:off x="629174" y="1171455"/>
+            <a:ext cx="10933651" cy="2891439"/>
+          </a:xfrm>
+          <a:prstGeom prst="rect">
+            <a:avLst/>
+          </a:prstGeom>
+          <a:noFill/>
+          <a:extLst>
+            <a:ext uri="{909E8E84-426E-40DD-AFC4-6F175D3DCCD1}">
+              <a14:hiddenFill xmlns:a14="http://schemas.microsoft.com/office/drawing/2010/main">
+                <a:solidFill>
+                  <a:srgbClr val="FFFFFF"/>
+                </a:solidFill>
+              </a14:hiddenFill>
+            </a:ext>
+          </a:extLst>
+        </p:spPr>
+      </p:pic>
+      <p:sp>
+        <p:nvSpPr>
+          <p:cNvPr id="5" name="Rectangle 4"/>
+          <p:cNvSpPr/>
+          <p:nvPr/>
+        </p:nvSpPr>
+        <p:spPr>
+          <a:xfrm>
+            <a:off x="2105637" y="2905035"/>
+            <a:ext cx="8011486" cy="1283516"/>
+          </a:xfrm>
+          <a:prstGeom prst="rect">
+            <a:avLst/>
+          </a:prstGeom>
+          <a:solidFill>
+            <a:schemeClr val="tx1"/>
+          </a:solidFill>
+          <a:ln>
+            <a:solidFill>
+              <a:schemeClr val="tx1"/>
+            </a:solidFill>
+          </a:ln>
+        </p:spPr>
+        <p:style>
+          <a:lnRef idx="2">
+            <a:schemeClr val="accent1">
+              <a:shade val="50000"/>
+            </a:schemeClr>
+          </a:lnRef>
+          <a:fillRef idx="1">
+            <a:schemeClr val="accent1"/>
+          </a:fillRef>
+          <a:effectRef idx="0">
+            <a:schemeClr val="accent1"/>
+          </a:effectRef>
+          <a:fontRef idx="minor">
+            <a:schemeClr val="lt1"/>
+          </a:fontRef>
+        </p:style>
+        <p:txBody>
+          <a:bodyPr rtlCol="0" anchor="ctr"/>
+          <a:lstStyle/>
+          <a:p>
+            <a:pPr algn="ctr"/>
+            <a:r>
+              <a:rPr lang="en-US" sz="4800" dirty="0">
+                <a:solidFill>
+                  <a:srgbClr val="FFC000"/>
+                </a:solidFill>
+                <a:latin typeface="Arial Black" panose="020B0A04020102020204" pitchFamily="34" charset="0"/>
+              </a:rPr>
+              <a:t>SALES PREDICTION</a:t>
             </a:r>
           </a:p>
         </p:txBody>
@@ -3240,53 +3388,12 @@
           <a:lstStyle/>
           <a:p>
             <a:r>
-              <a:rPr lang="en-US" dirty="0">
+              <a:rPr lang="en-US" b="1" dirty="0">
                 <a:solidFill>
-                  <a:schemeClr val="bg1">
-                    <a:lumMod val="95000"/>
-                    <a:lumOff val="5000"/>
-                  </a:schemeClr>
+                  <a:srgbClr val="FFC000"/>
                 </a:solidFill>
               </a:rPr>
-              <a:t>Accuracy of Results</a:t>
-            </a:r>
-          </a:p>
-        </p:txBody>
-      </p:sp>
-      <p:sp>
-        <p:nvSpPr>
-          <p:cNvPr id="3" name="Content Placeholder 2"/>
-          <p:cNvSpPr>
-            <a:spLocks noGrp="1"/>
-          </p:cNvSpPr>
-          <p:nvPr>
-            <p:ph idx="1"/>
-          </p:nvPr>
-        </p:nvSpPr>
-        <p:spPr>
-          <a:xfrm>
-            <a:off x="838200" y="2015406"/>
-            <a:ext cx="10515600" cy="4065986"/>
-          </a:xfrm>
-        </p:spPr>
-        <p:txBody>
-          <a:bodyPr anchor="ctr">
-            <a:normAutofit/>
-          </a:bodyPr>
-          <a:lstStyle/>
-          <a:p>
-            <a:r>
-              <a:rPr lang="en-US" sz="2000" dirty="0"/>
-              <a:t>Your assessment of the accuracy of your model(s), again with reference to your script where appropriate </a:t>
-            </a:r>
-          </a:p>
-          <a:p>
-            <a:pPr marL="457200" lvl="1" indent="0">
-              <a:buNone/>
-            </a:pPr>
-            <a:r>
-              <a:rPr lang="en-US" sz="1600" dirty="0"/>
-              <a:t>• Error types should be identified and discussed </a:t>
+              <a:t>Modeling: GAMs</a:t>
             </a:r>
           </a:p>
         </p:txBody>
@@ -3332,10 +3439,277 @@
           </a:extLst>
         </p:spPr>
       </p:pic>
+      <p:sp>
+        <p:nvSpPr>
+          <p:cNvPr id="9" name="Content Placeholder 2"/>
+          <p:cNvSpPr txBox="1">
+            <a:spLocks/>
+          </p:cNvSpPr>
+          <p:nvPr/>
+        </p:nvSpPr>
+        <p:spPr>
+          <a:xfrm>
+            <a:off x="838200" y="2365534"/>
+            <a:ext cx="10515600" cy="4065986"/>
+          </a:xfrm>
+          <a:prstGeom prst="rect">
+            <a:avLst/>
+          </a:prstGeom>
+        </p:spPr>
+        <p:txBody>
+          <a:bodyPr vert="horz" lIns="91440" tIns="45720" rIns="91440" bIns="45720" rtlCol="0" anchor="ctr">
+            <a:normAutofit/>
+          </a:bodyPr>
+          <a:lstStyle>
+            <a:lvl1pPr marL="228600" indent="-228600" algn="l" defTabSz="914400" rtl="0" eaLnBrk="1" latinLnBrk="0" hangingPunct="1">
+              <a:lnSpc>
+                <a:spcPct val="90000"/>
+              </a:lnSpc>
+              <a:spcBef>
+                <a:spcPts val="1000"/>
+              </a:spcBef>
+              <a:buFont typeface="Arial" panose="020B0604020202020204" pitchFamily="34" charset="0"/>
+              <a:buChar char="•"/>
+              <a:defRPr sz="2800" kern="1200">
+                <a:solidFill>
+                  <a:schemeClr val="tx1"/>
+                </a:solidFill>
+                <a:latin typeface="+mn-lt"/>
+                <a:ea typeface="+mn-ea"/>
+                <a:cs typeface="+mn-cs"/>
+              </a:defRPr>
+            </a:lvl1pPr>
+            <a:lvl2pPr marL="685800" indent="-228600" algn="l" defTabSz="914400" rtl="0" eaLnBrk="1" latinLnBrk="0" hangingPunct="1">
+              <a:lnSpc>
+                <a:spcPct val="90000"/>
+              </a:lnSpc>
+              <a:spcBef>
+                <a:spcPts val="500"/>
+              </a:spcBef>
+              <a:buFont typeface="Arial" panose="020B0604020202020204" pitchFamily="34" charset="0"/>
+              <a:buChar char="•"/>
+              <a:defRPr sz="2400" kern="1200">
+                <a:solidFill>
+                  <a:schemeClr val="tx1"/>
+                </a:solidFill>
+                <a:latin typeface="+mn-lt"/>
+                <a:ea typeface="+mn-ea"/>
+                <a:cs typeface="+mn-cs"/>
+              </a:defRPr>
+            </a:lvl2pPr>
+            <a:lvl3pPr marL="1143000" indent="-228600" algn="l" defTabSz="914400" rtl="0" eaLnBrk="1" latinLnBrk="0" hangingPunct="1">
+              <a:lnSpc>
+                <a:spcPct val="90000"/>
+              </a:lnSpc>
+              <a:spcBef>
+                <a:spcPts val="500"/>
+              </a:spcBef>
+              <a:buFont typeface="Arial" panose="020B0604020202020204" pitchFamily="34" charset="0"/>
+              <a:buChar char="•"/>
+              <a:defRPr sz="2000" kern="1200">
+                <a:solidFill>
+                  <a:schemeClr val="tx1"/>
+                </a:solidFill>
+                <a:latin typeface="+mn-lt"/>
+                <a:ea typeface="+mn-ea"/>
+                <a:cs typeface="+mn-cs"/>
+              </a:defRPr>
+            </a:lvl3pPr>
+            <a:lvl4pPr marL="1600200" indent="-228600" algn="l" defTabSz="914400" rtl="0" eaLnBrk="1" latinLnBrk="0" hangingPunct="1">
+              <a:lnSpc>
+                <a:spcPct val="90000"/>
+              </a:lnSpc>
+              <a:spcBef>
+                <a:spcPts val="500"/>
+              </a:spcBef>
+              <a:buFont typeface="Arial" panose="020B0604020202020204" pitchFamily="34" charset="0"/>
+              <a:buChar char="•"/>
+              <a:defRPr sz="1800" kern="1200">
+                <a:solidFill>
+                  <a:schemeClr val="tx1"/>
+                </a:solidFill>
+                <a:latin typeface="+mn-lt"/>
+                <a:ea typeface="+mn-ea"/>
+                <a:cs typeface="+mn-cs"/>
+              </a:defRPr>
+            </a:lvl4pPr>
+            <a:lvl5pPr marL="2057400" indent="-228600" algn="l" defTabSz="914400" rtl="0" eaLnBrk="1" latinLnBrk="0" hangingPunct="1">
+              <a:lnSpc>
+                <a:spcPct val="90000"/>
+              </a:lnSpc>
+              <a:spcBef>
+                <a:spcPts val="500"/>
+              </a:spcBef>
+              <a:buFont typeface="Arial" panose="020B0604020202020204" pitchFamily="34" charset="0"/>
+              <a:buChar char="•"/>
+              <a:defRPr sz="1800" kern="1200">
+                <a:solidFill>
+                  <a:schemeClr val="tx1"/>
+                </a:solidFill>
+                <a:latin typeface="+mn-lt"/>
+                <a:ea typeface="+mn-ea"/>
+                <a:cs typeface="+mn-cs"/>
+              </a:defRPr>
+            </a:lvl5pPr>
+            <a:lvl6pPr marL="2514600" indent="-228600" algn="l" defTabSz="914400" rtl="0" eaLnBrk="1" latinLnBrk="0" hangingPunct="1">
+              <a:lnSpc>
+                <a:spcPct val="90000"/>
+              </a:lnSpc>
+              <a:spcBef>
+                <a:spcPts val="500"/>
+              </a:spcBef>
+              <a:buFont typeface="Arial" panose="020B0604020202020204" pitchFamily="34" charset="0"/>
+              <a:buChar char="•"/>
+              <a:defRPr sz="1800" kern="1200">
+                <a:solidFill>
+                  <a:schemeClr val="tx1"/>
+                </a:solidFill>
+                <a:latin typeface="+mn-lt"/>
+                <a:ea typeface="+mn-ea"/>
+                <a:cs typeface="+mn-cs"/>
+              </a:defRPr>
+            </a:lvl6pPr>
+            <a:lvl7pPr marL="2971800" indent="-228600" algn="l" defTabSz="914400" rtl="0" eaLnBrk="1" latinLnBrk="0" hangingPunct="1">
+              <a:lnSpc>
+                <a:spcPct val="90000"/>
+              </a:lnSpc>
+              <a:spcBef>
+                <a:spcPts val="500"/>
+              </a:spcBef>
+              <a:buFont typeface="Arial" panose="020B0604020202020204" pitchFamily="34" charset="0"/>
+              <a:buChar char="•"/>
+              <a:defRPr sz="1800" kern="1200">
+                <a:solidFill>
+                  <a:schemeClr val="tx1"/>
+                </a:solidFill>
+                <a:latin typeface="+mn-lt"/>
+                <a:ea typeface="+mn-ea"/>
+                <a:cs typeface="+mn-cs"/>
+              </a:defRPr>
+            </a:lvl7pPr>
+            <a:lvl8pPr marL="3429000" indent="-228600" algn="l" defTabSz="914400" rtl="0" eaLnBrk="1" latinLnBrk="0" hangingPunct="1">
+              <a:lnSpc>
+                <a:spcPct val="90000"/>
+              </a:lnSpc>
+              <a:spcBef>
+                <a:spcPts val="500"/>
+              </a:spcBef>
+              <a:buFont typeface="Arial" panose="020B0604020202020204" pitchFamily="34" charset="0"/>
+              <a:buChar char="•"/>
+              <a:defRPr sz="1800" kern="1200">
+                <a:solidFill>
+                  <a:schemeClr val="tx1"/>
+                </a:solidFill>
+                <a:latin typeface="+mn-lt"/>
+                <a:ea typeface="+mn-ea"/>
+                <a:cs typeface="+mn-cs"/>
+              </a:defRPr>
+            </a:lvl8pPr>
+            <a:lvl9pPr marL="3886200" indent="-228600" algn="l" defTabSz="914400" rtl="0" eaLnBrk="1" latinLnBrk="0" hangingPunct="1">
+              <a:lnSpc>
+                <a:spcPct val="90000"/>
+              </a:lnSpc>
+              <a:spcBef>
+                <a:spcPts val="500"/>
+              </a:spcBef>
+              <a:buFont typeface="Arial" panose="020B0604020202020204" pitchFamily="34" charset="0"/>
+              <a:buChar char="•"/>
+              <a:defRPr sz="1800" kern="1200">
+                <a:solidFill>
+                  <a:schemeClr val="tx1"/>
+                </a:solidFill>
+                <a:latin typeface="+mn-lt"/>
+                <a:ea typeface="+mn-ea"/>
+                <a:cs typeface="+mn-cs"/>
+              </a:defRPr>
+            </a:lvl9pPr>
+          </a:lstStyle>
+          <a:p>
+            <a:r>
+              <a:rPr lang="en-US" sz="2000" dirty="0"/>
+              <a:t>Using the gam package, we constructed several gam models which used smoothing splines with varying degrees of freedom for the numeric predictors and dummy variables for the categorical predictors</a:t>
+            </a:r>
+          </a:p>
+          <a:p>
+            <a:r>
+              <a:rPr lang="en-US" sz="2000" dirty="0"/>
+              <a:t>The best choice of predictors were chosen by subset selection</a:t>
+            </a:r>
+          </a:p>
+          <a:p>
+            <a:pPr lvl="1"/>
+            <a:r>
+              <a:rPr lang="en-US" sz="2000" dirty="0" err="1"/>
+              <a:t>CompDays</a:t>
+            </a:r>
+            <a:endParaRPr lang="en-US" sz="2000" dirty="0"/>
+          </a:p>
+          <a:p>
+            <a:pPr lvl="1"/>
+            <a:r>
+              <a:rPr lang="en-US" sz="2000" dirty="0" err="1"/>
+              <a:t>CompetitionDistance</a:t>
+            </a:r>
+            <a:endParaRPr lang="en-US" sz="2000" dirty="0"/>
+          </a:p>
+          <a:p>
+            <a:pPr lvl="1"/>
+            <a:r>
+              <a:rPr lang="en-US" sz="2000" dirty="0" err="1"/>
+              <a:t>CompetitionOpenSinceYear</a:t>
+            </a:r>
+            <a:endParaRPr lang="en-US" sz="2000" dirty="0"/>
+          </a:p>
+          <a:p>
+            <a:pPr lvl="1"/>
+            <a:r>
+              <a:rPr lang="en-US" sz="2000" dirty="0"/>
+              <a:t>Assortment</a:t>
+            </a:r>
+          </a:p>
+          <a:p>
+            <a:pPr lvl="1"/>
+            <a:r>
+              <a:rPr lang="en-US" sz="2000" dirty="0" err="1"/>
+              <a:t>StoreType</a:t>
+            </a:r>
+            <a:endParaRPr lang="en-US" sz="2000" dirty="0"/>
+          </a:p>
+          <a:p>
+            <a:pPr lvl="1"/>
+            <a:r>
+              <a:rPr lang="en-US" sz="2000" dirty="0"/>
+              <a:t>Month</a:t>
+            </a:r>
+          </a:p>
+          <a:p>
+            <a:pPr lvl="1"/>
+            <a:r>
+              <a:rPr lang="en-US" sz="2000" dirty="0"/>
+              <a:t>Promo</a:t>
+            </a:r>
+          </a:p>
+          <a:p>
+            <a:pPr lvl="1"/>
+            <a:r>
+              <a:rPr lang="en-US" sz="2000" dirty="0" err="1"/>
+              <a:t>DayOfWeek</a:t>
+            </a:r>
+            <a:endParaRPr lang="en-US" sz="2000" dirty="0"/>
+          </a:p>
+          <a:p>
+            <a:pPr marL="0" indent="0">
+              <a:buFont typeface="Arial" panose="020B0604020202020204" pitchFamily="34" charset="0"/>
+              <a:buNone/>
+            </a:pPr>
+            <a:endParaRPr lang="en-US" sz="2000" dirty="0"/>
+          </a:p>
+        </p:txBody>
+      </p:sp>
     </p:spTree>
     <p:extLst>
       <p:ext uri="{BB962C8B-B14F-4D97-AF65-F5344CB8AC3E}">
-        <p14:creationId xmlns:p14="http://schemas.microsoft.com/office/powerpoint/2010/main" val="2282840056"/>
+        <p14:creationId xmlns:p14="http://schemas.microsoft.com/office/powerpoint/2010/main" val="1570904935"/>
       </p:ext>
     </p:extLst>
   </p:cSld>
@@ -3492,57 +3866,13 @@
           <a:lstStyle/>
           <a:p>
             <a:r>
-              <a:rPr lang="en-US" dirty="0">
+              <a:rPr lang="en-US" b="1" dirty="0">
                 <a:solidFill>
-                  <a:schemeClr val="bg1">
-                    <a:lumMod val="95000"/>
-                    <a:lumOff val="5000"/>
-                  </a:schemeClr>
+                  <a:srgbClr val="FFC000"/>
                 </a:solidFill>
               </a:rPr>
-              <a:t>Accuracy of Results</a:t>
-            </a:r>
-          </a:p>
-        </p:txBody>
-      </p:sp>
-      <p:sp>
-        <p:nvSpPr>
-          <p:cNvPr id="3" name="Content Placeholder 2"/>
-          <p:cNvSpPr>
-            <a:spLocks noGrp="1"/>
-          </p:cNvSpPr>
-          <p:nvPr>
-            <p:ph idx="1"/>
-          </p:nvPr>
-        </p:nvSpPr>
-        <p:spPr>
-          <a:xfrm>
-            <a:off x="838200" y="2015406"/>
-            <a:ext cx="10515600" cy="4065986"/>
-          </a:xfrm>
-        </p:spPr>
-        <p:txBody>
-          <a:bodyPr anchor="ctr">
-            <a:normAutofit/>
-          </a:bodyPr>
-          <a:lstStyle/>
-          <a:p>
-            <a:r>
-              <a:rPr lang="en-US" sz="2000" dirty="0"/>
-              <a:t>Your assessment of the accuracy of your model(s), again with reference to your script where appropriate </a:t>
-            </a:r>
-          </a:p>
-          <a:p>
-            <a:pPr marL="457200" lvl="1" indent="0">
-              <a:buNone/>
-            </a:pPr>
-            <a:r>
-              <a:rPr lang="en-US" sz="1600" dirty="0"/>
-              <a:t>• Error types should be identified and discussed </a:t>
-            </a:r>
-          </a:p>
-          <a:p>
-            <a:endParaRPr lang="en-US" sz="2000" dirty="0"/>
+              <a:t>Modeling: GAMs</a:t>
+            </a:r>
           </a:p>
         </p:txBody>
       </p:sp>
@@ -3587,10 +3917,100 @@
           </a:extLst>
         </p:spPr>
       </p:pic>
+      <p:sp>
+        <p:nvSpPr>
+          <p:cNvPr id="7" name="Content Placeholder 2"/>
+          <p:cNvSpPr>
+            <a:spLocks noGrp="1"/>
+          </p:cNvSpPr>
+          <p:nvPr>
+            <p:ph idx="1"/>
+          </p:nvPr>
+        </p:nvSpPr>
+        <p:spPr>
+          <a:xfrm>
+            <a:off x="838200" y="1950754"/>
+            <a:ext cx="9728200" cy="931556"/>
+          </a:xfrm>
+        </p:spPr>
+        <p:txBody>
+          <a:bodyPr anchor="ctr">
+            <a:normAutofit/>
+          </a:bodyPr>
+          <a:lstStyle/>
+          <a:p>
+            <a:r>
+              <a:rPr lang="en-US" sz="2000" dirty="0"/>
+              <a:t>The best GAM model used smoothing splines for </a:t>
+            </a:r>
+            <a:r>
+              <a:rPr lang="en-US" sz="2000" dirty="0" err="1"/>
+              <a:t>CompDays</a:t>
+            </a:r>
+            <a:r>
+              <a:rPr lang="en-US" sz="2000" dirty="0"/>
+              <a:t> and </a:t>
+            </a:r>
+            <a:r>
+              <a:rPr lang="en-US" sz="2000" dirty="0" err="1"/>
+              <a:t>CompetitionDistance</a:t>
+            </a:r>
+            <a:endParaRPr lang="en-US" sz="2000" dirty="0"/>
+          </a:p>
+        </p:txBody>
+      </p:sp>
+      <p:pic>
+        <p:nvPicPr>
+          <p:cNvPr id="11" name="Picture 10"/>
+          <p:cNvPicPr>
+            <a:picLocks noChangeAspect="1"/>
+          </p:cNvPicPr>
+          <p:nvPr/>
+        </p:nvPicPr>
+        <p:blipFill>
+          <a:blip r:embed="rId3"/>
+          <a:stretch>
+            <a:fillRect/>
+          </a:stretch>
+        </p:blipFill>
+        <p:spPr>
+          <a:xfrm>
+            <a:off x="659245" y="2882310"/>
+            <a:ext cx="5043055" cy="3782291"/>
+          </a:xfrm>
+          <a:prstGeom prst="rect">
+            <a:avLst/>
+          </a:prstGeom>
+        </p:spPr>
+      </p:pic>
+      <p:pic>
+        <p:nvPicPr>
+          <p:cNvPr id="12" name="Picture 11"/>
+          <p:cNvPicPr>
+            <a:picLocks noChangeAspect="1"/>
+          </p:cNvPicPr>
+          <p:nvPr/>
+        </p:nvPicPr>
+        <p:blipFill>
+          <a:blip r:embed="rId4"/>
+          <a:stretch>
+            <a:fillRect/>
+          </a:stretch>
+        </p:blipFill>
+        <p:spPr>
+          <a:xfrm>
+            <a:off x="6540500" y="2882310"/>
+            <a:ext cx="5043055" cy="3782291"/>
+          </a:xfrm>
+          <a:prstGeom prst="rect">
+            <a:avLst/>
+          </a:prstGeom>
+        </p:spPr>
+      </p:pic>
     </p:spTree>
     <p:extLst>
       <p:ext uri="{BB962C8B-B14F-4D97-AF65-F5344CB8AC3E}">
-        <p14:creationId xmlns:p14="http://schemas.microsoft.com/office/powerpoint/2010/main" val="1510803273"/>
+        <p14:creationId xmlns:p14="http://schemas.microsoft.com/office/powerpoint/2010/main" val="3590359999"/>
       </p:ext>
     </p:extLst>
   </p:cSld>
@@ -3724,9 +4144,105 @@
           </a:p>
         </p:txBody>
       </p:sp>
-      <p:sp>
-        <p:nvSpPr>
-          <p:cNvPr id="2" name="Title 1"/>
+      <p:pic>
+        <p:nvPicPr>
+          <p:cNvPr id="6" name="Picture 2" descr="Image result for rosmann"/>
+          <p:cNvPicPr>
+            <a:picLocks noChangeAspect="1" noChangeArrowheads="1"/>
+          </p:cNvPicPr>
+          <p:nvPr/>
+        </p:nvPicPr>
+        <p:blipFill>
+          <a:blip r:embed="rId2">
+            <a:extLst>
+              <a:ext uri="{28A0092B-C50C-407E-A947-70E740481C1C}">
+                <a14:useLocalDpi xmlns:a14="http://schemas.microsoft.com/office/drawing/2010/main" val="0"/>
+              </a:ext>
+            </a:extLst>
+          </a:blip>
+          <a:srcRect/>
+          <a:stretch>
+            <a:fillRect/>
+          </a:stretch>
+        </p:blipFill>
+        <p:spPr bwMode="auto">
+          <a:xfrm>
+            <a:off x="9544049" y="864190"/>
+            <a:ext cx="2390775" cy="327432"/>
+          </a:xfrm>
+          <a:prstGeom prst="rect">
+            <a:avLst/>
+          </a:prstGeom>
+          <a:noFill/>
+          <a:extLst>
+            <a:ext uri="{909E8E84-426E-40DD-AFC4-6F175D3DCCD1}">
+              <a14:hiddenFill xmlns:a14="http://schemas.microsoft.com/office/drawing/2010/main">
+                <a:solidFill>
+                  <a:srgbClr val="FFFFFF"/>
+                </a:solidFill>
+              </a14:hiddenFill>
+            </a:ext>
+          </a:extLst>
+        </p:spPr>
+      </p:pic>
+      <p:sp>
+        <p:nvSpPr>
+          <p:cNvPr id="9" name="Content Placeholder 2"/>
+          <p:cNvSpPr>
+            <a:spLocks noGrp="1"/>
+          </p:cNvSpPr>
+          <p:nvPr>
+            <p:ph idx="1"/>
+          </p:nvPr>
+        </p:nvSpPr>
+        <p:spPr>
+          <a:xfrm>
+            <a:off x="838200" y="2015406"/>
+            <a:ext cx="10515600" cy="4065986"/>
+          </a:xfrm>
+        </p:spPr>
+        <p:txBody>
+          <a:bodyPr anchor="ctr">
+            <a:normAutofit/>
+          </a:bodyPr>
+          <a:lstStyle/>
+          <a:p>
+            <a:r>
+              <a:rPr lang="en-US" sz="2000" dirty="0"/>
+              <a:t>The best GAM model had the following values for our metrics of interest:</a:t>
+            </a:r>
+          </a:p>
+          <a:p>
+            <a:pPr lvl="1"/>
+            <a:r>
+              <a:rPr lang="en-US" sz="2000" dirty="0"/>
+              <a:t>Test MSE: 7501000</a:t>
+            </a:r>
+          </a:p>
+          <a:p>
+            <a:pPr lvl="1"/>
+            <a:r>
+              <a:rPr lang="en-US" sz="2000" dirty="0"/>
+              <a:t>RPSPE for the test set: 0.3141 or 31.41%</a:t>
+            </a:r>
+          </a:p>
+          <a:p>
+            <a:r>
+              <a:rPr lang="en-US" sz="2000" dirty="0"/>
+              <a:t>It was possible to slightly lower the RPSPE, but at the cost of increasing the MSE.</a:t>
+            </a:r>
+          </a:p>
+          <a:p>
+            <a:r>
+              <a:rPr lang="en-US" sz="2000" dirty="0"/>
+              <a:t>The flexibility of the splines does run the risk of overfitting the training data, however, as the test MSE and training MSE are similar, this does not seem to be too great a risk in this case. </a:t>
+            </a:r>
+          </a:p>
+        </p:txBody>
+      </p:sp>
+      <p:sp>
+        <p:nvSpPr>
+          <p:cNvPr id="11" name="Title 1"/>
           <p:cNvSpPr>
             <a:spLocks noGrp="1"/>
           </p:cNvSpPr>
@@ -3734,12 +4250,7 @@
             <p:ph type="title"/>
           </p:nvPr>
         </p:nvSpPr>
-        <p:spPr>
-          <a:xfrm>
-            <a:off x="838200" y="365125"/>
-            <a:ext cx="10515600" cy="1325563"/>
-          </a:xfrm>
-        </p:spPr>
+        <p:spPr/>
         <p:txBody>
           <a:bodyPr>
             <a:normAutofit/>
@@ -3747,15 +4258,434 @@
           <a:lstStyle/>
           <a:p>
             <a:r>
-              <a:rPr lang="en-US" dirty="0">
+              <a:rPr lang="en-US" b="1" dirty="0">
                 <a:solidFill>
-                  <a:schemeClr val="bg1">
-                    <a:lumMod val="95000"/>
-                    <a:lumOff val="5000"/>
-                  </a:schemeClr>
+                  <a:srgbClr val="FFC000"/>
                 </a:solidFill>
               </a:rPr>
-              <a:t>Interpretation</a:t>
+              <a:t>Modeling: GAMs</a:t>
+            </a:r>
+          </a:p>
+        </p:txBody>
+      </p:sp>
+    </p:spTree>
+    <p:extLst>
+      <p:ext uri="{BB962C8B-B14F-4D97-AF65-F5344CB8AC3E}">
+        <p14:creationId xmlns:p14="http://schemas.microsoft.com/office/powerpoint/2010/main" val="2282840056"/>
+      </p:ext>
+    </p:extLst>
+  </p:cSld>
+  <p:clrMapOvr>
+    <a:overrideClrMapping bg1="dk1" tx1="lt1" bg2="dk2" tx2="lt2" accent1="accent1" accent2="accent2" accent3="accent3" accent4="accent4" accent5="accent5" accent6="accent6" hlink="hlink" folHlink="folHlink"/>
+  </p:clrMapOvr>
+</p:sld>
+</file>
+
+<file path=ppt/slides/slide13.xml><?xml version="1.0" encoding="utf-8"?>
+<p:sld xmlns:a="http://schemas.openxmlformats.org/drawingml/2006/main" xmlns:r="http://schemas.openxmlformats.org/officeDocument/2006/relationships" xmlns:p="http://schemas.openxmlformats.org/presentationml/2006/main">
+  <p:cSld>
+    <p:spTree>
+      <p:nvGrpSpPr>
+        <p:cNvPr id="1" name=""/>
+        <p:cNvGrpSpPr/>
+        <p:nvPr/>
+      </p:nvGrpSpPr>
+      <p:grpSpPr>
+        <a:xfrm>
+          <a:off x="0" y="0"/>
+          <a:ext cx="0" cy="0"/>
+          <a:chOff x="0" y="0"/>
+          <a:chExt cx="0" cy="0"/>
+        </a:xfrm>
+      </p:grpSpPr>
+      <p:sp>
+        <p:nvSpPr>
+          <p:cNvPr id="8" name="Rectangle 7">
+            <a:extLst/>
+          </p:cNvPr>
+          <p:cNvSpPr>
+            <a:spLocks noGrp="1" noRot="1" noChangeAspect="1" noMove="1" noResize="1" noEditPoints="1" noAdjustHandles="1" noChangeArrowheads="1" noChangeShapeType="1" noTextEdit="1"/>
+          </p:cNvSpPr>
+          <p:nvPr>
+            <p:extLst>
+              <p:ext uri="{386F3935-93C4-4BCD-93E2-E3B085C9AB24}">
+                <p16:designElem xmlns:p16="http://schemas.microsoft.com/office/powerpoint/2015/main" val="1"/>
+              </p:ext>
+            </p:extLst>
+          </p:nvPr>
+        </p:nvSpPr>
+        <p:spPr>
+          <a:xfrm>
+            <a:off x="0" y="0"/>
+            <a:ext cx="12192000" cy="1690688"/>
+          </a:xfrm>
+          <a:prstGeom prst="rect">
+            <a:avLst/>
+          </a:prstGeom>
+          <a:solidFill>
+            <a:schemeClr val="tx1"/>
+          </a:solidFill>
+          <a:ln>
+            <a:noFill/>
+          </a:ln>
+        </p:spPr>
+        <p:style>
+          <a:lnRef idx="2">
+            <a:schemeClr val="accent1">
+              <a:shade val="50000"/>
+            </a:schemeClr>
+          </a:lnRef>
+          <a:fillRef idx="1">
+            <a:schemeClr val="accent1"/>
+          </a:fillRef>
+          <a:effectRef idx="0">
+            <a:schemeClr val="accent1"/>
+          </a:effectRef>
+          <a:fontRef idx="minor">
+            <a:schemeClr val="lt1"/>
+          </a:fontRef>
+        </p:style>
+        <p:txBody>
+          <a:bodyPr rtlCol="0" anchor="ctr"/>
+          <a:lstStyle/>
+          <a:p>
+            <a:pPr algn="ctr"/>
+            <a:endParaRPr lang="en-US"/>
+          </a:p>
+        </p:txBody>
+      </p:sp>
+      <p:sp useBgFill="1">
+        <p:nvSpPr>
+          <p:cNvPr id="10" name="Rectangle 9"/>
+          <p:cNvSpPr>
+            <a:spLocks noGrp="1" noRot="1" noChangeAspect="1" noMove="1" noResize="1" noEditPoints="1" noAdjustHandles="1" noChangeArrowheads="1" noChangeShapeType="1" noTextEdit="1"/>
+          </p:cNvSpPr>
+          <p:nvPr>
+            <p:extLst>
+              <p:ext uri="{386F3935-93C4-4BCD-93E2-E3B085C9AB24}">
+                <p16:designElem xmlns:p16="http://schemas.microsoft.com/office/powerpoint/2015/main" val="1"/>
+              </p:ext>
+            </p:extLst>
+          </p:nvPr>
+        </p:nvSpPr>
+        <p:spPr>
+          <a:xfrm>
+            <a:off x="0" y="1690688"/>
+            <a:ext cx="12192000" cy="5166360"/>
+          </a:xfrm>
+          <a:prstGeom prst="rect">
+            <a:avLst/>
+          </a:prstGeom>
+          <a:ln>
+            <a:noFill/>
+          </a:ln>
+        </p:spPr>
+        <p:style>
+          <a:lnRef idx="2">
+            <a:schemeClr val="accent1">
+              <a:shade val="50000"/>
+            </a:schemeClr>
+          </a:lnRef>
+          <a:fillRef idx="1">
+            <a:schemeClr val="accent1"/>
+          </a:fillRef>
+          <a:effectRef idx="0">
+            <a:schemeClr val="accent1"/>
+          </a:effectRef>
+          <a:fontRef idx="minor">
+            <a:schemeClr val="lt1"/>
+          </a:fontRef>
+        </p:style>
+        <p:txBody>
+          <a:bodyPr rtlCol="0" anchor="ctr"/>
+          <a:lstStyle/>
+          <a:p>
+            <a:pPr algn="ctr"/>
+            <a:endParaRPr lang="en-US"/>
+          </a:p>
+        </p:txBody>
+      </p:sp>
+      <p:sp>
+        <p:nvSpPr>
+          <p:cNvPr id="2" name="Title 1"/>
+          <p:cNvSpPr>
+            <a:spLocks noGrp="1"/>
+          </p:cNvSpPr>
+          <p:nvPr>
+            <p:ph type="title"/>
+          </p:nvPr>
+        </p:nvSpPr>
+        <p:spPr>
+          <a:xfrm>
+            <a:off x="838200" y="365125"/>
+            <a:ext cx="10515600" cy="1325563"/>
+          </a:xfrm>
+        </p:spPr>
+        <p:txBody>
+          <a:bodyPr>
+            <a:normAutofit/>
+          </a:bodyPr>
+          <a:lstStyle/>
+          <a:p>
+            <a:r>
+              <a:rPr lang="en-US" b="1" dirty="0">
+                <a:solidFill>
+                  <a:srgbClr val="FFC000"/>
+                </a:solidFill>
+              </a:rPr>
+              <a:t>Accuracy of Results</a:t>
+            </a:r>
+          </a:p>
+        </p:txBody>
+      </p:sp>
+      <p:sp>
+        <p:nvSpPr>
+          <p:cNvPr id="3" name="Content Placeholder 2"/>
+          <p:cNvSpPr>
+            <a:spLocks noGrp="1"/>
+          </p:cNvSpPr>
+          <p:nvPr>
+            <p:ph idx="1"/>
+          </p:nvPr>
+        </p:nvSpPr>
+        <p:spPr>
+          <a:xfrm>
+            <a:off x="838200" y="2015406"/>
+            <a:ext cx="10515600" cy="4065986"/>
+          </a:xfrm>
+        </p:spPr>
+        <p:txBody>
+          <a:bodyPr anchor="ctr">
+            <a:normAutofit/>
+          </a:bodyPr>
+          <a:lstStyle/>
+          <a:p>
+            <a:r>
+              <a:rPr lang="en-US" sz="2000" dirty="0"/>
+              <a:t>Your assessment of the accuracy of your model(s), again with reference to your script where appropriate </a:t>
+            </a:r>
+          </a:p>
+          <a:p>
+            <a:pPr marL="457200" lvl="1" indent="0">
+              <a:buNone/>
+            </a:pPr>
+            <a:r>
+              <a:rPr lang="en-US" sz="1600" dirty="0"/>
+              <a:t>• Error types should be identified and discussed </a:t>
+            </a:r>
+          </a:p>
+          <a:p>
+            <a:endParaRPr lang="en-US" sz="2000" dirty="0"/>
+          </a:p>
+        </p:txBody>
+      </p:sp>
+      <p:pic>
+        <p:nvPicPr>
+          <p:cNvPr id="6" name="Picture 2" descr="Image result for rosmann"/>
+          <p:cNvPicPr>
+            <a:picLocks noChangeAspect="1" noChangeArrowheads="1"/>
+          </p:cNvPicPr>
+          <p:nvPr/>
+        </p:nvPicPr>
+        <p:blipFill>
+          <a:blip r:embed="rId2">
+            <a:extLst>
+              <a:ext uri="{28A0092B-C50C-407E-A947-70E740481C1C}">
+                <a14:useLocalDpi xmlns:a14="http://schemas.microsoft.com/office/drawing/2010/main" val="0"/>
+              </a:ext>
+            </a:extLst>
+          </a:blip>
+          <a:srcRect/>
+          <a:stretch>
+            <a:fillRect/>
+          </a:stretch>
+        </p:blipFill>
+        <p:spPr bwMode="auto">
+          <a:xfrm>
+            <a:off x="9544049" y="864190"/>
+            <a:ext cx="2390775" cy="327432"/>
+          </a:xfrm>
+          <a:prstGeom prst="rect">
+            <a:avLst/>
+          </a:prstGeom>
+          <a:noFill/>
+          <a:extLst>
+            <a:ext uri="{909E8E84-426E-40DD-AFC4-6F175D3DCCD1}">
+              <a14:hiddenFill xmlns:a14="http://schemas.microsoft.com/office/drawing/2010/main">
+                <a:solidFill>
+                  <a:srgbClr val="FFFFFF"/>
+                </a:solidFill>
+              </a14:hiddenFill>
+            </a:ext>
+          </a:extLst>
+        </p:spPr>
+      </p:pic>
+    </p:spTree>
+    <p:extLst>
+      <p:ext uri="{BB962C8B-B14F-4D97-AF65-F5344CB8AC3E}">
+        <p14:creationId xmlns:p14="http://schemas.microsoft.com/office/powerpoint/2010/main" val="1510803273"/>
+      </p:ext>
+    </p:extLst>
+  </p:cSld>
+  <p:clrMapOvr>
+    <a:overrideClrMapping bg1="dk1" tx1="lt1" bg2="dk2" tx2="lt2" accent1="accent1" accent2="accent2" accent3="accent3" accent4="accent4" accent5="accent5" accent6="accent6" hlink="hlink" folHlink="folHlink"/>
+  </p:clrMapOvr>
+</p:sld>
+</file>
+
+<file path=ppt/slides/slide14.xml><?xml version="1.0" encoding="utf-8"?>
+<p:sld xmlns:a="http://schemas.openxmlformats.org/drawingml/2006/main" xmlns:r="http://schemas.openxmlformats.org/officeDocument/2006/relationships" xmlns:p="http://schemas.openxmlformats.org/presentationml/2006/main">
+  <p:cSld>
+    <p:spTree>
+      <p:nvGrpSpPr>
+        <p:cNvPr id="1" name=""/>
+        <p:cNvGrpSpPr/>
+        <p:nvPr/>
+      </p:nvGrpSpPr>
+      <p:grpSpPr>
+        <a:xfrm>
+          <a:off x="0" y="0"/>
+          <a:ext cx="0" cy="0"/>
+          <a:chOff x="0" y="0"/>
+          <a:chExt cx="0" cy="0"/>
+        </a:xfrm>
+      </p:grpSpPr>
+      <p:sp>
+        <p:nvSpPr>
+          <p:cNvPr id="8" name="Rectangle 7">
+            <a:extLst/>
+          </p:cNvPr>
+          <p:cNvSpPr>
+            <a:spLocks noGrp="1" noRot="1" noChangeAspect="1" noMove="1" noResize="1" noEditPoints="1" noAdjustHandles="1" noChangeArrowheads="1" noChangeShapeType="1" noTextEdit="1"/>
+          </p:cNvSpPr>
+          <p:nvPr>
+            <p:extLst>
+              <p:ext uri="{386F3935-93C4-4BCD-93E2-E3B085C9AB24}">
+                <p16:designElem xmlns:p16="http://schemas.microsoft.com/office/powerpoint/2015/main" val="1"/>
+              </p:ext>
+            </p:extLst>
+          </p:nvPr>
+        </p:nvSpPr>
+        <p:spPr>
+          <a:xfrm>
+            <a:off x="0" y="0"/>
+            <a:ext cx="12192000" cy="1690688"/>
+          </a:xfrm>
+          <a:prstGeom prst="rect">
+            <a:avLst/>
+          </a:prstGeom>
+          <a:solidFill>
+            <a:schemeClr val="tx1"/>
+          </a:solidFill>
+          <a:ln>
+            <a:noFill/>
+          </a:ln>
+        </p:spPr>
+        <p:style>
+          <a:lnRef idx="2">
+            <a:schemeClr val="accent1">
+              <a:shade val="50000"/>
+            </a:schemeClr>
+          </a:lnRef>
+          <a:fillRef idx="1">
+            <a:schemeClr val="accent1"/>
+          </a:fillRef>
+          <a:effectRef idx="0">
+            <a:schemeClr val="accent1"/>
+          </a:effectRef>
+          <a:fontRef idx="minor">
+            <a:schemeClr val="lt1"/>
+          </a:fontRef>
+        </p:style>
+        <p:txBody>
+          <a:bodyPr rtlCol="0" anchor="ctr"/>
+          <a:lstStyle/>
+          <a:p>
+            <a:pPr algn="ctr"/>
+            <a:endParaRPr lang="en-US"/>
+          </a:p>
+        </p:txBody>
+      </p:sp>
+      <p:sp useBgFill="1">
+        <p:nvSpPr>
+          <p:cNvPr id="10" name="Rectangle 9"/>
+          <p:cNvSpPr>
+            <a:spLocks noGrp="1" noRot="1" noChangeAspect="1" noMove="1" noResize="1" noEditPoints="1" noAdjustHandles="1" noChangeArrowheads="1" noChangeShapeType="1" noTextEdit="1"/>
+          </p:cNvSpPr>
+          <p:nvPr>
+            <p:extLst>
+              <p:ext uri="{386F3935-93C4-4BCD-93E2-E3B085C9AB24}">
+                <p16:designElem xmlns:p16="http://schemas.microsoft.com/office/powerpoint/2015/main" val="1"/>
+              </p:ext>
+            </p:extLst>
+          </p:nvPr>
+        </p:nvSpPr>
+        <p:spPr>
+          <a:xfrm>
+            <a:off x="0" y="1690688"/>
+            <a:ext cx="12192000" cy="5166360"/>
+          </a:xfrm>
+          <a:prstGeom prst="rect">
+            <a:avLst/>
+          </a:prstGeom>
+          <a:ln>
+            <a:noFill/>
+          </a:ln>
+        </p:spPr>
+        <p:style>
+          <a:lnRef idx="2">
+            <a:schemeClr val="accent1">
+              <a:shade val="50000"/>
+            </a:schemeClr>
+          </a:lnRef>
+          <a:fillRef idx="1">
+            <a:schemeClr val="accent1"/>
+          </a:fillRef>
+          <a:effectRef idx="0">
+            <a:schemeClr val="accent1"/>
+          </a:effectRef>
+          <a:fontRef idx="minor">
+            <a:schemeClr val="lt1"/>
+          </a:fontRef>
+        </p:style>
+        <p:txBody>
+          <a:bodyPr rtlCol="0" anchor="ctr"/>
+          <a:lstStyle/>
+          <a:p>
+            <a:pPr algn="ctr"/>
+            <a:endParaRPr lang="en-US"/>
+          </a:p>
+        </p:txBody>
+      </p:sp>
+      <p:sp>
+        <p:nvSpPr>
+          <p:cNvPr id="2" name="Title 1"/>
+          <p:cNvSpPr>
+            <a:spLocks noGrp="1"/>
+          </p:cNvSpPr>
+          <p:nvPr>
+            <p:ph type="title"/>
+          </p:nvPr>
+        </p:nvSpPr>
+        <p:spPr>
+          <a:xfrm>
+            <a:off x="838200" y="365125"/>
+            <a:ext cx="10515600" cy="1325563"/>
+          </a:xfrm>
+        </p:spPr>
+        <p:txBody>
+          <a:bodyPr>
+            <a:normAutofit/>
+          </a:bodyPr>
+          <a:lstStyle/>
+          <a:p>
+            <a:r>
+              <a:rPr lang="en-US" b="1" dirty="0">
+                <a:solidFill>
+                  <a:srgbClr val="FFC000"/>
+                </a:solidFill>
+              </a:rPr>
+              <a:t>Conclusions</a:t>
             </a:r>
           </a:p>
         </p:txBody>
@@ -3999,12 +4929,9 @@
           <a:lstStyle/>
           <a:p>
             <a:r>
-              <a:rPr lang="en-US">
+              <a:rPr lang="en-US" b="1" dirty="0">
                 <a:solidFill>
-                  <a:schemeClr val="bg1">
-                    <a:lumMod val="95000"/>
-                    <a:lumOff val="5000"/>
-                  </a:schemeClr>
+                  <a:srgbClr val="FFC000"/>
                 </a:solidFill>
               </a:rPr>
               <a:t>Business Reasoning</a:t>
@@ -4283,12 +5210,9 @@
           <a:lstStyle/>
           <a:p>
             <a:r>
-              <a:rPr lang="en-US">
+              <a:rPr lang="en-US" b="1" dirty="0">
                 <a:solidFill>
-                  <a:schemeClr val="bg1">
-                    <a:lumMod val="95000"/>
-                    <a:lumOff val="5000"/>
-                  </a:schemeClr>
+                  <a:srgbClr val="FFC000"/>
                 </a:solidFill>
               </a:rPr>
               <a:t>Data</a:t>
@@ -4459,7 +5383,18 @@
             </a:pPr>
             <a:r>
               <a:rPr lang="en-US" sz="2400" dirty="0"/>
-              <a:t>Store, Store Type, Assortment, Assortment, Competition Distance, Competition Since Moth, Competition Since Year, Promo2, Promo2 Since Week, Promo2 Since Year, Promo Interval</a:t>
+              <a:t>Store, Store Type, Assortment, Competition Distance, Competition Since Moth, Competition Since Year</a:t>
+            </a:r>
+            <a:r>
+              <a:rPr lang="en-US" sz="2400" dirty="0">
+                <a:solidFill>
+                  <a:schemeClr val="bg1">
+                    <a:lumMod val="65000"/>
+                    <a:lumOff val="35000"/>
+                  </a:schemeClr>
+                </a:solidFill>
+              </a:rPr>
+              <a:t>, Promo2, Promo2 Since Week, Promo2 Since Year, Promo Interval</a:t>
             </a:r>
           </a:p>
           <a:p>
@@ -4804,15 +5739,12 @@
           <a:lstStyle/>
           <a:p>
             <a:r>
-              <a:rPr lang="en-US" dirty="0">
+              <a:rPr lang="en-US" b="1" dirty="0">
                 <a:solidFill>
-                  <a:schemeClr val="bg1">
-                    <a:lumMod val="95000"/>
-                    <a:lumOff val="5000"/>
-                  </a:schemeClr>
+                  <a:srgbClr val="FFC000"/>
                 </a:solidFill>
               </a:rPr>
-              <a:t>Data Cleansing</a:t>
+              <a:t>Data Cleaning &amp; Preprocessing</a:t>
             </a:r>
           </a:p>
         </p:txBody>
@@ -4839,7 +5771,76 @@
           </a:bodyPr>
           <a:lstStyle/>
           <a:p>
-            <a:endParaRPr lang="en-US" sz="2000" dirty="0"/>
+            <a:r>
+              <a:rPr lang="en-US" dirty="0"/>
+              <a:t>Change Variable Type</a:t>
+            </a:r>
+          </a:p>
+          <a:p>
+            <a:pPr lvl="1">
+              <a:buSzPct val="60000"/>
+              <a:buFont typeface="Courier New" panose="02070309020205020404" pitchFamily="49" charset="0"/>
+              <a:buChar char="o"/>
+            </a:pPr>
+            <a:r>
+              <a:rPr lang="en-US" dirty="0"/>
+              <a:t>Integer  </a:t>
+            </a:r>
+            <a:r>
+              <a:rPr lang="en-US" altLang="zh-CN" dirty="0"/>
+              <a:t>—&gt; Factor      e.g. store</a:t>
+            </a:r>
+          </a:p>
+          <a:p>
+            <a:pPr lvl="1">
+              <a:buSzPct val="60000"/>
+              <a:buFont typeface="Courier New" panose="02070309020205020404" pitchFamily="49" charset="0"/>
+              <a:buChar char="o"/>
+            </a:pPr>
+            <a:r>
+              <a:rPr lang="en-US" dirty="0"/>
+              <a:t>String </a:t>
+            </a:r>
+            <a:r>
+              <a:rPr lang="en-US" altLang="zh-CN" dirty="0"/>
+              <a:t>—&gt; Date            e.g. date</a:t>
+            </a:r>
+          </a:p>
+          <a:p>
+            <a:pPr>
+              <a:buSzPct val="100000"/>
+            </a:pPr>
+            <a:r>
+              <a:rPr lang="en-US" dirty="0"/>
+              <a:t>Change Labels of Factor Variables</a:t>
+            </a:r>
+          </a:p>
+          <a:p>
+            <a:pPr>
+              <a:buSzPct val="100000"/>
+            </a:pPr>
+            <a:r>
+              <a:rPr lang="en-US" dirty="0"/>
+              <a:t>Separate month and year from the date variable</a:t>
+            </a:r>
+          </a:p>
+          <a:p>
+            <a:pPr>
+              <a:buSzPct val="100000"/>
+            </a:pPr>
+            <a:r>
+              <a:rPr lang="en-US" dirty="0"/>
+              <a:t>Add month and year variables</a:t>
+            </a:r>
+          </a:p>
+          <a:p>
+            <a:pPr>
+              <a:buSzPct val="100000"/>
+            </a:pPr>
+            <a:r>
+              <a:rPr lang="en-US" dirty="0"/>
+              <a:t>Drop the date and customer volume variables</a:t>
+            </a:r>
           </a:p>
         </p:txBody>
       </p:sp>
@@ -5044,15 +6045,12 @@
           <a:lstStyle/>
           <a:p>
             <a:r>
-              <a:rPr lang="en-US" dirty="0">
+              <a:rPr lang="en-US" b="1" dirty="0">
                 <a:solidFill>
-                  <a:schemeClr val="bg1">
-                    <a:lumMod val="95000"/>
-                    <a:lumOff val="5000"/>
-                  </a:schemeClr>
+                  <a:srgbClr val="FFC000"/>
                 </a:solidFill>
               </a:rPr>
-              <a:t>Modeling</a:t>
+              <a:t>Data Cleaning &amp; Preprocessing</a:t>
             </a:r>
           </a:p>
         </p:txBody>
@@ -5080,15 +6078,80 @@
           <a:lstStyle/>
           <a:p>
             <a:r>
-              <a:rPr lang="en-US" sz="2000" dirty="0"/>
-              <a:t>• A summary of your modeling steps, with reference to your script where appropriate to allow me to relate it to your description. • In particular, if in a predictive setting, overtraining avoidance, bias variance tradeoff, etc. should be discussed.</a:t>
-            </a:r>
+              <a:rPr lang="en-US" dirty="0"/>
+              <a:t>Add a new variable and calculate the time interval in days since the competitor appeared</a:t>
+            </a:r>
+          </a:p>
+          <a:p>
+            <a:pPr lvl="1">
+              <a:buSzPct val="60000"/>
+              <a:buFont typeface="Courier New" panose="02070309020205020404" pitchFamily="49" charset="0"/>
+              <a:buChar char="o"/>
+            </a:pPr>
+            <a:r>
+              <a:rPr lang="en-US" dirty="0"/>
+              <a:t>2015-07-31  minus Competitor Open Date</a:t>
+            </a:r>
+          </a:p>
+          <a:p>
+            <a:r>
+              <a:rPr lang="en-US" dirty="0"/>
+              <a:t>Exclude closed stores and zero sales observations</a:t>
+            </a:r>
+          </a:p>
+          <a:p>
+            <a:pPr>
+              <a:buSzPct val="100000"/>
+            </a:pPr>
+            <a:r>
+              <a:rPr lang="en-US" dirty="0"/>
+              <a:t>Exclude outliers</a:t>
+            </a:r>
+          </a:p>
+          <a:p>
+            <a:pPr lvl="1">
+              <a:buSzPct val="60000"/>
+              <a:buFont typeface="Courier New" panose="02070309020205020404" pitchFamily="49" charset="0"/>
+              <a:buChar char="o"/>
+            </a:pPr>
+            <a:r>
+              <a:rPr lang="en-US" dirty="0"/>
+              <a:t>Competitor Open Date on 1900 and 1961</a:t>
+            </a:r>
+          </a:p>
+          <a:p>
+            <a:pPr lvl="1">
+              <a:buSzPct val="60000"/>
+              <a:buFont typeface="Courier New" panose="02070309020205020404" pitchFamily="49" charset="0"/>
+              <a:buChar char="o"/>
+            </a:pPr>
+            <a:r>
+              <a:rPr lang="en-US" dirty="0"/>
+              <a:t>Sales equal to 46</a:t>
+            </a:r>
+          </a:p>
+          <a:p>
+            <a:pPr lvl="1">
+              <a:buSzPct val="60000"/>
+              <a:buFont typeface="Courier New" panose="02070309020205020404" pitchFamily="49" charset="0"/>
+              <a:buChar char="o"/>
+            </a:pPr>
+            <a:r>
+              <a:rPr lang="en-US" dirty="0"/>
+              <a:t>Minus time interval</a:t>
+            </a:r>
+          </a:p>
+          <a:p>
+            <a:pPr lvl="1">
+              <a:buSzPct val="100000"/>
+            </a:pPr>
+            <a:endParaRPr lang="en-US" sz="2000" dirty="0"/>
           </a:p>
         </p:txBody>
       </p:sp>
       <p:pic>
         <p:nvPicPr>
-          <p:cNvPr id="6" name="Picture 2" descr="Image result for rosmann"/>
+          <p:cNvPr id="7" name="Picture 2" descr="Image result for rosmann"/>
           <p:cNvPicPr>
             <a:picLocks noChangeAspect="1" noChangeArrowheads="1"/>
           </p:cNvPicPr>
@@ -5130,7 +6193,7 @@
     </p:spTree>
     <p:extLst>
       <p:ext uri="{BB962C8B-B14F-4D97-AF65-F5344CB8AC3E}">
-        <p14:creationId xmlns:p14="http://schemas.microsoft.com/office/powerpoint/2010/main" val="1310104698"/>
+        <p14:creationId xmlns:p14="http://schemas.microsoft.com/office/powerpoint/2010/main" val="390173608"/>
       </p:ext>
     </p:extLst>
   </p:cSld>
@@ -5287,15 +6350,12 @@
           <a:lstStyle/>
           <a:p>
             <a:r>
-              <a:rPr lang="en-US" dirty="0">
+              <a:rPr lang="en-US" b="1" dirty="0">
                 <a:solidFill>
-                  <a:schemeClr val="bg1">
-                    <a:lumMod val="95000"/>
-                    <a:lumOff val="5000"/>
-                  </a:schemeClr>
+                  <a:srgbClr val="FFC000"/>
                 </a:solidFill>
               </a:rPr>
-              <a:t>Modeling</a:t>
+              <a:t>Data Cleaning &amp; Preprocessing</a:t>
             </a:r>
           </a:p>
         </p:txBody>
@@ -5312,26 +6372,126 @@
         </p:nvSpPr>
         <p:spPr>
           <a:xfrm>
-            <a:off x="838200" y="2015406"/>
-            <a:ext cx="10515600" cy="4065986"/>
-          </a:xfrm>
-        </p:spPr>
-        <p:txBody>
-          <a:bodyPr anchor="ctr">
-            <a:normAutofit/>
+            <a:off x="838200" y="1857081"/>
+            <a:ext cx="10515600" cy="4224312"/>
+          </a:xfrm>
+        </p:spPr>
+        <p:txBody>
+          <a:bodyPr anchor="t">
+            <a:normAutofit lnSpcReduction="10000"/>
           </a:bodyPr>
           <a:lstStyle/>
           <a:p>
-            <a:r>
-              <a:rPr lang="en-US" sz="2000" dirty="0"/>
-              <a:t>A summary of your modeling steps, with reference to your script where appropriate to allow me to relate it to your description. • In particular, if in a predictive setting, overtraining avoidance, bias variance tradeoff, etc. should be discussed.</a:t>
+            <a:endParaRPr lang="en-US" dirty="0"/>
+          </a:p>
+          <a:p>
+            <a:r>
+              <a:rPr lang="en-US" dirty="0"/>
+              <a:t>Final full dataset</a:t>
+            </a:r>
+          </a:p>
+          <a:p>
+            <a:pPr lvl="1">
+              <a:lnSpc>
+                <a:spcPct val="100000"/>
+              </a:lnSpc>
+              <a:buSzPct val="60000"/>
+              <a:buFont typeface="Courier New" panose="02070309020205020404" pitchFamily="49" charset="0"/>
+              <a:buChar char="o"/>
+            </a:pPr>
+            <a:r>
+              <a:rPr lang="en-US" dirty="0"/>
+              <a:t>571997 obs. 16 variables</a:t>
+            </a:r>
+          </a:p>
+          <a:p>
+            <a:r>
+              <a:rPr lang="en-US" dirty="0"/>
+              <a:t>Training and test datasets</a:t>
+            </a:r>
+          </a:p>
+          <a:p>
+            <a:pPr lvl="1">
+              <a:buSzPct val="60000"/>
+              <a:buFont typeface="Courier New" panose="02070309020205020404" pitchFamily="49" charset="0"/>
+              <a:buChar char="o"/>
+            </a:pPr>
+            <a:r>
+              <a:rPr lang="en-US" dirty="0"/>
+              <a:t>Time series</a:t>
+            </a:r>
+          </a:p>
+          <a:p>
+            <a:pPr lvl="1">
+              <a:buSzPct val="60000"/>
+              <a:buFont typeface="Courier New" panose="02070309020205020404" pitchFamily="49" charset="0"/>
+              <a:buChar char="o"/>
+            </a:pPr>
+            <a:r>
+              <a:rPr lang="en-US" dirty="0"/>
+              <a:t>Training dataset</a:t>
+            </a:r>
+          </a:p>
+          <a:p>
+            <a:pPr lvl="2">
+              <a:buSzPct val="60000"/>
+              <a:buFont typeface="Courier New" panose="02070309020205020404" pitchFamily="49" charset="0"/>
+              <a:buChar char="o"/>
+            </a:pPr>
+            <a:r>
+              <a:rPr lang="en-US" dirty="0"/>
+              <a:t>439116 obs.</a:t>
+            </a:r>
+          </a:p>
+          <a:p>
+            <a:pPr lvl="2">
+              <a:buSzPct val="60000"/>
+              <a:buFont typeface="Courier New" panose="02070309020205020404" pitchFamily="49" charset="0"/>
+              <a:buChar char="o"/>
+            </a:pPr>
+            <a:r>
+              <a:rPr lang="en-US" dirty="0"/>
+              <a:t>Prior to 2015</a:t>
+            </a:r>
+          </a:p>
+          <a:p>
+            <a:pPr lvl="1">
+              <a:buSzPct val="60000"/>
+              <a:buFont typeface="Courier New" panose="02070309020205020404" pitchFamily="49" charset="0"/>
+              <a:buChar char="o"/>
+            </a:pPr>
+            <a:r>
+              <a:rPr lang="en-US" dirty="0"/>
+              <a:t>Test dataset</a:t>
+            </a:r>
+          </a:p>
+          <a:p>
+            <a:pPr lvl="2">
+              <a:buSzPct val="60000"/>
+              <a:buFont typeface="Courier New" panose="02070309020205020404" pitchFamily="49" charset="0"/>
+              <a:buChar char="o"/>
+            </a:pPr>
+            <a:r>
+              <a:rPr lang="en-US" dirty="0"/>
+              <a:t>132881 obs.</a:t>
+            </a:r>
+          </a:p>
+          <a:p>
+            <a:pPr lvl="2">
+              <a:buSzPct val="60000"/>
+              <a:buFont typeface="Courier New" panose="02070309020205020404" pitchFamily="49" charset="0"/>
+              <a:buChar char="o"/>
+            </a:pPr>
+            <a:r>
+              <a:rPr lang="en-US" dirty="0"/>
+              <a:t>Year 2015</a:t>
             </a:r>
           </a:p>
         </p:txBody>
       </p:sp>
       <p:pic>
         <p:nvPicPr>
-          <p:cNvPr id="6" name="Picture 2" descr="Image result for rosmann"/>
+          <p:cNvPr id="7" name="Picture 2" descr="Image result for rosmann"/>
           <p:cNvPicPr>
             <a:picLocks noChangeAspect="1" noChangeArrowheads="1"/>
           </p:cNvPicPr>
@@ -5373,7 +6533,7 @@
     </p:spTree>
     <p:extLst>
       <p:ext uri="{BB962C8B-B14F-4D97-AF65-F5344CB8AC3E}">
-        <p14:creationId xmlns:p14="http://schemas.microsoft.com/office/powerpoint/2010/main" val="3989128179"/>
+        <p14:creationId xmlns:p14="http://schemas.microsoft.com/office/powerpoint/2010/main" val="3851990781"/>
       </p:ext>
     </p:extLst>
   </p:cSld>
@@ -5530,131 +6690,399 @@
           <a:lstStyle/>
           <a:p>
             <a:r>
-              <a:rPr lang="en-US" dirty="0">
+              <a:rPr lang="en-US" b="1" dirty="0">
                 <a:solidFill>
-                  <a:schemeClr val="bg1">
-                    <a:lumMod val="95000"/>
-                    <a:lumOff val="5000"/>
-                  </a:schemeClr>
+                  <a:srgbClr val="FFC000"/>
                 </a:solidFill>
               </a:rPr>
-              <a:t>Modeling: GAM</a:t>
-            </a:r>
-          </a:p>
-        </p:txBody>
-      </p:sp>
-      <p:sp>
-        <p:nvSpPr>
-          <p:cNvPr id="3" name="Content Placeholder 2"/>
-          <p:cNvSpPr>
-            <a:spLocks noGrp="1"/>
-          </p:cNvSpPr>
-          <p:nvPr>
-            <p:ph idx="1"/>
-          </p:nvPr>
-        </p:nvSpPr>
-        <p:spPr>
-          <a:xfrm>
-            <a:off x="838200" y="1950754"/>
-            <a:ext cx="10515600" cy="4065986"/>
-          </a:xfrm>
-        </p:spPr>
-        <p:txBody>
-          <a:bodyPr anchor="ctr">
-            <a:normAutofit/>
-          </a:bodyPr>
-          <a:lstStyle/>
-          <a:p>
-            <a:r>
-              <a:rPr lang="en-US" sz="2000" dirty="0"/>
-              <a:t>Using the gam package, we constructed several gam models which used smoothing splines with varying degrees of freedom for the numeric predictors and dummy variables for the categorical predictors</a:t>
-            </a:r>
-          </a:p>
-          <a:p>
-            <a:r>
-              <a:rPr lang="en-US" sz="2000" dirty="0"/>
-              <a:t>The best choice of predictors were chosen by subset selection</a:t>
-            </a:r>
-          </a:p>
-          <a:p>
-            <a:pPr lvl="1"/>
-            <a:r>
-              <a:rPr lang="en-US" sz="1600" dirty="0" err="1"/>
-              <a:t>CompDays</a:t>
-            </a:r>
-            <a:endParaRPr lang="en-US" sz="1600" dirty="0"/>
-          </a:p>
-          <a:p>
-            <a:pPr lvl="1"/>
-            <a:r>
-              <a:rPr lang="en-US" sz="1600" dirty="0" err="1"/>
-              <a:t>CompetitionDistance</a:t>
-            </a:r>
-            <a:endParaRPr lang="en-US" sz="1600" dirty="0"/>
-          </a:p>
-          <a:p>
-            <a:pPr lvl="1"/>
-            <a:r>
-              <a:rPr lang="en-US" sz="1600" dirty="0" err="1"/>
-              <a:t>CompetitionOpenSinceYear</a:t>
-            </a:r>
-            <a:endParaRPr lang="en-US" sz="1600" dirty="0"/>
-          </a:p>
-          <a:p>
-            <a:pPr lvl="1"/>
-            <a:r>
-              <a:rPr lang="en-US" sz="1600" dirty="0"/>
-              <a:t>Assortment</a:t>
-            </a:r>
-          </a:p>
-          <a:p>
-            <a:pPr lvl="1"/>
-            <a:r>
-              <a:rPr lang="en-US" sz="1600" dirty="0" err="1"/>
-              <a:t>StoreType</a:t>
-            </a:r>
-            <a:endParaRPr lang="en-US" sz="1600" dirty="0"/>
-          </a:p>
-          <a:p>
-            <a:pPr lvl="1"/>
-            <a:r>
-              <a:rPr lang="en-US" sz="1600" dirty="0"/>
-              <a:t>Month</a:t>
-            </a:r>
-          </a:p>
-          <a:p>
-            <a:pPr lvl="1"/>
-            <a:r>
-              <a:rPr lang="en-US" sz="1600" dirty="0"/>
-              <a:t>Promo</a:t>
-            </a:r>
-          </a:p>
-          <a:p>
-            <a:pPr lvl="1"/>
-            <a:r>
-              <a:rPr lang="en-US" sz="1600" dirty="0" err="1"/>
-              <a:t>DayOfWeek</a:t>
-            </a:r>
-            <a:endParaRPr lang="en-US" sz="1600" dirty="0"/>
-          </a:p>
-          <a:p>
-            <a:pPr marL="0" indent="0">
-              <a:buNone/>
-            </a:pPr>
-            <a:endParaRPr lang="en-US" sz="2000" dirty="0"/>
-          </a:p>
-        </p:txBody>
-      </p:sp>
+              <a:t>Model Evaluation Metrics</a:t>
+            </a:r>
+          </a:p>
+        </p:txBody>
+      </p:sp>
+      <mc:AlternateContent xmlns:mc="http://schemas.openxmlformats.org/markup-compatibility/2006">
+        <mc:Choice xmlns:a14="http://schemas.microsoft.com/office/drawing/2010/main" Requires="a14">
+          <p:sp>
+            <p:nvSpPr>
+              <p:cNvPr id="3" name="Content Placeholder 2"/>
+              <p:cNvSpPr>
+                <a:spLocks noGrp="1"/>
+              </p:cNvSpPr>
+              <p:nvPr>
+                <p:ph idx="1"/>
+              </p:nvPr>
+            </p:nvSpPr>
+            <p:spPr>
+              <a:xfrm>
+                <a:off x="838200" y="2055811"/>
+                <a:ext cx="10515600" cy="4561805"/>
+              </a:xfrm>
+            </p:spPr>
+            <p:txBody>
+              <a:bodyPr anchor="t">
+                <a:normAutofit fontScale="92500" lnSpcReduction="20000"/>
+              </a:bodyPr>
+              <a:lstStyle/>
+              <a:p>
+                <a:r>
+                  <a:rPr lang="en-US" sz="3300" dirty="0"/>
+                  <a:t>Mean Squared Error (MSE)</a:t>
+                </a:r>
+              </a:p>
+              <a:p>
+                <a:pPr marL="0" indent="0">
+                  <a:buNone/>
+                </a:pPr>
+                <a14:m>
+                  <m:oMathPara xmlns:m="http://schemas.openxmlformats.org/officeDocument/2006/math">
+                    <m:oMathParaPr>
+                      <m:jc m:val="centerGroup"/>
+                    </m:oMathParaPr>
+                    <m:oMath xmlns:m="http://schemas.openxmlformats.org/officeDocument/2006/math">
+                      <m:r>
+                        <a:rPr lang="en-US" i="1"/>
+                        <m:t>𝑀𝑆𝐸</m:t>
+                      </m:r>
+                      <m:r>
+                        <a:rPr lang="en-US" i="1"/>
+                        <m:t>=</m:t>
+                      </m:r>
+                      <m:f>
+                        <m:fPr>
+                          <m:ctrlPr>
+                            <a:rPr lang="en-US" i="1"/>
+                          </m:ctrlPr>
+                        </m:fPr>
+                        <m:num>
+                          <m:r>
+                            <a:rPr lang="en-US" i="1"/>
+                            <m:t>1</m:t>
+                          </m:r>
+                        </m:num>
+                        <m:den>
+                          <m:r>
+                            <a:rPr lang="en-US" i="1"/>
+                            <m:t>𝑛</m:t>
+                          </m:r>
+                        </m:den>
+                      </m:f>
+                      <m:nary>
+                        <m:naryPr>
+                          <m:chr m:val="∑"/>
+                          <m:limLoc m:val="undOvr"/>
+                          <m:ctrlPr>
+                            <a:rPr lang="en-US" i="1"/>
+                          </m:ctrlPr>
+                        </m:naryPr>
+                        <m:sub>
+                          <m:r>
+                            <a:rPr lang="en-US" i="1"/>
+                            <m:t>𝑖</m:t>
+                          </m:r>
+                          <m:r>
+                            <a:rPr lang="en-US" i="1"/>
+                            <m:t>=1</m:t>
+                          </m:r>
+                        </m:sub>
+                        <m:sup>
+                          <m:r>
+                            <a:rPr lang="en-US" i="1"/>
+                            <m:t>𝑛</m:t>
+                          </m:r>
+                        </m:sup>
+                        <m:e>
+                          <m:sSup>
+                            <m:sSupPr>
+                              <m:ctrlPr>
+                                <a:rPr lang="en-US" i="1"/>
+                              </m:ctrlPr>
+                            </m:sSupPr>
+                            <m:e>
+                              <m:d>
+                                <m:dPr>
+                                  <m:ctrlPr>
+                                    <a:rPr lang="en-US" i="1"/>
+                                  </m:ctrlPr>
+                                </m:dPr>
+                                <m:e>
+                                  <m:r>
+                                    <a:rPr lang="en-US" i="1"/>
+                                    <m:t>𝑦</m:t>
+                                  </m:r>
+                                  <m:r>
+                                    <a:rPr lang="en-US" i="1" baseline="-25000"/>
+                                    <m:t>𝑖</m:t>
+                                  </m:r>
+                                  <m:r>
+                                    <a:rPr lang="en-US" i="1"/>
+                                    <m:t>−</m:t>
+                                  </m:r>
+                                  <m:r>
+                                    <a:rPr lang="en-US" i="1"/>
+                                    <m:t>𝑦𝑖</m:t>
+                                  </m:r>
+                                </m:e>
+                              </m:d>
+                            </m:e>
+                            <m:sup>
+                              <m:r>
+                                <a:rPr lang="en-US" i="1"/>
+                                <m:t>2</m:t>
+                              </m:r>
+                            </m:sup>
+                          </m:sSup>
+                        </m:e>
+                      </m:nary>
+                    </m:oMath>
+                  </m:oMathPara>
+                </a14:m>
+                <a:endParaRPr lang="en-US" dirty="0"/>
+              </a:p>
+              <a:p>
+                <a:endParaRPr lang="en-US" dirty="0"/>
+              </a:p>
+              <a:p>
+                <a:r>
+                  <a:rPr lang="en-US" sz="3300" dirty="0"/>
+                  <a:t>Root Mean Square Percentage Error (</a:t>
+                </a:r>
+                <a:r>
+                  <a:rPr lang="en-US" sz="3300" dirty="0"/>
+                  <a:t>RMSPE)</a:t>
+                </a:r>
+              </a:p>
+              <a:p>
+                <a:endParaRPr lang="en-US" dirty="0"/>
+              </a:p>
+              <a:p>
+                <a:pPr marL="0" indent="0">
+                  <a:buNone/>
+                </a:pPr>
+                <a14:m>
+                  <m:oMathPara xmlns:m="http://schemas.openxmlformats.org/officeDocument/2006/math">
+                    <m:oMathParaPr>
+                      <m:jc m:val="centerGroup"/>
+                    </m:oMathParaPr>
+                    <m:oMath xmlns:m="http://schemas.openxmlformats.org/officeDocument/2006/math">
+                      <m:r>
+                        <a:rPr lang="en-US" i="1"/>
+                        <m:t>𝑅𝑀𝑆𝑃𝐸</m:t>
+                      </m:r>
+                      <m:r>
+                        <a:rPr lang="en-US" i="1"/>
+                        <m:t>=</m:t>
+                      </m:r>
+                      <m:rad>
+                        <m:radPr>
+                          <m:degHide m:val="on"/>
+                          <m:ctrlPr>
+                            <a:rPr lang="en-US" i="1"/>
+                          </m:ctrlPr>
+                        </m:radPr>
+                        <m:deg/>
+                        <m:e>
+                          <m:f>
+                            <m:fPr>
+                              <m:ctrlPr>
+                                <a:rPr lang="en-US" i="1"/>
+                              </m:ctrlPr>
+                            </m:fPr>
+                            <m:num>
+                              <m:r>
+                                <a:rPr lang="en-US" i="1"/>
+                                <m:t>1</m:t>
+                              </m:r>
+                            </m:num>
+                            <m:den>
+                              <m:r>
+                                <a:rPr lang="en-US" i="1"/>
+                                <m:t>𝑛</m:t>
+                              </m:r>
+                            </m:den>
+                          </m:f>
+                        </m:e>
+                      </m:rad>
+                      <m:nary>
+                        <m:naryPr>
+                          <m:chr m:val="∑"/>
+                          <m:limLoc m:val="undOvr"/>
+                          <m:ctrlPr>
+                            <a:rPr lang="en-US" i="1"/>
+                          </m:ctrlPr>
+                        </m:naryPr>
+                        <m:sub>
+                          <m:r>
+                            <a:rPr lang="en-US" i="1"/>
+                            <m:t>𝑖</m:t>
+                          </m:r>
+                          <m:r>
+                            <a:rPr lang="en-US" i="1"/>
+                            <m:t>=1</m:t>
+                          </m:r>
+                        </m:sub>
+                        <m:sup>
+                          <m:r>
+                            <a:rPr lang="en-US" i="1"/>
+                            <m:t>𝑛</m:t>
+                          </m:r>
+                        </m:sup>
+                        <m:e>
+                          <m:sSup>
+                            <m:sSupPr>
+                              <m:ctrlPr>
+                                <a:rPr lang="en-US" i="1"/>
+                              </m:ctrlPr>
+                            </m:sSupPr>
+                            <m:e>
+                              <m:d>
+                                <m:dPr>
+                                  <m:ctrlPr>
+                                    <a:rPr lang="en-US" i="1"/>
+                                  </m:ctrlPr>
+                                </m:dPr>
+                                <m:e>
+                                  <m:f>
+                                    <m:fPr>
+                                      <m:ctrlPr>
+                                        <a:rPr lang="en-US" i="1" smtClean="0"/>
+                                      </m:ctrlPr>
+                                    </m:fPr>
+                                    <m:num>
+                                      <m:r>
+                                        <a:rPr lang="en-US" i="1"/>
+                                        <m:t>𝑦</m:t>
+                                      </m:r>
+                                      <m:r>
+                                        <a:rPr lang="en-US" i="1" baseline="-25000"/>
+                                        <m:t>𝑖</m:t>
+                                      </m:r>
+                                      <m:r>
+                                        <a:rPr lang="en-US" i="1"/>
+                                        <m:t>−</m:t>
+                                      </m:r>
+                                      <m:r>
+                                        <a:rPr lang="en-US" i="1"/>
+                                        <m:t>𝑦𝑖</m:t>
+                                      </m:r>
+                                    </m:num>
+                                    <m:den>
+                                      <m:r>
+                                        <a:rPr lang="en-US" i="1"/>
+                                        <m:t>𝑦</m:t>
+                                      </m:r>
+                                      <m:r>
+                                        <a:rPr lang="en-US" i="1" baseline="-25000"/>
+                                        <m:t>𝑖</m:t>
+                                      </m:r>
+                                    </m:den>
+                                  </m:f>
+                                </m:e>
+                              </m:d>
+                            </m:e>
+                            <m:sup>
+                              <m:r>
+                                <a:rPr lang="en-US" i="1"/>
+                                <m:t>2</m:t>
+                              </m:r>
+                            </m:sup>
+                          </m:sSup>
+                        </m:e>
+                      </m:nary>
+                    </m:oMath>
+                  </m:oMathPara>
+                </a14:m>
+                <a:endParaRPr lang="en-US" dirty="0"/>
+              </a:p>
+              <a:p>
+                <a:endParaRPr lang="en-US" sz="1600" dirty="0"/>
+              </a:p>
+              <a:p>
+                <a:pPr marL="0" indent="0">
+                  <a:buNone/>
+                </a:pPr>
+                <a:r>
+                  <a:rPr lang="en-US" sz="1600" dirty="0"/>
+                  <a:t>Note: </a:t>
+                </a:r>
+                <a:r>
+                  <a:rPr lang="en-US" sz="1600" dirty="0"/>
+                  <a:t>where </a:t>
+                </a:r>
+                <a:r>
+                  <a:rPr lang="en-US" sz="1600" dirty="0" err="1"/>
+                  <a:t>y_i</a:t>
+                </a:r>
+                <a:r>
+                  <a:rPr lang="en-US" sz="1600" dirty="0"/>
+                  <a:t> denotes the sales of a single store on a single day and </a:t>
+                </a:r>
+                <a:r>
+                  <a:rPr lang="en-US" sz="1600" dirty="0" err="1"/>
+                  <a:t>yhat_i</a:t>
+                </a:r>
+                <a:r>
+                  <a:rPr lang="en-US" sz="1600" dirty="0"/>
+                  <a:t> denotes the corresponding prediction. Any day and store with 0 sales is ignored in scoring.</a:t>
+                </a:r>
+                <a:endParaRPr lang="en-US" sz="1600" dirty="0"/>
+              </a:p>
+              <a:p>
+                <a:pPr marL="0" indent="0">
+                  <a:buNone/>
+                </a:pPr>
+                <a:endParaRPr lang="en-US" dirty="0"/>
+              </a:p>
+            </p:txBody>
+          </p:sp>
+        </mc:Choice>
+        <mc:Fallback>
+          <p:sp>
+            <p:nvSpPr>
+              <p:cNvPr id="3" name="Content Placeholder 2"/>
+              <p:cNvSpPr>
+                <a:spLocks noGrp="1" noRot="1" noChangeAspect="1" noMove="1" noResize="1" noEditPoints="1" noAdjustHandles="1" noChangeArrowheads="1" noChangeShapeType="1" noTextEdit="1"/>
+              </p:cNvSpPr>
+              <p:nvPr>
+                <p:ph idx="1"/>
+              </p:nvPr>
+            </p:nvSpPr>
+            <p:spPr>
+              <a:xfrm>
+                <a:off x="838200" y="2055811"/>
+                <a:ext cx="10515600" cy="4561805"/>
+              </a:xfrm>
+              <a:blipFill>
+                <a:blip r:embed="rId2"/>
+                <a:stretch>
+                  <a:fillRect l="-1275" t="-4272"/>
+                </a:stretch>
+              </a:blipFill>
+            </p:spPr>
+            <p:txBody>
+              <a:bodyPr/>
+              <a:lstStyle/>
+              <a:p>
+                <a:r>
+                  <a:rPr lang="en-US">
+                    <a:noFill/>
+                  </a:rPr>
+                  <a:t> </a:t>
+                </a:r>
+              </a:p>
+            </p:txBody>
+          </p:sp>
+        </mc:Fallback>
+      </mc:AlternateContent>
       <p:pic>
         <p:nvPicPr>
-          <p:cNvPr id="6" name="Picture 2" descr="Image result for rosmann"/>
+          <p:cNvPr id="7" name="Picture 2" descr="Image result for rosmann"/>
           <p:cNvPicPr>
             <a:picLocks noChangeAspect="1" noChangeArrowheads="1"/>
           </p:cNvPicPr>
           <p:nvPr/>
         </p:nvPicPr>
         <p:blipFill>
-          <a:blip r:embed="rId2">
+          <a:blip r:embed="rId3">
             <a:extLst>
               <a:ext uri="{28A0092B-C50C-407E-A947-70E740481C1C}">
                 <a14:useLocalDpi xmlns:a14="http://schemas.microsoft.com/office/drawing/2010/main" val="0"/>
@@ -5686,10 +7114,145 @@
           </a:extLst>
         </p:spPr>
       </p:pic>
+      <p:grpSp>
+        <p:nvGrpSpPr>
+          <p:cNvPr id="24" name="Group 23"/>
+          <p:cNvGrpSpPr/>
+          <p:nvPr/>
+        </p:nvGrpSpPr>
+        <p:grpSpPr>
+          <a:xfrm>
+            <a:off x="6077145" y="4656770"/>
+            <a:ext cx="1992199" cy="226315"/>
+            <a:chOff x="6061435" y="3864990"/>
+            <a:chExt cx="2036190" cy="240275"/>
+          </a:xfrm>
+        </p:grpSpPr>
+        <p:cxnSp>
+          <p:nvCxnSpPr>
+            <p:cNvPr id="5" name="Straight Connector 4"/>
+            <p:cNvCxnSpPr/>
+            <p:nvPr/>
+          </p:nvCxnSpPr>
+          <p:spPr>
+            <a:xfrm>
+              <a:off x="6061435" y="3864990"/>
+              <a:ext cx="2036190" cy="0"/>
+            </a:xfrm>
+            <a:prstGeom prst="line">
+              <a:avLst/>
+            </a:prstGeom>
+            <a:ln w="19050">
+              <a:solidFill>
+                <a:schemeClr val="tx1"/>
+              </a:solidFill>
+            </a:ln>
+          </p:spPr>
+          <p:style>
+            <a:lnRef idx="1">
+              <a:schemeClr val="accent1"/>
+            </a:lnRef>
+            <a:fillRef idx="0">
+              <a:schemeClr val="accent1"/>
+            </a:fillRef>
+            <a:effectRef idx="0">
+              <a:schemeClr val="accent1"/>
+            </a:effectRef>
+            <a:fontRef idx="minor">
+              <a:schemeClr val="tx1"/>
+            </a:fontRef>
+          </p:style>
+        </p:cxnSp>
+        <p:grpSp>
+          <p:nvGrpSpPr>
+            <p:cNvPr id="23" name="Group 22"/>
+            <p:cNvGrpSpPr/>
+            <p:nvPr/>
+          </p:nvGrpSpPr>
+          <p:grpSpPr>
+            <a:xfrm>
+              <a:off x="7507860" y="3968684"/>
+              <a:ext cx="146706" cy="136581"/>
+              <a:chOff x="9266548" y="2064470"/>
+              <a:chExt cx="555002" cy="349346"/>
+            </a:xfrm>
+          </p:grpSpPr>
+          <p:cxnSp>
+            <p:nvCxnSpPr>
+              <p:cNvPr id="21" name="Straight Connector 20"/>
+              <p:cNvCxnSpPr/>
+              <p:nvPr/>
+            </p:nvCxnSpPr>
+            <p:spPr>
+              <a:xfrm flipH="1">
+                <a:off x="9266548" y="2064470"/>
+                <a:ext cx="277501" cy="339365"/>
+              </a:xfrm>
+              <a:prstGeom prst="line">
+                <a:avLst/>
+              </a:prstGeom>
+              <a:ln w="19050">
+                <a:solidFill>
+                  <a:schemeClr val="tx1"/>
+                </a:solidFill>
+              </a:ln>
+            </p:spPr>
+            <p:style>
+              <a:lnRef idx="1">
+                <a:schemeClr val="accent1"/>
+              </a:lnRef>
+              <a:fillRef idx="0">
+                <a:schemeClr val="accent1"/>
+              </a:fillRef>
+              <a:effectRef idx="0">
+                <a:schemeClr val="accent1"/>
+              </a:effectRef>
+              <a:fontRef idx="minor">
+                <a:schemeClr val="tx1"/>
+              </a:fontRef>
+            </p:style>
+          </p:cxnSp>
+          <p:cxnSp>
+            <p:nvCxnSpPr>
+              <p:cNvPr id="22" name="Straight Connector 21"/>
+              <p:cNvCxnSpPr/>
+              <p:nvPr/>
+            </p:nvCxnSpPr>
+            <p:spPr>
+              <a:xfrm>
+                <a:off x="9544049" y="2074451"/>
+                <a:ext cx="277501" cy="339365"/>
+              </a:xfrm>
+              <a:prstGeom prst="line">
+                <a:avLst/>
+              </a:prstGeom>
+              <a:ln w="19050">
+                <a:solidFill>
+                  <a:schemeClr val="tx1"/>
+                </a:solidFill>
+              </a:ln>
+            </p:spPr>
+            <p:style>
+              <a:lnRef idx="1">
+                <a:schemeClr val="accent1"/>
+              </a:lnRef>
+              <a:fillRef idx="0">
+                <a:schemeClr val="accent1"/>
+              </a:fillRef>
+              <a:effectRef idx="0">
+                <a:schemeClr val="accent1"/>
+              </a:effectRef>
+              <a:fontRef idx="minor">
+                <a:schemeClr val="tx1"/>
+              </a:fontRef>
+            </p:style>
+          </p:cxnSp>
+        </p:grpSp>
+      </p:grpSp>
     </p:spTree>
     <p:extLst>
       <p:ext uri="{BB962C8B-B14F-4D97-AF65-F5344CB8AC3E}">
-        <p14:creationId xmlns:p14="http://schemas.microsoft.com/office/powerpoint/2010/main" val="1482555750"/>
+        <p14:creationId xmlns:p14="http://schemas.microsoft.com/office/powerpoint/2010/main" val="3483071569"/>
       </p:ext>
     </p:extLst>
   </p:cSld>
@@ -5846,15 +7409,12 @@
           <a:lstStyle/>
           <a:p>
             <a:r>
-              <a:rPr lang="en-US" dirty="0">
+              <a:rPr lang="en-US" b="1" dirty="0">
                 <a:solidFill>
-                  <a:schemeClr val="bg1">
-                    <a:lumMod val="95000"/>
-                    <a:lumOff val="5000"/>
-                  </a:schemeClr>
+                  <a:srgbClr val="FFC000"/>
                 </a:solidFill>
               </a:rPr>
-              <a:t>Modeling: GAM</a:t>
+              <a:t>Modeling: Random Forest</a:t>
             </a:r>
           </a:p>
         </p:txBody>
@@ -5871,8 +7431,8 @@
         </p:nvSpPr>
         <p:spPr>
           <a:xfrm>
-            <a:off x="838200" y="1950754"/>
-            <a:ext cx="9728200" cy="931556"/>
+            <a:off x="838200" y="2015406"/>
+            <a:ext cx="10515600" cy="4065986"/>
           </a:xfrm>
         </p:spPr>
         <p:txBody>
@@ -5883,21 +7443,8 @@
           <a:p>
             <a:r>
               <a:rPr lang="en-US" sz="2000" dirty="0"/>
-              <a:t>The best GAM model used smoothing splines for </a:t>
-            </a:r>
-            <a:r>
-              <a:rPr lang="en-US" sz="2000" dirty="0" err="1"/>
-              <a:t>CompDays</a:t>
-            </a:r>
-            <a:r>
-              <a:rPr lang="en-US" sz="2000" dirty="0"/>
-              <a:t> and </a:t>
-            </a:r>
-            <a:r>
-              <a:rPr lang="en-US" sz="2000" dirty="0" err="1"/>
-              <a:t>CompetitionDistance</a:t>
-            </a:r>
-            <a:endParaRPr lang="en-US" sz="2000" dirty="0"/>
+              <a:t>• A summary of your modeling steps, with reference to your script where appropriate to allow me to relate it to your description. • In particular, if in a predictive setting, overtraining avoidance, bias variance tradeoff, etc. should be discussed.</a:t>
+            </a:r>
           </a:p>
         </p:txBody>
       </p:sp>
@@ -5942,58 +7489,10 @@
           </a:extLst>
         </p:spPr>
       </p:pic>
-      <p:pic>
-        <p:nvPicPr>
-          <p:cNvPr id="5" name="Picture 4"/>
-          <p:cNvPicPr>
-            <a:picLocks noChangeAspect="1"/>
-          </p:cNvPicPr>
-          <p:nvPr/>
-        </p:nvPicPr>
-        <p:blipFill>
-          <a:blip r:embed="rId3"/>
-          <a:stretch>
-            <a:fillRect/>
-          </a:stretch>
-        </p:blipFill>
-        <p:spPr>
-          <a:xfrm>
-            <a:off x="659245" y="2882310"/>
-            <a:ext cx="5043055" cy="3782291"/>
-          </a:xfrm>
-          <a:prstGeom prst="rect">
-            <a:avLst/>
-          </a:prstGeom>
-        </p:spPr>
-      </p:pic>
-      <p:pic>
-        <p:nvPicPr>
-          <p:cNvPr id="7" name="Picture 6"/>
-          <p:cNvPicPr>
-            <a:picLocks noChangeAspect="1"/>
-          </p:cNvPicPr>
-          <p:nvPr/>
-        </p:nvPicPr>
-        <p:blipFill>
-          <a:blip r:embed="rId4"/>
-          <a:stretch>
-            <a:fillRect/>
-          </a:stretch>
-        </p:blipFill>
-        <p:spPr>
-          <a:xfrm>
-            <a:off x="6540500" y="2882310"/>
-            <a:ext cx="5043055" cy="3782291"/>
-          </a:xfrm>
-          <a:prstGeom prst="rect">
-            <a:avLst/>
-          </a:prstGeom>
-        </p:spPr>
-      </p:pic>
     </p:spTree>
     <p:extLst>
       <p:ext uri="{BB962C8B-B14F-4D97-AF65-F5344CB8AC3E}">
-        <p14:creationId xmlns:p14="http://schemas.microsoft.com/office/powerpoint/2010/main" val="1131409103"/>
+        <p14:creationId xmlns:p14="http://schemas.microsoft.com/office/powerpoint/2010/main" val="3784079664"/>
       </p:ext>
     </p:extLst>
   </p:cSld>
@@ -6150,15 +7649,12 @@
           <a:lstStyle/>
           <a:p>
             <a:r>
-              <a:rPr lang="en-US" dirty="0">
+              <a:rPr lang="en-US" b="1" dirty="0">
                 <a:solidFill>
-                  <a:schemeClr val="bg1">
-                    <a:lumMod val="95000"/>
-                    <a:lumOff val="5000"/>
-                  </a:schemeClr>
+                  <a:srgbClr val="FFC000"/>
                 </a:solidFill>
               </a:rPr>
-              <a:t>Modeling: GAM</a:t>
+              <a:t>Modeling: Boosting</a:t>
             </a:r>
           </a:p>
         </p:txBody>
@@ -6187,39 +7683,8 @@
           <a:p>
             <a:r>
               <a:rPr lang="en-US" sz="2000" dirty="0"/>
-              <a:t>The best GAM model had the following values for our metrics of interest:</a:t>
-            </a:r>
-          </a:p>
-          <a:p>
-            <a:pPr lvl="1"/>
-            <a:r>
-              <a:rPr lang="en-US" sz="1600" dirty="0"/>
-              <a:t>Test MSE: </a:t>
-            </a:r>
-            <a:r>
-              <a:rPr lang="en-US" sz="1600" dirty="0"/>
-              <a:t>7501000</a:t>
-            </a:r>
-          </a:p>
-          <a:p>
-            <a:pPr lvl="1"/>
-            <a:r>
-              <a:rPr lang="en-US" sz="1600" dirty="0"/>
-              <a:t>RPSPE for the test set: 0.3141 or 31.41%</a:t>
-            </a:r>
-          </a:p>
-          <a:p>
-            <a:r>
-              <a:rPr lang="en-US" sz="2000" dirty="0"/>
-              <a:t>It was possible to slightly lower the RPSPE, but at the cost of increasing the MSE.</a:t>
-            </a:r>
-          </a:p>
-          <a:p>
-            <a:r>
-              <a:rPr lang="en-US" sz="2000" dirty="0"/>
-              <a:t>The flexibility of the splines does run the risk of overfitting the training data, however, as the test MSE and training MSE are similar, this does not seem to be too great a risk in this case. </a:t>
-            </a:r>
-            <a:endParaRPr lang="en-US" sz="2000" dirty="0"/>
+              <a:t>• A summary of your modeling steps, with reference to your script where appropriate to allow me to relate it to your description. • In particular, if in a predictive setting, overtraining avoidance, bias variance tradeoff, etc. should be discussed.</a:t>
+            </a:r>
           </a:p>
         </p:txBody>
       </p:sp>
@@ -6267,7 +7732,7 @@
     </p:spTree>
     <p:extLst>
       <p:ext uri="{BB962C8B-B14F-4D97-AF65-F5344CB8AC3E}">
-        <p14:creationId xmlns:p14="http://schemas.microsoft.com/office/powerpoint/2010/main" val="3118216437"/>
+        <p14:creationId xmlns:p14="http://schemas.microsoft.com/office/powerpoint/2010/main" val="1310104698"/>
       </p:ext>
     </p:extLst>
   </p:cSld>

--- a/FinalPresentation.pptx
+++ b/FinalPresentation.pptx
@@ -12,13 +12,15 @@
     <p:sldId id="265" r:id="rId6"/>
     <p:sldId id="267" r:id="rId7"/>
     <p:sldId id="271" r:id="rId8"/>
-    <p:sldId id="266" r:id="rId9"/>
-    <p:sldId id="259" r:id="rId10"/>
-    <p:sldId id="269" r:id="rId11"/>
-    <p:sldId id="270" r:id="rId12"/>
-    <p:sldId id="261" r:id="rId13"/>
-    <p:sldId id="262" r:id="rId14"/>
-    <p:sldId id="263" r:id="rId15"/>
+    <p:sldId id="272" r:id="rId9"/>
+    <p:sldId id="266" r:id="rId10"/>
+    <p:sldId id="259" r:id="rId11"/>
+    <p:sldId id="273" r:id="rId12"/>
+    <p:sldId id="269" r:id="rId13"/>
+    <p:sldId id="270" r:id="rId14"/>
+    <p:sldId id="261" r:id="rId15"/>
+    <p:sldId id="262" r:id="rId16"/>
+    <p:sldId id="263" r:id="rId17"/>
   </p:sldIdLst>
   <p:sldSz cx="12192000" cy="6858000"/>
   <p:notesSz cx="6858000" cy="9144000"/>
@@ -254,7 +256,7 @@
           <a:p>
             <a:fld id="{22A47A49-5AE2-4897-B188-74D33D88087C}" type="datetimeFigureOut">
               <a:rPr lang="en-US" smtClean="0"/>
-              <a:t>4/18/2017</a:t>
+              <a:t>4/19/2017</a:t>
             </a:fld>
             <a:endParaRPr lang="en-US"/>
           </a:p>
@@ -422,7 +424,7 @@
           <a:p>
             <a:fld id="{22A47A49-5AE2-4897-B188-74D33D88087C}" type="datetimeFigureOut">
               <a:rPr lang="en-US" smtClean="0"/>
-              <a:t>4/18/2017</a:t>
+              <a:t>4/19/2017</a:t>
             </a:fld>
             <a:endParaRPr lang="en-US"/>
           </a:p>
@@ -600,7 +602,7 @@
           <a:p>
             <a:fld id="{22A47A49-5AE2-4897-B188-74D33D88087C}" type="datetimeFigureOut">
               <a:rPr lang="en-US" smtClean="0"/>
-              <a:t>4/18/2017</a:t>
+              <a:t>4/19/2017</a:t>
             </a:fld>
             <a:endParaRPr lang="en-US"/>
           </a:p>
@@ -768,7 +770,7 @@
           <a:p>
             <a:fld id="{22A47A49-5AE2-4897-B188-74D33D88087C}" type="datetimeFigureOut">
               <a:rPr lang="en-US" smtClean="0"/>
-              <a:t>4/18/2017</a:t>
+              <a:t>4/19/2017</a:t>
             </a:fld>
             <a:endParaRPr lang="en-US"/>
           </a:p>
@@ -1013,7 +1015,7 @@
           <a:p>
             <a:fld id="{22A47A49-5AE2-4897-B188-74D33D88087C}" type="datetimeFigureOut">
               <a:rPr lang="en-US" smtClean="0"/>
-              <a:t>4/18/2017</a:t>
+              <a:t>4/19/2017</a:t>
             </a:fld>
             <a:endParaRPr lang="en-US"/>
           </a:p>
@@ -1242,7 +1244,7 @@
           <a:p>
             <a:fld id="{22A47A49-5AE2-4897-B188-74D33D88087C}" type="datetimeFigureOut">
               <a:rPr lang="en-US" smtClean="0"/>
-              <a:t>4/18/2017</a:t>
+              <a:t>4/19/2017</a:t>
             </a:fld>
             <a:endParaRPr lang="en-US"/>
           </a:p>
@@ -1606,7 +1608,7 @@
           <a:p>
             <a:fld id="{22A47A49-5AE2-4897-B188-74D33D88087C}" type="datetimeFigureOut">
               <a:rPr lang="en-US" smtClean="0"/>
-              <a:t>4/18/2017</a:t>
+              <a:t>4/19/2017</a:t>
             </a:fld>
             <a:endParaRPr lang="en-US"/>
           </a:p>
@@ -1723,7 +1725,7 @@
           <a:p>
             <a:fld id="{22A47A49-5AE2-4897-B188-74D33D88087C}" type="datetimeFigureOut">
               <a:rPr lang="en-US" smtClean="0"/>
-              <a:t>4/18/2017</a:t>
+              <a:t>4/19/2017</a:t>
             </a:fld>
             <a:endParaRPr lang="en-US"/>
           </a:p>
@@ -1818,7 +1820,7 @@
           <a:p>
             <a:fld id="{22A47A49-5AE2-4897-B188-74D33D88087C}" type="datetimeFigureOut">
               <a:rPr lang="en-US" smtClean="0"/>
-              <a:t>4/18/2017</a:t>
+              <a:t>4/19/2017</a:t>
             </a:fld>
             <a:endParaRPr lang="en-US"/>
           </a:p>
@@ -2093,7 +2095,7 @@
           <a:p>
             <a:fld id="{22A47A49-5AE2-4897-B188-74D33D88087C}" type="datetimeFigureOut">
               <a:rPr lang="en-US" smtClean="0"/>
-              <a:t>4/18/2017</a:t>
+              <a:t>4/19/2017</a:t>
             </a:fld>
             <a:endParaRPr lang="en-US"/>
           </a:p>
@@ -2345,7 +2347,7 @@
           <a:p>
             <a:fld id="{22A47A49-5AE2-4897-B188-74D33D88087C}" type="datetimeFigureOut">
               <a:rPr lang="en-US" smtClean="0"/>
-              <a:t>4/18/2017</a:t>
+              <a:t>4/19/2017</a:t>
             </a:fld>
             <a:endParaRPr lang="en-US"/>
           </a:p>
@@ -2556,7 +2558,7 @@
           <a:p>
             <a:fld id="{22A47A49-5AE2-4897-B188-74D33D88087C}" type="datetimeFigureOut">
               <a:rPr lang="en-US" smtClean="0"/>
-              <a:t>4/18/2017</a:t>
+              <a:t>4/19/2017</a:t>
             </a:fld>
             <a:endParaRPr lang="en-US"/>
           </a:p>
@@ -3393,6 +3395,976 @@
                   <a:srgbClr val="FFC000"/>
                 </a:solidFill>
               </a:rPr>
+              <a:t>Modeling: Boosting</a:t>
+            </a:r>
+          </a:p>
+        </p:txBody>
+      </p:sp>
+      <p:pic>
+        <p:nvPicPr>
+          <p:cNvPr id="6" name="Picture 2" descr="Image result for rosmann"/>
+          <p:cNvPicPr>
+            <a:picLocks noChangeAspect="1" noChangeArrowheads="1"/>
+          </p:cNvPicPr>
+          <p:nvPr/>
+        </p:nvPicPr>
+        <p:blipFill>
+          <a:blip r:embed="rId2">
+            <a:extLst>
+              <a:ext uri="{28A0092B-C50C-407E-A947-70E740481C1C}">
+                <a14:useLocalDpi xmlns:a14="http://schemas.microsoft.com/office/drawing/2010/main" val="0"/>
+              </a:ext>
+            </a:extLst>
+          </a:blip>
+          <a:srcRect/>
+          <a:stretch>
+            <a:fillRect/>
+          </a:stretch>
+        </p:blipFill>
+        <p:spPr bwMode="auto">
+          <a:xfrm>
+            <a:off x="9544049" y="864190"/>
+            <a:ext cx="2390775" cy="327432"/>
+          </a:xfrm>
+          <a:prstGeom prst="rect">
+            <a:avLst/>
+          </a:prstGeom>
+          <a:noFill/>
+          <a:extLst>
+            <a:ext uri="{909E8E84-426E-40DD-AFC4-6F175D3DCCD1}">
+              <a14:hiddenFill xmlns:a14="http://schemas.microsoft.com/office/drawing/2010/main">
+                <a:solidFill>
+                  <a:srgbClr val="FFFFFF"/>
+                </a:solidFill>
+              </a14:hiddenFill>
+            </a:ext>
+          </a:extLst>
+        </p:spPr>
+      </p:pic>
+      <p:sp>
+        <p:nvSpPr>
+          <p:cNvPr id="9" name="Content Placeholder 2"/>
+          <p:cNvSpPr txBox="1">
+            <a:spLocks/>
+          </p:cNvSpPr>
+          <p:nvPr/>
+        </p:nvSpPr>
+        <p:spPr>
+          <a:xfrm>
+            <a:off x="838200" y="2365534"/>
+            <a:ext cx="4789602" cy="4065986"/>
+          </a:xfrm>
+          <a:prstGeom prst="rect">
+            <a:avLst/>
+          </a:prstGeom>
+        </p:spPr>
+        <p:txBody>
+          <a:bodyPr vert="horz" lIns="91440" tIns="45720" rIns="91440" bIns="45720" rtlCol="0" anchor="t">
+            <a:normAutofit/>
+          </a:bodyPr>
+          <a:lstStyle>
+            <a:lvl1pPr marL="228600" indent="-228600" algn="l" defTabSz="914400" rtl="0" eaLnBrk="1" latinLnBrk="0" hangingPunct="1">
+              <a:lnSpc>
+                <a:spcPct val="90000"/>
+              </a:lnSpc>
+              <a:spcBef>
+                <a:spcPts val="1000"/>
+              </a:spcBef>
+              <a:buFont typeface="Arial" panose="020B0604020202020204" pitchFamily="34" charset="0"/>
+              <a:buChar char="•"/>
+              <a:defRPr sz="2800" kern="1200">
+                <a:solidFill>
+                  <a:schemeClr val="tx1"/>
+                </a:solidFill>
+                <a:latin typeface="+mn-lt"/>
+                <a:ea typeface="+mn-ea"/>
+                <a:cs typeface="+mn-cs"/>
+              </a:defRPr>
+            </a:lvl1pPr>
+            <a:lvl2pPr marL="685800" indent="-228600" algn="l" defTabSz="914400" rtl="0" eaLnBrk="1" latinLnBrk="0" hangingPunct="1">
+              <a:lnSpc>
+                <a:spcPct val="90000"/>
+              </a:lnSpc>
+              <a:spcBef>
+                <a:spcPts val="500"/>
+              </a:spcBef>
+              <a:buFont typeface="Arial" panose="020B0604020202020204" pitchFamily="34" charset="0"/>
+              <a:buChar char="•"/>
+              <a:defRPr sz="2400" kern="1200">
+                <a:solidFill>
+                  <a:schemeClr val="tx1"/>
+                </a:solidFill>
+                <a:latin typeface="+mn-lt"/>
+                <a:ea typeface="+mn-ea"/>
+                <a:cs typeface="+mn-cs"/>
+              </a:defRPr>
+            </a:lvl2pPr>
+            <a:lvl3pPr marL="1143000" indent="-228600" algn="l" defTabSz="914400" rtl="0" eaLnBrk="1" latinLnBrk="0" hangingPunct="1">
+              <a:lnSpc>
+                <a:spcPct val="90000"/>
+              </a:lnSpc>
+              <a:spcBef>
+                <a:spcPts val="500"/>
+              </a:spcBef>
+              <a:buFont typeface="Arial" panose="020B0604020202020204" pitchFamily="34" charset="0"/>
+              <a:buChar char="•"/>
+              <a:defRPr sz="2000" kern="1200">
+                <a:solidFill>
+                  <a:schemeClr val="tx1"/>
+                </a:solidFill>
+                <a:latin typeface="+mn-lt"/>
+                <a:ea typeface="+mn-ea"/>
+                <a:cs typeface="+mn-cs"/>
+              </a:defRPr>
+            </a:lvl3pPr>
+            <a:lvl4pPr marL="1600200" indent="-228600" algn="l" defTabSz="914400" rtl="0" eaLnBrk="1" latinLnBrk="0" hangingPunct="1">
+              <a:lnSpc>
+                <a:spcPct val="90000"/>
+              </a:lnSpc>
+              <a:spcBef>
+                <a:spcPts val="500"/>
+              </a:spcBef>
+              <a:buFont typeface="Arial" panose="020B0604020202020204" pitchFamily="34" charset="0"/>
+              <a:buChar char="•"/>
+              <a:defRPr sz="1800" kern="1200">
+                <a:solidFill>
+                  <a:schemeClr val="tx1"/>
+                </a:solidFill>
+                <a:latin typeface="+mn-lt"/>
+                <a:ea typeface="+mn-ea"/>
+                <a:cs typeface="+mn-cs"/>
+              </a:defRPr>
+            </a:lvl4pPr>
+            <a:lvl5pPr marL="2057400" indent="-228600" algn="l" defTabSz="914400" rtl="0" eaLnBrk="1" latinLnBrk="0" hangingPunct="1">
+              <a:lnSpc>
+                <a:spcPct val="90000"/>
+              </a:lnSpc>
+              <a:spcBef>
+                <a:spcPts val="500"/>
+              </a:spcBef>
+              <a:buFont typeface="Arial" panose="020B0604020202020204" pitchFamily="34" charset="0"/>
+              <a:buChar char="•"/>
+              <a:defRPr sz="1800" kern="1200">
+                <a:solidFill>
+                  <a:schemeClr val="tx1"/>
+                </a:solidFill>
+                <a:latin typeface="+mn-lt"/>
+                <a:ea typeface="+mn-ea"/>
+                <a:cs typeface="+mn-cs"/>
+              </a:defRPr>
+            </a:lvl5pPr>
+            <a:lvl6pPr marL="2514600" indent="-228600" algn="l" defTabSz="914400" rtl="0" eaLnBrk="1" latinLnBrk="0" hangingPunct="1">
+              <a:lnSpc>
+                <a:spcPct val="90000"/>
+              </a:lnSpc>
+              <a:spcBef>
+                <a:spcPts val="500"/>
+              </a:spcBef>
+              <a:buFont typeface="Arial" panose="020B0604020202020204" pitchFamily="34" charset="0"/>
+              <a:buChar char="•"/>
+              <a:defRPr sz="1800" kern="1200">
+                <a:solidFill>
+                  <a:schemeClr val="tx1"/>
+                </a:solidFill>
+                <a:latin typeface="+mn-lt"/>
+                <a:ea typeface="+mn-ea"/>
+                <a:cs typeface="+mn-cs"/>
+              </a:defRPr>
+            </a:lvl6pPr>
+            <a:lvl7pPr marL="2971800" indent="-228600" algn="l" defTabSz="914400" rtl="0" eaLnBrk="1" latinLnBrk="0" hangingPunct="1">
+              <a:lnSpc>
+                <a:spcPct val="90000"/>
+              </a:lnSpc>
+              <a:spcBef>
+                <a:spcPts val="500"/>
+              </a:spcBef>
+              <a:buFont typeface="Arial" panose="020B0604020202020204" pitchFamily="34" charset="0"/>
+              <a:buChar char="•"/>
+              <a:defRPr sz="1800" kern="1200">
+                <a:solidFill>
+                  <a:schemeClr val="tx1"/>
+                </a:solidFill>
+                <a:latin typeface="+mn-lt"/>
+                <a:ea typeface="+mn-ea"/>
+                <a:cs typeface="+mn-cs"/>
+              </a:defRPr>
+            </a:lvl7pPr>
+            <a:lvl8pPr marL="3429000" indent="-228600" algn="l" defTabSz="914400" rtl="0" eaLnBrk="1" latinLnBrk="0" hangingPunct="1">
+              <a:lnSpc>
+                <a:spcPct val="90000"/>
+              </a:lnSpc>
+              <a:spcBef>
+                <a:spcPts val="500"/>
+              </a:spcBef>
+              <a:buFont typeface="Arial" panose="020B0604020202020204" pitchFamily="34" charset="0"/>
+              <a:buChar char="•"/>
+              <a:defRPr sz="1800" kern="1200">
+                <a:solidFill>
+                  <a:schemeClr val="tx1"/>
+                </a:solidFill>
+                <a:latin typeface="+mn-lt"/>
+                <a:ea typeface="+mn-ea"/>
+                <a:cs typeface="+mn-cs"/>
+              </a:defRPr>
+            </a:lvl8pPr>
+            <a:lvl9pPr marL="3886200" indent="-228600" algn="l" defTabSz="914400" rtl="0" eaLnBrk="1" latinLnBrk="0" hangingPunct="1">
+              <a:lnSpc>
+                <a:spcPct val="90000"/>
+              </a:lnSpc>
+              <a:spcBef>
+                <a:spcPts val="500"/>
+              </a:spcBef>
+              <a:buFont typeface="Arial" panose="020B0604020202020204" pitchFamily="34" charset="0"/>
+              <a:buChar char="•"/>
+              <a:defRPr sz="1800" kern="1200">
+                <a:solidFill>
+                  <a:schemeClr val="tx1"/>
+                </a:solidFill>
+                <a:latin typeface="+mn-lt"/>
+                <a:ea typeface="+mn-ea"/>
+                <a:cs typeface="+mn-cs"/>
+              </a:defRPr>
+            </a:lvl9pPr>
+          </a:lstStyle>
+          <a:p>
+            <a:r>
+              <a:rPr lang="en-US" sz="2000" dirty="0"/>
+              <a:t>Using the caret and </a:t>
+            </a:r>
+            <a:r>
+              <a:rPr lang="en-US" sz="2000" dirty="0" err="1"/>
+              <a:t>gbm</a:t>
+            </a:r>
+            <a:r>
+              <a:rPr lang="en-US" sz="2000" dirty="0"/>
+              <a:t> packages, we constructed a boosting models. The caret package can tune the parameters automatically and identify the optimal settings to generate the smallest RMSE.</a:t>
+            </a:r>
+          </a:p>
+          <a:p>
+            <a:r>
+              <a:rPr lang="en-US" sz="2000" dirty="0"/>
+              <a:t>The optimal settings: </a:t>
+            </a:r>
+          </a:p>
+          <a:p>
+            <a:pPr marL="457200" lvl="1" indent="0">
+              <a:buNone/>
+            </a:pPr>
+            <a:r>
+              <a:rPr lang="en-US" sz="1600" dirty="0" err="1"/>
+              <a:t>n.trees</a:t>
+            </a:r>
+            <a:r>
+              <a:rPr lang="en-US" sz="1600" dirty="0"/>
+              <a:t> = 150, </a:t>
+            </a:r>
+            <a:r>
+              <a:rPr lang="en-US" sz="1600" dirty="0" err="1"/>
+              <a:t>interaction.depth</a:t>
+            </a:r>
+            <a:r>
+              <a:rPr lang="en-US" sz="1600" dirty="0"/>
+              <a:t> = 3, shrinkage = 0.1 and </a:t>
+            </a:r>
+            <a:r>
+              <a:rPr lang="en-US" sz="1600" dirty="0" err="1"/>
+              <a:t>n.minobsinnode</a:t>
+            </a:r>
+            <a:r>
+              <a:rPr lang="en-US" sz="1600" dirty="0"/>
+              <a:t> = 10</a:t>
+            </a:r>
+          </a:p>
+          <a:p>
+            <a:r>
+              <a:rPr lang="en-US" sz="2000" dirty="0"/>
+              <a:t>Promotion, competition distance, store,  are more important than other features. </a:t>
+            </a:r>
+          </a:p>
+          <a:p>
+            <a:pPr marL="0" indent="0">
+              <a:buFont typeface="Arial" panose="020B0604020202020204" pitchFamily="34" charset="0"/>
+              <a:buNone/>
+            </a:pPr>
+            <a:endParaRPr lang="en-US" sz="2000" dirty="0"/>
+          </a:p>
+        </p:txBody>
+      </p:sp>
+      <p:pic>
+        <p:nvPicPr>
+          <p:cNvPr id="13" name="Picture 12"/>
+          <p:cNvPicPr>
+            <a:picLocks noChangeAspect="1"/>
+          </p:cNvPicPr>
+          <p:nvPr/>
+        </p:nvPicPr>
+        <p:blipFill>
+          <a:blip r:embed="rId3"/>
+          <a:stretch>
+            <a:fillRect/>
+          </a:stretch>
+        </p:blipFill>
+        <p:spPr>
+          <a:xfrm>
+            <a:off x="5903458" y="2416122"/>
+            <a:ext cx="5872611" cy="4015398"/>
+          </a:xfrm>
+          <a:prstGeom prst="rect">
+            <a:avLst/>
+          </a:prstGeom>
+        </p:spPr>
+      </p:pic>
+    </p:spTree>
+    <p:extLst>
+      <p:ext uri="{BB962C8B-B14F-4D97-AF65-F5344CB8AC3E}">
+        <p14:creationId xmlns:p14="http://schemas.microsoft.com/office/powerpoint/2010/main" val="1310104698"/>
+      </p:ext>
+    </p:extLst>
+  </p:cSld>
+  <p:clrMapOvr>
+    <a:overrideClrMapping bg1="dk1" tx1="lt1" bg2="dk2" tx2="lt2" accent1="accent1" accent2="accent2" accent3="accent3" accent4="accent4" accent5="accent5" accent6="accent6" hlink="hlink" folHlink="folHlink"/>
+  </p:clrMapOvr>
+</p:sld>
+</file>
+
+<file path=ppt/slides/slide11.xml><?xml version="1.0" encoding="utf-8"?>
+<p:sld xmlns:a="http://schemas.openxmlformats.org/drawingml/2006/main" xmlns:r="http://schemas.openxmlformats.org/officeDocument/2006/relationships" xmlns:p="http://schemas.openxmlformats.org/presentationml/2006/main">
+  <p:cSld>
+    <p:spTree>
+      <p:nvGrpSpPr>
+        <p:cNvPr id="1" name=""/>
+        <p:cNvGrpSpPr/>
+        <p:nvPr/>
+      </p:nvGrpSpPr>
+      <p:grpSpPr>
+        <a:xfrm>
+          <a:off x="0" y="0"/>
+          <a:ext cx="0" cy="0"/>
+          <a:chOff x="0" y="0"/>
+          <a:chExt cx="0" cy="0"/>
+        </a:xfrm>
+      </p:grpSpPr>
+      <p:sp>
+        <p:nvSpPr>
+          <p:cNvPr id="8" name="Rectangle 7">
+            <a:extLst/>
+          </p:cNvPr>
+          <p:cNvSpPr>
+            <a:spLocks noGrp="1" noRot="1" noChangeAspect="1" noMove="1" noResize="1" noEditPoints="1" noAdjustHandles="1" noChangeArrowheads="1" noChangeShapeType="1" noTextEdit="1"/>
+          </p:cNvSpPr>
+          <p:nvPr>
+            <p:extLst>
+              <p:ext uri="{386F3935-93C4-4BCD-93E2-E3B085C9AB24}">
+                <p16:designElem xmlns:p16="http://schemas.microsoft.com/office/powerpoint/2015/main" val="1"/>
+              </p:ext>
+            </p:extLst>
+          </p:nvPr>
+        </p:nvSpPr>
+        <p:spPr>
+          <a:xfrm>
+            <a:off x="0" y="0"/>
+            <a:ext cx="12192000" cy="1690688"/>
+          </a:xfrm>
+          <a:prstGeom prst="rect">
+            <a:avLst/>
+          </a:prstGeom>
+          <a:solidFill>
+            <a:schemeClr val="tx1"/>
+          </a:solidFill>
+          <a:ln>
+            <a:noFill/>
+          </a:ln>
+        </p:spPr>
+        <p:style>
+          <a:lnRef idx="2">
+            <a:schemeClr val="accent1">
+              <a:shade val="50000"/>
+            </a:schemeClr>
+          </a:lnRef>
+          <a:fillRef idx="1">
+            <a:schemeClr val="accent1"/>
+          </a:fillRef>
+          <a:effectRef idx="0">
+            <a:schemeClr val="accent1"/>
+          </a:effectRef>
+          <a:fontRef idx="minor">
+            <a:schemeClr val="lt1"/>
+          </a:fontRef>
+        </p:style>
+        <p:txBody>
+          <a:bodyPr rtlCol="0" anchor="ctr"/>
+          <a:lstStyle/>
+          <a:p>
+            <a:pPr algn="ctr"/>
+            <a:endParaRPr lang="en-US"/>
+          </a:p>
+        </p:txBody>
+      </p:sp>
+      <p:sp useBgFill="1">
+        <p:nvSpPr>
+          <p:cNvPr id="10" name="Rectangle 9"/>
+          <p:cNvSpPr>
+            <a:spLocks noGrp="1" noRot="1" noChangeAspect="1" noMove="1" noResize="1" noEditPoints="1" noAdjustHandles="1" noChangeArrowheads="1" noChangeShapeType="1" noTextEdit="1"/>
+          </p:cNvSpPr>
+          <p:nvPr>
+            <p:extLst>
+              <p:ext uri="{386F3935-93C4-4BCD-93E2-E3B085C9AB24}">
+                <p16:designElem xmlns:p16="http://schemas.microsoft.com/office/powerpoint/2015/main" val="1"/>
+              </p:ext>
+            </p:extLst>
+          </p:nvPr>
+        </p:nvSpPr>
+        <p:spPr>
+          <a:xfrm>
+            <a:off x="0" y="1690688"/>
+            <a:ext cx="12192000" cy="5166360"/>
+          </a:xfrm>
+          <a:prstGeom prst="rect">
+            <a:avLst/>
+          </a:prstGeom>
+          <a:ln>
+            <a:noFill/>
+          </a:ln>
+        </p:spPr>
+        <p:style>
+          <a:lnRef idx="2">
+            <a:schemeClr val="accent1">
+              <a:shade val="50000"/>
+            </a:schemeClr>
+          </a:lnRef>
+          <a:fillRef idx="1">
+            <a:schemeClr val="accent1"/>
+          </a:fillRef>
+          <a:effectRef idx="0">
+            <a:schemeClr val="accent1"/>
+          </a:effectRef>
+          <a:fontRef idx="minor">
+            <a:schemeClr val="lt1"/>
+          </a:fontRef>
+        </p:style>
+        <p:txBody>
+          <a:bodyPr rtlCol="0" anchor="ctr"/>
+          <a:lstStyle/>
+          <a:p>
+            <a:pPr algn="ctr"/>
+            <a:endParaRPr lang="en-US"/>
+          </a:p>
+        </p:txBody>
+      </p:sp>
+      <p:sp>
+        <p:nvSpPr>
+          <p:cNvPr id="2" name="Title 1"/>
+          <p:cNvSpPr>
+            <a:spLocks noGrp="1"/>
+          </p:cNvSpPr>
+          <p:nvPr>
+            <p:ph type="title"/>
+          </p:nvPr>
+        </p:nvSpPr>
+        <p:spPr>
+          <a:xfrm>
+            <a:off x="838200" y="365125"/>
+            <a:ext cx="10515600" cy="1325563"/>
+          </a:xfrm>
+        </p:spPr>
+        <p:txBody>
+          <a:bodyPr>
+            <a:normAutofit/>
+          </a:bodyPr>
+          <a:lstStyle/>
+          <a:p>
+            <a:r>
+              <a:rPr lang="en-US" b="1" dirty="0">
+                <a:solidFill>
+                  <a:srgbClr val="FFC000"/>
+                </a:solidFill>
+              </a:rPr>
+              <a:t>Modeling: Boosting</a:t>
+            </a:r>
+          </a:p>
+        </p:txBody>
+      </p:sp>
+      <p:pic>
+        <p:nvPicPr>
+          <p:cNvPr id="6" name="Picture 2" descr="Image result for rosmann"/>
+          <p:cNvPicPr>
+            <a:picLocks noChangeAspect="1" noChangeArrowheads="1"/>
+          </p:cNvPicPr>
+          <p:nvPr/>
+        </p:nvPicPr>
+        <p:blipFill>
+          <a:blip r:embed="rId2">
+            <a:extLst>
+              <a:ext uri="{28A0092B-C50C-407E-A947-70E740481C1C}">
+                <a14:useLocalDpi xmlns:a14="http://schemas.microsoft.com/office/drawing/2010/main" val="0"/>
+              </a:ext>
+            </a:extLst>
+          </a:blip>
+          <a:srcRect/>
+          <a:stretch>
+            <a:fillRect/>
+          </a:stretch>
+        </p:blipFill>
+        <p:spPr bwMode="auto">
+          <a:xfrm>
+            <a:off x="9544049" y="864190"/>
+            <a:ext cx="2390775" cy="327432"/>
+          </a:xfrm>
+          <a:prstGeom prst="rect">
+            <a:avLst/>
+          </a:prstGeom>
+          <a:noFill/>
+          <a:extLst>
+            <a:ext uri="{909E8E84-426E-40DD-AFC4-6F175D3DCCD1}">
+              <a14:hiddenFill xmlns:a14="http://schemas.microsoft.com/office/drawing/2010/main">
+                <a:solidFill>
+                  <a:srgbClr val="FFFFFF"/>
+                </a:solidFill>
+              </a14:hiddenFill>
+            </a:ext>
+          </a:extLst>
+        </p:spPr>
+      </p:pic>
+      <p:sp>
+        <p:nvSpPr>
+          <p:cNvPr id="12" name="Content Placeholder 2"/>
+          <p:cNvSpPr>
+            <a:spLocks noGrp="1"/>
+          </p:cNvSpPr>
+          <p:nvPr>
+            <p:ph idx="1"/>
+          </p:nvPr>
+        </p:nvSpPr>
+        <p:spPr>
+          <a:xfrm>
+            <a:off x="838200" y="2015406"/>
+            <a:ext cx="10515600" cy="4065986"/>
+          </a:xfrm>
+        </p:spPr>
+        <p:txBody>
+          <a:bodyPr anchor="t">
+            <a:normAutofit/>
+          </a:bodyPr>
+          <a:lstStyle/>
+          <a:p>
+            <a:r>
+              <a:rPr lang="en-US" sz="2000" dirty="0"/>
+              <a:t>The best boosting model had the following values for our metrics of interest:</a:t>
+            </a:r>
+          </a:p>
+          <a:p>
+            <a:endParaRPr lang="en-US" sz="2000" dirty="0"/>
+          </a:p>
+          <a:p>
+            <a:endParaRPr lang="en-US" sz="2000" dirty="0"/>
+          </a:p>
+          <a:p>
+            <a:pPr marL="0" indent="0">
+              <a:buNone/>
+            </a:pPr>
+            <a:endParaRPr lang="en-US" sz="2000" dirty="0"/>
+          </a:p>
+          <a:p>
+            <a:pPr marL="0" indent="0">
+              <a:buNone/>
+            </a:pPr>
+            <a:endParaRPr lang="en-US" sz="2000" dirty="0"/>
+          </a:p>
+          <a:p>
+            <a:pPr marL="0" indent="0">
+              <a:buNone/>
+            </a:pPr>
+            <a:endParaRPr lang="en-US" sz="2000" dirty="0"/>
+          </a:p>
+          <a:p>
+            <a:pPr marL="457200" lvl="1" indent="0">
+              <a:buNone/>
+            </a:pPr>
+            <a:endParaRPr lang="en-US" sz="2000" dirty="0"/>
+          </a:p>
+          <a:p>
+            <a:r>
+              <a:rPr lang="en-US" sz="2000" dirty="0"/>
+              <a:t>The chosen parameters setting does not lead to overfitting the training data since the test MSE and training MSE are similar</a:t>
+            </a:r>
+          </a:p>
+        </p:txBody>
+      </p:sp>
+      <p:graphicFrame>
+        <p:nvGraphicFramePr>
+          <p:cNvPr id="4" name="Table 3"/>
+          <p:cNvGraphicFramePr>
+            <a:graphicFrameLocks noGrp="1"/>
+          </p:cNvGraphicFramePr>
+          <p:nvPr>
+            <p:extLst>
+              <p:ext uri="{D42A27DB-BD31-4B8C-83A1-F6EECF244321}">
+                <p14:modId xmlns:p14="http://schemas.microsoft.com/office/powerpoint/2010/main" val="2560320482"/>
+              </p:ext>
+            </p:extLst>
+          </p:nvPr>
+        </p:nvGraphicFramePr>
+        <p:xfrm>
+          <a:off x="2032000" y="3111922"/>
+          <a:ext cx="8127999" cy="1112520"/>
+        </p:xfrm>
+        <a:graphic>
+          <a:graphicData uri="http://schemas.openxmlformats.org/drawingml/2006/table">
+            <a:tbl>
+              <a:tblPr firstRow="1" bandRow="1">
+                <a:tableStyleId>{21E4AEA4-8DFA-4A89-87EB-49C32662AFE0}</a:tableStyleId>
+              </a:tblPr>
+              <a:tblGrid>
+                <a:gridCol w="2709333">
+                  <a:extLst>
+                    <a:ext uri="{9D8B030D-6E8A-4147-A177-3AD203B41FA5}">
+                      <a16:colId xmlns:a16="http://schemas.microsoft.com/office/drawing/2014/main" val="472140097"/>
+                    </a:ext>
+                  </a:extLst>
+                </a:gridCol>
+                <a:gridCol w="2709333">
+                  <a:extLst>
+                    <a:ext uri="{9D8B030D-6E8A-4147-A177-3AD203B41FA5}">
+                      <a16:colId xmlns:a16="http://schemas.microsoft.com/office/drawing/2014/main" val="3720232126"/>
+                    </a:ext>
+                  </a:extLst>
+                </a:gridCol>
+                <a:gridCol w="2709333">
+                  <a:extLst>
+                    <a:ext uri="{9D8B030D-6E8A-4147-A177-3AD203B41FA5}">
+                      <a16:colId xmlns:a16="http://schemas.microsoft.com/office/drawing/2014/main" val="120841938"/>
+                    </a:ext>
+                  </a:extLst>
+                </a:gridCol>
+              </a:tblGrid>
+              <a:tr h="370840">
+                <a:tc>
+                  <a:txBody>
+                    <a:bodyPr/>
+                    <a:lstStyle/>
+                    <a:p>
+                      <a:endParaRPr lang="en-US" dirty="0"/>
+                    </a:p>
+                  </a:txBody>
+                  <a:tcPr/>
+                </a:tc>
+                <a:tc>
+                  <a:txBody>
+                    <a:bodyPr/>
+                    <a:lstStyle/>
+                    <a:p>
+                      <a:pPr algn="ctr"/>
+                      <a:r>
+                        <a:rPr lang="en-US" dirty="0"/>
+                        <a:t>MSE</a:t>
+                      </a:r>
+                    </a:p>
+                  </a:txBody>
+                  <a:tcPr/>
+                </a:tc>
+                <a:tc>
+                  <a:txBody>
+                    <a:bodyPr/>
+                    <a:lstStyle/>
+                    <a:p>
+                      <a:pPr algn="ctr"/>
+                      <a:r>
+                        <a:rPr lang="en-US" dirty="0"/>
+                        <a:t>RMSPE</a:t>
+                      </a:r>
+                    </a:p>
+                  </a:txBody>
+                  <a:tcPr/>
+                </a:tc>
+                <a:extLst>
+                  <a:ext uri="{0D108BD9-81ED-4DB2-BD59-A6C34878D82A}">
+                    <a16:rowId xmlns:a16="http://schemas.microsoft.com/office/drawing/2014/main" val="3837947699"/>
+                  </a:ext>
+                </a:extLst>
+              </a:tr>
+              <a:tr h="370840">
+                <a:tc>
+                  <a:txBody>
+                    <a:bodyPr/>
+                    <a:lstStyle/>
+                    <a:p>
+                      <a:pPr algn="ctr"/>
+                      <a:r>
+                        <a:rPr lang="en-US" b="1" dirty="0"/>
+                        <a:t>Training</a:t>
+                      </a:r>
+                    </a:p>
+                  </a:txBody>
+                  <a:tcPr/>
+                </a:tc>
+                <a:tc>
+                  <a:txBody>
+                    <a:bodyPr/>
+                    <a:lstStyle/>
+                    <a:p>
+                      <a:pPr algn="ctr"/>
+                      <a:r>
+                        <a:rPr lang="en-US" dirty="0"/>
+                        <a:t>5768670</a:t>
+                      </a:r>
+                    </a:p>
+                  </a:txBody>
+                  <a:tcPr/>
+                </a:tc>
+                <a:tc>
+                  <a:txBody>
+                    <a:bodyPr/>
+                    <a:lstStyle/>
+                    <a:p>
+                      <a:pPr algn="ctr"/>
+                      <a:r>
+                        <a:rPr lang="en-US" dirty="0"/>
+                        <a:t>47.90%</a:t>
+                      </a:r>
+                    </a:p>
+                  </a:txBody>
+                  <a:tcPr/>
+                </a:tc>
+                <a:extLst>
+                  <a:ext uri="{0D108BD9-81ED-4DB2-BD59-A6C34878D82A}">
+                    <a16:rowId xmlns:a16="http://schemas.microsoft.com/office/drawing/2014/main" val="2216457841"/>
+                  </a:ext>
+                </a:extLst>
+              </a:tr>
+              <a:tr h="370840">
+                <a:tc>
+                  <a:txBody>
+                    <a:bodyPr/>
+                    <a:lstStyle/>
+                    <a:p>
+                      <a:pPr algn="ctr"/>
+                      <a:r>
+                        <a:rPr lang="en-US" b="1" dirty="0"/>
+                        <a:t>Test</a:t>
+                      </a:r>
+                    </a:p>
+                  </a:txBody>
+                  <a:tcPr/>
+                </a:tc>
+                <a:tc>
+                  <a:txBody>
+                    <a:bodyPr/>
+                    <a:lstStyle/>
+                    <a:p>
+                      <a:pPr marL="0" marR="0" lvl="0" indent="0" algn="ctr" defTabSz="914400" rtl="0" eaLnBrk="1" fontAlgn="auto" latinLnBrk="0" hangingPunct="1">
+                        <a:lnSpc>
+                          <a:spcPct val="100000"/>
+                        </a:lnSpc>
+                        <a:spcBef>
+                          <a:spcPts val="0"/>
+                        </a:spcBef>
+                        <a:spcAft>
+                          <a:spcPts val="0"/>
+                        </a:spcAft>
+                        <a:buClrTx/>
+                        <a:buSzTx/>
+                        <a:buFontTx/>
+                        <a:buNone/>
+                        <a:tabLst/>
+                        <a:defRPr/>
+                      </a:pPr>
+                      <a:r>
+                        <a:rPr lang="en-US" dirty="0"/>
+                        <a:t>573610</a:t>
+                      </a:r>
+                    </a:p>
+                  </a:txBody>
+                  <a:tcPr/>
+                </a:tc>
+                <a:tc>
+                  <a:txBody>
+                    <a:bodyPr/>
+                    <a:lstStyle/>
+                    <a:p>
+                      <a:pPr algn="ctr"/>
+                      <a:r>
+                        <a:rPr lang="en-US" dirty="0"/>
+                        <a:t>42.93%</a:t>
+                      </a:r>
+                    </a:p>
+                  </a:txBody>
+                  <a:tcPr/>
+                </a:tc>
+                <a:extLst>
+                  <a:ext uri="{0D108BD9-81ED-4DB2-BD59-A6C34878D82A}">
+                    <a16:rowId xmlns:a16="http://schemas.microsoft.com/office/drawing/2014/main" val="1226670156"/>
+                  </a:ext>
+                </a:extLst>
+              </a:tr>
+            </a:tbl>
+          </a:graphicData>
+        </a:graphic>
+      </p:graphicFrame>
+    </p:spTree>
+    <p:extLst>
+      <p:ext uri="{BB962C8B-B14F-4D97-AF65-F5344CB8AC3E}">
+        <p14:creationId xmlns:p14="http://schemas.microsoft.com/office/powerpoint/2010/main" val="1117002673"/>
+      </p:ext>
+    </p:extLst>
+  </p:cSld>
+  <p:clrMapOvr>
+    <a:overrideClrMapping bg1="dk1" tx1="lt1" bg2="dk2" tx2="lt2" accent1="accent1" accent2="accent2" accent3="accent3" accent4="accent4" accent5="accent5" accent6="accent6" hlink="hlink" folHlink="folHlink"/>
+  </p:clrMapOvr>
+</p:sld>
+</file>
+
+<file path=ppt/slides/slide12.xml><?xml version="1.0" encoding="utf-8"?>
+<p:sld xmlns:a="http://schemas.openxmlformats.org/drawingml/2006/main" xmlns:r="http://schemas.openxmlformats.org/officeDocument/2006/relationships" xmlns:p="http://schemas.openxmlformats.org/presentationml/2006/main">
+  <p:cSld>
+    <p:spTree>
+      <p:nvGrpSpPr>
+        <p:cNvPr id="1" name=""/>
+        <p:cNvGrpSpPr/>
+        <p:nvPr/>
+      </p:nvGrpSpPr>
+      <p:grpSpPr>
+        <a:xfrm>
+          <a:off x="0" y="0"/>
+          <a:ext cx="0" cy="0"/>
+          <a:chOff x="0" y="0"/>
+          <a:chExt cx="0" cy="0"/>
+        </a:xfrm>
+      </p:grpSpPr>
+      <p:sp>
+        <p:nvSpPr>
+          <p:cNvPr id="8" name="Rectangle 7">
+            <a:extLst/>
+          </p:cNvPr>
+          <p:cNvSpPr>
+            <a:spLocks noGrp="1" noRot="1" noChangeAspect="1" noMove="1" noResize="1" noEditPoints="1" noAdjustHandles="1" noChangeArrowheads="1" noChangeShapeType="1" noTextEdit="1"/>
+          </p:cNvSpPr>
+          <p:nvPr>
+            <p:extLst>
+              <p:ext uri="{386F3935-93C4-4BCD-93E2-E3B085C9AB24}">
+                <p16:designElem xmlns:p16="http://schemas.microsoft.com/office/powerpoint/2015/main" val="1"/>
+              </p:ext>
+            </p:extLst>
+          </p:nvPr>
+        </p:nvSpPr>
+        <p:spPr>
+          <a:xfrm>
+            <a:off x="0" y="0"/>
+            <a:ext cx="12192000" cy="1690688"/>
+          </a:xfrm>
+          <a:prstGeom prst="rect">
+            <a:avLst/>
+          </a:prstGeom>
+          <a:solidFill>
+            <a:schemeClr val="tx1"/>
+          </a:solidFill>
+          <a:ln>
+            <a:noFill/>
+          </a:ln>
+        </p:spPr>
+        <p:style>
+          <a:lnRef idx="2">
+            <a:schemeClr val="accent1">
+              <a:shade val="50000"/>
+            </a:schemeClr>
+          </a:lnRef>
+          <a:fillRef idx="1">
+            <a:schemeClr val="accent1"/>
+          </a:fillRef>
+          <a:effectRef idx="0">
+            <a:schemeClr val="accent1"/>
+          </a:effectRef>
+          <a:fontRef idx="minor">
+            <a:schemeClr val="lt1"/>
+          </a:fontRef>
+        </p:style>
+        <p:txBody>
+          <a:bodyPr rtlCol="0" anchor="ctr"/>
+          <a:lstStyle/>
+          <a:p>
+            <a:pPr algn="ctr"/>
+            <a:endParaRPr lang="en-US"/>
+          </a:p>
+        </p:txBody>
+      </p:sp>
+      <p:sp useBgFill="1">
+        <p:nvSpPr>
+          <p:cNvPr id="10" name="Rectangle 9"/>
+          <p:cNvSpPr>
+            <a:spLocks noGrp="1" noRot="1" noChangeAspect="1" noMove="1" noResize="1" noEditPoints="1" noAdjustHandles="1" noChangeArrowheads="1" noChangeShapeType="1" noTextEdit="1"/>
+          </p:cNvSpPr>
+          <p:nvPr>
+            <p:extLst>
+              <p:ext uri="{386F3935-93C4-4BCD-93E2-E3B085C9AB24}">
+                <p16:designElem xmlns:p16="http://schemas.microsoft.com/office/powerpoint/2015/main" val="1"/>
+              </p:ext>
+            </p:extLst>
+          </p:nvPr>
+        </p:nvSpPr>
+        <p:spPr>
+          <a:xfrm>
+            <a:off x="0" y="1690688"/>
+            <a:ext cx="12192000" cy="5166360"/>
+          </a:xfrm>
+          <a:prstGeom prst="rect">
+            <a:avLst/>
+          </a:prstGeom>
+          <a:ln>
+            <a:noFill/>
+          </a:ln>
+        </p:spPr>
+        <p:style>
+          <a:lnRef idx="2">
+            <a:schemeClr val="accent1">
+              <a:shade val="50000"/>
+            </a:schemeClr>
+          </a:lnRef>
+          <a:fillRef idx="1">
+            <a:schemeClr val="accent1"/>
+          </a:fillRef>
+          <a:effectRef idx="0">
+            <a:schemeClr val="accent1"/>
+          </a:effectRef>
+          <a:fontRef idx="minor">
+            <a:schemeClr val="lt1"/>
+          </a:fontRef>
+        </p:style>
+        <p:txBody>
+          <a:bodyPr rtlCol="0" anchor="ctr"/>
+          <a:lstStyle/>
+          <a:p>
+            <a:pPr algn="ctr"/>
+            <a:endParaRPr lang="en-US"/>
+          </a:p>
+        </p:txBody>
+      </p:sp>
+      <p:sp>
+        <p:nvSpPr>
+          <p:cNvPr id="2" name="Title 1"/>
+          <p:cNvSpPr>
+            <a:spLocks noGrp="1"/>
+          </p:cNvSpPr>
+          <p:nvPr>
+            <p:ph type="title"/>
+          </p:nvPr>
+        </p:nvSpPr>
+        <p:spPr>
+          <a:xfrm>
+            <a:off x="838200" y="365125"/>
+            <a:ext cx="10515600" cy="1325563"/>
+          </a:xfrm>
+        </p:spPr>
+        <p:txBody>
+          <a:bodyPr>
+            <a:normAutofit/>
+          </a:bodyPr>
+          <a:lstStyle/>
+          <a:p>
+            <a:r>
+              <a:rPr lang="en-US" b="1" dirty="0">
+                <a:solidFill>
+                  <a:srgbClr val="FFC000"/>
+                </a:solidFill>
+              </a:rPr>
               <a:t>Modeling: GAMs</a:t>
             </a:r>
           </a:p>
@@ -3719,7 +4691,7 @@
 </p:sld>
 </file>
 
-<file path=ppt/slides/slide11.xml><?xml version="1.0" encoding="utf-8"?>
+<file path=ppt/slides/slide13.xml><?xml version="1.0" encoding="utf-8"?>
 <p:sld xmlns:a="http://schemas.openxmlformats.org/drawingml/2006/main" xmlns:r="http://schemas.openxmlformats.org/officeDocument/2006/relationships" xmlns:p="http://schemas.openxmlformats.org/presentationml/2006/main">
   <p:cSld>
     <p:spTree>
@@ -4020,7 +4992,7 @@
 </p:sld>
 </file>
 
-<file path=ppt/slides/slide12.xml><?xml version="1.0" encoding="utf-8"?>
+<file path=ppt/slides/slide14.xml><?xml version="1.0" encoding="utf-8"?>
 <p:sld xmlns:a="http://schemas.openxmlformats.org/drawingml/2006/main" xmlns:r="http://schemas.openxmlformats.org/officeDocument/2006/relationships" xmlns:p="http://schemas.openxmlformats.org/presentationml/2006/main">
   <p:cSld>
     <p:spTree>
@@ -4281,7 +5253,7 @@
 </p:sld>
 </file>
 
-<file path=ppt/slides/slide13.xml><?xml version="1.0" encoding="utf-8"?>
+<file path=ppt/slides/slide15.xml><?xml version="1.0" encoding="utf-8"?>
 <p:sld xmlns:a="http://schemas.openxmlformats.org/drawingml/2006/main" xmlns:r="http://schemas.openxmlformats.org/officeDocument/2006/relationships" xmlns:p="http://schemas.openxmlformats.org/presentationml/2006/main">
   <p:cSld>
     <p:spTree>
@@ -4533,7 +5505,7 @@
 </p:sld>
 </file>
 
-<file path=ppt/slides/slide14.xml><?xml version="1.0" encoding="utf-8"?>
+<file path=ppt/slides/slide16.xml><?xml version="1.0" encoding="utf-8"?>
 <p:sld xmlns:a="http://schemas.openxmlformats.org/drawingml/2006/main" xmlns:r="http://schemas.openxmlformats.org/officeDocument/2006/relationships" xmlns:p="http://schemas.openxmlformats.org/presentationml/2006/main">
   <p:cSld>
     <p:spTree>
@@ -6700,8 +7672,8 @@
           </a:p>
         </p:txBody>
       </p:sp>
-      <mc:AlternateContent xmlns:mc="http://schemas.openxmlformats.org/markup-compatibility/2006">
-        <mc:Choice xmlns:a14="http://schemas.microsoft.com/office/drawing/2010/main" Requires="a14">
+      <mc:AlternateContent xmlns:mc="http://schemas.openxmlformats.org/markup-compatibility/2006" xmlns:a14="http://schemas.microsoft.com/office/drawing/2010/main">
+        <mc:Choice Requires="a14">
           <p:sp>
             <p:nvSpPr>
               <p:cNvPr id="3" name="Content Placeholder 2"/>
@@ -6740,28 +7712,38 @@
                     </m:oMathParaPr>
                     <m:oMath xmlns:m="http://schemas.openxmlformats.org/officeDocument/2006/math">
                       <m:r>
-                        <a:rPr lang="en-US" i="1"/>
+                        <a:rPr lang="en-US" i="1">
+                          <a:latin typeface="Cambria Math" panose="02040503050406030204" pitchFamily="18" charset="0"/>
+                        </a:rPr>
                         <m:t>𝑀𝑆𝐸</m:t>
                       </m:r>
                       <m:r>
-                        <a:rPr lang="en-US" i="1"/>
+                        <a:rPr lang="en-US" i="1">
+                          <a:latin typeface="Cambria Math" panose="02040503050406030204" pitchFamily="18" charset="0"/>
+                        </a:rPr>
                         <m:t>=</m:t>
                       </m:r>
                       <m:f>
                         <m:fPr>
                           <m:ctrlPr>
-                            <a:rPr lang="en-US" i="1"/>
+                            <a:rPr lang="en-US" i="1">
+                              <a:latin typeface="Cambria Math" panose="02040503050406030204" pitchFamily="18" charset="0"/>
+                            </a:rPr>
                           </m:ctrlPr>
                         </m:fPr>
                         <m:num>
                           <m:r>
-                            <a:rPr lang="en-US" i="1"/>
+                            <a:rPr lang="en-US" i="1">
+                              <a:latin typeface="Cambria Math" panose="02040503050406030204" pitchFamily="18" charset="0"/>
+                            </a:rPr>
                             <m:t>1</m:t>
                           </m:r>
                         </m:num>
                         <m:den>
                           <m:r>
-                            <a:rPr lang="en-US" i="1"/>
+                            <a:rPr lang="en-US" i="1">
+                              <a:latin typeface="Cambria Math" panose="02040503050406030204" pitchFamily="18" charset="0"/>
+                            </a:rPr>
                             <m:t>𝑛</m:t>
                           </m:r>
                         </m:den>
@@ -6771,22 +7753,30 @@
                           <m:chr m:val="∑"/>
                           <m:limLoc m:val="undOvr"/>
                           <m:ctrlPr>
-                            <a:rPr lang="en-US" i="1"/>
+                            <a:rPr lang="en-US" i="1">
+                              <a:latin typeface="Cambria Math" panose="02040503050406030204" pitchFamily="18" charset="0"/>
+                            </a:rPr>
                           </m:ctrlPr>
                         </m:naryPr>
                         <m:sub>
                           <m:r>
-                            <a:rPr lang="en-US" i="1"/>
+                            <a:rPr lang="en-US" i="1">
+                              <a:latin typeface="Cambria Math" panose="02040503050406030204" pitchFamily="18" charset="0"/>
+                            </a:rPr>
                             <m:t>𝑖</m:t>
                           </m:r>
                           <m:r>
-                            <a:rPr lang="en-US" i="1"/>
+                            <a:rPr lang="en-US" i="1">
+                              <a:latin typeface="Cambria Math" panose="02040503050406030204" pitchFamily="18" charset="0"/>
+                            </a:rPr>
                             <m:t>=1</m:t>
                           </m:r>
                         </m:sub>
                         <m:sup>
                           <m:r>
-                            <a:rPr lang="en-US" i="1"/>
+                            <a:rPr lang="en-US" i="1">
+                              <a:latin typeface="Cambria Math" panose="02040503050406030204" pitchFamily="18" charset="0"/>
+                            </a:rPr>
                             <m:t>𝑛</m:t>
                           </m:r>
                         </m:sup>
@@ -6794,31 +7784,43 @@
                           <m:sSup>
                             <m:sSupPr>
                               <m:ctrlPr>
-                                <a:rPr lang="en-US" i="1"/>
+                                <a:rPr lang="en-US" i="1">
+                                  <a:latin typeface="Cambria Math" panose="02040503050406030204" pitchFamily="18" charset="0"/>
+                                </a:rPr>
                               </m:ctrlPr>
                             </m:sSupPr>
                             <m:e>
                               <m:d>
                                 <m:dPr>
                                   <m:ctrlPr>
-                                    <a:rPr lang="en-US" i="1"/>
+                                    <a:rPr lang="en-US" i="1">
+                                      <a:latin typeface="Cambria Math" panose="02040503050406030204" pitchFamily="18" charset="0"/>
+                                    </a:rPr>
                                   </m:ctrlPr>
                                 </m:dPr>
                                 <m:e>
                                   <m:r>
-                                    <a:rPr lang="en-US" i="1"/>
+                                    <a:rPr lang="en-US" i="1">
+                                      <a:latin typeface="Cambria Math" panose="02040503050406030204" pitchFamily="18" charset="0"/>
+                                    </a:rPr>
                                     <m:t>𝑦</m:t>
                                   </m:r>
                                   <m:r>
-                                    <a:rPr lang="en-US" i="1" baseline="-25000"/>
+                                    <a:rPr lang="en-US" i="1" baseline="-25000">
+                                      <a:latin typeface="Cambria Math" panose="02040503050406030204" pitchFamily="18" charset="0"/>
+                                    </a:rPr>
                                     <m:t>𝑖</m:t>
                                   </m:r>
                                   <m:r>
-                                    <a:rPr lang="en-US" i="1"/>
+                                    <a:rPr lang="en-US" i="1">
+                                      <a:latin typeface="Cambria Math" panose="02040503050406030204" pitchFamily="18" charset="0"/>
+                                    </a:rPr>
                                     <m:t>−</m:t>
                                   </m:r>
                                   <m:r>
-                                    <a:rPr lang="en-US" i="1"/>
+                                    <a:rPr lang="en-US" i="1">
+                                      <a:latin typeface="Cambria Math" panose="02040503050406030204" pitchFamily="18" charset="0"/>
+                                    </a:rPr>
                                     <m:t>𝑦𝑖</m:t>
                                   </m:r>
                                 </m:e>
@@ -6826,7 +7828,9 @@
                             </m:e>
                             <m:sup>
                               <m:r>
-                                <a:rPr lang="en-US" i="1"/>
+                                <a:rPr lang="en-US" i="1">
+                                  <a:latin typeface="Cambria Math" panose="02040503050406030204" pitchFamily="18" charset="0"/>
+                                </a:rPr>
                                 <m:t>2</m:t>
                               </m:r>
                             </m:sup>
@@ -6844,11 +7848,7 @@
               <a:p>
                 <a:r>
                   <a:rPr lang="en-US" sz="3300" dirty="0"/>
-                  <a:t>Root Mean Square Percentage Error (</a:t>
-                </a:r>
-                <a:r>
-                  <a:rPr lang="en-US" sz="3300" dirty="0"/>
-                  <a:t>RMSPE)</a:t>
+                  <a:t>Root Mean Square Percentage Error (RMSPE)</a:t>
                 </a:r>
               </a:p>
               <a:p>
@@ -6865,18 +7865,24 @@
                     </m:oMathParaPr>
                     <m:oMath xmlns:m="http://schemas.openxmlformats.org/officeDocument/2006/math">
                       <m:r>
-                        <a:rPr lang="en-US" i="1"/>
+                        <a:rPr lang="en-US" i="1">
+                          <a:latin typeface="Cambria Math" panose="02040503050406030204" pitchFamily="18" charset="0"/>
+                        </a:rPr>
                         <m:t>𝑅𝑀𝑆𝑃𝐸</m:t>
                       </m:r>
                       <m:r>
-                        <a:rPr lang="en-US" i="1"/>
+                        <a:rPr lang="en-US" i="1">
+                          <a:latin typeface="Cambria Math" panose="02040503050406030204" pitchFamily="18" charset="0"/>
+                        </a:rPr>
                         <m:t>=</m:t>
                       </m:r>
                       <m:rad>
                         <m:radPr>
                           <m:degHide m:val="on"/>
                           <m:ctrlPr>
-                            <a:rPr lang="en-US" i="1"/>
+                            <a:rPr lang="en-US" i="1">
+                              <a:latin typeface="Cambria Math" panose="02040503050406030204" pitchFamily="18" charset="0"/>
+                            </a:rPr>
                           </m:ctrlPr>
                         </m:radPr>
                         <m:deg/>
@@ -6884,18 +7890,24 @@
                           <m:f>
                             <m:fPr>
                               <m:ctrlPr>
-                                <a:rPr lang="en-US" i="1"/>
+                                <a:rPr lang="en-US" i="1">
+                                  <a:latin typeface="Cambria Math" panose="02040503050406030204" pitchFamily="18" charset="0"/>
+                                </a:rPr>
                               </m:ctrlPr>
                             </m:fPr>
                             <m:num>
                               <m:r>
-                                <a:rPr lang="en-US" i="1"/>
+                                <a:rPr lang="en-US" i="1">
+                                  <a:latin typeface="Cambria Math" panose="02040503050406030204" pitchFamily="18" charset="0"/>
+                                </a:rPr>
                                 <m:t>1</m:t>
                               </m:r>
                             </m:num>
                             <m:den>
                               <m:r>
-                                <a:rPr lang="en-US" i="1"/>
+                                <a:rPr lang="en-US" i="1">
+                                  <a:latin typeface="Cambria Math" panose="02040503050406030204" pitchFamily="18" charset="0"/>
+                                </a:rPr>
                                 <m:t>𝑛</m:t>
                               </m:r>
                             </m:den>
@@ -6907,22 +7919,30 @@
                           <m:chr m:val="∑"/>
                           <m:limLoc m:val="undOvr"/>
                           <m:ctrlPr>
-                            <a:rPr lang="en-US" i="1"/>
+                            <a:rPr lang="en-US" i="1">
+                              <a:latin typeface="Cambria Math" panose="02040503050406030204" pitchFamily="18" charset="0"/>
+                            </a:rPr>
                           </m:ctrlPr>
                         </m:naryPr>
                         <m:sub>
                           <m:r>
-                            <a:rPr lang="en-US" i="1"/>
+                            <a:rPr lang="en-US" i="1">
+                              <a:latin typeface="Cambria Math" panose="02040503050406030204" pitchFamily="18" charset="0"/>
+                            </a:rPr>
                             <m:t>𝑖</m:t>
                           </m:r>
                           <m:r>
-                            <a:rPr lang="en-US" i="1"/>
+                            <a:rPr lang="en-US" i="1">
+                              <a:latin typeface="Cambria Math" panose="02040503050406030204" pitchFamily="18" charset="0"/>
+                            </a:rPr>
                             <m:t>=1</m:t>
                           </m:r>
                         </m:sub>
                         <m:sup>
                           <m:r>
-                            <a:rPr lang="en-US" i="1"/>
+                            <a:rPr lang="en-US" i="1">
+                              <a:latin typeface="Cambria Math" panose="02040503050406030204" pitchFamily="18" charset="0"/>
+                            </a:rPr>
                             <m:t>𝑛</m:t>
                           </m:r>
                         </m:sup>
@@ -6930,48 +7950,66 @@
                           <m:sSup>
                             <m:sSupPr>
                               <m:ctrlPr>
-                                <a:rPr lang="en-US" i="1"/>
+                                <a:rPr lang="en-US" i="1">
+                                  <a:latin typeface="Cambria Math" panose="02040503050406030204" pitchFamily="18" charset="0"/>
+                                </a:rPr>
                               </m:ctrlPr>
                             </m:sSupPr>
                             <m:e>
                               <m:d>
                                 <m:dPr>
                                   <m:ctrlPr>
-                                    <a:rPr lang="en-US" i="1"/>
+                                    <a:rPr lang="en-US" i="1">
+                                      <a:latin typeface="Cambria Math" panose="02040503050406030204" pitchFamily="18" charset="0"/>
+                                    </a:rPr>
                                   </m:ctrlPr>
                                 </m:dPr>
                                 <m:e>
                                   <m:f>
                                     <m:fPr>
                                       <m:ctrlPr>
-                                        <a:rPr lang="en-US" i="1" smtClean="0"/>
+                                        <a:rPr lang="en-US" i="1" smtClean="0">
+                                          <a:latin typeface="Cambria Math" panose="02040503050406030204" pitchFamily="18" charset="0"/>
+                                        </a:rPr>
                                       </m:ctrlPr>
                                     </m:fPr>
                                     <m:num>
                                       <m:r>
-                                        <a:rPr lang="en-US" i="1"/>
+                                        <a:rPr lang="en-US" i="1">
+                                          <a:latin typeface="Cambria Math" panose="02040503050406030204" pitchFamily="18" charset="0"/>
+                                        </a:rPr>
                                         <m:t>𝑦</m:t>
                                       </m:r>
                                       <m:r>
-                                        <a:rPr lang="en-US" i="1" baseline="-25000"/>
+                                        <a:rPr lang="en-US" i="1" baseline="-25000">
+                                          <a:latin typeface="Cambria Math" panose="02040503050406030204" pitchFamily="18" charset="0"/>
+                                        </a:rPr>
                                         <m:t>𝑖</m:t>
                                       </m:r>
                                       <m:r>
-                                        <a:rPr lang="en-US" i="1"/>
+                                        <a:rPr lang="en-US" i="1">
+                                          <a:latin typeface="Cambria Math" panose="02040503050406030204" pitchFamily="18" charset="0"/>
+                                        </a:rPr>
                                         <m:t>−</m:t>
                                       </m:r>
                                       <m:r>
-                                        <a:rPr lang="en-US" i="1"/>
+                                        <a:rPr lang="en-US" i="1">
+                                          <a:latin typeface="Cambria Math" panose="02040503050406030204" pitchFamily="18" charset="0"/>
+                                        </a:rPr>
                                         <m:t>𝑦𝑖</m:t>
                                       </m:r>
                                     </m:num>
                                     <m:den>
                                       <m:r>
-                                        <a:rPr lang="en-US" i="1"/>
+                                        <a:rPr lang="en-US" i="1">
+                                          <a:latin typeface="Cambria Math" panose="02040503050406030204" pitchFamily="18" charset="0"/>
+                                        </a:rPr>
                                         <m:t>𝑦</m:t>
                                       </m:r>
                                       <m:r>
-                                        <a:rPr lang="en-US" i="1" baseline="-25000"/>
+                                        <a:rPr lang="en-US" i="1" baseline="-25000">
+                                          <a:latin typeface="Cambria Math" panose="02040503050406030204" pitchFamily="18" charset="0"/>
+                                        </a:rPr>
                                         <m:t>𝑖</m:t>
                                       </m:r>
                                     </m:den>
@@ -6981,7 +8019,9 @@
                             </m:e>
                             <m:sup>
                               <m:r>
-                                <a:rPr lang="en-US" i="1"/>
+                                <a:rPr lang="en-US" i="1">
+                                  <a:latin typeface="Cambria Math" panose="02040503050406030204" pitchFamily="18" charset="0"/>
+                                </a:rPr>
                                 <m:t>2</m:t>
                               </m:r>
                             </m:sup>
@@ -7002,11 +8042,7 @@
                 </a:pPr>
                 <a:r>
                   <a:rPr lang="en-US" sz="1600" dirty="0"/>
-                  <a:t>Note: </a:t>
-                </a:r>
-                <a:r>
-                  <a:rPr lang="en-US" sz="1600" dirty="0"/>
-                  <a:t>where </a:t>
+                  <a:t>Note: where </a:t>
                 </a:r>
                 <a:r>
                   <a:rPr lang="en-US" sz="1600" dirty="0" err="1"/>
@@ -7024,7 +8060,6 @@
                   <a:rPr lang="en-US" sz="1600" dirty="0"/>
                   <a:t> denotes the corresponding prediction. Any day and store with 0 sales is ignored in scoring.</a:t>
                 </a:r>
-                <a:endParaRPr lang="en-US" sz="1600" dirty="0"/>
               </a:p>
               <a:p>
                 <a:pPr marL="0" indent="0">
@@ -7035,7 +8070,7 @@
             </p:txBody>
           </p:sp>
         </mc:Choice>
-        <mc:Fallback>
+        <mc:Fallback xmlns="">
           <p:sp>
             <p:nvSpPr>
               <p:cNvPr id="3" name="Content Placeholder 2"/>
@@ -7419,35 +8454,6 @@
           </a:p>
         </p:txBody>
       </p:sp>
-      <p:sp>
-        <p:nvSpPr>
-          <p:cNvPr id="3" name="Content Placeholder 2"/>
-          <p:cNvSpPr>
-            <a:spLocks noGrp="1"/>
-          </p:cNvSpPr>
-          <p:nvPr>
-            <p:ph idx="1"/>
-          </p:nvPr>
-        </p:nvSpPr>
-        <p:spPr>
-          <a:xfrm>
-            <a:off x="838200" y="2015406"/>
-            <a:ext cx="10515600" cy="4065986"/>
-          </a:xfrm>
-        </p:spPr>
-        <p:txBody>
-          <a:bodyPr anchor="ctr">
-            <a:normAutofit/>
-          </a:bodyPr>
-          <a:lstStyle/>
-          <a:p>
-            <a:r>
-              <a:rPr lang="en-US" sz="2000" dirty="0"/>
-              <a:t>• A summary of your modeling steps, with reference to your script where appropriate to allow me to relate it to your description. • In particular, if in a predictive setting, overtraining avoidance, bias variance tradeoff, etc. should be discussed.</a:t>
-            </a:r>
-          </a:p>
-        </p:txBody>
-      </p:sp>
       <p:pic>
         <p:nvPicPr>
           <p:cNvPr id="6" name="Picture 2" descr="Image result for rosmann"/>
@@ -7489,10 +8495,257 @@
           </a:extLst>
         </p:spPr>
       </p:pic>
+      <p:sp>
+        <p:nvSpPr>
+          <p:cNvPr id="11" name="Content Placeholder 2"/>
+          <p:cNvSpPr txBox="1">
+            <a:spLocks/>
+          </p:cNvSpPr>
+          <p:nvPr/>
+        </p:nvSpPr>
+        <p:spPr>
+          <a:xfrm>
+            <a:off x="838200" y="2439250"/>
+            <a:ext cx="4469091" cy="4065986"/>
+          </a:xfrm>
+          <a:prstGeom prst="rect">
+            <a:avLst/>
+          </a:prstGeom>
+        </p:spPr>
+        <p:txBody>
+          <a:bodyPr vert="horz" lIns="91440" tIns="45720" rIns="91440" bIns="45720" rtlCol="0" anchor="t">
+            <a:normAutofit/>
+          </a:bodyPr>
+          <a:lstStyle>
+            <a:lvl1pPr marL="228600" indent="-228600" algn="l" defTabSz="914400" rtl="0" eaLnBrk="1" latinLnBrk="0" hangingPunct="1">
+              <a:lnSpc>
+                <a:spcPct val="90000"/>
+              </a:lnSpc>
+              <a:spcBef>
+                <a:spcPts val="1000"/>
+              </a:spcBef>
+              <a:buFont typeface="Arial" panose="020B0604020202020204" pitchFamily="34" charset="0"/>
+              <a:buChar char="•"/>
+              <a:defRPr sz="2800" kern="1200">
+                <a:solidFill>
+                  <a:schemeClr val="tx1"/>
+                </a:solidFill>
+                <a:latin typeface="+mn-lt"/>
+                <a:ea typeface="+mn-ea"/>
+                <a:cs typeface="+mn-cs"/>
+              </a:defRPr>
+            </a:lvl1pPr>
+            <a:lvl2pPr marL="685800" indent="-228600" algn="l" defTabSz="914400" rtl="0" eaLnBrk="1" latinLnBrk="0" hangingPunct="1">
+              <a:lnSpc>
+                <a:spcPct val="90000"/>
+              </a:lnSpc>
+              <a:spcBef>
+                <a:spcPts val="500"/>
+              </a:spcBef>
+              <a:buFont typeface="Arial" panose="020B0604020202020204" pitchFamily="34" charset="0"/>
+              <a:buChar char="•"/>
+              <a:defRPr sz="2400" kern="1200">
+                <a:solidFill>
+                  <a:schemeClr val="tx1"/>
+                </a:solidFill>
+                <a:latin typeface="+mn-lt"/>
+                <a:ea typeface="+mn-ea"/>
+                <a:cs typeface="+mn-cs"/>
+              </a:defRPr>
+            </a:lvl2pPr>
+            <a:lvl3pPr marL="1143000" indent="-228600" algn="l" defTabSz="914400" rtl="0" eaLnBrk="1" latinLnBrk="0" hangingPunct="1">
+              <a:lnSpc>
+                <a:spcPct val="90000"/>
+              </a:lnSpc>
+              <a:spcBef>
+                <a:spcPts val="500"/>
+              </a:spcBef>
+              <a:buFont typeface="Arial" panose="020B0604020202020204" pitchFamily="34" charset="0"/>
+              <a:buChar char="•"/>
+              <a:defRPr sz="2000" kern="1200">
+                <a:solidFill>
+                  <a:schemeClr val="tx1"/>
+                </a:solidFill>
+                <a:latin typeface="+mn-lt"/>
+                <a:ea typeface="+mn-ea"/>
+                <a:cs typeface="+mn-cs"/>
+              </a:defRPr>
+            </a:lvl3pPr>
+            <a:lvl4pPr marL="1600200" indent="-228600" algn="l" defTabSz="914400" rtl="0" eaLnBrk="1" latinLnBrk="0" hangingPunct="1">
+              <a:lnSpc>
+                <a:spcPct val="90000"/>
+              </a:lnSpc>
+              <a:spcBef>
+                <a:spcPts val="500"/>
+              </a:spcBef>
+              <a:buFont typeface="Arial" panose="020B0604020202020204" pitchFamily="34" charset="0"/>
+              <a:buChar char="•"/>
+              <a:defRPr sz="1800" kern="1200">
+                <a:solidFill>
+                  <a:schemeClr val="tx1"/>
+                </a:solidFill>
+                <a:latin typeface="+mn-lt"/>
+                <a:ea typeface="+mn-ea"/>
+                <a:cs typeface="+mn-cs"/>
+              </a:defRPr>
+            </a:lvl4pPr>
+            <a:lvl5pPr marL="2057400" indent="-228600" algn="l" defTabSz="914400" rtl="0" eaLnBrk="1" latinLnBrk="0" hangingPunct="1">
+              <a:lnSpc>
+                <a:spcPct val="90000"/>
+              </a:lnSpc>
+              <a:spcBef>
+                <a:spcPts val="500"/>
+              </a:spcBef>
+              <a:buFont typeface="Arial" panose="020B0604020202020204" pitchFamily="34" charset="0"/>
+              <a:buChar char="•"/>
+              <a:defRPr sz="1800" kern="1200">
+                <a:solidFill>
+                  <a:schemeClr val="tx1"/>
+                </a:solidFill>
+                <a:latin typeface="+mn-lt"/>
+                <a:ea typeface="+mn-ea"/>
+                <a:cs typeface="+mn-cs"/>
+              </a:defRPr>
+            </a:lvl5pPr>
+            <a:lvl6pPr marL="2514600" indent="-228600" algn="l" defTabSz="914400" rtl="0" eaLnBrk="1" latinLnBrk="0" hangingPunct="1">
+              <a:lnSpc>
+                <a:spcPct val="90000"/>
+              </a:lnSpc>
+              <a:spcBef>
+                <a:spcPts val="500"/>
+              </a:spcBef>
+              <a:buFont typeface="Arial" panose="020B0604020202020204" pitchFamily="34" charset="0"/>
+              <a:buChar char="•"/>
+              <a:defRPr sz="1800" kern="1200">
+                <a:solidFill>
+                  <a:schemeClr val="tx1"/>
+                </a:solidFill>
+                <a:latin typeface="+mn-lt"/>
+                <a:ea typeface="+mn-ea"/>
+                <a:cs typeface="+mn-cs"/>
+              </a:defRPr>
+            </a:lvl6pPr>
+            <a:lvl7pPr marL="2971800" indent="-228600" algn="l" defTabSz="914400" rtl="0" eaLnBrk="1" latinLnBrk="0" hangingPunct="1">
+              <a:lnSpc>
+                <a:spcPct val="90000"/>
+              </a:lnSpc>
+              <a:spcBef>
+                <a:spcPts val="500"/>
+              </a:spcBef>
+              <a:buFont typeface="Arial" panose="020B0604020202020204" pitchFamily="34" charset="0"/>
+              <a:buChar char="•"/>
+              <a:defRPr sz="1800" kern="1200">
+                <a:solidFill>
+                  <a:schemeClr val="tx1"/>
+                </a:solidFill>
+                <a:latin typeface="+mn-lt"/>
+                <a:ea typeface="+mn-ea"/>
+                <a:cs typeface="+mn-cs"/>
+              </a:defRPr>
+            </a:lvl7pPr>
+            <a:lvl8pPr marL="3429000" indent="-228600" algn="l" defTabSz="914400" rtl="0" eaLnBrk="1" latinLnBrk="0" hangingPunct="1">
+              <a:lnSpc>
+                <a:spcPct val="90000"/>
+              </a:lnSpc>
+              <a:spcBef>
+                <a:spcPts val="500"/>
+              </a:spcBef>
+              <a:buFont typeface="Arial" panose="020B0604020202020204" pitchFamily="34" charset="0"/>
+              <a:buChar char="•"/>
+              <a:defRPr sz="1800" kern="1200">
+                <a:solidFill>
+                  <a:schemeClr val="tx1"/>
+                </a:solidFill>
+                <a:latin typeface="+mn-lt"/>
+                <a:ea typeface="+mn-ea"/>
+                <a:cs typeface="+mn-cs"/>
+              </a:defRPr>
+            </a:lvl8pPr>
+            <a:lvl9pPr marL="3886200" indent="-228600" algn="l" defTabSz="914400" rtl="0" eaLnBrk="1" latinLnBrk="0" hangingPunct="1">
+              <a:lnSpc>
+                <a:spcPct val="90000"/>
+              </a:lnSpc>
+              <a:spcBef>
+                <a:spcPts val="500"/>
+              </a:spcBef>
+              <a:buFont typeface="Arial" panose="020B0604020202020204" pitchFamily="34" charset="0"/>
+              <a:buChar char="•"/>
+              <a:defRPr sz="1800" kern="1200">
+                <a:solidFill>
+                  <a:schemeClr val="tx1"/>
+                </a:solidFill>
+                <a:latin typeface="+mn-lt"/>
+                <a:ea typeface="+mn-ea"/>
+                <a:cs typeface="+mn-cs"/>
+              </a:defRPr>
+            </a:lvl9pPr>
+          </a:lstStyle>
+          <a:p>
+            <a:r>
+              <a:rPr lang="en-US" sz="2000" dirty="0"/>
+              <a:t>Using the h2o package, we constructed several random forest models which used different values of number of trees and max depth. The h2o allows us to process the large scale dataset fast and accurately, using the 100% CPU. </a:t>
+            </a:r>
+          </a:p>
+          <a:p>
+            <a:endParaRPr lang="en-US" sz="2000" dirty="0"/>
+          </a:p>
+          <a:p>
+            <a:r>
+              <a:rPr lang="en-US" sz="2000" dirty="0"/>
+              <a:t>Promotion, </a:t>
+            </a:r>
+            <a:r>
+              <a:rPr lang="en-US" sz="2000" dirty="0" err="1"/>
+              <a:t>DayOfWeek</a:t>
+            </a:r>
+            <a:r>
+              <a:rPr lang="en-US" sz="2000" dirty="0"/>
+              <a:t> are the most important features. </a:t>
+            </a:r>
+          </a:p>
+          <a:p>
+            <a:pPr marL="0" indent="0">
+              <a:buFont typeface="Arial" panose="020B0604020202020204" pitchFamily="34" charset="0"/>
+              <a:buNone/>
+            </a:pPr>
+            <a:endParaRPr lang="en-US" sz="2000" dirty="0"/>
+          </a:p>
+        </p:txBody>
+      </p:sp>
+      <p:pic>
+        <p:nvPicPr>
+          <p:cNvPr id="12" name="Picture 11"/>
+          <p:cNvPicPr>
+            <a:picLocks noChangeAspect="1"/>
+          </p:cNvPicPr>
+          <p:nvPr/>
+        </p:nvPicPr>
+        <p:blipFill>
+          <a:blip r:embed="rId3">
+            <a:extLst>
+              <a:ext uri="{28A0092B-C50C-407E-A947-70E740481C1C}">
+                <a14:useLocalDpi xmlns:a14="http://schemas.microsoft.com/office/drawing/2010/main" val="0"/>
+              </a:ext>
+            </a:extLst>
+          </a:blip>
+          <a:stretch>
+            <a:fillRect/>
+          </a:stretch>
+        </p:blipFill>
+        <p:spPr>
+          <a:xfrm>
+            <a:off x="5553086" y="2439250"/>
+            <a:ext cx="6260427" cy="2151603"/>
+          </a:xfrm>
+          <a:prstGeom prst="rect">
+            <a:avLst/>
+          </a:prstGeom>
+        </p:spPr>
+      </p:pic>
     </p:spTree>
     <p:extLst>
       <p:ext uri="{BB962C8B-B14F-4D97-AF65-F5344CB8AC3E}">
-        <p14:creationId xmlns:p14="http://schemas.microsoft.com/office/powerpoint/2010/main" val="3784079664"/>
+        <p14:creationId xmlns:p14="http://schemas.microsoft.com/office/powerpoint/2010/main" val="1550925185"/>
       </p:ext>
     </p:extLst>
   </p:cSld>
@@ -7654,36 +8907,7 @@
                   <a:srgbClr val="FFC000"/>
                 </a:solidFill>
               </a:rPr>
-              <a:t>Modeling: Boosting</a:t>
-            </a:r>
-          </a:p>
-        </p:txBody>
-      </p:sp>
-      <p:sp>
-        <p:nvSpPr>
-          <p:cNvPr id="3" name="Content Placeholder 2"/>
-          <p:cNvSpPr>
-            <a:spLocks noGrp="1"/>
-          </p:cNvSpPr>
-          <p:nvPr>
-            <p:ph idx="1"/>
-          </p:nvPr>
-        </p:nvSpPr>
-        <p:spPr>
-          <a:xfrm>
-            <a:off x="838200" y="2015406"/>
-            <a:ext cx="10515600" cy="4065986"/>
-          </a:xfrm>
-        </p:spPr>
-        <p:txBody>
-          <a:bodyPr anchor="ctr">
-            <a:normAutofit/>
-          </a:bodyPr>
-          <a:lstStyle/>
-          <a:p>
-            <a:r>
-              <a:rPr lang="en-US" sz="2000" dirty="0"/>
-              <a:t>• A summary of your modeling steps, with reference to your script where appropriate to allow me to relate it to your description. • In particular, if in a predictive setting, overtraining avoidance, bias variance tradeoff, etc. should be discussed.</a:t>
+              <a:t>Modeling: Random Forest</a:t>
             </a:r>
           </a:p>
         </p:txBody>
@@ -7729,10 +8953,39 @@
           </a:extLst>
         </p:spPr>
       </p:pic>
+      <p:sp>
+        <p:nvSpPr>
+          <p:cNvPr id="9" name="Content Placeholder 2"/>
+          <p:cNvSpPr>
+            <a:spLocks noGrp="1"/>
+          </p:cNvSpPr>
+          <p:nvPr>
+            <p:ph idx="1"/>
+          </p:nvPr>
+        </p:nvSpPr>
+        <p:spPr>
+          <a:xfrm>
+            <a:off x="838200" y="2015406"/>
+            <a:ext cx="10515600" cy="4065986"/>
+          </a:xfrm>
+        </p:spPr>
+        <p:txBody>
+          <a:bodyPr anchor="t">
+            <a:normAutofit/>
+          </a:bodyPr>
+          <a:lstStyle/>
+          <a:p>
+            <a:r>
+              <a:rPr lang="en-US" sz="2000" dirty="0"/>
+              <a:t>The best random forest model </a:t>
+            </a:r>
+          </a:p>
+        </p:txBody>
+      </p:sp>
     </p:spTree>
     <p:extLst>
       <p:ext uri="{BB962C8B-B14F-4D97-AF65-F5344CB8AC3E}">
-        <p14:creationId xmlns:p14="http://schemas.microsoft.com/office/powerpoint/2010/main" val="1310104698"/>
+        <p14:creationId xmlns:p14="http://schemas.microsoft.com/office/powerpoint/2010/main" val="3784079664"/>
       </p:ext>
     </p:extLst>
   </p:cSld>

--- a/FinalPresentation.pptx
+++ b/FinalPresentation.pptx
@@ -8,19 +8,23 @@
     <p:sldId id="256" r:id="rId2"/>
     <p:sldId id="257" r:id="rId3"/>
     <p:sldId id="258" r:id="rId4"/>
-    <p:sldId id="264" r:id="rId5"/>
-    <p:sldId id="265" r:id="rId6"/>
-    <p:sldId id="267" r:id="rId7"/>
-    <p:sldId id="271" r:id="rId8"/>
-    <p:sldId id="272" r:id="rId9"/>
-    <p:sldId id="266" r:id="rId10"/>
-    <p:sldId id="259" r:id="rId11"/>
-    <p:sldId id="273" r:id="rId12"/>
-    <p:sldId id="269" r:id="rId13"/>
-    <p:sldId id="270" r:id="rId14"/>
-    <p:sldId id="261" r:id="rId15"/>
-    <p:sldId id="262" r:id="rId16"/>
-    <p:sldId id="263" r:id="rId17"/>
+    <p:sldId id="277" r:id="rId5"/>
+    <p:sldId id="264" r:id="rId6"/>
+    <p:sldId id="265" r:id="rId7"/>
+    <p:sldId id="267" r:id="rId8"/>
+    <p:sldId id="271" r:id="rId9"/>
+    <p:sldId id="272" r:id="rId10"/>
+    <p:sldId id="266" r:id="rId11"/>
+    <p:sldId id="259" r:id="rId12"/>
+    <p:sldId id="273" r:id="rId13"/>
+    <p:sldId id="269" r:id="rId14"/>
+    <p:sldId id="278" r:id="rId15"/>
+    <p:sldId id="279" r:id="rId16"/>
+    <p:sldId id="262" r:id="rId17"/>
+    <p:sldId id="263" r:id="rId18"/>
+    <p:sldId id="274" r:id="rId19"/>
+    <p:sldId id="275" r:id="rId20"/>
+    <p:sldId id="276" r:id="rId21"/>
   </p:sldIdLst>
   <p:sldSz cx="12192000" cy="6858000"/>
   <p:notesSz cx="6858000" cy="9144000"/>
@@ -3395,6 +3399,745 @@
                   <a:srgbClr val="FFC000"/>
                 </a:solidFill>
               </a:rPr>
+              <a:t>Modeling: Random Forest</a:t>
+            </a:r>
+          </a:p>
+        </p:txBody>
+      </p:sp>
+      <p:pic>
+        <p:nvPicPr>
+          <p:cNvPr id="6" name="Picture 2" descr="Image result for rosmann"/>
+          <p:cNvPicPr>
+            <a:picLocks noChangeAspect="1" noChangeArrowheads="1"/>
+          </p:cNvPicPr>
+          <p:nvPr/>
+        </p:nvPicPr>
+        <p:blipFill>
+          <a:blip r:embed="rId2">
+            <a:extLst>
+              <a:ext uri="{28A0092B-C50C-407E-A947-70E740481C1C}">
+                <a14:useLocalDpi xmlns:a14="http://schemas.microsoft.com/office/drawing/2010/main" val="0"/>
+              </a:ext>
+            </a:extLst>
+          </a:blip>
+          <a:srcRect/>
+          <a:stretch>
+            <a:fillRect/>
+          </a:stretch>
+        </p:blipFill>
+        <p:spPr bwMode="auto">
+          <a:xfrm>
+            <a:off x="9544049" y="864190"/>
+            <a:ext cx="2390775" cy="327432"/>
+          </a:xfrm>
+          <a:prstGeom prst="rect">
+            <a:avLst/>
+          </a:prstGeom>
+          <a:noFill/>
+          <a:extLst>
+            <a:ext uri="{909E8E84-426E-40DD-AFC4-6F175D3DCCD1}">
+              <a14:hiddenFill xmlns:a14="http://schemas.microsoft.com/office/drawing/2010/main">
+                <a:solidFill>
+                  <a:srgbClr val="FFFFFF"/>
+                </a:solidFill>
+              </a14:hiddenFill>
+            </a:ext>
+          </a:extLst>
+        </p:spPr>
+      </p:pic>
+      <p:sp>
+        <p:nvSpPr>
+          <p:cNvPr id="9" name="Content Placeholder 2"/>
+          <p:cNvSpPr>
+            <a:spLocks noGrp="1"/>
+          </p:cNvSpPr>
+          <p:nvPr>
+            <p:ph idx="1"/>
+          </p:nvPr>
+        </p:nvSpPr>
+        <p:spPr>
+          <a:xfrm>
+            <a:off x="838200" y="2015406"/>
+            <a:ext cx="10515600" cy="4592784"/>
+          </a:xfrm>
+        </p:spPr>
+        <p:txBody>
+          <a:bodyPr anchor="t">
+            <a:normAutofit lnSpcReduction="10000"/>
+          </a:bodyPr>
+          <a:lstStyle/>
+          <a:p>
+            <a:r>
+              <a:rPr lang="en-US" sz="2000" dirty="0"/>
+              <a:t>The random forest model (</a:t>
+            </a:r>
+            <a:r>
+              <a:rPr lang="en-US" sz="2000" dirty="0" err="1"/>
+              <a:t>ntrees</a:t>
+            </a:r>
+            <a:r>
+              <a:rPr lang="en-US" sz="2000" dirty="0"/>
+              <a:t> = 1000)</a:t>
+            </a:r>
+          </a:p>
+          <a:p>
+            <a:endParaRPr lang="en-US" sz="2000" dirty="0"/>
+          </a:p>
+          <a:p>
+            <a:endParaRPr lang="en-US" sz="2000" dirty="0"/>
+          </a:p>
+          <a:p>
+            <a:endParaRPr lang="en-US" sz="2000" dirty="0"/>
+          </a:p>
+          <a:p>
+            <a:pPr marL="0" indent="0">
+              <a:buNone/>
+            </a:pPr>
+            <a:endParaRPr lang="en-US" sz="2000" dirty="0"/>
+          </a:p>
+          <a:p>
+            <a:r>
+              <a:rPr lang="en-US" sz="2000" dirty="0"/>
+              <a:t>The random forest model (</a:t>
+            </a:r>
+            <a:r>
+              <a:rPr lang="en-US" sz="2000" dirty="0" err="1"/>
+              <a:t>ntrees</a:t>
+            </a:r>
+            <a:r>
+              <a:rPr lang="en-US" sz="2000" dirty="0"/>
+              <a:t> = 100)</a:t>
+            </a:r>
+          </a:p>
+          <a:p>
+            <a:endParaRPr lang="en-US" sz="2000" dirty="0"/>
+          </a:p>
+          <a:p>
+            <a:endParaRPr lang="en-US" sz="2000" dirty="0"/>
+          </a:p>
+          <a:p>
+            <a:endParaRPr lang="en-US" sz="2000" dirty="0"/>
+          </a:p>
+          <a:p>
+            <a:endParaRPr lang="en-US" sz="2000" dirty="0"/>
+          </a:p>
+          <a:p>
+            <a:r>
+              <a:rPr lang="en-US" sz="2000" dirty="0"/>
+              <a:t>When the number of trees equals to 100, the model performs better. The chosen parameters setting does not lead to overfitting the training data since the test MSE and training MSE are similar.</a:t>
+            </a:r>
+          </a:p>
+          <a:p>
+            <a:endParaRPr lang="en-US" sz="2000" dirty="0"/>
+          </a:p>
+          <a:p>
+            <a:endParaRPr lang="en-US" sz="2000" dirty="0"/>
+          </a:p>
+        </p:txBody>
+      </p:sp>
+      <p:graphicFrame>
+        <p:nvGraphicFramePr>
+          <p:cNvPr id="11" name="Table 10"/>
+          <p:cNvGraphicFramePr>
+            <a:graphicFrameLocks noGrp="1"/>
+          </p:cNvGraphicFramePr>
+          <p:nvPr>
+            <p:extLst>
+              <p:ext uri="{D42A27DB-BD31-4B8C-83A1-F6EECF244321}">
+                <p14:modId xmlns:p14="http://schemas.microsoft.com/office/powerpoint/2010/main" val="1496077833"/>
+              </p:ext>
+            </p:extLst>
+          </p:nvPr>
+        </p:nvGraphicFramePr>
+        <p:xfrm>
+          <a:off x="2032000" y="2554878"/>
+          <a:ext cx="8127999" cy="1112520"/>
+        </p:xfrm>
+        <a:graphic>
+          <a:graphicData uri="http://schemas.openxmlformats.org/drawingml/2006/table">
+            <a:tbl>
+              <a:tblPr firstRow="1" bandRow="1">
+                <a:tableStyleId>{21E4AEA4-8DFA-4A89-87EB-49C32662AFE0}</a:tableStyleId>
+              </a:tblPr>
+              <a:tblGrid>
+                <a:gridCol w="2709333">
+                  <a:extLst>
+                    <a:ext uri="{9D8B030D-6E8A-4147-A177-3AD203B41FA5}">
+                      <a16:colId xmlns:a16="http://schemas.microsoft.com/office/drawing/2014/main" val="472140097"/>
+                    </a:ext>
+                  </a:extLst>
+                </a:gridCol>
+                <a:gridCol w="2709333">
+                  <a:extLst>
+                    <a:ext uri="{9D8B030D-6E8A-4147-A177-3AD203B41FA5}">
+                      <a16:colId xmlns:a16="http://schemas.microsoft.com/office/drawing/2014/main" val="3720232126"/>
+                    </a:ext>
+                  </a:extLst>
+                </a:gridCol>
+                <a:gridCol w="2709333">
+                  <a:extLst>
+                    <a:ext uri="{9D8B030D-6E8A-4147-A177-3AD203B41FA5}">
+                      <a16:colId xmlns:a16="http://schemas.microsoft.com/office/drawing/2014/main" val="120841938"/>
+                    </a:ext>
+                  </a:extLst>
+                </a:gridCol>
+              </a:tblGrid>
+              <a:tr h="370840">
+                <a:tc>
+                  <a:txBody>
+                    <a:bodyPr/>
+                    <a:lstStyle/>
+                    <a:p>
+                      <a:endParaRPr lang="en-US" dirty="0"/>
+                    </a:p>
+                  </a:txBody>
+                  <a:tcPr/>
+                </a:tc>
+                <a:tc>
+                  <a:txBody>
+                    <a:bodyPr/>
+                    <a:lstStyle/>
+                    <a:p>
+                      <a:pPr algn="ctr"/>
+                      <a:r>
+                        <a:rPr lang="en-US" dirty="0"/>
+                        <a:t>MSE</a:t>
+                      </a:r>
+                    </a:p>
+                  </a:txBody>
+                  <a:tcPr/>
+                </a:tc>
+                <a:tc>
+                  <a:txBody>
+                    <a:bodyPr/>
+                    <a:lstStyle/>
+                    <a:p>
+                      <a:pPr algn="ctr"/>
+                      <a:r>
+                        <a:rPr lang="en-US" dirty="0"/>
+                        <a:t>RMSPE</a:t>
+                      </a:r>
+                    </a:p>
+                  </a:txBody>
+                  <a:tcPr/>
+                </a:tc>
+                <a:extLst>
+                  <a:ext uri="{0D108BD9-81ED-4DB2-BD59-A6C34878D82A}">
+                    <a16:rowId xmlns:a16="http://schemas.microsoft.com/office/drawing/2014/main" val="3837947699"/>
+                  </a:ext>
+                </a:extLst>
+              </a:tr>
+              <a:tr h="370840">
+                <a:tc>
+                  <a:txBody>
+                    <a:bodyPr/>
+                    <a:lstStyle/>
+                    <a:p>
+                      <a:pPr algn="ctr"/>
+                      <a:r>
+                        <a:rPr lang="en-US" b="1" dirty="0"/>
+                        <a:t>Training</a:t>
+                      </a:r>
+                    </a:p>
+                  </a:txBody>
+                  <a:tcPr/>
+                </a:tc>
+                <a:tc>
+                  <a:txBody>
+                    <a:bodyPr/>
+                    <a:lstStyle/>
+                    <a:p>
+                      <a:pPr algn="ctr"/>
+                      <a:r>
+                        <a:rPr lang="en-US" dirty="0"/>
+                        <a:t>7470077</a:t>
+                      </a:r>
+                    </a:p>
+                  </a:txBody>
+                  <a:tcPr/>
+                </a:tc>
+                <a:tc>
+                  <a:txBody>
+                    <a:bodyPr/>
+                    <a:lstStyle/>
+                    <a:p>
+                      <a:pPr algn="ctr"/>
+                      <a:r>
+                        <a:rPr lang="en-US" dirty="0"/>
+                        <a:t>53.33%</a:t>
+                      </a:r>
+                    </a:p>
+                  </a:txBody>
+                  <a:tcPr/>
+                </a:tc>
+                <a:extLst>
+                  <a:ext uri="{0D108BD9-81ED-4DB2-BD59-A6C34878D82A}">
+                    <a16:rowId xmlns:a16="http://schemas.microsoft.com/office/drawing/2014/main" val="2216457841"/>
+                  </a:ext>
+                </a:extLst>
+              </a:tr>
+              <a:tr h="370840">
+                <a:tc>
+                  <a:txBody>
+                    <a:bodyPr/>
+                    <a:lstStyle/>
+                    <a:p>
+                      <a:pPr algn="ctr"/>
+                      <a:r>
+                        <a:rPr lang="en-US" b="1" dirty="0"/>
+                        <a:t>Test</a:t>
+                      </a:r>
+                    </a:p>
+                  </a:txBody>
+                  <a:tcPr/>
+                </a:tc>
+                <a:tc>
+                  <a:txBody>
+                    <a:bodyPr/>
+                    <a:lstStyle/>
+                    <a:p>
+                      <a:pPr marL="0" marR="0" lvl="0" indent="0" algn="ctr" defTabSz="914400" rtl="0" eaLnBrk="1" fontAlgn="auto" latinLnBrk="0" hangingPunct="1">
+                        <a:lnSpc>
+                          <a:spcPct val="100000"/>
+                        </a:lnSpc>
+                        <a:spcBef>
+                          <a:spcPts val="0"/>
+                        </a:spcBef>
+                        <a:spcAft>
+                          <a:spcPts val="0"/>
+                        </a:spcAft>
+                        <a:buClrTx/>
+                        <a:buSzTx/>
+                        <a:buFontTx/>
+                        <a:buNone/>
+                        <a:tabLst/>
+                        <a:defRPr/>
+                      </a:pPr>
+                      <a:r>
+                        <a:rPr lang="en-US" sz="1800" kern="1200" dirty="0">
+                          <a:solidFill>
+                            <a:schemeClr val="dk1"/>
+                          </a:solidFill>
+                          <a:effectLst/>
+                          <a:latin typeface="+mn-lt"/>
+                          <a:ea typeface="+mn-ea"/>
+                          <a:cs typeface="+mn-cs"/>
+                        </a:rPr>
+                        <a:t>7280485</a:t>
+                      </a:r>
+                      <a:endParaRPr lang="en-US" dirty="0"/>
+                    </a:p>
+                  </a:txBody>
+                  <a:tcPr/>
+                </a:tc>
+                <a:tc>
+                  <a:txBody>
+                    <a:bodyPr/>
+                    <a:lstStyle/>
+                    <a:p>
+                      <a:pPr algn="ctr"/>
+                      <a:r>
+                        <a:rPr lang="en-US" dirty="0"/>
+                        <a:t>48.73%</a:t>
+                      </a:r>
+                    </a:p>
+                  </a:txBody>
+                  <a:tcPr/>
+                </a:tc>
+                <a:extLst>
+                  <a:ext uri="{0D108BD9-81ED-4DB2-BD59-A6C34878D82A}">
+                    <a16:rowId xmlns:a16="http://schemas.microsoft.com/office/drawing/2014/main" val="1226670156"/>
+                  </a:ext>
+                </a:extLst>
+              </a:tr>
+            </a:tbl>
+          </a:graphicData>
+        </a:graphic>
+      </p:graphicFrame>
+      <p:graphicFrame>
+        <p:nvGraphicFramePr>
+          <p:cNvPr id="12" name="Table 11"/>
+          <p:cNvGraphicFramePr>
+            <a:graphicFrameLocks noGrp="1"/>
+          </p:cNvGraphicFramePr>
+          <p:nvPr>
+            <p:extLst>
+              <p:ext uri="{D42A27DB-BD31-4B8C-83A1-F6EECF244321}">
+                <p14:modId xmlns:p14="http://schemas.microsoft.com/office/powerpoint/2010/main" val="1048203024"/>
+              </p:ext>
+            </p:extLst>
+          </p:nvPr>
+        </p:nvGraphicFramePr>
+        <p:xfrm>
+          <a:off x="2031999" y="4563519"/>
+          <a:ext cx="8127999" cy="1112520"/>
+        </p:xfrm>
+        <a:graphic>
+          <a:graphicData uri="http://schemas.openxmlformats.org/drawingml/2006/table">
+            <a:tbl>
+              <a:tblPr firstRow="1" bandRow="1">
+                <a:tableStyleId>{21E4AEA4-8DFA-4A89-87EB-49C32662AFE0}</a:tableStyleId>
+              </a:tblPr>
+              <a:tblGrid>
+                <a:gridCol w="2709333">
+                  <a:extLst>
+                    <a:ext uri="{9D8B030D-6E8A-4147-A177-3AD203B41FA5}">
+                      <a16:colId xmlns:a16="http://schemas.microsoft.com/office/drawing/2014/main" val="472140097"/>
+                    </a:ext>
+                  </a:extLst>
+                </a:gridCol>
+                <a:gridCol w="2709333">
+                  <a:extLst>
+                    <a:ext uri="{9D8B030D-6E8A-4147-A177-3AD203B41FA5}">
+                      <a16:colId xmlns:a16="http://schemas.microsoft.com/office/drawing/2014/main" val="3720232126"/>
+                    </a:ext>
+                  </a:extLst>
+                </a:gridCol>
+                <a:gridCol w="2709333">
+                  <a:extLst>
+                    <a:ext uri="{9D8B030D-6E8A-4147-A177-3AD203B41FA5}">
+                      <a16:colId xmlns:a16="http://schemas.microsoft.com/office/drawing/2014/main" val="120841938"/>
+                    </a:ext>
+                  </a:extLst>
+                </a:gridCol>
+              </a:tblGrid>
+              <a:tr h="370840">
+                <a:tc>
+                  <a:txBody>
+                    <a:bodyPr/>
+                    <a:lstStyle/>
+                    <a:p>
+                      <a:endParaRPr lang="en-US" dirty="0"/>
+                    </a:p>
+                  </a:txBody>
+                  <a:tcPr/>
+                </a:tc>
+                <a:tc>
+                  <a:txBody>
+                    <a:bodyPr/>
+                    <a:lstStyle/>
+                    <a:p>
+                      <a:pPr algn="ctr"/>
+                      <a:r>
+                        <a:rPr lang="en-US" dirty="0"/>
+                        <a:t>MSE</a:t>
+                      </a:r>
+                    </a:p>
+                  </a:txBody>
+                  <a:tcPr/>
+                </a:tc>
+                <a:tc>
+                  <a:txBody>
+                    <a:bodyPr/>
+                    <a:lstStyle/>
+                    <a:p>
+                      <a:pPr algn="ctr"/>
+                      <a:r>
+                        <a:rPr lang="en-US" dirty="0"/>
+                        <a:t>RMSPE</a:t>
+                      </a:r>
+                    </a:p>
+                  </a:txBody>
+                  <a:tcPr/>
+                </a:tc>
+                <a:extLst>
+                  <a:ext uri="{0D108BD9-81ED-4DB2-BD59-A6C34878D82A}">
+                    <a16:rowId xmlns:a16="http://schemas.microsoft.com/office/drawing/2014/main" val="3837947699"/>
+                  </a:ext>
+                </a:extLst>
+              </a:tr>
+              <a:tr h="370840">
+                <a:tc>
+                  <a:txBody>
+                    <a:bodyPr/>
+                    <a:lstStyle/>
+                    <a:p>
+                      <a:pPr algn="ctr"/>
+                      <a:r>
+                        <a:rPr lang="en-US" b="1" dirty="0"/>
+                        <a:t>Training</a:t>
+                      </a:r>
+                    </a:p>
+                  </a:txBody>
+                  <a:tcPr/>
+                </a:tc>
+                <a:tc>
+                  <a:txBody>
+                    <a:bodyPr/>
+                    <a:lstStyle/>
+                    <a:p>
+                      <a:pPr algn="ctr"/>
+                      <a:r>
+                        <a:rPr lang="en-US" dirty="0"/>
+                        <a:t>7494087</a:t>
+                      </a:r>
+                    </a:p>
+                  </a:txBody>
+                  <a:tcPr/>
+                </a:tc>
+                <a:tc>
+                  <a:txBody>
+                    <a:bodyPr/>
+                    <a:lstStyle/>
+                    <a:p>
+                      <a:pPr algn="ctr"/>
+                      <a:r>
+                        <a:rPr lang="en-US" dirty="0"/>
+                        <a:t>53.68%</a:t>
+                      </a:r>
+                    </a:p>
+                  </a:txBody>
+                  <a:tcPr/>
+                </a:tc>
+                <a:extLst>
+                  <a:ext uri="{0D108BD9-81ED-4DB2-BD59-A6C34878D82A}">
+                    <a16:rowId xmlns:a16="http://schemas.microsoft.com/office/drawing/2014/main" val="2216457841"/>
+                  </a:ext>
+                </a:extLst>
+              </a:tr>
+              <a:tr h="370840">
+                <a:tc>
+                  <a:txBody>
+                    <a:bodyPr/>
+                    <a:lstStyle/>
+                    <a:p>
+                      <a:pPr algn="ctr"/>
+                      <a:r>
+                        <a:rPr lang="en-US" b="1" dirty="0"/>
+                        <a:t>Test</a:t>
+                      </a:r>
+                    </a:p>
+                  </a:txBody>
+                  <a:tcPr/>
+                </a:tc>
+                <a:tc>
+                  <a:txBody>
+                    <a:bodyPr/>
+                    <a:lstStyle/>
+                    <a:p>
+                      <a:pPr marL="0" marR="0" lvl="0" indent="0" algn="ctr" defTabSz="914400" rtl="0" eaLnBrk="1" fontAlgn="auto" latinLnBrk="0" hangingPunct="1">
+                        <a:lnSpc>
+                          <a:spcPct val="100000"/>
+                        </a:lnSpc>
+                        <a:spcBef>
+                          <a:spcPts val="0"/>
+                        </a:spcBef>
+                        <a:spcAft>
+                          <a:spcPts val="0"/>
+                        </a:spcAft>
+                        <a:buClrTx/>
+                        <a:buSzTx/>
+                        <a:buFontTx/>
+                        <a:buNone/>
+                        <a:tabLst/>
+                        <a:defRPr/>
+                      </a:pPr>
+                      <a:r>
+                        <a:rPr lang="en-US" sz="1800" kern="1200" dirty="0">
+                          <a:solidFill>
+                            <a:schemeClr val="dk1"/>
+                          </a:solidFill>
+                          <a:effectLst/>
+                          <a:latin typeface="+mn-lt"/>
+                          <a:ea typeface="+mn-ea"/>
+                          <a:cs typeface="+mn-cs"/>
+                        </a:rPr>
+                        <a:t>7317610</a:t>
+                      </a:r>
+                      <a:endParaRPr lang="en-US" dirty="0"/>
+                    </a:p>
+                  </a:txBody>
+                  <a:tcPr/>
+                </a:tc>
+                <a:tc>
+                  <a:txBody>
+                    <a:bodyPr/>
+                    <a:lstStyle/>
+                    <a:p>
+                      <a:pPr algn="ctr"/>
+                      <a:r>
+                        <a:rPr lang="en-US" dirty="0"/>
+                        <a:t>49.01%</a:t>
+                      </a:r>
+                    </a:p>
+                  </a:txBody>
+                  <a:tcPr/>
+                </a:tc>
+                <a:extLst>
+                  <a:ext uri="{0D108BD9-81ED-4DB2-BD59-A6C34878D82A}">
+                    <a16:rowId xmlns:a16="http://schemas.microsoft.com/office/drawing/2014/main" val="1226670156"/>
+                  </a:ext>
+                </a:extLst>
+              </a:tr>
+            </a:tbl>
+          </a:graphicData>
+        </a:graphic>
+      </p:graphicFrame>
+    </p:spTree>
+    <p:extLst>
+      <p:ext uri="{BB962C8B-B14F-4D97-AF65-F5344CB8AC3E}">
+        <p14:creationId xmlns:p14="http://schemas.microsoft.com/office/powerpoint/2010/main" val="3784079664"/>
+      </p:ext>
+    </p:extLst>
+  </p:cSld>
+  <p:clrMapOvr>
+    <a:overrideClrMapping bg1="dk1" tx1="lt1" bg2="dk2" tx2="lt2" accent1="accent1" accent2="accent2" accent3="accent3" accent4="accent4" accent5="accent5" accent6="accent6" hlink="hlink" folHlink="folHlink"/>
+  </p:clrMapOvr>
+</p:sld>
+</file>
+
+<file path=ppt/slides/slide11.xml><?xml version="1.0" encoding="utf-8"?>
+<p:sld xmlns:a="http://schemas.openxmlformats.org/drawingml/2006/main" xmlns:r="http://schemas.openxmlformats.org/officeDocument/2006/relationships" xmlns:p="http://schemas.openxmlformats.org/presentationml/2006/main">
+  <p:cSld>
+    <p:spTree>
+      <p:nvGrpSpPr>
+        <p:cNvPr id="1" name=""/>
+        <p:cNvGrpSpPr/>
+        <p:nvPr/>
+      </p:nvGrpSpPr>
+      <p:grpSpPr>
+        <a:xfrm>
+          <a:off x="0" y="0"/>
+          <a:ext cx="0" cy="0"/>
+          <a:chOff x="0" y="0"/>
+          <a:chExt cx="0" cy="0"/>
+        </a:xfrm>
+      </p:grpSpPr>
+      <p:sp>
+        <p:nvSpPr>
+          <p:cNvPr id="8" name="Rectangle 7">
+            <a:extLst/>
+          </p:cNvPr>
+          <p:cNvSpPr>
+            <a:spLocks noGrp="1" noRot="1" noChangeAspect="1" noMove="1" noResize="1" noEditPoints="1" noAdjustHandles="1" noChangeArrowheads="1" noChangeShapeType="1" noTextEdit="1"/>
+          </p:cNvSpPr>
+          <p:nvPr>
+            <p:extLst>
+              <p:ext uri="{386F3935-93C4-4BCD-93E2-E3B085C9AB24}">
+                <p16:designElem xmlns:p16="http://schemas.microsoft.com/office/powerpoint/2015/main" val="1"/>
+              </p:ext>
+            </p:extLst>
+          </p:nvPr>
+        </p:nvSpPr>
+        <p:spPr>
+          <a:xfrm>
+            <a:off x="0" y="0"/>
+            <a:ext cx="12192000" cy="1690688"/>
+          </a:xfrm>
+          <a:prstGeom prst="rect">
+            <a:avLst/>
+          </a:prstGeom>
+          <a:solidFill>
+            <a:schemeClr val="tx1"/>
+          </a:solidFill>
+          <a:ln>
+            <a:noFill/>
+          </a:ln>
+        </p:spPr>
+        <p:style>
+          <a:lnRef idx="2">
+            <a:schemeClr val="accent1">
+              <a:shade val="50000"/>
+            </a:schemeClr>
+          </a:lnRef>
+          <a:fillRef idx="1">
+            <a:schemeClr val="accent1"/>
+          </a:fillRef>
+          <a:effectRef idx="0">
+            <a:schemeClr val="accent1"/>
+          </a:effectRef>
+          <a:fontRef idx="minor">
+            <a:schemeClr val="lt1"/>
+          </a:fontRef>
+        </p:style>
+        <p:txBody>
+          <a:bodyPr rtlCol="0" anchor="ctr"/>
+          <a:lstStyle/>
+          <a:p>
+            <a:pPr algn="ctr"/>
+            <a:endParaRPr lang="en-US"/>
+          </a:p>
+        </p:txBody>
+      </p:sp>
+      <p:sp useBgFill="1">
+        <p:nvSpPr>
+          <p:cNvPr id="10" name="Rectangle 9"/>
+          <p:cNvSpPr>
+            <a:spLocks noGrp="1" noRot="1" noChangeAspect="1" noMove="1" noResize="1" noEditPoints="1" noAdjustHandles="1" noChangeArrowheads="1" noChangeShapeType="1" noTextEdit="1"/>
+          </p:cNvSpPr>
+          <p:nvPr>
+            <p:extLst>
+              <p:ext uri="{386F3935-93C4-4BCD-93E2-E3B085C9AB24}">
+                <p16:designElem xmlns:p16="http://schemas.microsoft.com/office/powerpoint/2015/main" val="1"/>
+              </p:ext>
+            </p:extLst>
+          </p:nvPr>
+        </p:nvSpPr>
+        <p:spPr>
+          <a:xfrm>
+            <a:off x="0" y="1690688"/>
+            <a:ext cx="12192000" cy="5166360"/>
+          </a:xfrm>
+          <a:prstGeom prst="rect">
+            <a:avLst/>
+          </a:prstGeom>
+          <a:ln>
+            <a:noFill/>
+          </a:ln>
+        </p:spPr>
+        <p:style>
+          <a:lnRef idx="2">
+            <a:schemeClr val="accent1">
+              <a:shade val="50000"/>
+            </a:schemeClr>
+          </a:lnRef>
+          <a:fillRef idx="1">
+            <a:schemeClr val="accent1"/>
+          </a:fillRef>
+          <a:effectRef idx="0">
+            <a:schemeClr val="accent1"/>
+          </a:effectRef>
+          <a:fontRef idx="minor">
+            <a:schemeClr val="lt1"/>
+          </a:fontRef>
+        </p:style>
+        <p:txBody>
+          <a:bodyPr rtlCol="0" anchor="ctr"/>
+          <a:lstStyle/>
+          <a:p>
+            <a:pPr algn="ctr"/>
+            <a:endParaRPr lang="en-US"/>
+          </a:p>
+        </p:txBody>
+      </p:sp>
+      <p:sp>
+        <p:nvSpPr>
+          <p:cNvPr id="2" name="Title 1"/>
+          <p:cNvSpPr>
+            <a:spLocks noGrp="1"/>
+          </p:cNvSpPr>
+          <p:nvPr>
+            <p:ph type="title"/>
+          </p:nvPr>
+        </p:nvSpPr>
+        <p:spPr>
+          <a:xfrm>
+            <a:off x="838200" y="365125"/>
+            <a:ext cx="10515600" cy="1325563"/>
+          </a:xfrm>
+        </p:spPr>
+        <p:txBody>
+          <a:bodyPr>
+            <a:normAutofit/>
+          </a:bodyPr>
+          <a:lstStyle/>
+          <a:p>
+            <a:r>
+              <a:rPr lang="en-US" b="1" dirty="0">
+                <a:solidFill>
+                  <a:srgbClr val="FFC000"/>
+                </a:solidFill>
+              </a:rPr>
               <a:t>Modeling: Boosting</a:t>
             </a:r>
           </a:p>
@@ -3678,7 +4421,7 @@
           <a:p>
             <a:r>
               <a:rPr lang="en-US" sz="2000" dirty="0"/>
-              <a:t>Promotion, competition distance, store,  are more important than other features. </a:t>
+              <a:t>Promotion, competition distance, store are more important than other features. </a:t>
             </a:r>
           </a:p>
           <a:p>
@@ -3692,22 +4435,21 @@
       </p:sp>
       <p:pic>
         <p:nvPicPr>
-          <p:cNvPr id="13" name="Picture 12"/>
+          <p:cNvPr id="16" name="Picture 15"/>
           <p:cNvPicPr>
             <a:picLocks noChangeAspect="1"/>
           </p:cNvPicPr>
           <p:nvPr/>
         </p:nvPicPr>
-        <p:blipFill>
+        <p:blipFill rotWithShape="1">
           <a:blip r:embed="rId3"/>
-          <a:stretch>
-            <a:fillRect/>
-          </a:stretch>
+          <a:srcRect t="1704"/>
+          <a:stretch/>
         </p:blipFill>
         <p:spPr>
           <a:xfrm>
-            <a:off x="5903458" y="2416122"/>
-            <a:ext cx="5872611" cy="4015398"/>
+            <a:off x="5728313" y="2290713"/>
+            <a:ext cx="6039816" cy="3297391"/>
           </a:xfrm>
           <a:prstGeom prst="rect">
             <a:avLst/>
@@ -3727,7 +4469,7 @@
 </p:sld>
 </file>
 
-<file path=ppt/slides/slide11.xml><?xml version="1.0" encoding="utf-8"?>
+<file path=ppt/slides/slide12.xml><?xml version="1.0" encoding="utf-8"?>
 <p:sld xmlns:a="http://schemas.openxmlformats.org/drawingml/2006/main" xmlns:r="http://schemas.openxmlformats.org/officeDocument/2006/relationships" xmlns:p="http://schemas.openxmlformats.org/presentationml/2006/main">
   <p:cSld>
     <p:spTree>
@@ -3999,7 +4741,7 @@
           <p:nvPr>
             <p:extLst>
               <p:ext uri="{D42A27DB-BD31-4B8C-83A1-F6EECF244321}">
-                <p14:modId xmlns:p14="http://schemas.microsoft.com/office/powerpoint/2010/main" val="2560320482"/>
+                <p14:modId xmlns:p14="http://schemas.microsoft.com/office/powerpoint/2010/main" val="1352350786"/>
               </p:ext>
             </p:extLst>
           </p:nvPr>
@@ -4105,7 +4847,7 @@
                       <a:pPr algn="ctr"/>
                       <a:r>
                         <a:rPr lang="en-US" dirty="0"/>
-                        <a:t>5768670</a:t>
+                        <a:t>5899619</a:t>
                       </a:r>
                     </a:p>
                   </a:txBody>
@@ -4169,9 +4911,18 @@
                         <a:defRPr/>
                       </a:pPr>
                       <a:r>
-                        <a:rPr lang="en-US" dirty="0"/>
-                        <a:t>573610</a:t>
+                        <a:rPr lang="en-US" sz="1800" kern="1200" dirty="0">
+                          <a:solidFill>
+                            <a:schemeClr val="dk1"/>
+                          </a:solidFill>
+                          <a:effectLst/>
+                          <a:latin typeface="+mn-lt"/>
+                          <a:ea typeface="+mn-ea"/>
+                          <a:cs typeface="+mn-cs"/>
+                        </a:rPr>
+                        <a:t>5866356</a:t>
                       </a:r>
+                      <a:endParaRPr lang="en-US" dirty="0"/>
                     </a:p>
                   </a:txBody>
                   <a:tcPr/>
@@ -4184,7 +4935,7 @@
                       <a:pPr algn="ctr"/>
                       <a:r>
                         <a:rPr lang="en-US" dirty="0"/>
-                        <a:t>42.93%</a:t>
+                        <a:t>42.66%</a:t>
                       </a:r>
                     </a:p>
                   </a:txBody>
@@ -4213,7 +4964,7 @@
 </p:sld>
 </file>
 
-<file path=ppt/slides/slide12.xml><?xml version="1.0" encoding="utf-8"?>
+<file path=ppt/slides/slide13.xml><?xml version="1.0" encoding="utf-8"?>
 <p:sld xmlns:a="http://schemas.openxmlformats.org/drawingml/2006/main" xmlns:r="http://schemas.openxmlformats.org/officeDocument/2006/relationships" xmlns:p="http://schemas.openxmlformats.org/presentationml/2006/main">
   <p:cSld>
     <p:spTree>
@@ -4691,7 +5442,7 @@
 </p:sld>
 </file>
 
-<file path=ppt/slides/slide13.xml><?xml version="1.0" encoding="utf-8"?>
+<file path=ppt/slides/slide14.xml><?xml version="1.0" encoding="utf-8"?>
 <p:sld xmlns:a="http://schemas.openxmlformats.org/drawingml/2006/main" xmlns:r="http://schemas.openxmlformats.org/officeDocument/2006/relationships" xmlns:p="http://schemas.openxmlformats.org/presentationml/2006/main">
   <p:cSld>
     <p:spTree>
@@ -4759,8 +5510,37 @@
           <a:bodyPr rtlCol="0" anchor="ctr"/>
           <a:lstStyle/>
           <a:p>
-            <a:pPr algn="ctr"/>
-            <a:endParaRPr lang="en-US"/>
+            <a:pPr marL="0" marR="0" lvl="0" indent="0" algn="ctr" defTabSz="914400" rtl="0" eaLnBrk="1" fontAlgn="auto" latinLnBrk="0" hangingPunct="1">
+              <a:lnSpc>
+                <a:spcPct val="100000"/>
+              </a:lnSpc>
+              <a:spcBef>
+                <a:spcPts val="0"/>
+              </a:spcBef>
+              <a:spcAft>
+                <a:spcPts val="0"/>
+              </a:spcAft>
+              <a:buClrTx/>
+              <a:buSzTx/>
+              <a:buFontTx/>
+              <a:buNone/>
+              <a:tabLst/>
+              <a:defRPr/>
+            </a:pPr>
+            <a:endParaRPr kumimoji="0" lang="en-US" sz="1800" b="0" i="0" u="none" strike="noStrike" kern="1200" cap="none" spc="0" normalizeH="0" baseline="0" noProof="0">
+              <a:ln>
+                <a:noFill/>
+              </a:ln>
+              <a:solidFill>
+                <a:prstClr val="white"/>
+              </a:solidFill>
+              <a:effectLst/>
+              <a:uLnTx/>
+              <a:uFillTx/>
+              <a:latin typeface="Calibri" panose="020F0502020204030204"/>
+              <a:ea typeface="+mn-ea"/>
+              <a:cs typeface="+mn-cs"/>
+            </a:endParaRPr>
           </a:p>
         </p:txBody>
       </p:sp>
@@ -4810,8 +5590,37 @@
           <a:bodyPr rtlCol="0" anchor="ctr"/>
           <a:lstStyle/>
           <a:p>
-            <a:pPr algn="ctr"/>
-            <a:endParaRPr lang="en-US"/>
+            <a:pPr marL="0" marR="0" lvl="0" indent="0" algn="ctr" defTabSz="914400" rtl="0" eaLnBrk="1" fontAlgn="auto" latinLnBrk="0" hangingPunct="1">
+              <a:lnSpc>
+                <a:spcPct val="100000"/>
+              </a:lnSpc>
+              <a:spcBef>
+                <a:spcPts val="0"/>
+              </a:spcBef>
+              <a:spcAft>
+                <a:spcPts val="0"/>
+              </a:spcAft>
+              <a:buClrTx/>
+              <a:buSzTx/>
+              <a:buFontTx/>
+              <a:buNone/>
+              <a:tabLst/>
+              <a:defRPr/>
+            </a:pPr>
+            <a:endParaRPr kumimoji="0" lang="en-US" sz="1800" b="0" i="0" u="none" strike="noStrike" kern="1200" cap="none" spc="0" normalizeH="0" baseline="0" noProof="0">
+              <a:ln>
+                <a:noFill/>
+              </a:ln>
+              <a:solidFill>
+                <a:prstClr val="white"/>
+              </a:solidFill>
+              <a:effectLst/>
+              <a:uLnTx/>
+              <a:uFillTx/>
+              <a:latin typeface="Calibri" panose="020F0502020204030204"/>
+              <a:ea typeface="+mn-ea"/>
+              <a:cs typeface="+mn-cs"/>
+            </a:endParaRPr>
           </a:p>
         </p:txBody>
       </p:sp>
@@ -4933,7 +5742,7 @@
       </p:sp>
       <p:pic>
         <p:nvPicPr>
-          <p:cNvPr id="11" name="Picture 10"/>
+          <p:cNvPr id="3" name="Picture 2"/>
           <p:cNvPicPr>
             <a:picLocks noChangeAspect="1"/>
           </p:cNvPicPr>
@@ -4947,8 +5756,8 @@
         </p:blipFill>
         <p:spPr>
           <a:xfrm>
-            <a:off x="659245" y="2882310"/>
-            <a:ext cx="5043055" cy="3782291"/>
+            <a:off x="6402009" y="2882309"/>
+            <a:ext cx="4530296" cy="3792875"/>
           </a:xfrm>
           <a:prstGeom prst="rect">
             <a:avLst/>
@@ -4957,7 +5766,7 @@
       </p:pic>
       <p:pic>
         <p:nvPicPr>
-          <p:cNvPr id="12" name="Picture 11"/>
+          <p:cNvPr id="4" name="Picture 3"/>
           <p:cNvPicPr>
             <a:picLocks noChangeAspect="1"/>
           </p:cNvPicPr>
@@ -4971,8 +5780,8 @@
         </p:blipFill>
         <p:spPr>
           <a:xfrm>
-            <a:off x="6540500" y="2882310"/>
-            <a:ext cx="5043055" cy="3782291"/>
+            <a:off x="952915" y="2882309"/>
+            <a:ext cx="4218521" cy="3792875"/>
           </a:xfrm>
           <a:prstGeom prst="rect">
             <a:avLst/>
@@ -4983,267 +5792,6 @@
     <p:extLst>
       <p:ext uri="{BB962C8B-B14F-4D97-AF65-F5344CB8AC3E}">
         <p14:creationId xmlns:p14="http://schemas.microsoft.com/office/powerpoint/2010/main" val="3590359999"/>
-      </p:ext>
-    </p:extLst>
-  </p:cSld>
-  <p:clrMapOvr>
-    <a:overrideClrMapping bg1="dk1" tx1="lt1" bg2="dk2" tx2="lt2" accent1="accent1" accent2="accent2" accent3="accent3" accent4="accent4" accent5="accent5" accent6="accent6" hlink="hlink" folHlink="folHlink"/>
-  </p:clrMapOvr>
-</p:sld>
-</file>
-
-<file path=ppt/slides/slide14.xml><?xml version="1.0" encoding="utf-8"?>
-<p:sld xmlns:a="http://schemas.openxmlformats.org/drawingml/2006/main" xmlns:r="http://schemas.openxmlformats.org/officeDocument/2006/relationships" xmlns:p="http://schemas.openxmlformats.org/presentationml/2006/main">
-  <p:cSld>
-    <p:spTree>
-      <p:nvGrpSpPr>
-        <p:cNvPr id="1" name=""/>
-        <p:cNvGrpSpPr/>
-        <p:nvPr/>
-      </p:nvGrpSpPr>
-      <p:grpSpPr>
-        <a:xfrm>
-          <a:off x="0" y="0"/>
-          <a:ext cx="0" cy="0"/>
-          <a:chOff x="0" y="0"/>
-          <a:chExt cx="0" cy="0"/>
-        </a:xfrm>
-      </p:grpSpPr>
-      <p:sp>
-        <p:nvSpPr>
-          <p:cNvPr id="8" name="Rectangle 7">
-            <a:extLst/>
-          </p:cNvPr>
-          <p:cNvSpPr>
-            <a:spLocks noGrp="1" noRot="1" noChangeAspect="1" noMove="1" noResize="1" noEditPoints="1" noAdjustHandles="1" noChangeArrowheads="1" noChangeShapeType="1" noTextEdit="1"/>
-          </p:cNvSpPr>
-          <p:nvPr>
-            <p:extLst>
-              <p:ext uri="{386F3935-93C4-4BCD-93E2-E3B085C9AB24}">
-                <p16:designElem xmlns:p16="http://schemas.microsoft.com/office/powerpoint/2015/main" val="1"/>
-              </p:ext>
-            </p:extLst>
-          </p:nvPr>
-        </p:nvSpPr>
-        <p:spPr>
-          <a:xfrm>
-            <a:off x="0" y="0"/>
-            <a:ext cx="12192000" cy="1690688"/>
-          </a:xfrm>
-          <a:prstGeom prst="rect">
-            <a:avLst/>
-          </a:prstGeom>
-          <a:solidFill>
-            <a:schemeClr val="tx1"/>
-          </a:solidFill>
-          <a:ln>
-            <a:noFill/>
-          </a:ln>
-        </p:spPr>
-        <p:style>
-          <a:lnRef idx="2">
-            <a:schemeClr val="accent1">
-              <a:shade val="50000"/>
-            </a:schemeClr>
-          </a:lnRef>
-          <a:fillRef idx="1">
-            <a:schemeClr val="accent1"/>
-          </a:fillRef>
-          <a:effectRef idx="0">
-            <a:schemeClr val="accent1"/>
-          </a:effectRef>
-          <a:fontRef idx="minor">
-            <a:schemeClr val="lt1"/>
-          </a:fontRef>
-        </p:style>
-        <p:txBody>
-          <a:bodyPr rtlCol="0" anchor="ctr"/>
-          <a:lstStyle/>
-          <a:p>
-            <a:pPr algn="ctr"/>
-            <a:endParaRPr lang="en-US"/>
-          </a:p>
-        </p:txBody>
-      </p:sp>
-      <p:sp useBgFill="1">
-        <p:nvSpPr>
-          <p:cNvPr id="10" name="Rectangle 9"/>
-          <p:cNvSpPr>
-            <a:spLocks noGrp="1" noRot="1" noChangeAspect="1" noMove="1" noResize="1" noEditPoints="1" noAdjustHandles="1" noChangeArrowheads="1" noChangeShapeType="1" noTextEdit="1"/>
-          </p:cNvSpPr>
-          <p:nvPr>
-            <p:extLst>
-              <p:ext uri="{386F3935-93C4-4BCD-93E2-E3B085C9AB24}">
-                <p16:designElem xmlns:p16="http://schemas.microsoft.com/office/powerpoint/2015/main" val="1"/>
-              </p:ext>
-            </p:extLst>
-          </p:nvPr>
-        </p:nvSpPr>
-        <p:spPr>
-          <a:xfrm>
-            <a:off x="0" y="1690688"/>
-            <a:ext cx="12192000" cy="5166360"/>
-          </a:xfrm>
-          <a:prstGeom prst="rect">
-            <a:avLst/>
-          </a:prstGeom>
-          <a:ln>
-            <a:noFill/>
-          </a:ln>
-        </p:spPr>
-        <p:style>
-          <a:lnRef idx="2">
-            <a:schemeClr val="accent1">
-              <a:shade val="50000"/>
-            </a:schemeClr>
-          </a:lnRef>
-          <a:fillRef idx="1">
-            <a:schemeClr val="accent1"/>
-          </a:fillRef>
-          <a:effectRef idx="0">
-            <a:schemeClr val="accent1"/>
-          </a:effectRef>
-          <a:fontRef idx="minor">
-            <a:schemeClr val="lt1"/>
-          </a:fontRef>
-        </p:style>
-        <p:txBody>
-          <a:bodyPr rtlCol="0" anchor="ctr"/>
-          <a:lstStyle/>
-          <a:p>
-            <a:pPr algn="ctr"/>
-            <a:endParaRPr lang="en-US"/>
-          </a:p>
-        </p:txBody>
-      </p:sp>
-      <p:pic>
-        <p:nvPicPr>
-          <p:cNvPr id="6" name="Picture 2" descr="Image result for rosmann"/>
-          <p:cNvPicPr>
-            <a:picLocks noChangeAspect="1" noChangeArrowheads="1"/>
-          </p:cNvPicPr>
-          <p:nvPr/>
-        </p:nvPicPr>
-        <p:blipFill>
-          <a:blip r:embed="rId2">
-            <a:extLst>
-              <a:ext uri="{28A0092B-C50C-407E-A947-70E740481C1C}">
-                <a14:useLocalDpi xmlns:a14="http://schemas.microsoft.com/office/drawing/2010/main" val="0"/>
-              </a:ext>
-            </a:extLst>
-          </a:blip>
-          <a:srcRect/>
-          <a:stretch>
-            <a:fillRect/>
-          </a:stretch>
-        </p:blipFill>
-        <p:spPr bwMode="auto">
-          <a:xfrm>
-            <a:off x="9544049" y="864190"/>
-            <a:ext cx="2390775" cy="327432"/>
-          </a:xfrm>
-          <a:prstGeom prst="rect">
-            <a:avLst/>
-          </a:prstGeom>
-          <a:noFill/>
-          <a:extLst>
-            <a:ext uri="{909E8E84-426E-40DD-AFC4-6F175D3DCCD1}">
-              <a14:hiddenFill xmlns:a14="http://schemas.microsoft.com/office/drawing/2010/main">
-                <a:solidFill>
-                  <a:srgbClr val="FFFFFF"/>
-                </a:solidFill>
-              </a14:hiddenFill>
-            </a:ext>
-          </a:extLst>
-        </p:spPr>
-      </p:pic>
-      <p:sp>
-        <p:nvSpPr>
-          <p:cNvPr id="9" name="Content Placeholder 2"/>
-          <p:cNvSpPr>
-            <a:spLocks noGrp="1"/>
-          </p:cNvSpPr>
-          <p:nvPr>
-            <p:ph idx="1"/>
-          </p:nvPr>
-        </p:nvSpPr>
-        <p:spPr>
-          <a:xfrm>
-            <a:off x="838200" y="2015406"/>
-            <a:ext cx="10515600" cy="4065986"/>
-          </a:xfrm>
-        </p:spPr>
-        <p:txBody>
-          <a:bodyPr anchor="ctr">
-            <a:normAutofit/>
-          </a:bodyPr>
-          <a:lstStyle/>
-          <a:p>
-            <a:r>
-              <a:rPr lang="en-US" sz="2000" dirty="0"/>
-              <a:t>The best GAM model had the following values for our metrics of interest:</a:t>
-            </a:r>
-          </a:p>
-          <a:p>
-            <a:pPr lvl="1"/>
-            <a:r>
-              <a:rPr lang="en-US" sz="2000" dirty="0"/>
-              <a:t>Test MSE: 7501000</a:t>
-            </a:r>
-          </a:p>
-          <a:p>
-            <a:pPr lvl="1"/>
-            <a:r>
-              <a:rPr lang="en-US" sz="2000" dirty="0"/>
-              <a:t>RPSPE for the test set: 0.3141 or 31.41%</a:t>
-            </a:r>
-          </a:p>
-          <a:p>
-            <a:r>
-              <a:rPr lang="en-US" sz="2000" dirty="0"/>
-              <a:t>It was possible to slightly lower the RPSPE, but at the cost of increasing the MSE.</a:t>
-            </a:r>
-          </a:p>
-          <a:p>
-            <a:r>
-              <a:rPr lang="en-US" sz="2000" dirty="0"/>
-              <a:t>The flexibility of the splines does run the risk of overfitting the training data, however, as the test MSE and training MSE are similar, this does not seem to be too great a risk in this case. </a:t>
-            </a:r>
-          </a:p>
-        </p:txBody>
-      </p:sp>
-      <p:sp>
-        <p:nvSpPr>
-          <p:cNvPr id="11" name="Title 1"/>
-          <p:cNvSpPr>
-            <a:spLocks noGrp="1"/>
-          </p:cNvSpPr>
-          <p:nvPr>
-            <p:ph type="title"/>
-          </p:nvPr>
-        </p:nvSpPr>
-        <p:spPr/>
-        <p:txBody>
-          <a:bodyPr>
-            <a:normAutofit/>
-          </a:bodyPr>
-          <a:lstStyle/>
-          <a:p>
-            <a:r>
-              <a:rPr lang="en-US" b="1" dirty="0">
-                <a:solidFill>
-                  <a:srgbClr val="FFC000"/>
-                </a:solidFill>
-              </a:rPr>
-              <a:t>Modeling: GAMs</a:t>
-            </a:r>
-          </a:p>
-        </p:txBody>
-      </p:sp>
-    </p:spTree>
-    <p:extLst>
-      <p:ext uri="{BB962C8B-B14F-4D97-AF65-F5344CB8AC3E}">
-        <p14:creationId xmlns:p14="http://schemas.microsoft.com/office/powerpoint/2010/main" val="2282840056"/>
       </p:ext>
     </p:extLst>
   </p:cSld>
@@ -5321,8 +5869,37 @@
           <a:bodyPr rtlCol="0" anchor="ctr"/>
           <a:lstStyle/>
           <a:p>
-            <a:pPr algn="ctr"/>
-            <a:endParaRPr lang="en-US"/>
+            <a:pPr marL="0" marR="0" lvl="0" indent="0" algn="ctr" defTabSz="914400" rtl="0" eaLnBrk="1" fontAlgn="auto" latinLnBrk="0" hangingPunct="1">
+              <a:lnSpc>
+                <a:spcPct val="100000"/>
+              </a:lnSpc>
+              <a:spcBef>
+                <a:spcPts val="0"/>
+              </a:spcBef>
+              <a:spcAft>
+                <a:spcPts val="0"/>
+              </a:spcAft>
+              <a:buClrTx/>
+              <a:buSzTx/>
+              <a:buFontTx/>
+              <a:buNone/>
+              <a:tabLst/>
+              <a:defRPr/>
+            </a:pPr>
+            <a:endParaRPr kumimoji="0" lang="en-US" sz="1800" b="0" i="0" u="none" strike="noStrike" kern="1200" cap="none" spc="0" normalizeH="0" baseline="0" noProof="0">
+              <a:ln>
+                <a:noFill/>
+              </a:ln>
+              <a:solidFill>
+                <a:prstClr val="white"/>
+              </a:solidFill>
+              <a:effectLst/>
+              <a:uLnTx/>
+              <a:uFillTx/>
+              <a:latin typeface="Calibri" panose="020F0502020204030204"/>
+              <a:ea typeface="+mn-ea"/>
+              <a:cs typeface="+mn-cs"/>
+            </a:endParaRPr>
           </a:p>
         </p:txBody>
       </p:sp>
@@ -5372,82 +5949,37 @@
           <a:bodyPr rtlCol="0" anchor="ctr"/>
           <a:lstStyle/>
           <a:p>
-            <a:pPr algn="ctr"/>
-            <a:endParaRPr lang="en-US"/>
-          </a:p>
-        </p:txBody>
-      </p:sp>
-      <p:sp>
-        <p:nvSpPr>
-          <p:cNvPr id="2" name="Title 1"/>
-          <p:cNvSpPr>
-            <a:spLocks noGrp="1"/>
-          </p:cNvSpPr>
-          <p:nvPr>
-            <p:ph type="title"/>
-          </p:nvPr>
-        </p:nvSpPr>
-        <p:spPr>
-          <a:xfrm>
-            <a:off x="838200" y="365125"/>
-            <a:ext cx="10515600" cy="1325563"/>
-          </a:xfrm>
-        </p:spPr>
-        <p:txBody>
-          <a:bodyPr>
-            <a:normAutofit/>
-          </a:bodyPr>
-          <a:lstStyle/>
-          <a:p>
-            <a:r>
-              <a:rPr lang="en-US" b="1" dirty="0">
-                <a:solidFill>
-                  <a:srgbClr val="FFC000"/>
-                </a:solidFill>
-              </a:rPr>
-              <a:t>Accuracy of Results</a:t>
-            </a:r>
-          </a:p>
-        </p:txBody>
-      </p:sp>
-      <p:sp>
-        <p:nvSpPr>
-          <p:cNvPr id="3" name="Content Placeholder 2"/>
-          <p:cNvSpPr>
-            <a:spLocks noGrp="1"/>
-          </p:cNvSpPr>
-          <p:nvPr>
-            <p:ph idx="1"/>
-          </p:nvPr>
-        </p:nvSpPr>
-        <p:spPr>
-          <a:xfrm>
-            <a:off x="838200" y="2015406"/>
-            <a:ext cx="10515600" cy="4065986"/>
-          </a:xfrm>
-        </p:spPr>
-        <p:txBody>
-          <a:bodyPr anchor="ctr">
-            <a:normAutofit/>
-          </a:bodyPr>
-          <a:lstStyle/>
-          <a:p>
-            <a:r>
-              <a:rPr lang="en-US" sz="2000" dirty="0"/>
-              <a:t>Your assessment of the accuracy of your model(s), again with reference to your script where appropriate </a:t>
-            </a:r>
-          </a:p>
-          <a:p>
-            <a:pPr marL="457200" lvl="1" indent="0">
+            <a:pPr marL="0" marR="0" lvl="0" indent="0" algn="ctr" defTabSz="914400" rtl="0" eaLnBrk="1" fontAlgn="auto" latinLnBrk="0" hangingPunct="1">
+              <a:lnSpc>
+                <a:spcPct val="100000"/>
+              </a:lnSpc>
+              <a:spcBef>
+                <a:spcPts val="0"/>
+              </a:spcBef>
+              <a:spcAft>
+                <a:spcPts val="0"/>
+              </a:spcAft>
+              <a:buClrTx/>
+              <a:buSzTx/>
+              <a:buFontTx/>
               <a:buNone/>
+              <a:tabLst/>
+              <a:defRPr/>
             </a:pPr>
-            <a:r>
-              <a:rPr lang="en-US" sz="1600" dirty="0"/>
-              <a:t>• Error types should be identified and discussed </a:t>
-            </a:r>
-          </a:p>
-          <a:p>
-            <a:endParaRPr lang="en-US" sz="2000" dirty="0"/>
+            <a:endParaRPr kumimoji="0" lang="en-US" sz="1800" b="0" i="0" u="none" strike="noStrike" kern="1200" cap="none" spc="0" normalizeH="0" baseline="0" noProof="0">
+              <a:ln>
+                <a:noFill/>
+              </a:ln>
+              <a:solidFill>
+                <a:prstClr val="white"/>
+              </a:solidFill>
+              <a:effectLst/>
+              <a:uLnTx/>
+              <a:uFillTx/>
+              <a:latin typeface="Calibri" panose="020F0502020204030204"/>
+              <a:ea typeface="+mn-ea"/>
+              <a:cs typeface="+mn-cs"/>
+            </a:endParaRPr>
           </a:p>
         </p:txBody>
       </p:sp>
@@ -5492,10 +6024,301 @@
           </a:extLst>
         </p:spPr>
       </p:pic>
+      <p:sp>
+        <p:nvSpPr>
+          <p:cNvPr id="9" name="Content Placeholder 2"/>
+          <p:cNvSpPr>
+            <a:spLocks noGrp="1"/>
+          </p:cNvSpPr>
+          <p:nvPr>
+            <p:ph idx="1"/>
+          </p:nvPr>
+        </p:nvSpPr>
+        <p:spPr>
+          <a:xfrm>
+            <a:off x="838200" y="2015406"/>
+            <a:ext cx="10515600" cy="3563358"/>
+          </a:xfrm>
+        </p:spPr>
+        <p:txBody>
+          <a:bodyPr anchor="ctr">
+            <a:normAutofit/>
+          </a:bodyPr>
+          <a:lstStyle/>
+          <a:p>
+            <a:r>
+              <a:rPr lang="en-US" sz="2000" dirty="0"/>
+              <a:t>The best GAM model had the following values for our metrics of interest:</a:t>
+            </a:r>
+          </a:p>
+          <a:p>
+            <a:pPr lvl="1"/>
+            <a:endParaRPr lang="en-US" sz="2000" dirty="0"/>
+          </a:p>
+          <a:p>
+            <a:pPr lvl="1"/>
+            <a:endParaRPr lang="en-US" sz="2000" dirty="0"/>
+          </a:p>
+          <a:p>
+            <a:pPr lvl="1"/>
+            <a:endParaRPr lang="en-US" sz="2000" dirty="0"/>
+          </a:p>
+          <a:p>
+            <a:pPr lvl="1"/>
+            <a:endParaRPr lang="en-US" sz="2000" dirty="0"/>
+          </a:p>
+          <a:p>
+            <a:r>
+              <a:rPr lang="en-US" sz="2000" dirty="0"/>
+              <a:t>It was possible to slightly lower the RPSPE, but at the cost of increasing the MSE.</a:t>
+            </a:r>
+          </a:p>
+          <a:p>
+            <a:r>
+              <a:rPr lang="en-US" sz="2000" dirty="0"/>
+              <a:t>The flexibility of the splines does run the risk of overfitting the training data, however, as the test MSE and training MSE are similar, this does not seem to be too great a risk in this case. </a:t>
+            </a:r>
+          </a:p>
+        </p:txBody>
+      </p:sp>
+      <p:sp>
+        <p:nvSpPr>
+          <p:cNvPr id="11" name="Title 1"/>
+          <p:cNvSpPr>
+            <a:spLocks noGrp="1"/>
+          </p:cNvSpPr>
+          <p:nvPr>
+            <p:ph type="title"/>
+          </p:nvPr>
+        </p:nvSpPr>
+        <p:spPr/>
+        <p:txBody>
+          <a:bodyPr>
+            <a:normAutofit/>
+          </a:bodyPr>
+          <a:lstStyle/>
+          <a:p>
+            <a:r>
+              <a:rPr lang="en-US" b="1" dirty="0">
+                <a:solidFill>
+                  <a:srgbClr val="FFC000"/>
+                </a:solidFill>
+              </a:rPr>
+              <a:t>Modeling: GAMs</a:t>
+            </a:r>
+          </a:p>
+        </p:txBody>
+      </p:sp>
+      <p:graphicFrame>
+        <p:nvGraphicFramePr>
+          <p:cNvPr id="12" name="Table 11"/>
+          <p:cNvGraphicFramePr>
+            <a:graphicFrameLocks noGrp="1"/>
+          </p:cNvGraphicFramePr>
+          <p:nvPr>
+            <p:extLst/>
+          </p:nvPr>
+        </p:nvGraphicFramePr>
+        <p:xfrm>
+          <a:off x="2032000" y="2882310"/>
+          <a:ext cx="8127999" cy="1112520"/>
+        </p:xfrm>
+        <a:graphic>
+          <a:graphicData uri="http://schemas.openxmlformats.org/drawingml/2006/table">
+            <a:tbl>
+              <a:tblPr firstRow="1" bandRow="1">
+                <a:tableStyleId>{21E4AEA4-8DFA-4A89-87EB-49C32662AFE0}</a:tableStyleId>
+              </a:tblPr>
+              <a:tblGrid>
+                <a:gridCol w="2709333">
+                  <a:extLst>
+                    <a:ext uri="{9D8B030D-6E8A-4147-A177-3AD203B41FA5}">
+                      <a16:colId xmlns:a16="http://schemas.microsoft.com/office/drawing/2014/main" val="472140097"/>
+                    </a:ext>
+                  </a:extLst>
+                </a:gridCol>
+                <a:gridCol w="2709333">
+                  <a:extLst>
+                    <a:ext uri="{9D8B030D-6E8A-4147-A177-3AD203B41FA5}">
+                      <a16:colId xmlns:a16="http://schemas.microsoft.com/office/drawing/2014/main" val="3720232126"/>
+                    </a:ext>
+                  </a:extLst>
+                </a:gridCol>
+                <a:gridCol w="2709333">
+                  <a:extLst>
+                    <a:ext uri="{9D8B030D-6E8A-4147-A177-3AD203B41FA5}">
+                      <a16:colId xmlns:a16="http://schemas.microsoft.com/office/drawing/2014/main" val="120841938"/>
+                    </a:ext>
+                  </a:extLst>
+                </a:gridCol>
+              </a:tblGrid>
+              <a:tr h="370840">
+                <a:tc>
+                  <a:txBody>
+                    <a:bodyPr/>
+                    <a:lstStyle/>
+                    <a:p>
+                      <a:endParaRPr lang="en-US" dirty="0"/>
+                    </a:p>
+                  </a:txBody>
+                  <a:tcPr/>
+                </a:tc>
+                <a:tc>
+                  <a:txBody>
+                    <a:bodyPr/>
+                    <a:lstStyle/>
+                    <a:p>
+                      <a:pPr algn="ctr"/>
+                      <a:r>
+                        <a:rPr lang="en-US" dirty="0"/>
+                        <a:t>MSE</a:t>
+                      </a:r>
+                    </a:p>
+                  </a:txBody>
+                  <a:tcPr/>
+                </a:tc>
+                <a:tc>
+                  <a:txBody>
+                    <a:bodyPr/>
+                    <a:lstStyle/>
+                    <a:p>
+                      <a:pPr algn="ctr"/>
+                      <a:r>
+                        <a:rPr lang="en-US" dirty="0"/>
+                        <a:t>RMSPE</a:t>
+                      </a:r>
+                    </a:p>
+                  </a:txBody>
+                  <a:tcPr/>
+                </a:tc>
+                <a:extLst>
+                  <a:ext uri="{0D108BD9-81ED-4DB2-BD59-A6C34878D82A}">
+                    <a16:rowId xmlns:a16="http://schemas.microsoft.com/office/drawing/2014/main" val="3837947699"/>
+                  </a:ext>
+                </a:extLst>
+              </a:tr>
+              <a:tr h="370840">
+                <a:tc>
+                  <a:txBody>
+                    <a:bodyPr/>
+                    <a:lstStyle/>
+                    <a:p>
+                      <a:pPr algn="ctr"/>
+                      <a:r>
+                        <a:rPr lang="en-US" b="1" dirty="0"/>
+                        <a:t>Training</a:t>
+                      </a:r>
+                    </a:p>
+                  </a:txBody>
+                  <a:tcPr/>
+                </a:tc>
+                <a:tc>
+                  <a:txBody>
+                    <a:bodyPr/>
+                    <a:lstStyle/>
+                    <a:p>
+                      <a:pPr algn="ctr"/>
+                      <a:r>
+                        <a:rPr lang="en-US" dirty="0"/>
+                        <a:t>7939000 </a:t>
+                      </a:r>
+                    </a:p>
+                  </a:txBody>
+                  <a:tcPr/>
+                </a:tc>
+                <a:tc>
+                  <a:txBody>
+                    <a:bodyPr/>
+                    <a:lstStyle/>
+                    <a:p>
+                      <a:pPr algn="ctr"/>
+                      <a:r>
+                        <a:rPr lang="en-US" dirty="0"/>
+                        <a:t>34.81%</a:t>
+                      </a:r>
+                    </a:p>
+                  </a:txBody>
+                  <a:tcPr/>
+                </a:tc>
+                <a:extLst>
+                  <a:ext uri="{0D108BD9-81ED-4DB2-BD59-A6C34878D82A}">
+                    <a16:rowId xmlns:a16="http://schemas.microsoft.com/office/drawing/2014/main" val="2216457841"/>
+                  </a:ext>
+                </a:extLst>
+              </a:tr>
+              <a:tr h="370840">
+                <a:tc>
+                  <a:txBody>
+                    <a:bodyPr/>
+                    <a:lstStyle/>
+                    <a:p>
+                      <a:pPr algn="ctr"/>
+                      <a:r>
+                        <a:rPr lang="en-US" b="1" dirty="0"/>
+                        <a:t>Test</a:t>
+                      </a:r>
+                    </a:p>
+                  </a:txBody>
+                  <a:tcPr/>
+                </a:tc>
+                <a:tc>
+                  <a:txBody>
+                    <a:bodyPr/>
+                    <a:lstStyle/>
+                    <a:p>
+                      <a:pPr marL="0" marR="0" lvl="0" indent="0" algn="ctr" defTabSz="914400" rtl="0" eaLnBrk="1" fontAlgn="auto" latinLnBrk="0" hangingPunct="1">
+                        <a:lnSpc>
+                          <a:spcPct val="100000"/>
+                        </a:lnSpc>
+                        <a:spcBef>
+                          <a:spcPts val="0"/>
+                        </a:spcBef>
+                        <a:spcAft>
+                          <a:spcPts val="0"/>
+                        </a:spcAft>
+                        <a:buClrTx/>
+                        <a:buSzTx/>
+                        <a:buFontTx/>
+                        <a:buNone/>
+                        <a:tabLst/>
+                        <a:defRPr/>
+                      </a:pPr>
+                      <a:r>
+                        <a:rPr lang="en-US" dirty="0"/>
+                        <a:t>7531000</a:t>
+                      </a:r>
+                    </a:p>
+                  </a:txBody>
+                  <a:tcPr/>
+                </a:tc>
+                <a:tc>
+                  <a:txBody>
+                    <a:bodyPr/>
+                    <a:lstStyle/>
+                    <a:p>
+                      <a:pPr algn="ctr"/>
+                      <a:r>
+                        <a:rPr lang="en-US" dirty="0"/>
+                        <a:t>31.4%</a:t>
+                      </a:r>
+                    </a:p>
+                  </a:txBody>
+                  <a:tcPr/>
+                </a:tc>
+                <a:extLst>
+                  <a:ext uri="{0D108BD9-81ED-4DB2-BD59-A6C34878D82A}">
+                    <a16:rowId xmlns:a16="http://schemas.microsoft.com/office/drawing/2014/main" val="1226670156"/>
+                  </a:ext>
+                </a:extLst>
+              </a:tr>
+            </a:tbl>
+          </a:graphicData>
+        </a:graphic>
+      </p:graphicFrame>
     </p:spTree>
     <p:extLst>
       <p:ext uri="{BB962C8B-B14F-4D97-AF65-F5344CB8AC3E}">
-        <p14:creationId xmlns:p14="http://schemas.microsoft.com/office/powerpoint/2010/main" val="1510803273"/>
+        <p14:creationId xmlns:p14="http://schemas.microsoft.com/office/powerpoint/2010/main" val="2282840056"/>
       </p:ext>
     </p:extLst>
   </p:cSld>
@@ -5657,45 +6480,7 @@
                   <a:srgbClr val="FFC000"/>
                 </a:solidFill>
               </a:rPr>
-              <a:t>Conclusions</a:t>
-            </a:r>
-          </a:p>
-        </p:txBody>
-      </p:sp>
-      <p:sp>
-        <p:nvSpPr>
-          <p:cNvPr id="3" name="Content Placeholder 2"/>
-          <p:cNvSpPr>
-            <a:spLocks noGrp="1"/>
-          </p:cNvSpPr>
-          <p:nvPr>
-            <p:ph idx="1"/>
-          </p:nvPr>
-        </p:nvSpPr>
-        <p:spPr>
-          <a:xfrm>
-            <a:off x="838200" y="2015406"/>
-            <a:ext cx="10515600" cy="4065986"/>
-          </a:xfrm>
-        </p:spPr>
-        <p:txBody>
-          <a:bodyPr anchor="ctr">
-            <a:normAutofit/>
-          </a:bodyPr>
-          <a:lstStyle/>
-          <a:p>
-            <a:r>
-              <a:rPr lang="en-US" sz="2000" dirty="0"/>
-              <a:t>Your interpretation of the results of your analysis </a:t>
-            </a:r>
-          </a:p>
-          <a:p>
-            <a:pPr marL="457200" lvl="1" indent="0">
-              <a:buNone/>
-            </a:pPr>
-            <a:r>
-              <a:rPr lang="en-US" sz="1600" dirty="0"/>
-              <a:t>• What you learned, how it might inform the business situation that you chose to analyze, how your findings might be deployed in the organization.</a:t>
+              <a:t>Accuracy of Results</a:t>
             </a:r>
           </a:p>
         </p:txBody>
@@ -5741,10 +6526,1244 @@
           </a:extLst>
         </p:spPr>
       </p:pic>
+      <p:graphicFrame>
+        <p:nvGraphicFramePr>
+          <p:cNvPr id="9" name="Table 8"/>
+          <p:cNvGraphicFramePr>
+            <a:graphicFrameLocks noGrp="1"/>
+          </p:cNvGraphicFramePr>
+          <p:nvPr>
+            <p:extLst>
+              <p:ext uri="{D42A27DB-BD31-4B8C-83A1-F6EECF244321}">
+                <p14:modId xmlns:p14="http://schemas.microsoft.com/office/powerpoint/2010/main" val="2156224151"/>
+              </p:ext>
+            </p:extLst>
+          </p:nvPr>
+        </p:nvGraphicFramePr>
+        <p:xfrm>
+          <a:off x="2032000" y="2554878"/>
+          <a:ext cx="8127999" cy="1483360"/>
+        </p:xfrm>
+        <a:graphic>
+          <a:graphicData uri="http://schemas.openxmlformats.org/drawingml/2006/table">
+            <a:tbl>
+              <a:tblPr firstRow="1" bandRow="1">
+                <a:tableStyleId>{21E4AEA4-8DFA-4A89-87EB-49C32662AFE0}</a:tableStyleId>
+              </a:tblPr>
+              <a:tblGrid>
+                <a:gridCol w="2709333">
+                  <a:extLst>
+                    <a:ext uri="{9D8B030D-6E8A-4147-A177-3AD203B41FA5}">
+                      <a16:colId xmlns:a16="http://schemas.microsoft.com/office/drawing/2014/main" val="472140097"/>
+                    </a:ext>
+                  </a:extLst>
+                </a:gridCol>
+                <a:gridCol w="2709333">
+                  <a:extLst>
+                    <a:ext uri="{9D8B030D-6E8A-4147-A177-3AD203B41FA5}">
+                      <a16:colId xmlns:a16="http://schemas.microsoft.com/office/drawing/2014/main" val="3720232126"/>
+                    </a:ext>
+                  </a:extLst>
+                </a:gridCol>
+                <a:gridCol w="2709333">
+                  <a:extLst>
+                    <a:ext uri="{9D8B030D-6E8A-4147-A177-3AD203B41FA5}">
+                      <a16:colId xmlns:a16="http://schemas.microsoft.com/office/drawing/2014/main" val="120841938"/>
+                    </a:ext>
+                  </a:extLst>
+                </a:gridCol>
+              </a:tblGrid>
+              <a:tr h="370840">
+                <a:tc>
+                  <a:txBody>
+                    <a:bodyPr/>
+                    <a:lstStyle/>
+                    <a:p>
+                      <a:endParaRPr lang="en-US" dirty="0"/>
+                    </a:p>
+                  </a:txBody>
+                  <a:tcPr/>
+                </a:tc>
+                <a:tc>
+                  <a:txBody>
+                    <a:bodyPr/>
+                    <a:lstStyle/>
+                    <a:p>
+                      <a:pPr algn="ctr"/>
+                      <a:r>
+                        <a:rPr lang="en-US" dirty="0"/>
+                        <a:t>MSE</a:t>
+                      </a:r>
+                    </a:p>
+                  </a:txBody>
+                  <a:tcPr/>
+                </a:tc>
+                <a:tc>
+                  <a:txBody>
+                    <a:bodyPr/>
+                    <a:lstStyle/>
+                    <a:p>
+                      <a:pPr algn="ctr"/>
+                      <a:r>
+                        <a:rPr lang="en-US" dirty="0"/>
+                        <a:t>RMSPE</a:t>
+                      </a:r>
+                    </a:p>
+                  </a:txBody>
+                  <a:tcPr/>
+                </a:tc>
+                <a:extLst>
+                  <a:ext uri="{0D108BD9-81ED-4DB2-BD59-A6C34878D82A}">
+                    <a16:rowId xmlns:a16="http://schemas.microsoft.com/office/drawing/2014/main" val="3837947699"/>
+                  </a:ext>
+                </a:extLst>
+              </a:tr>
+              <a:tr h="370840">
+                <a:tc>
+                  <a:txBody>
+                    <a:bodyPr/>
+                    <a:lstStyle/>
+                    <a:p>
+                      <a:pPr algn="ctr"/>
+                      <a:r>
+                        <a:rPr lang="en-US" b="1" dirty="0"/>
+                        <a:t>GAMs</a:t>
+                      </a:r>
+                    </a:p>
+                  </a:txBody>
+                  <a:tcPr/>
+                </a:tc>
+                <a:tc>
+                  <a:txBody>
+                    <a:bodyPr/>
+                    <a:lstStyle/>
+                    <a:p>
+                      <a:pPr marL="0" marR="0" lvl="0" indent="0" algn="ctr" defTabSz="914400" rtl="0" eaLnBrk="1" fontAlgn="auto" latinLnBrk="0" hangingPunct="1">
+                        <a:lnSpc>
+                          <a:spcPct val="100000"/>
+                        </a:lnSpc>
+                        <a:spcBef>
+                          <a:spcPts val="0"/>
+                        </a:spcBef>
+                        <a:spcAft>
+                          <a:spcPts val="0"/>
+                        </a:spcAft>
+                        <a:buClrTx/>
+                        <a:buSzTx/>
+                        <a:buFontTx/>
+                        <a:buNone/>
+                        <a:tabLst/>
+                        <a:defRPr/>
+                      </a:pPr>
+                      <a:r>
+                        <a:rPr lang="en-US" dirty="0"/>
+                        <a:t>7531000</a:t>
+                      </a:r>
+                    </a:p>
+                  </a:txBody>
+                  <a:tcPr/>
+                </a:tc>
+                <a:tc>
+                  <a:txBody>
+                    <a:bodyPr/>
+                    <a:lstStyle/>
+                    <a:p>
+                      <a:pPr algn="ctr"/>
+                      <a:r>
+                        <a:rPr lang="en-US" dirty="0"/>
+                        <a:t>31.4%</a:t>
+                      </a:r>
+                    </a:p>
+                  </a:txBody>
+                  <a:tcPr/>
+                </a:tc>
+                <a:extLst>
+                  <a:ext uri="{0D108BD9-81ED-4DB2-BD59-A6C34878D82A}">
+                    <a16:rowId xmlns:a16="http://schemas.microsoft.com/office/drawing/2014/main" val="2216457841"/>
+                  </a:ext>
+                </a:extLst>
+              </a:tr>
+              <a:tr h="370840">
+                <a:tc>
+                  <a:txBody>
+                    <a:bodyPr/>
+                    <a:lstStyle/>
+                    <a:p>
+                      <a:pPr algn="ctr"/>
+                      <a:r>
+                        <a:rPr lang="en-US" b="1" dirty="0"/>
+                        <a:t>Boosting</a:t>
+                      </a:r>
+                    </a:p>
+                  </a:txBody>
+                  <a:tcPr/>
+                </a:tc>
+                <a:tc>
+                  <a:txBody>
+                    <a:bodyPr/>
+                    <a:lstStyle/>
+                    <a:p>
+                      <a:pPr marL="0" marR="0" lvl="0" indent="0" algn="ctr" defTabSz="914400" rtl="0" eaLnBrk="1" fontAlgn="auto" latinLnBrk="0" hangingPunct="1">
+                        <a:lnSpc>
+                          <a:spcPct val="100000"/>
+                        </a:lnSpc>
+                        <a:spcBef>
+                          <a:spcPts val="0"/>
+                        </a:spcBef>
+                        <a:spcAft>
+                          <a:spcPts val="0"/>
+                        </a:spcAft>
+                        <a:buClrTx/>
+                        <a:buSzTx/>
+                        <a:buFontTx/>
+                        <a:buNone/>
+                        <a:tabLst/>
+                        <a:defRPr/>
+                      </a:pPr>
+                      <a:r>
+                        <a:rPr lang="en-US" sz="1800" kern="1200" dirty="0">
+                          <a:solidFill>
+                            <a:schemeClr val="dk1"/>
+                          </a:solidFill>
+                          <a:effectLst/>
+                          <a:latin typeface="+mn-lt"/>
+                          <a:ea typeface="+mn-ea"/>
+                          <a:cs typeface="+mn-cs"/>
+                        </a:rPr>
+                        <a:t>5866356</a:t>
+                      </a:r>
+                      <a:endParaRPr lang="en-US" dirty="0"/>
+                    </a:p>
+                  </a:txBody>
+                  <a:tcPr/>
+                </a:tc>
+                <a:tc>
+                  <a:txBody>
+                    <a:bodyPr/>
+                    <a:lstStyle/>
+                    <a:p>
+                      <a:pPr algn="ctr"/>
+                      <a:r>
+                        <a:rPr lang="en-US" dirty="0"/>
+                        <a:t>42.7%</a:t>
+                      </a:r>
+                    </a:p>
+                  </a:txBody>
+                  <a:tcPr/>
+                </a:tc>
+                <a:extLst>
+                  <a:ext uri="{0D108BD9-81ED-4DB2-BD59-A6C34878D82A}">
+                    <a16:rowId xmlns:a16="http://schemas.microsoft.com/office/drawing/2014/main" val="1226670156"/>
+                  </a:ext>
+                </a:extLst>
+              </a:tr>
+              <a:tr h="370840">
+                <a:tc>
+                  <a:txBody>
+                    <a:bodyPr/>
+                    <a:lstStyle/>
+                    <a:p>
+                      <a:pPr algn="ctr"/>
+                      <a:r>
+                        <a:rPr lang="en-US" b="1" dirty="0"/>
+                        <a:t>Random Forest</a:t>
+                      </a:r>
+                    </a:p>
+                  </a:txBody>
+                  <a:tcPr/>
+                </a:tc>
+                <a:tc>
+                  <a:txBody>
+                    <a:bodyPr/>
+                    <a:lstStyle/>
+                    <a:p>
+                      <a:pPr marL="0" marR="0" lvl="0" indent="0" algn="ctr" defTabSz="914400" rtl="0" eaLnBrk="1" fontAlgn="auto" latinLnBrk="0" hangingPunct="1">
+                        <a:lnSpc>
+                          <a:spcPct val="100000"/>
+                        </a:lnSpc>
+                        <a:spcBef>
+                          <a:spcPts val="0"/>
+                        </a:spcBef>
+                        <a:spcAft>
+                          <a:spcPts val="0"/>
+                        </a:spcAft>
+                        <a:buClrTx/>
+                        <a:buSzTx/>
+                        <a:buFontTx/>
+                        <a:buNone/>
+                        <a:tabLst/>
+                        <a:defRPr/>
+                      </a:pPr>
+                      <a:r>
+                        <a:rPr lang="en-US" sz="1800" kern="1200" dirty="0">
+                          <a:solidFill>
+                            <a:schemeClr val="dk1"/>
+                          </a:solidFill>
+                          <a:effectLst/>
+                          <a:latin typeface="+mn-lt"/>
+                          <a:ea typeface="+mn-ea"/>
+                          <a:cs typeface="+mn-cs"/>
+                        </a:rPr>
+                        <a:t>7280485</a:t>
+                      </a:r>
+                      <a:endParaRPr lang="en-US" dirty="0"/>
+                    </a:p>
+                  </a:txBody>
+                  <a:tcPr/>
+                </a:tc>
+                <a:tc>
+                  <a:txBody>
+                    <a:bodyPr/>
+                    <a:lstStyle/>
+                    <a:p>
+                      <a:pPr algn="ctr"/>
+                      <a:r>
+                        <a:rPr lang="en-US" dirty="0"/>
+                        <a:t>48.7%</a:t>
+                      </a:r>
+                    </a:p>
+                  </a:txBody>
+                  <a:tcPr/>
+                </a:tc>
+                <a:extLst>
+                  <a:ext uri="{0D108BD9-81ED-4DB2-BD59-A6C34878D82A}">
+                    <a16:rowId xmlns:a16="http://schemas.microsoft.com/office/drawing/2014/main" val="3989875578"/>
+                  </a:ext>
+                </a:extLst>
+              </a:tr>
+            </a:tbl>
+          </a:graphicData>
+        </a:graphic>
+      </p:graphicFrame>
+      <p:sp>
+        <p:nvSpPr>
+          <p:cNvPr id="5" name="TextBox 4"/>
+          <p:cNvSpPr txBox="1"/>
+          <p:nvPr/>
+        </p:nvSpPr>
+        <p:spPr>
+          <a:xfrm>
+            <a:off x="5081137" y="2075436"/>
+            <a:ext cx="2706510" cy="461665"/>
+          </a:xfrm>
+          <a:prstGeom prst="rect">
+            <a:avLst/>
+          </a:prstGeom>
+          <a:noFill/>
+        </p:spPr>
+        <p:txBody>
+          <a:bodyPr wrap="none" rtlCol="0">
+            <a:spAutoFit/>
+          </a:bodyPr>
+          <a:lstStyle/>
+          <a:p>
+            <a:r>
+              <a:rPr lang="en-US" sz="2400" b="1" dirty="0"/>
+              <a:t>Results Comparison</a:t>
+            </a:r>
+          </a:p>
+        </p:txBody>
+      </p:sp>
+    </p:spTree>
+    <p:extLst>
+      <p:ext uri="{BB962C8B-B14F-4D97-AF65-F5344CB8AC3E}">
+        <p14:creationId xmlns:p14="http://schemas.microsoft.com/office/powerpoint/2010/main" val="1510803273"/>
+      </p:ext>
+    </p:extLst>
+  </p:cSld>
+  <p:clrMapOvr>
+    <a:overrideClrMapping bg1="dk1" tx1="lt1" bg2="dk2" tx2="lt2" accent1="accent1" accent2="accent2" accent3="accent3" accent4="accent4" accent5="accent5" accent6="accent6" hlink="hlink" folHlink="folHlink"/>
+  </p:clrMapOvr>
+</p:sld>
+</file>
+
+<file path=ppt/slides/slide17.xml><?xml version="1.0" encoding="utf-8"?>
+<p:sld xmlns:a="http://schemas.openxmlformats.org/drawingml/2006/main" xmlns:r="http://schemas.openxmlformats.org/officeDocument/2006/relationships" xmlns:p="http://schemas.openxmlformats.org/presentationml/2006/main">
+  <p:cSld>
+    <p:spTree>
+      <p:nvGrpSpPr>
+        <p:cNvPr id="1" name=""/>
+        <p:cNvGrpSpPr/>
+        <p:nvPr/>
+      </p:nvGrpSpPr>
+      <p:grpSpPr>
+        <a:xfrm>
+          <a:off x="0" y="0"/>
+          <a:ext cx="0" cy="0"/>
+          <a:chOff x="0" y="0"/>
+          <a:chExt cx="0" cy="0"/>
+        </a:xfrm>
+      </p:grpSpPr>
+      <p:sp>
+        <p:nvSpPr>
+          <p:cNvPr id="8" name="Rectangle 7">
+            <a:extLst/>
+          </p:cNvPr>
+          <p:cNvSpPr>
+            <a:spLocks noGrp="1" noRot="1" noChangeAspect="1" noMove="1" noResize="1" noEditPoints="1" noAdjustHandles="1" noChangeArrowheads="1" noChangeShapeType="1" noTextEdit="1"/>
+          </p:cNvSpPr>
+          <p:nvPr>
+            <p:extLst>
+              <p:ext uri="{386F3935-93C4-4BCD-93E2-E3B085C9AB24}">
+                <p16:designElem xmlns:p16="http://schemas.microsoft.com/office/powerpoint/2015/main" val="1"/>
+              </p:ext>
+            </p:extLst>
+          </p:nvPr>
+        </p:nvSpPr>
+        <p:spPr>
+          <a:xfrm>
+            <a:off x="0" y="0"/>
+            <a:ext cx="12192000" cy="1690688"/>
+          </a:xfrm>
+          <a:prstGeom prst="rect">
+            <a:avLst/>
+          </a:prstGeom>
+          <a:solidFill>
+            <a:schemeClr val="tx1"/>
+          </a:solidFill>
+          <a:ln>
+            <a:noFill/>
+          </a:ln>
+        </p:spPr>
+        <p:style>
+          <a:lnRef idx="2">
+            <a:schemeClr val="accent1">
+              <a:shade val="50000"/>
+            </a:schemeClr>
+          </a:lnRef>
+          <a:fillRef idx="1">
+            <a:schemeClr val="accent1"/>
+          </a:fillRef>
+          <a:effectRef idx="0">
+            <a:schemeClr val="accent1"/>
+          </a:effectRef>
+          <a:fontRef idx="minor">
+            <a:schemeClr val="lt1"/>
+          </a:fontRef>
+        </p:style>
+        <p:txBody>
+          <a:bodyPr rtlCol="0" anchor="ctr"/>
+          <a:lstStyle/>
+          <a:p>
+            <a:pPr algn="ctr"/>
+            <a:endParaRPr lang="en-US"/>
+          </a:p>
+        </p:txBody>
+      </p:sp>
+      <p:sp useBgFill="1">
+        <p:nvSpPr>
+          <p:cNvPr id="10" name="Rectangle 9"/>
+          <p:cNvSpPr>
+            <a:spLocks noGrp="1" noRot="1" noChangeAspect="1" noMove="1" noResize="1" noEditPoints="1" noAdjustHandles="1" noChangeArrowheads="1" noChangeShapeType="1" noTextEdit="1"/>
+          </p:cNvSpPr>
+          <p:nvPr>
+            <p:extLst>
+              <p:ext uri="{386F3935-93C4-4BCD-93E2-E3B085C9AB24}">
+                <p16:designElem xmlns:p16="http://schemas.microsoft.com/office/powerpoint/2015/main" val="1"/>
+              </p:ext>
+            </p:extLst>
+          </p:nvPr>
+        </p:nvSpPr>
+        <p:spPr>
+          <a:xfrm>
+            <a:off x="0" y="1690688"/>
+            <a:ext cx="12192000" cy="5166360"/>
+          </a:xfrm>
+          <a:prstGeom prst="rect">
+            <a:avLst/>
+          </a:prstGeom>
+          <a:ln>
+            <a:noFill/>
+          </a:ln>
+        </p:spPr>
+        <p:style>
+          <a:lnRef idx="2">
+            <a:schemeClr val="accent1">
+              <a:shade val="50000"/>
+            </a:schemeClr>
+          </a:lnRef>
+          <a:fillRef idx="1">
+            <a:schemeClr val="accent1"/>
+          </a:fillRef>
+          <a:effectRef idx="0">
+            <a:schemeClr val="accent1"/>
+          </a:effectRef>
+          <a:fontRef idx="minor">
+            <a:schemeClr val="lt1"/>
+          </a:fontRef>
+        </p:style>
+        <p:txBody>
+          <a:bodyPr rtlCol="0" anchor="ctr"/>
+          <a:lstStyle/>
+          <a:p>
+            <a:pPr algn="ctr"/>
+            <a:endParaRPr lang="en-US"/>
+          </a:p>
+        </p:txBody>
+      </p:sp>
+      <p:sp>
+        <p:nvSpPr>
+          <p:cNvPr id="2" name="Title 1"/>
+          <p:cNvSpPr>
+            <a:spLocks noGrp="1"/>
+          </p:cNvSpPr>
+          <p:nvPr>
+            <p:ph type="title"/>
+          </p:nvPr>
+        </p:nvSpPr>
+        <p:spPr>
+          <a:xfrm>
+            <a:off x="838200" y="365125"/>
+            <a:ext cx="10515600" cy="1325563"/>
+          </a:xfrm>
+        </p:spPr>
+        <p:txBody>
+          <a:bodyPr>
+            <a:normAutofit/>
+          </a:bodyPr>
+          <a:lstStyle/>
+          <a:p>
+            <a:r>
+              <a:rPr lang="en-US" b="1" dirty="0">
+                <a:solidFill>
+                  <a:srgbClr val="FFC000"/>
+                </a:solidFill>
+              </a:rPr>
+              <a:t>Conclusions and Prospective</a:t>
+            </a:r>
+          </a:p>
+        </p:txBody>
+      </p:sp>
+      <p:sp>
+        <p:nvSpPr>
+          <p:cNvPr id="3" name="Content Placeholder 2"/>
+          <p:cNvSpPr>
+            <a:spLocks noGrp="1"/>
+          </p:cNvSpPr>
+          <p:nvPr>
+            <p:ph idx="1"/>
+          </p:nvPr>
+        </p:nvSpPr>
+        <p:spPr>
+          <a:xfrm>
+            <a:off x="838200" y="2015406"/>
+            <a:ext cx="10515600" cy="4065986"/>
+          </a:xfrm>
+        </p:spPr>
+        <p:txBody>
+          <a:bodyPr anchor="t">
+            <a:normAutofit/>
+          </a:bodyPr>
+          <a:lstStyle/>
+          <a:p>
+            <a:r>
+              <a:rPr lang="en-US" sz="2000" dirty="0"/>
+              <a:t>Your interpretation of the results of your analysis </a:t>
+            </a:r>
+          </a:p>
+          <a:p>
+            <a:pPr marL="457200" lvl="1" indent="0">
+              <a:buNone/>
+            </a:pPr>
+            <a:r>
+              <a:rPr lang="en-US" sz="1600" dirty="0"/>
+              <a:t>• What you learned, how it might inform the business situation that you chose to analyze, how your findings might be deployed in the organization.</a:t>
+            </a:r>
+          </a:p>
+        </p:txBody>
+      </p:sp>
+      <p:pic>
+        <p:nvPicPr>
+          <p:cNvPr id="6" name="Picture 2" descr="Image result for rosmann"/>
+          <p:cNvPicPr>
+            <a:picLocks noChangeAspect="1" noChangeArrowheads="1"/>
+          </p:cNvPicPr>
+          <p:nvPr/>
+        </p:nvPicPr>
+        <p:blipFill>
+          <a:blip r:embed="rId2">
+            <a:extLst>
+              <a:ext uri="{28A0092B-C50C-407E-A947-70E740481C1C}">
+                <a14:useLocalDpi xmlns:a14="http://schemas.microsoft.com/office/drawing/2010/main" val="0"/>
+              </a:ext>
+            </a:extLst>
+          </a:blip>
+          <a:srcRect/>
+          <a:stretch>
+            <a:fillRect/>
+          </a:stretch>
+        </p:blipFill>
+        <p:spPr bwMode="auto">
+          <a:xfrm>
+            <a:off x="9544049" y="864190"/>
+            <a:ext cx="2390775" cy="327432"/>
+          </a:xfrm>
+          <a:prstGeom prst="rect">
+            <a:avLst/>
+          </a:prstGeom>
+          <a:noFill/>
+          <a:extLst>
+            <a:ext uri="{909E8E84-426E-40DD-AFC4-6F175D3DCCD1}">
+              <a14:hiddenFill xmlns:a14="http://schemas.microsoft.com/office/drawing/2010/main">
+                <a:solidFill>
+                  <a:srgbClr val="FFFFFF"/>
+                </a:solidFill>
+              </a14:hiddenFill>
+            </a:ext>
+          </a:extLst>
+        </p:spPr>
+      </p:pic>
     </p:spTree>
     <p:extLst>
       <p:ext uri="{BB962C8B-B14F-4D97-AF65-F5344CB8AC3E}">
         <p14:creationId xmlns:p14="http://schemas.microsoft.com/office/powerpoint/2010/main" val="166134734"/>
+      </p:ext>
+    </p:extLst>
+  </p:cSld>
+  <p:clrMapOvr>
+    <a:overrideClrMapping bg1="dk1" tx1="lt1" bg2="dk2" tx2="lt2" accent1="accent1" accent2="accent2" accent3="accent3" accent4="accent4" accent5="accent5" accent6="accent6" hlink="hlink" folHlink="folHlink"/>
+  </p:clrMapOvr>
+</p:sld>
+</file>
+
+<file path=ppt/slides/slide18.xml><?xml version="1.0" encoding="utf-8"?>
+<p:sld xmlns:a="http://schemas.openxmlformats.org/drawingml/2006/main" xmlns:r="http://schemas.openxmlformats.org/officeDocument/2006/relationships" xmlns:p="http://schemas.openxmlformats.org/presentationml/2006/main">
+  <p:cSld>
+    <p:spTree>
+      <p:nvGrpSpPr>
+        <p:cNvPr id="1" name=""/>
+        <p:cNvGrpSpPr/>
+        <p:nvPr/>
+      </p:nvGrpSpPr>
+      <p:grpSpPr>
+        <a:xfrm>
+          <a:off x="0" y="0"/>
+          <a:ext cx="0" cy="0"/>
+          <a:chOff x="0" y="0"/>
+          <a:chExt cx="0" cy="0"/>
+        </a:xfrm>
+      </p:grpSpPr>
+      <p:sp>
+        <p:nvSpPr>
+          <p:cNvPr id="8" name="Rectangle 7">
+            <a:extLst/>
+          </p:cNvPr>
+          <p:cNvSpPr>
+            <a:spLocks noGrp="1" noRot="1" noChangeAspect="1" noMove="1" noResize="1" noEditPoints="1" noAdjustHandles="1" noChangeArrowheads="1" noChangeShapeType="1" noTextEdit="1"/>
+          </p:cNvSpPr>
+          <p:nvPr>
+            <p:extLst>
+              <p:ext uri="{386F3935-93C4-4BCD-93E2-E3B085C9AB24}">
+                <p16:designElem xmlns:p16="http://schemas.microsoft.com/office/powerpoint/2015/main" val="1"/>
+              </p:ext>
+            </p:extLst>
+          </p:nvPr>
+        </p:nvSpPr>
+        <p:spPr>
+          <a:xfrm>
+            <a:off x="0" y="0"/>
+            <a:ext cx="12192000" cy="1690688"/>
+          </a:xfrm>
+          <a:prstGeom prst="rect">
+            <a:avLst/>
+          </a:prstGeom>
+          <a:solidFill>
+            <a:schemeClr val="tx1"/>
+          </a:solidFill>
+          <a:ln>
+            <a:noFill/>
+          </a:ln>
+        </p:spPr>
+        <p:style>
+          <a:lnRef idx="2">
+            <a:schemeClr val="accent1">
+              <a:shade val="50000"/>
+            </a:schemeClr>
+          </a:lnRef>
+          <a:fillRef idx="1">
+            <a:schemeClr val="accent1"/>
+          </a:fillRef>
+          <a:effectRef idx="0">
+            <a:schemeClr val="accent1"/>
+          </a:effectRef>
+          <a:fontRef idx="minor">
+            <a:schemeClr val="lt1"/>
+          </a:fontRef>
+        </p:style>
+        <p:txBody>
+          <a:bodyPr rtlCol="0" anchor="ctr"/>
+          <a:lstStyle/>
+          <a:p>
+            <a:pPr marL="0" marR="0" lvl="0" indent="0" algn="ctr" defTabSz="914400" rtl="0" eaLnBrk="1" fontAlgn="auto" latinLnBrk="0" hangingPunct="1">
+              <a:lnSpc>
+                <a:spcPct val="100000"/>
+              </a:lnSpc>
+              <a:spcBef>
+                <a:spcPts val="0"/>
+              </a:spcBef>
+              <a:spcAft>
+                <a:spcPts val="0"/>
+              </a:spcAft>
+              <a:buClrTx/>
+              <a:buSzTx/>
+              <a:buFontTx/>
+              <a:buNone/>
+              <a:tabLst/>
+              <a:defRPr/>
+            </a:pPr>
+            <a:endParaRPr kumimoji="0" lang="en-US" sz="1800" b="0" i="0" u="none" strike="noStrike" kern="1200" cap="none" spc="0" normalizeH="0" baseline="0" noProof="0">
+              <a:ln>
+                <a:noFill/>
+              </a:ln>
+              <a:solidFill>
+                <a:prstClr val="white"/>
+              </a:solidFill>
+              <a:effectLst/>
+              <a:uLnTx/>
+              <a:uFillTx/>
+              <a:latin typeface="Calibri" panose="020F0502020204030204"/>
+              <a:ea typeface="+mn-ea"/>
+              <a:cs typeface="+mn-cs"/>
+            </a:endParaRPr>
+          </a:p>
+        </p:txBody>
+      </p:sp>
+      <p:sp useBgFill="1">
+        <p:nvSpPr>
+          <p:cNvPr id="10" name="Rectangle 9"/>
+          <p:cNvSpPr>
+            <a:spLocks noGrp="1" noRot="1" noChangeAspect="1" noMove="1" noResize="1" noEditPoints="1" noAdjustHandles="1" noChangeArrowheads="1" noChangeShapeType="1" noTextEdit="1"/>
+          </p:cNvSpPr>
+          <p:nvPr>
+            <p:extLst>
+              <p:ext uri="{386F3935-93C4-4BCD-93E2-E3B085C9AB24}">
+                <p16:designElem xmlns:p16="http://schemas.microsoft.com/office/powerpoint/2015/main" val="1"/>
+              </p:ext>
+            </p:extLst>
+          </p:nvPr>
+        </p:nvSpPr>
+        <p:spPr>
+          <a:xfrm>
+            <a:off x="0" y="1690688"/>
+            <a:ext cx="12192000" cy="5166360"/>
+          </a:xfrm>
+          <a:prstGeom prst="rect">
+            <a:avLst/>
+          </a:prstGeom>
+          <a:ln>
+            <a:noFill/>
+          </a:ln>
+        </p:spPr>
+        <p:style>
+          <a:lnRef idx="2">
+            <a:schemeClr val="accent1">
+              <a:shade val="50000"/>
+            </a:schemeClr>
+          </a:lnRef>
+          <a:fillRef idx="1">
+            <a:schemeClr val="accent1"/>
+          </a:fillRef>
+          <a:effectRef idx="0">
+            <a:schemeClr val="accent1"/>
+          </a:effectRef>
+          <a:fontRef idx="minor">
+            <a:schemeClr val="lt1"/>
+          </a:fontRef>
+        </p:style>
+        <p:txBody>
+          <a:bodyPr rtlCol="0" anchor="ctr"/>
+          <a:lstStyle/>
+          <a:p>
+            <a:pPr marL="0" marR="0" lvl="0" indent="0" algn="ctr" defTabSz="914400" rtl="0" eaLnBrk="1" fontAlgn="auto" latinLnBrk="0" hangingPunct="1">
+              <a:lnSpc>
+                <a:spcPct val="100000"/>
+              </a:lnSpc>
+              <a:spcBef>
+                <a:spcPts val="0"/>
+              </a:spcBef>
+              <a:spcAft>
+                <a:spcPts val="0"/>
+              </a:spcAft>
+              <a:buClrTx/>
+              <a:buSzTx/>
+              <a:buFontTx/>
+              <a:buNone/>
+              <a:tabLst/>
+              <a:defRPr/>
+            </a:pPr>
+            <a:endParaRPr kumimoji="0" lang="en-US" sz="1800" b="0" i="0" u="none" strike="noStrike" kern="1200" cap="none" spc="0" normalizeH="0" baseline="0" noProof="0">
+              <a:ln>
+                <a:noFill/>
+              </a:ln>
+              <a:solidFill>
+                <a:prstClr val="white"/>
+              </a:solidFill>
+              <a:effectLst/>
+              <a:uLnTx/>
+              <a:uFillTx/>
+              <a:latin typeface="Calibri" panose="020F0502020204030204"/>
+              <a:ea typeface="+mn-ea"/>
+              <a:cs typeface="+mn-cs"/>
+            </a:endParaRPr>
+          </a:p>
+        </p:txBody>
+      </p:sp>
+      <p:sp>
+        <p:nvSpPr>
+          <p:cNvPr id="2" name="Title 1"/>
+          <p:cNvSpPr>
+            <a:spLocks noGrp="1"/>
+          </p:cNvSpPr>
+          <p:nvPr>
+            <p:ph type="title"/>
+          </p:nvPr>
+        </p:nvSpPr>
+        <p:spPr>
+          <a:xfrm>
+            <a:off x="838200" y="365125"/>
+            <a:ext cx="10515600" cy="1325563"/>
+          </a:xfrm>
+        </p:spPr>
+        <p:txBody>
+          <a:bodyPr>
+            <a:normAutofit/>
+          </a:bodyPr>
+          <a:lstStyle/>
+          <a:p>
+            <a:r>
+              <a:rPr lang="en-US" dirty="0">
+                <a:solidFill>
+                  <a:srgbClr val="FFC000"/>
+                </a:solidFill>
+              </a:rPr>
+              <a:t>Appendix</a:t>
+            </a:r>
+          </a:p>
+        </p:txBody>
+      </p:sp>
+      <p:sp>
+        <p:nvSpPr>
+          <p:cNvPr id="3" name="Content Placeholder 2"/>
+          <p:cNvSpPr>
+            <a:spLocks noGrp="1"/>
+          </p:cNvSpPr>
+          <p:nvPr>
+            <p:ph idx="1"/>
+          </p:nvPr>
+        </p:nvSpPr>
+        <p:spPr>
+          <a:xfrm>
+            <a:off x="838200" y="2015406"/>
+            <a:ext cx="7446818" cy="1000845"/>
+          </a:xfrm>
+        </p:spPr>
+        <p:txBody>
+          <a:bodyPr anchor="ctr">
+            <a:normAutofit/>
+          </a:bodyPr>
+          <a:lstStyle/>
+          <a:p>
+            <a:r>
+              <a:rPr lang="en-US" sz="2000" dirty="0"/>
+              <a:t>1. A simple bar chart of average sales by Store Type. Store Type b generally had larger sales numbers</a:t>
+            </a:r>
+          </a:p>
+          <a:p>
+            <a:endParaRPr lang="en-US" sz="1600" dirty="0"/>
+          </a:p>
+        </p:txBody>
+      </p:sp>
+      <p:pic>
+        <p:nvPicPr>
+          <p:cNvPr id="6" name="Picture 2" descr="Image result for rosmann"/>
+          <p:cNvPicPr>
+            <a:picLocks noChangeAspect="1" noChangeArrowheads="1"/>
+          </p:cNvPicPr>
+          <p:nvPr/>
+        </p:nvPicPr>
+        <p:blipFill>
+          <a:blip r:embed="rId2">
+            <a:extLst>
+              <a:ext uri="{28A0092B-C50C-407E-A947-70E740481C1C}">
+                <a14:useLocalDpi xmlns:a14="http://schemas.microsoft.com/office/drawing/2010/main" val="0"/>
+              </a:ext>
+            </a:extLst>
+          </a:blip>
+          <a:srcRect/>
+          <a:stretch>
+            <a:fillRect/>
+          </a:stretch>
+        </p:blipFill>
+        <p:spPr bwMode="auto">
+          <a:xfrm>
+            <a:off x="9544049" y="864190"/>
+            <a:ext cx="2390775" cy="327432"/>
+          </a:xfrm>
+          <a:prstGeom prst="rect">
+            <a:avLst/>
+          </a:prstGeom>
+          <a:noFill/>
+          <a:extLst>
+            <a:ext uri="{909E8E84-426E-40DD-AFC4-6F175D3DCCD1}">
+              <a14:hiddenFill xmlns:a14="http://schemas.microsoft.com/office/drawing/2010/main">
+                <a:solidFill>
+                  <a:srgbClr val="FFFFFF"/>
+                </a:solidFill>
+              </a14:hiddenFill>
+            </a:ext>
+          </a:extLst>
+        </p:spPr>
+      </p:pic>
+      <p:pic>
+        <p:nvPicPr>
+          <p:cNvPr id="5" name="Picture 4"/>
+          <p:cNvPicPr>
+            <a:picLocks noChangeAspect="1"/>
+          </p:cNvPicPr>
+          <p:nvPr/>
+        </p:nvPicPr>
+        <p:blipFill>
+          <a:blip r:embed="rId3"/>
+          <a:stretch>
+            <a:fillRect/>
+          </a:stretch>
+        </p:blipFill>
+        <p:spPr>
+          <a:xfrm>
+            <a:off x="8909411" y="1832771"/>
+            <a:ext cx="2444389" cy="4882193"/>
+          </a:xfrm>
+          <a:prstGeom prst="rect">
+            <a:avLst/>
+          </a:prstGeom>
+        </p:spPr>
+      </p:pic>
+    </p:spTree>
+    <p:extLst>
+      <p:ext uri="{BB962C8B-B14F-4D97-AF65-F5344CB8AC3E}">
+        <p14:creationId xmlns:p14="http://schemas.microsoft.com/office/powerpoint/2010/main" val="2385773561"/>
+      </p:ext>
+    </p:extLst>
+  </p:cSld>
+  <p:clrMapOvr>
+    <a:overrideClrMapping bg1="dk1" tx1="lt1" bg2="dk2" tx2="lt2" accent1="accent1" accent2="accent2" accent3="accent3" accent4="accent4" accent5="accent5" accent6="accent6" hlink="hlink" folHlink="folHlink"/>
+  </p:clrMapOvr>
+</p:sld>
+</file>
+
+<file path=ppt/slides/slide19.xml><?xml version="1.0" encoding="utf-8"?>
+<p:sld xmlns:a="http://schemas.openxmlformats.org/drawingml/2006/main" xmlns:r="http://schemas.openxmlformats.org/officeDocument/2006/relationships" xmlns:p="http://schemas.openxmlformats.org/presentationml/2006/main">
+  <p:cSld>
+    <p:spTree>
+      <p:nvGrpSpPr>
+        <p:cNvPr id="1" name=""/>
+        <p:cNvGrpSpPr/>
+        <p:nvPr/>
+      </p:nvGrpSpPr>
+      <p:grpSpPr>
+        <a:xfrm>
+          <a:off x="0" y="0"/>
+          <a:ext cx="0" cy="0"/>
+          <a:chOff x="0" y="0"/>
+          <a:chExt cx="0" cy="0"/>
+        </a:xfrm>
+      </p:grpSpPr>
+      <p:sp>
+        <p:nvSpPr>
+          <p:cNvPr id="8" name="Rectangle 7">
+            <a:extLst/>
+          </p:cNvPr>
+          <p:cNvSpPr>
+            <a:spLocks noGrp="1" noRot="1" noChangeAspect="1" noMove="1" noResize="1" noEditPoints="1" noAdjustHandles="1" noChangeArrowheads="1" noChangeShapeType="1" noTextEdit="1"/>
+          </p:cNvSpPr>
+          <p:nvPr>
+            <p:extLst>
+              <p:ext uri="{386F3935-93C4-4BCD-93E2-E3B085C9AB24}">
+                <p16:designElem xmlns:p16="http://schemas.microsoft.com/office/powerpoint/2015/main" val="1"/>
+              </p:ext>
+            </p:extLst>
+          </p:nvPr>
+        </p:nvSpPr>
+        <p:spPr>
+          <a:xfrm>
+            <a:off x="0" y="0"/>
+            <a:ext cx="12192000" cy="1690688"/>
+          </a:xfrm>
+          <a:prstGeom prst="rect">
+            <a:avLst/>
+          </a:prstGeom>
+          <a:solidFill>
+            <a:schemeClr val="tx1"/>
+          </a:solidFill>
+          <a:ln>
+            <a:noFill/>
+          </a:ln>
+        </p:spPr>
+        <p:style>
+          <a:lnRef idx="2">
+            <a:schemeClr val="accent1">
+              <a:shade val="50000"/>
+            </a:schemeClr>
+          </a:lnRef>
+          <a:fillRef idx="1">
+            <a:schemeClr val="accent1"/>
+          </a:fillRef>
+          <a:effectRef idx="0">
+            <a:schemeClr val="accent1"/>
+          </a:effectRef>
+          <a:fontRef idx="minor">
+            <a:schemeClr val="lt1"/>
+          </a:fontRef>
+        </p:style>
+        <p:txBody>
+          <a:bodyPr rtlCol="0" anchor="ctr"/>
+          <a:lstStyle/>
+          <a:p>
+            <a:pPr marL="0" marR="0" lvl="0" indent="0" algn="ctr" defTabSz="914400" rtl="0" eaLnBrk="1" fontAlgn="auto" latinLnBrk="0" hangingPunct="1">
+              <a:lnSpc>
+                <a:spcPct val="100000"/>
+              </a:lnSpc>
+              <a:spcBef>
+                <a:spcPts val="0"/>
+              </a:spcBef>
+              <a:spcAft>
+                <a:spcPts val="0"/>
+              </a:spcAft>
+              <a:buClrTx/>
+              <a:buSzTx/>
+              <a:buFontTx/>
+              <a:buNone/>
+              <a:tabLst/>
+              <a:defRPr/>
+            </a:pPr>
+            <a:endParaRPr kumimoji="0" lang="en-US" sz="1800" b="0" i="0" u="none" strike="noStrike" kern="1200" cap="none" spc="0" normalizeH="0" baseline="0" noProof="0">
+              <a:ln>
+                <a:noFill/>
+              </a:ln>
+              <a:solidFill>
+                <a:prstClr val="white"/>
+              </a:solidFill>
+              <a:effectLst/>
+              <a:uLnTx/>
+              <a:uFillTx/>
+              <a:latin typeface="Calibri" panose="020F0502020204030204"/>
+              <a:ea typeface="+mn-ea"/>
+              <a:cs typeface="+mn-cs"/>
+            </a:endParaRPr>
+          </a:p>
+        </p:txBody>
+      </p:sp>
+      <p:sp useBgFill="1">
+        <p:nvSpPr>
+          <p:cNvPr id="10" name="Rectangle 9"/>
+          <p:cNvSpPr>
+            <a:spLocks noGrp="1" noRot="1" noChangeAspect="1" noMove="1" noResize="1" noEditPoints="1" noAdjustHandles="1" noChangeArrowheads="1" noChangeShapeType="1" noTextEdit="1"/>
+          </p:cNvSpPr>
+          <p:nvPr>
+            <p:extLst>
+              <p:ext uri="{386F3935-93C4-4BCD-93E2-E3B085C9AB24}">
+                <p16:designElem xmlns:p16="http://schemas.microsoft.com/office/powerpoint/2015/main" val="1"/>
+              </p:ext>
+            </p:extLst>
+          </p:nvPr>
+        </p:nvSpPr>
+        <p:spPr>
+          <a:xfrm>
+            <a:off x="0" y="1690688"/>
+            <a:ext cx="12192000" cy="5166360"/>
+          </a:xfrm>
+          <a:prstGeom prst="rect">
+            <a:avLst/>
+          </a:prstGeom>
+          <a:ln>
+            <a:noFill/>
+          </a:ln>
+        </p:spPr>
+        <p:style>
+          <a:lnRef idx="2">
+            <a:schemeClr val="accent1">
+              <a:shade val="50000"/>
+            </a:schemeClr>
+          </a:lnRef>
+          <a:fillRef idx="1">
+            <a:schemeClr val="accent1"/>
+          </a:fillRef>
+          <a:effectRef idx="0">
+            <a:schemeClr val="accent1"/>
+          </a:effectRef>
+          <a:fontRef idx="minor">
+            <a:schemeClr val="lt1"/>
+          </a:fontRef>
+        </p:style>
+        <p:txBody>
+          <a:bodyPr rtlCol="0" anchor="ctr"/>
+          <a:lstStyle/>
+          <a:p>
+            <a:pPr marL="0" marR="0" lvl="0" indent="0" algn="ctr" defTabSz="914400" rtl="0" eaLnBrk="1" fontAlgn="auto" latinLnBrk="0" hangingPunct="1">
+              <a:lnSpc>
+                <a:spcPct val="100000"/>
+              </a:lnSpc>
+              <a:spcBef>
+                <a:spcPts val="0"/>
+              </a:spcBef>
+              <a:spcAft>
+                <a:spcPts val="0"/>
+              </a:spcAft>
+              <a:buClrTx/>
+              <a:buSzTx/>
+              <a:buFontTx/>
+              <a:buNone/>
+              <a:tabLst/>
+              <a:defRPr/>
+            </a:pPr>
+            <a:endParaRPr kumimoji="0" lang="en-US" sz="1800" b="0" i="0" u="none" strike="noStrike" kern="1200" cap="none" spc="0" normalizeH="0" baseline="0" noProof="0">
+              <a:ln>
+                <a:noFill/>
+              </a:ln>
+              <a:solidFill>
+                <a:prstClr val="white"/>
+              </a:solidFill>
+              <a:effectLst/>
+              <a:uLnTx/>
+              <a:uFillTx/>
+              <a:latin typeface="Calibri" panose="020F0502020204030204"/>
+              <a:ea typeface="+mn-ea"/>
+              <a:cs typeface="+mn-cs"/>
+            </a:endParaRPr>
+          </a:p>
+        </p:txBody>
+      </p:sp>
+      <p:sp>
+        <p:nvSpPr>
+          <p:cNvPr id="2" name="Title 1"/>
+          <p:cNvSpPr>
+            <a:spLocks noGrp="1"/>
+          </p:cNvSpPr>
+          <p:nvPr>
+            <p:ph type="title"/>
+          </p:nvPr>
+        </p:nvSpPr>
+        <p:spPr>
+          <a:xfrm>
+            <a:off x="838200" y="365125"/>
+            <a:ext cx="10515600" cy="1325563"/>
+          </a:xfrm>
+        </p:spPr>
+        <p:txBody>
+          <a:bodyPr>
+            <a:normAutofit/>
+          </a:bodyPr>
+          <a:lstStyle/>
+          <a:p>
+            <a:r>
+              <a:rPr lang="en-US" dirty="0">
+                <a:solidFill>
+                  <a:srgbClr val="FFC000"/>
+                </a:solidFill>
+              </a:rPr>
+              <a:t>Appendix</a:t>
+            </a:r>
+          </a:p>
+        </p:txBody>
+      </p:sp>
+      <p:sp>
+        <p:nvSpPr>
+          <p:cNvPr id="3" name="Content Placeholder 2"/>
+          <p:cNvSpPr>
+            <a:spLocks noGrp="1"/>
+          </p:cNvSpPr>
+          <p:nvPr>
+            <p:ph idx="1"/>
+          </p:nvPr>
+        </p:nvSpPr>
+        <p:spPr>
+          <a:xfrm>
+            <a:off x="838200" y="2015406"/>
+            <a:ext cx="10515600" cy="1000845"/>
+          </a:xfrm>
+        </p:spPr>
+        <p:txBody>
+          <a:bodyPr anchor="ctr">
+            <a:normAutofit/>
+          </a:bodyPr>
+          <a:lstStyle/>
+          <a:p>
+            <a:r>
+              <a:rPr lang="en-US" sz="1600" dirty="0"/>
+              <a:t>2. A bar chart showing average sales on days when there was a school holiday and days when there was not. There might be a slight correlation between higher sales and days when there was a school holiday.</a:t>
+            </a:r>
+          </a:p>
+        </p:txBody>
+      </p:sp>
+      <p:pic>
+        <p:nvPicPr>
+          <p:cNvPr id="6" name="Picture 2" descr="Image result for rosmann"/>
+          <p:cNvPicPr>
+            <a:picLocks noChangeAspect="1" noChangeArrowheads="1"/>
+          </p:cNvPicPr>
+          <p:nvPr/>
+        </p:nvPicPr>
+        <p:blipFill>
+          <a:blip r:embed="rId2">
+            <a:extLst>
+              <a:ext uri="{28A0092B-C50C-407E-A947-70E740481C1C}">
+                <a14:useLocalDpi xmlns:a14="http://schemas.microsoft.com/office/drawing/2010/main" val="0"/>
+              </a:ext>
+            </a:extLst>
+          </a:blip>
+          <a:srcRect/>
+          <a:stretch>
+            <a:fillRect/>
+          </a:stretch>
+        </p:blipFill>
+        <p:spPr bwMode="auto">
+          <a:xfrm>
+            <a:off x="9544049" y="864190"/>
+            <a:ext cx="2390775" cy="327432"/>
+          </a:xfrm>
+          <a:prstGeom prst="rect">
+            <a:avLst/>
+          </a:prstGeom>
+          <a:noFill/>
+          <a:extLst>
+            <a:ext uri="{909E8E84-426E-40DD-AFC4-6F175D3DCCD1}">
+              <a14:hiddenFill xmlns:a14="http://schemas.microsoft.com/office/drawing/2010/main">
+                <a:solidFill>
+                  <a:srgbClr val="FFFFFF"/>
+                </a:solidFill>
+              </a14:hiddenFill>
+            </a:ext>
+          </a:extLst>
+        </p:spPr>
+      </p:pic>
+      <p:pic>
+        <p:nvPicPr>
+          <p:cNvPr id="5" name="Picture 4"/>
+          <p:cNvPicPr>
+            <a:picLocks noChangeAspect="1"/>
+          </p:cNvPicPr>
+          <p:nvPr/>
+        </p:nvPicPr>
+        <p:blipFill>
+          <a:blip r:embed="rId3"/>
+          <a:stretch>
+            <a:fillRect/>
+          </a:stretch>
+        </p:blipFill>
+        <p:spPr>
+          <a:xfrm>
+            <a:off x="593883" y="3642946"/>
+            <a:ext cx="11004234" cy="2453853"/>
+          </a:xfrm>
+          <a:prstGeom prst="rect">
+            <a:avLst/>
+          </a:prstGeom>
+        </p:spPr>
+      </p:pic>
+    </p:spTree>
+    <p:extLst>
+      <p:ext uri="{BB962C8B-B14F-4D97-AF65-F5344CB8AC3E}">
+        <p14:creationId xmlns:p14="http://schemas.microsoft.com/office/powerpoint/2010/main" val="3542369672"/>
       </p:ext>
     </p:extLst>
   </p:cSld>
@@ -5934,44 +7953,44 @@
           <a:lstStyle/>
           <a:p>
             <a:r>
-              <a:rPr lang="en-US" dirty="0" err="1"/>
+              <a:rPr lang="en-US" sz="2400" dirty="0" err="1"/>
               <a:t>Rossmann</a:t>
             </a:r>
             <a:r>
-              <a:rPr lang="en-US" dirty="0"/>
+              <a:rPr lang="en-US" sz="2400" dirty="0"/>
               <a:t> GmbH operates over 3,000 drug stores in Europe</a:t>
             </a:r>
           </a:p>
           <a:p>
             <a:r>
-              <a:rPr lang="en-US" dirty="0"/>
+              <a:rPr lang="en-US" sz="2400" dirty="0"/>
               <a:t>Predicting sales for each store is vital for:</a:t>
             </a:r>
           </a:p>
           <a:p>
             <a:pPr lvl="2"/>
             <a:r>
-              <a:rPr lang="en-US" sz="2800" dirty="0"/>
+              <a:rPr lang="en-US" sz="2400" dirty="0"/>
               <a:t>Purchasing Inventory</a:t>
             </a:r>
           </a:p>
           <a:p>
             <a:pPr lvl="2"/>
             <a:r>
-              <a:rPr lang="en-US" sz="2800" dirty="0"/>
+              <a:rPr lang="en-US" sz="2400" dirty="0"/>
               <a:t>Creating a staff schedule</a:t>
             </a:r>
           </a:p>
           <a:p>
             <a:pPr lvl="2"/>
             <a:r>
-              <a:rPr lang="en-US" sz="2800" dirty="0"/>
+              <a:rPr lang="en-US" sz="2400" dirty="0"/>
               <a:t>General productivity</a:t>
             </a:r>
           </a:p>
           <a:p>
             <a:r>
-              <a:rPr lang="en-US" dirty="0"/>
+              <a:rPr lang="en-US" sz="2400" dirty="0"/>
               <a:t>The goal is to understand what factors drive sales, and accurately predict future daily sales using historical data</a:t>
             </a:r>
           </a:p>
@@ -6026,6 +8045,328 @@
     <p:extLst>
       <p:ext uri="{BB962C8B-B14F-4D97-AF65-F5344CB8AC3E}">
         <p14:creationId xmlns:p14="http://schemas.microsoft.com/office/powerpoint/2010/main" val="2441697419"/>
+      </p:ext>
+    </p:extLst>
+  </p:cSld>
+  <p:clrMapOvr>
+    <a:overrideClrMapping bg1="dk1" tx1="lt1" bg2="dk2" tx2="lt2" accent1="accent1" accent2="accent2" accent3="accent3" accent4="accent4" accent5="accent5" accent6="accent6" hlink="hlink" folHlink="folHlink"/>
+  </p:clrMapOvr>
+</p:sld>
+</file>
+
+<file path=ppt/slides/slide20.xml><?xml version="1.0" encoding="utf-8"?>
+<p:sld xmlns:a="http://schemas.openxmlformats.org/drawingml/2006/main" xmlns:r="http://schemas.openxmlformats.org/officeDocument/2006/relationships" xmlns:p="http://schemas.openxmlformats.org/presentationml/2006/main">
+  <p:cSld>
+    <p:spTree>
+      <p:nvGrpSpPr>
+        <p:cNvPr id="1" name=""/>
+        <p:cNvGrpSpPr/>
+        <p:nvPr/>
+      </p:nvGrpSpPr>
+      <p:grpSpPr>
+        <a:xfrm>
+          <a:off x="0" y="0"/>
+          <a:ext cx="0" cy="0"/>
+          <a:chOff x="0" y="0"/>
+          <a:chExt cx="0" cy="0"/>
+        </a:xfrm>
+      </p:grpSpPr>
+      <p:sp>
+        <p:nvSpPr>
+          <p:cNvPr id="8" name="Rectangle 7">
+            <a:extLst/>
+          </p:cNvPr>
+          <p:cNvSpPr>
+            <a:spLocks noGrp="1" noRot="1" noChangeAspect="1" noMove="1" noResize="1" noEditPoints="1" noAdjustHandles="1" noChangeArrowheads="1" noChangeShapeType="1" noTextEdit="1"/>
+          </p:cNvSpPr>
+          <p:nvPr>
+            <p:extLst>
+              <p:ext uri="{386F3935-93C4-4BCD-93E2-E3B085C9AB24}">
+                <p16:designElem xmlns:p16="http://schemas.microsoft.com/office/powerpoint/2015/main" val="1"/>
+              </p:ext>
+            </p:extLst>
+          </p:nvPr>
+        </p:nvSpPr>
+        <p:spPr>
+          <a:xfrm>
+            <a:off x="0" y="0"/>
+            <a:ext cx="12192000" cy="1690688"/>
+          </a:xfrm>
+          <a:prstGeom prst="rect">
+            <a:avLst/>
+          </a:prstGeom>
+          <a:solidFill>
+            <a:schemeClr val="tx1"/>
+          </a:solidFill>
+          <a:ln>
+            <a:noFill/>
+          </a:ln>
+        </p:spPr>
+        <p:style>
+          <a:lnRef idx="2">
+            <a:schemeClr val="accent1">
+              <a:shade val="50000"/>
+            </a:schemeClr>
+          </a:lnRef>
+          <a:fillRef idx="1">
+            <a:schemeClr val="accent1"/>
+          </a:fillRef>
+          <a:effectRef idx="0">
+            <a:schemeClr val="accent1"/>
+          </a:effectRef>
+          <a:fontRef idx="minor">
+            <a:schemeClr val="lt1"/>
+          </a:fontRef>
+        </p:style>
+        <p:txBody>
+          <a:bodyPr rtlCol="0" anchor="ctr"/>
+          <a:lstStyle/>
+          <a:p>
+            <a:pPr marL="0" marR="0" lvl="0" indent="0" algn="ctr" defTabSz="914400" rtl="0" eaLnBrk="1" fontAlgn="auto" latinLnBrk="0" hangingPunct="1">
+              <a:lnSpc>
+                <a:spcPct val="100000"/>
+              </a:lnSpc>
+              <a:spcBef>
+                <a:spcPts val="0"/>
+              </a:spcBef>
+              <a:spcAft>
+                <a:spcPts val="0"/>
+              </a:spcAft>
+              <a:buClrTx/>
+              <a:buSzTx/>
+              <a:buFontTx/>
+              <a:buNone/>
+              <a:tabLst/>
+              <a:defRPr/>
+            </a:pPr>
+            <a:endParaRPr kumimoji="0" lang="en-US" sz="1800" b="0" i="0" u="none" strike="noStrike" kern="1200" cap="none" spc="0" normalizeH="0" baseline="0" noProof="0">
+              <a:ln>
+                <a:noFill/>
+              </a:ln>
+              <a:solidFill>
+                <a:prstClr val="white"/>
+              </a:solidFill>
+              <a:effectLst/>
+              <a:uLnTx/>
+              <a:uFillTx/>
+              <a:latin typeface="Calibri" panose="020F0502020204030204"/>
+              <a:ea typeface="+mn-ea"/>
+              <a:cs typeface="+mn-cs"/>
+            </a:endParaRPr>
+          </a:p>
+        </p:txBody>
+      </p:sp>
+      <p:sp useBgFill="1">
+        <p:nvSpPr>
+          <p:cNvPr id="10" name="Rectangle 9"/>
+          <p:cNvSpPr>
+            <a:spLocks noGrp="1" noRot="1" noChangeAspect="1" noMove="1" noResize="1" noEditPoints="1" noAdjustHandles="1" noChangeArrowheads="1" noChangeShapeType="1" noTextEdit="1"/>
+          </p:cNvSpPr>
+          <p:nvPr>
+            <p:extLst>
+              <p:ext uri="{386F3935-93C4-4BCD-93E2-E3B085C9AB24}">
+                <p16:designElem xmlns:p16="http://schemas.microsoft.com/office/powerpoint/2015/main" val="1"/>
+              </p:ext>
+            </p:extLst>
+          </p:nvPr>
+        </p:nvSpPr>
+        <p:spPr>
+          <a:xfrm>
+            <a:off x="0" y="1690688"/>
+            <a:ext cx="12192000" cy="5166360"/>
+          </a:xfrm>
+          <a:prstGeom prst="rect">
+            <a:avLst/>
+          </a:prstGeom>
+          <a:ln>
+            <a:noFill/>
+          </a:ln>
+        </p:spPr>
+        <p:style>
+          <a:lnRef idx="2">
+            <a:schemeClr val="accent1">
+              <a:shade val="50000"/>
+            </a:schemeClr>
+          </a:lnRef>
+          <a:fillRef idx="1">
+            <a:schemeClr val="accent1"/>
+          </a:fillRef>
+          <a:effectRef idx="0">
+            <a:schemeClr val="accent1"/>
+          </a:effectRef>
+          <a:fontRef idx="minor">
+            <a:schemeClr val="lt1"/>
+          </a:fontRef>
+        </p:style>
+        <p:txBody>
+          <a:bodyPr rtlCol="0" anchor="ctr"/>
+          <a:lstStyle/>
+          <a:p>
+            <a:pPr marL="0" marR="0" lvl="0" indent="0" algn="ctr" defTabSz="914400" rtl="0" eaLnBrk="1" fontAlgn="auto" latinLnBrk="0" hangingPunct="1">
+              <a:lnSpc>
+                <a:spcPct val="100000"/>
+              </a:lnSpc>
+              <a:spcBef>
+                <a:spcPts val="0"/>
+              </a:spcBef>
+              <a:spcAft>
+                <a:spcPts val="0"/>
+              </a:spcAft>
+              <a:buClrTx/>
+              <a:buSzTx/>
+              <a:buFontTx/>
+              <a:buNone/>
+              <a:tabLst/>
+              <a:defRPr/>
+            </a:pPr>
+            <a:endParaRPr kumimoji="0" lang="en-US" sz="1800" b="0" i="0" u="none" strike="noStrike" kern="1200" cap="none" spc="0" normalizeH="0" baseline="0" noProof="0">
+              <a:ln>
+                <a:noFill/>
+              </a:ln>
+              <a:solidFill>
+                <a:prstClr val="white"/>
+              </a:solidFill>
+              <a:effectLst/>
+              <a:uLnTx/>
+              <a:uFillTx/>
+              <a:latin typeface="Calibri" panose="020F0502020204030204"/>
+              <a:ea typeface="+mn-ea"/>
+              <a:cs typeface="+mn-cs"/>
+            </a:endParaRPr>
+          </a:p>
+        </p:txBody>
+      </p:sp>
+      <p:sp>
+        <p:nvSpPr>
+          <p:cNvPr id="2" name="Title 1"/>
+          <p:cNvSpPr>
+            <a:spLocks noGrp="1"/>
+          </p:cNvSpPr>
+          <p:nvPr>
+            <p:ph type="title"/>
+          </p:nvPr>
+        </p:nvSpPr>
+        <p:spPr>
+          <a:xfrm>
+            <a:off x="838200" y="365125"/>
+            <a:ext cx="10515600" cy="1325563"/>
+          </a:xfrm>
+        </p:spPr>
+        <p:txBody>
+          <a:bodyPr>
+            <a:normAutofit/>
+          </a:bodyPr>
+          <a:lstStyle/>
+          <a:p>
+            <a:r>
+              <a:rPr lang="en-US" dirty="0">
+                <a:solidFill>
+                  <a:srgbClr val="FFC000"/>
+                </a:solidFill>
+              </a:rPr>
+              <a:t>Appendix</a:t>
+            </a:r>
+          </a:p>
+        </p:txBody>
+      </p:sp>
+      <p:sp>
+        <p:nvSpPr>
+          <p:cNvPr id="3" name="Content Placeholder 2"/>
+          <p:cNvSpPr>
+            <a:spLocks noGrp="1"/>
+          </p:cNvSpPr>
+          <p:nvPr>
+            <p:ph idx="1"/>
+          </p:nvPr>
+        </p:nvSpPr>
+        <p:spPr>
+          <a:xfrm>
+            <a:off x="838200" y="1881465"/>
+            <a:ext cx="10515600" cy="1000845"/>
+          </a:xfrm>
+        </p:spPr>
+        <p:txBody>
+          <a:bodyPr anchor="ctr">
+            <a:normAutofit/>
+          </a:bodyPr>
+          <a:lstStyle/>
+          <a:p>
+            <a:r>
+              <a:rPr lang="en-US" sz="1600" dirty="0"/>
+              <a:t>3. A line graph of average sales by month. December seems to be a peak month.</a:t>
+            </a:r>
+          </a:p>
+        </p:txBody>
+      </p:sp>
+      <p:pic>
+        <p:nvPicPr>
+          <p:cNvPr id="6" name="Picture 2" descr="Image result for rosmann"/>
+          <p:cNvPicPr>
+            <a:picLocks noChangeAspect="1" noChangeArrowheads="1"/>
+          </p:cNvPicPr>
+          <p:nvPr/>
+        </p:nvPicPr>
+        <p:blipFill>
+          <a:blip r:embed="rId2">
+            <a:extLst>
+              <a:ext uri="{28A0092B-C50C-407E-A947-70E740481C1C}">
+                <a14:useLocalDpi xmlns:a14="http://schemas.microsoft.com/office/drawing/2010/main" val="0"/>
+              </a:ext>
+            </a:extLst>
+          </a:blip>
+          <a:srcRect/>
+          <a:stretch>
+            <a:fillRect/>
+          </a:stretch>
+        </p:blipFill>
+        <p:spPr bwMode="auto">
+          <a:xfrm>
+            <a:off x="9544049" y="864190"/>
+            <a:ext cx="2390775" cy="327432"/>
+          </a:xfrm>
+          <a:prstGeom prst="rect">
+            <a:avLst/>
+          </a:prstGeom>
+          <a:noFill/>
+          <a:extLst>
+            <a:ext uri="{909E8E84-426E-40DD-AFC4-6F175D3DCCD1}">
+              <a14:hiddenFill xmlns:a14="http://schemas.microsoft.com/office/drawing/2010/main">
+                <a:solidFill>
+                  <a:srgbClr val="FFFFFF"/>
+                </a:solidFill>
+              </a14:hiddenFill>
+            </a:ext>
+          </a:extLst>
+        </p:spPr>
+      </p:pic>
+      <p:pic>
+        <p:nvPicPr>
+          <p:cNvPr id="4" name="Picture 3"/>
+          <p:cNvPicPr>
+            <a:picLocks noChangeAspect="1"/>
+          </p:cNvPicPr>
+          <p:nvPr/>
+        </p:nvPicPr>
+        <p:blipFill>
+          <a:blip r:embed="rId3"/>
+          <a:stretch>
+            <a:fillRect/>
+          </a:stretch>
+        </p:blipFill>
+        <p:spPr>
+          <a:xfrm>
+            <a:off x="1145309" y="2763490"/>
+            <a:ext cx="9901382" cy="3886897"/>
+          </a:xfrm>
+          <a:prstGeom prst="rect">
+            <a:avLst/>
+          </a:prstGeom>
+        </p:spPr>
+      </p:pic>
+    </p:spTree>
+    <p:extLst>
+      <p:ext uri="{BB962C8B-B14F-4D97-AF65-F5344CB8AC3E}">
+        <p14:creationId xmlns:p14="http://schemas.microsoft.com/office/powerpoint/2010/main" val="2076217759"/>
       </p:ext>
     </p:extLst>
   </p:cSld>
@@ -6241,8 +8582,8 @@
         </p:nvSpPr>
         <p:spPr>
           <a:xfrm>
-            <a:off x="688731" y="1879938"/>
-            <a:ext cx="10814538" cy="4708981"/>
+            <a:off x="688731" y="2055812"/>
+            <a:ext cx="10814538" cy="4339650"/>
           </a:xfrm>
           <a:prstGeom prst="rect">
             <a:avLst/>
@@ -6331,7 +8672,7 @@
             </a:r>
             <a:r>
               <a:rPr lang="en-US" altLang="en-US" sz="2400" dirty="0"/>
-              <a:t>1115 obs. of 10 variables</a:t>
+              <a:t>1115 obs. of 5 variables</a:t>
             </a:r>
             <a:r>
               <a:rPr lang="en-US" sz="2400" dirty="0"/>
@@ -6357,17 +8698,14 @@
               <a:rPr lang="en-US" sz="2400" dirty="0"/>
               <a:t>Store, Store Type, Assortment, Competition Distance, Competition Since Moth, Competition Since Year</a:t>
             </a:r>
-            <a:r>
-              <a:rPr lang="en-US" sz="2400" dirty="0">
-                <a:solidFill>
-                  <a:schemeClr val="bg1">
-                    <a:lumMod val="65000"/>
-                    <a:lumOff val="35000"/>
-                  </a:schemeClr>
-                </a:solidFill>
-              </a:rPr>
-              <a:t>, Promo2, Promo2 Since Week, Promo2 Since Year, Promo Interval</a:t>
-            </a:r>
+            <a:endParaRPr lang="en-US" sz="2400" dirty="0">
+              <a:solidFill>
+                <a:schemeClr val="bg1">
+                  <a:lumMod val="65000"/>
+                  <a:lumOff val="35000"/>
+                </a:schemeClr>
+              </a:solidFill>
+            </a:endParaRPr>
           </a:p>
           <a:p>
             <a:pPr marL="285750" indent="-285750">
@@ -6632,8 +8970,37 @@
           <a:bodyPr rtlCol="0" anchor="ctr"/>
           <a:lstStyle/>
           <a:p>
-            <a:pPr algn="ctr"/>
-            <a:endParaRPr lang="en-US"/>
+            <a:pPr marL="0" marR="0" lvl="0" indent="0" algn="ctr" defTabSz="914400" rtl="0" eaLnBrk="1" fontAlgn="auto" latinLnBrk="0" hangingPunct="1">
+              <a:lnSpc>
+                <a:spcPct val="100000"/>
+              </a:lnSpc>
+              <a:spcBef>
+                <a:spcPts val="0"/>
+              </a:spcBef>
+              <a:spcAft>
+                <a:spcPts val="0"/>
+              </a:spcAft>
+              <a:buClrTx/>
+              <a:buSzTx/>
+              <a:buFontTx/>
+              <a:buNone/>
+              <a:tabLst/>
+              <a:defRPr/>
+            </a:pPr>
+            <a:endParaRPr kumimoji="0" lang="en-US" sz="1800" b="0" i="0" u="none" strike="noStrike" kern="1200" cap="none" spc="0" normalizeH="0" baseline="0" noProof="0">
+              <a:ln>
+                <a:noFill/>
+              </a:ln>
+              <a:solidFill>
+                <a:prstClr val="white"/>
+              </a:solidFill>
+              <a:effectLst/>
+              <a:uLnTx/>
+              <a:uFillTx/>
+              <a:latin typeface="Calibri" panose="020F0502020204030204"/>
+              <a:ea typeface="+mn-ea"/>
+              <a:cs typeface="+mn-cs"/>
+            </a:endParaRPr>
           </a:p>
         </p:txBody>
       </p:sp>
@@ -6683,8 +9050,37 @@
           <a:bodyPr rtlCol="0" anchor="ctr"/>
           <a:lstStyle/>
           <a:p>
-            <a:pPr algn="ctr"/>
-            <a:endParaRPr lang="en-US"/>
+            <a:pPr marL="0" marR="0" lvl="0" indent="0" algn="ctr" defTabSz="914400" rtl="0" eaLnBrk="1" fontAlgn="auto" latinLnBrk="0" hangingPunct="1">
+              <a:lnSpc>
+                <a:spcPct val="100000"/>
+              </a:lnSpc>
+              <a:spcBef>
+                <a:spcPts val="0"/>
+              </a:spcBef>
+              <a:spcAft>
+                <a:spcPts val="0"/>
+              </a:spcAft>
+              <a:buClrTx/>
+              <a:buSzTx/>
+              <a:buFontTx/>
+              <a:buNone/>
+              <a:tabLst/>
+              <a:defRPr/>
+            </a:pPr>
+            <a:endParaRPr kumimoji="0" lang="en-US" sz="1800" b="0" i="0" u="none" strike="noStrike" kern="1200" cap="none" spc="0" normalizeH="0" baseline="0" noProof="0">
+              <a:ln>
+                <a:noFill/>
+              </a:ln>
+              <a:solidFill>
+                <a:prstClr val="white"/>
+              </a:solidFill>
+              <a:effectLst/>
+              <a:uLnTx/>
+              <a:uFillTx/>
+              <a:latin typeface="Calibri" panose="020F0502020204030204"/>
+              <a:ea typeface="+mn-ea"/>
+              <a:cs typeface="+mn-cs"/>
+            </a:endParaRPr>
           </a:p>
         </p:txBody>
       </p:sp>
@@ -6716,7 +9112,7 @@
                   <a:srgbClr val="FFC000"/>
                 </a:solidFill>
               </a:rPr>
-              <a:t>Data Cleaning &amp; Preprocessing</a:t>
+              <a:t>Data Exploration</a:t>
             </a:r>
           </a:p>
         </p:txBody>
@@ -6745,73 +9141,34 @@
           <a:p>
             <a:r>
               <a:rPr lang="en-US" dirty="0"/>
-              <a:t>Change Variable Type</a:t>
-            </a:r>
-          </a:p>
-          <a:p>
-            <a:pPr lvl="1">
-              <a:buSzPct val="60000"/>
-              <a:buFont typeface="Courier New" panose="02070309020205020404" pitchFamily="49" charset="0"/>
-              <a:buChar char="o"/>
-            </a:pPr>
+              <a:t>Before choosing predictors for our models, we did some basic data exploration in Tableau</a:t>
+            </a:r>
+          </a:p>
+          <a:p>
             <a:r>
               <a:rPr lang="en-US" dirty="0"/>
-              <a:t>Integer  </a:t>
-            </a:r>
-            <a:r>
-              <a:rPr lang="en-US" altLang="zh-CN" dirty="0"/>
-              <a:t>—&gt; Factor      e.g. store</a:t>
-            </a:r>
-          </a:p>
-          <a:p>
-            <a:pPr lvl="1">
-              <a:buSzPct val="60000"/>
-              <a:buFont typeface="Courier New" panose="02070309020205020404" pitchFamily="49" charset="0"/>
-              <a:buChar char="o"/>
-            </a:pPr>
-            <a:r>
-              <a:rPr lang="en-US" dirty="0"/>
-              <a:t>String </a:t>
-            </a:r>
-            <a:r>
-              <a:rPr lang="en-US" altLang="zh-CN" dirty="0"/>
-              <a:t>—&gt; Date            e.g. date</a:t>
-            </a:r>
-          </a:p>
-          <a:p>
-            <a:pPr>
-              <a:buSzPct val="100000"/>
-            </a:pPr>
-            <a:r>
-              <a:rPr lang="en-US" dirty="0"/>
-              <a:t>Change Labels of Factor Variables</a:t>
-            </a:r>
-          </a:p>
-          <a:p>
-            <a:pPr>
-              <a:buSzPct val="100000"/>
-            </a:pPr>
-            <a:r>
-              <a:rPr lang="en-US" dirty="0"/>
-              <a:t>Separate month and year from the date variable</a:t>
-            </a:r>
-          </a:p>
-          <a:p>
-            <a:pPr>
-              <a:buSzPct val="100000"/>
-            </a:pPr>
-            <a:r>
-              <a:rPr lang="en-US" dirty="0"/>
-              <a:t>Add month and year variables</a:t>
-            </a:r>
-          </a:p>
-          <a:p>
-            <a:pPr>
-              <a:buSzPct val="100000"/>
-            </a:pPr>
-            <a:r>
-              <a:rPr lang="en-US" dirty="0"/>
-              <a:t>Drop the date and customer volume variables</a:t>
+              <a:t>Some variables that looked like they might have an impact on sales were:</a:t>
+            </a:r>
+          </a:p>
+          <a:p>
+            <a:pPr lvl="2"/>
+            <a:r>
+              <a:rPr lang="en-US" sz="1600" dirty="0"/>
+              <a:t>Store Type (see Appendix 1)</a:t>
+            </a:r>
+          </a:p>
+          <a:p>
+            <a:pPr lvl="2"/>
+            <a:r>
+              <a:rPr lang="en-US" sz="1600" dirty="0"/>
+              <a:t>School Holiday (see Appendix 2)</a:t>
+            </a:r>
+          </a:p>
+          <a:p>
+            <a:pPr lvl="2"/>
+            <a:r>
+              <a:rPr lang="en-US" sz="1600" dirty="0"/>
+              <a:t>Month (see Appendix 3)</a:t>
             </a:r>
           </a:p>
         </p:txBody>
@@ -6860,7 +9217,7 @@
     </p:spTree>
     <p:extLst>
       <p:ext uri="{BB962C8B-B14F-4D97-AF65-F5344CB8AC3E}">
-        <p14:creationId xmlns:p14="http://schemas.microsoft.com/office/powerpoint/2010/main" val="258080076"/>
+        <p14:creationId xmlns:p14="http://schemas.microsoft.com/office/powerpoint/2010/main" val="3875237196"/>
       </p:ext>
     </p:extLst>
   </p:cSld>
@@ -7051,7 +9408,7 @@
           <a:p>
             <a:r>
               <a:rPr lang="en-US" dirty="0"/>
-              <a:t>Add a new variable and calculate the time interval in days since the competitor appeared</a:t>
+              <a:t>Change Variable Type</a:t>
             </a:r>
           </a:p>
           <a:p>
@@ -7062,13 +9419,11 @@
             </a:pPr>
             <a:r>
               <a:rPr lang="en-US" dirty="0"/>
-              <a:t>2015-07-31  minus Competitor Open Date</a:t>
-            </a:r>
-          </a:p>
-          <a:p>
-            <a:r>
-              <a:rPr lang="en-US" dirty="0"/>
-              <a:t>Exclude closed stores and zero sales observations</a:t>
+              <a:t>String </a:t>
+            </a:r>
+            <a:r>
+              <a:rPr lang="en-US" altLang="zh-CN" dirty="0"/>
+              <a:t>—&gt; Date            e.g. date</a:t>
             </a:r>
           </a:p>
           <a:p>
@@ -7077,47 +9432,35 @@
             </a:pPr>
             <a:r>
               <a:rPr lang="en-US" dirty="0"/>
-              <a:t>Exclude outliers</a:t>
-            </a:r>
-          </a:p>
-          <a:p>
-            <a:pPr lvl="1">
-              <a:buSzPct val="60000"/>
-              <a:buFont typeface="Courier New" panose="02070309020205020404" pitchFamily="49" charset="0"/>
-              <a:buChar char="o"/>
-            </a:pPr>
-            <a:r>
-              <a:rPr lang="en-US" dirty="0"/>
-              <a:t>Competitor Open Date on 1900 and 1961</a:t>
-            </a:r>
-          </a:p>
-          <a:p>
-            <a:pPr lvl="1">
-              <a:buSzPct val="60000"/>
-              <a:buFont typeface="Courier New" panose="02070309020205020404" pitchFamily="49" charset="0"/>
-              <a:buChar char="o"/>
-            </a:pPr>
-            <a:r>
-              <a:rPr lang="en-US" dirty="0"/>
-              <a:t>Sales equal to 46</a:t>
-            </a:r>
-          </a:p>
-          <a:p>
-            <a:pPr lvl="1">
-              <a:buSzPct val="60000"/>
-              <a:buFont typeface="Courier New" panose="02070309020205020404" pitchFamily="49" charset="0"/>
-              <a:buChar char="o"/>
-            </a:pPr>
-            <a:r>
-              <a:rPr lang="en-US" dirty="0"/>
-              <a:t>Minus time interval</a:t>
-            </a:r>
-          </a:p>
-          <a:p>
-            <a:pPr lvl="1">
+              <a:t>Change Labels of Factor Variables</a:t>
+            </a:r>
+          </a:p>
+          <a:p>
+            <a:pPr>
               <a:buSzPct val="100000"/>
             </a:pPr>
-            <a:endParaRPr lang="en-US" sz="2000" dirty="0"/>
+            <a:r>
+              <a:rPr lang="en-US" dirty="0"/>
+              <a:t>Separate month and year from the date variable</a:t>
+            </a:r>
+          </a:p>
+          <a:p>
+            <a:pPr>
+              <a:buSzPct val="100000"/>
+            </a:pPr>
+            <a:r>
+              <a:rPr lang="en-US" dirty="0"/>
+              <a:t>Add month and year variables</a:t>
+            </a:r>
+          </a:p>
+          <a:p>
+            <a:pPr>
+              <a:buSzPct val="100000"/>
+            </a:pPr>
+            <a:r>
+              <a:rPr lang="en-US" dirty="0"/>
+              <a:t>Drop the date and customer volume variables</a:t>
+            </a:r>
           </a:p>
         </p:txBody>
       </p:sp>
@@ -7165,7 +9508,7 @@
     </p:spTree>
     <p:extLst>
       <p:ext uri="{BB962C8B-B14F-4D97-AF65-F5344CB8AC3E}">
-        <p14:creationId xmlns:p14="http://schemas.microsoft.com/office/powerpoint/2010/main" val="390173608"/>
+        <p14:creationId xmlns:p14="http://schemas.microsoft.com/office/powerpoint/2010/main" val="258080076"/>
       </p:ext>
     </p:extLst>
   </p:cSld>
@@ -7344,42 +9687,19 @@
         </p:nvSpPr>
         <p:spPr>
           <a:xfrm>
-            <a:off x="838200" y="1857081"/>
-            <a:ext cx="10515600" cy="4224312"/>
-          </a:xfrm>
-        </p:spPr>
-        <p:txBody>
-          <a:bodyPr anchor="t">
-            <a:normAutofit lnSpcReduction="10000"/>
+            <a:off x="838200" y="2015406"/>
+            <a:ext cx="10515600" cy="4065986"/>
+          </a:xfrm>
+        </p:spPr>
+        <p:txBody>
+          <a:bodyPr anchor="ctr">
+            <a:normAutofit/>
           </a:bodyPr>
           <a:lstStyle/>
           <a:p>
-            <a:endParaRPr lang="en-US" dirty="0"/>
-          </a:p>
-          <a:p>
             <a:r>
               <a:rPr lang="en-US" dirty="0"/>
-              <a:t>Final full dataset</a:t>
-            </a:r>
-          </a:p>
-          <a:p>
-            <a:pPr lvl="1">
-              <a:lnSpc>
-                <a:spcPct val="100000"/>
-              </a:lnSpc>
-              <a:buSzPct val="60000"/>
-              <a:buFont typeface="Courier New" panose="02070309020205020404" pitchFamily="49" charset="0"/>
-              <a:buChar char="o"/>
-            </a:pPr>
-            <a:r>
-              <a:rPr lang="en-US" dirty="0"/>
-              <a:t>571997 obs. 16 variables</a:t>
-            </a:r>
-          </a:p>
-          <a:p>
-            <a:r>
-              <a:rPr lang="en-US" dirty="0"/>
-              <a:t>Training and test datasets</a:t>
+              <a:t>Add a new variable and calculate the time interval in days since the competitor appeared</a:t>
             </a:r>
           </a:p>
           <a:p>
@@ -7390,7 +9710,22 @@
             </a:pPr>
             <a:r>
               <a:rPr lang="en-US" dirty="0"/>
-              <a:t>Time series</a:t>
+              <a:t>2015-07-31  minus Competitor Open Date</a:t>
+            </a:r>
+          </a:p>
+          <a:p>
+            <a:r>
+              <a:rPr lang="en-US" dirty="0"/>
+              <a:t>Exclude closed stores and zero sales observations</a:t>
+            </a:r>
+          </a:p>
+          <a:p>
+            <a:pPr>
+              <a:buSzPct val="100000"/>
+            </a:pPr>
+            <a:r>
+              <a:rPr lang="en-US" dirty="0"/>
+              <a:t>Exclude outliers</a:t>
             </a:r>
           </a:p>
           <a:p>
@@ -7401,29 +9736,7 @@
             </a:pPr>
             <a:r>
               <a:rPr lang="en-US" dirty="0"/>
-              <a:t>Training dataset</a:t>
-            </a:r>
-          </a:p>
-          <a:p>
-            <a:pPr lvl="2">
-              <a:buSzPct val="60000"/>
-              <a:buFont typeface="Courier New" panose="02070309020205020404" pitchFamily="49" charset="0"/>
-              <a:buChar char="o"/>
-            </a:pPr>
-            <a:r>
-              <a:rPr lang="en-US" dirty="0"/>
-              <a:t>439116 obs.</a:t>
-            </a:r>
-          </a:p>
-          <a:p>
-            <a:pPr lvl="2">
-              <a:buSzPct val="60000"/>
-              <a:buFont typeface="Courier New" panose="02070309020205020404" pitchFamily="49" charset="0"/>
-              <a:buChar char="o"/>
-            </a:pPr>
-            <a:r>
-              <a:rPr lang="en-US" dirty="0"/>
-              <a:t>Prior to 2015</a:t>
+              <a:t>Competitor Open Date on 1900 and 1961</a:t>
             </a:r>
           </a:p>
           <a:p>
@@ -7434,30 +9747,25 @@
             </a:pPr>
             <a:r>
               <a:rPr lang="en-US" dirty="0"/>
-              <a:t>Test dataset</a:t>
-            </a:r>
-          </a:p>
-          <a:p>
-            <a:pPr lvl="2">
+              <a:t>Sales equal to 46</a:t>
+            </a:r>
+          </a:p>
+          <a:p>
+            <a:pPr lvl="1">
               <a:buSzPct val="60000"/>
               <a:buFont typeface="Courier New" panose="02070309020205020404" pitchFamily="49" charset="0"/>
               <a:buChar char="o"/>
             </a:pPr>
             <a:r>
               <a:rPr lang="en-US" dirty="0"/>
-              <a:t>132881 obs.</a:t>
-            </a:r>
-          </a:p>
-          <a:p>
-            <a:pPr lvl="2">
-              <a:buSzPct val="60000"/>
-              <a:buFont typeface="Courier New" panose="02070309020205020404" pitchFamily="49" charset="0"/>
-              <a:buChar char="o"/>
+              <a:t>Minus time interval</a:t>
+            </a:r>
+          </a:p>
+          <a:p>
+            <a:pPr lvl="1">
+              <a:buSzPct val="100000"/>
             </a:pPr>
-            <a:r>
-              <a:rPr lang="en-US" dirty="0"/>
-              <a:t>Year 2015</a:t>
-            </a:r>
+            <a:endParaRPr lang="en-US" sz="2000" dirty="0"/>
           </a:p>
         </p:txBody>
       </p:sp>
@@ -7505,6 +9813,346 @@
     </p:spTree>
     <p:extLst>
       <p:ext uri="{BB962C8B-B14F-4D97-AF65-F5344CB8AC3E}">
+        <p14:creationId xmlns:p14="http://schemas.microsoft.com/office/powerpoint/2010/main" val="390173608"/>
+      </p:ext>
+    </p:extLst>
+  </p:cSld>
+  <p:clrMapOvr>
+    <a:overrideClrMapping bg1="dk1" tx1="lt1" bg2="dk2" tx2="lt2" accent1="accent1" accent2="accent2" accent3="accent3" accent4="accent4" accent5="accent5" accent6="accent6" hlink="hlink" folHlink="folHlink"/>
+  </p:clrMapOvr>
+</p:sld>
+</file>
+
+<file path=ppt/slides/slide7.xml><?xml version="1.0" encoding="utf-8"?>
+<p:sld xmlns:a="http://schemas.openxmlformats.org/drawingml/2006/main" xmlns:r="http://schemas.openxmlformats.org/officeDocument/2006/relationships" xmlns:p="http://schemas.openxmlformats.org/presentationml/2006/main">
+  <p:cSld>
+    <p:spTree>
+      <p:nvGrpSpPr>
+        <p:cNvPr id="1" name=""/>
+        <p:cNvGrpSpPr/>
+        <p:nvPr/>
+      </p:nvGrpSpPr>
+      <p:grpSpPr>
+        <a:xfrm>
+          <a:off x="0" y="0"/>
+          <a:ext cx="0" cy="0"/>
+          <a:chOff x="0" y="0"/>
+          <a:chExt cx="0" cy="0"/>
+        </a:xfrm>
+      </p:grpSpPr>
+      <p:sp>
+        <p:nvSpPr>
+          <p:cNvPr id="8" name="Rectangle 7">
+            <a:extLst/>
+          </p:cNvPr>
+          <p:cNvSpPr>
+            <a:spLocks noGrp="1" noRot="1" noChangeAspect="1" noMove="1" noResize="1" noEditPoints="1" noAdjustHandles="1" noChangeArrowheads="1" noChangeShapeType="1" noTextEdit="1"/>
+          </p:cNvSpPr>
+          <p:nvPr>
+            <p:extLst>
+              <p:ext uri="{386F3935-93C4-4BCD-93E2-E3B085C9AB24}">
+                <p16:designElem xmlns:p16="http://schemas.microsoft.com/office/powerpoint/2015/main" val="1"/>
+              </p:ext>
+            </p:extLst>
+          </p:nvPr>
+        </p:nvSpPr>
+        <p:spPr>
+          <a:xfrm>
+            <a:off x="0" y="0"/>
+            <a:ext cx="12192000" cy="1690688"/>
+          </a:xfrm>
+          <a:prstGeom prst="rect">
+            <a:avLst/>
+          </a:prstGeom>
+          <a:solidFill>
+            <a:schemeClr val="tx1"/>
+          </a:solidFill>
+          <a:ln>
+            <a:noFill/>
+          </a:ln>
+        </p:spPr>
+        <p:style>
+          <a:lnRef idx="2">
+            <a:schemeClr val="accent1">
+              <a:shade val="50000"/>
+            </a:schemeClr>
+          </a:lnRef>
+          <a:fillRef idx="1">
+            <a:schemeClr val="accent1"/>
+          </a:fillRef>
+          <a:effectRef idx="0">
+            <a:schemeClr val="accent1"/>
+          </a:effectRef>
+          <a:fontRef idx="minor">
+            <a:schemeClr val="lt1"/>
+          </a:fontRef>
+        </p:style>
+        <p:txBody>
+          <a:bodyPr rtlCol="0" anchor="ctr"/>
+          <a:lstStyle/>
+          <a:p>
+            <a:pPr algn="ctr"/>
+            <a:endParaRPr lang="en-US"/>
+          </a:p>
+        </p:txBody>
+      </p:sp>
+      <p:sp useBgFill="1">
+        <p:nvSpPr>
+          <p:cNvPr id="10" name="Rectangle 9"/>
+          <p:cNvSpPr>
+            <a:spLocks noGrp="1" noRot="1" noChangeAspect="1" noMove="1" noResize="1" noEditPoints="1" noAdjustHandles="1" noChangeArrowheads="1" noChangeShapeType="1" noTextEdit="1"/>
+          </p:cNvSpPr>
+          <p:nvPr>
+            <p:extLst>
+              <p:ext uri="{386F3935-93C4-4BCD-93E2-E3B085C9AB24}">
+                <p16:designElem xmlns:p16="http://schemas.microsoft.com/office/powerpoint/2015/main" val="1"/>
+              </p:ext>
+            </p:extLst>
+          </p:nvPr>
+        </p:nvSpPr>
+        <p:spPr>
+          <a:xfrm>
+            <a:off x="0" y="1690688"/>
+            <a:ext cx="12192000" cy="5166360"/>
+          </a:xfrm>
+          <a:prstGeom prst="rect">
+            <a:avLst/>
+          </a:prstGeom>
+          <a:ln>
+            <a:noFill/>
+          </a:ln>
+        </p:spPr>
+        <p:style>
+          <a:lnRef idx="2">
+            <a:schemeClr val="accent1">
+              <a:shade val="50000"/>
+            </a:schemeClr>
+          </a:lnRef>
+          <a:fillRef idx="1">
+            <a:schemeClr val="accent1"/>
+          </a:fillRef>
+          <a:effectRef idx="0">
+            <a:schemeClr val="accent1"/>
+          </a:effectRef>
+          <a:fontRef idx="minor">
+            <a:schemeClr val="lt1"/>
+          </a:fontRef>
+        </p:style>
+        <p:txBody>
+          <a:bodyPr rtlCol="0" anchor="ctr"/>
+          <a:lstStyle/>
+          <a:p>
+            <a:pPr algn="ctr"/>
+            <a:endParaRPr lang="en-US"/>
+          </a:p>
+        </p:txBody>
+      </p:sp>
+      <p:sp>
+        <p:nvSpPr>
+          <p:cNvPr id="2" name="Title 1"/>
+          <p:cNvSpPr>
+            <a:spLocks noGrp="1"/>
+          </p:cNvSpPr>
+          <p:nvPr>
+            <p:ph type="title"/>
+          </p:nvPr>
+        </p:nvSpPr>
+        <p:spPr>
+          <a:xfrm>
+            <a:off x="838200" y="365125"/>
+            <a:ext cx="10515600" cy="1325563"/>
+          </a:xfrm>
+        </p:spPr>
+        <p:txBody>
+          <a:bodyPr>
+            <a:normAutofit/>
+          </a:bodyPr>
+          <a:lstStyle/>
+          <a:p>
+            <a:r>
+              <a:rPr lang="en-US" b="1" dirty="0">
+                <a:solidFill>
+                  <a:srgbClr val="FFC000"/>
+                </a:solidFill>
+              </a:rPr>
+              <a:t>Data Cleaning &amp; Preprocessing</a:t>
+            </a:r>
+          </a:p>
+        </p:txBody>
+      </p:sp>
+      <p:sp>
+        <p:nvSpPr>
+          <p:cNvPr id="3" name="Content Placeholder 2"/>
+          <p:cNvSpPr>
+            <a:spLocks noGrp="1"/>
+          </p:cNvSpPr>
+          <p:nvPr>
+            <p:ph idx="1"/>
+          </p:nvPr>
+        </p:nvSpPr>
+        <p:spPr>
+          <a:xfrm>
+            <a:off x="838200" y="1857081"/>
+            <a:ext cx="10515600" cy="4224312"/>
+          </a:xfrm>
+        </p:spPr>
+        <p:txBody>
+          <a:bodyPr anchor="t">
+            <a:normAutofit lnSpcReduction="10000"/>
+          </a:bodyPr>
+          <a:lstStyle/>
+          <a:p>
+            <a:endParaRPr lang="en-US" dirty="0"/>
+          </a:p>
+          <a:p>
+            <a:r>
+              <a:rPr lang="en-US" dirty="0"/>
+              <a:t>Final full dataset</a:t>
+            </a:r>
+          </a:p>
+          <a:p>
+            <a:pPr lvl="1">
+              <a:lnSpc>
+                <a:spcPct val="100000"/>
+              </a:lnSpc>
+              <a:buSzPct val="60000"/>
+              <a:buFont typeface="Courier New" panose="02070309020205020404" pitchFamily="49" charset="0"/>
+              <a:buChar char="o"/>
+            </a:pPr>
+            <a:r>
+              <a:rPr lang="en-US" dirty="0"/>
+              <a:t>571997 obs. 16 variables</a:t>
+            </a:r>
+          </a:p>
+          <a:p>
+            <a:r>
+              <a:rPr lang="en-US" dirty="0"/>
+              <a:t>Training and test datasets</a:t>
+            </a:r>
+          </a:p>
+          <a:p>
+            <a:pPr lvl="1">
+              <a:buSzPct val="60000"/>
+              <a:buFont typeface="Courier New" panose="02070309020205020404" pitchFamily="49" charset="0"/>
+              <a:buChar char="o"/>
+            </a:pPr>
+            <a:r>
+              <a:rPr lang="en-US" dirty="0"/>
+              <a:t>Time series</a:t>
+            </a:r>
+          </a:p>
+          <a:p>
+            <a:pPr lvl="1">
+              <a:buSzPct val="60000"/>
+              <a:buFont typeface="Courier New" panose="02070309020205020404" pitchFamily="49" charset="0"/>
+              <a:buChar char="o"/>
+            </a:pPr>
+            <a:r>
+              <a:rPr lang="en-US" dirty="0"/>
+              <a:t>Training dataset</a:t>
+            </a:r>
+          </a:p>
+          <a:p>
+            <a:pPr lvl="2">
+              <a:buSzPct val="60000"/>
+              <a:buFont typeface="Courier New" panose="02070309020205020404" pitchFamily="49" charset="0"/>
+              <a:buChar char="o"/>
+            </a:pPr>
+            <a:r>
+              <a:rPr lang="en-US" dirty="0"/>
+              <a:t>439116 obs.</a:t>
+            </a:r>
+          </a:p>
+          <a:p>
+            <a:pPr lvl="2">
+              <a:buSzPct val="60000"/>
+              <a:buFont typeface="Courier New" panose="02070309020205020404" pitchFamily="49" charset="0"/>
+              <a:buChar char="o"/>
+            </a:pPr>
+            <a:r>
+              <a:rPr lang="en-US" dirty="0"/>
+              <a:t>Prior to 2015</a:t>
+            </a:r>
+          </a:p>
+          <a:p>
+            <a:pPr lvl="1">
+              <a:buSzPct val="60000"/>
+              <a:buFont typeface="Courier New" panose="02070309020205020404" pitchFamily="49" charset="0"/>
+              <a:buChar char="o"/>
+            </a:pPr>
+            <a:r>
+              <a:rPr lang="en-US" dirty="0"/>
+              <a:t>Test dataset</a:t>
+            </a:r>
+          </a:p>
+          <a:p>
+            <a:pPr lvl="2">
+              <a:buSzPct val="60000"/>
+              <a:buFont typeface="Courier New" panose="02070309020205020404" pitchFamily="49" charset="0"/>
+              <a:buChar char="o"/>
+            </a:pPr>
+            <a:r>
+              <a:rPr lang="en-US" dirty="0"/>
+              <a:t>132881 obs.</a:t>
+            </a:r>
+          </a:p>
+          <a:p>
+            <a:pPr lvl="2">
+              <a:buSzPct val="60000"/>
+              <a:buFont typeface="Courier New" panose="02070309020205020404" pitchFamily="49" charset="0"/>
+              <a:buChar char="o"/>
+            </a:pPr>
+            <a:r>
+              <a:rPr lang="en-US" dirty="0"/>
+              <a:t>Year 2015</a:t>
+            </a:r>
+          </a:p>
+        </p:txBody>
+      </p:sp>
+      <p:pic>
+        <p:nvPicPr>
+          <p:cNvPr id="7" name="Picture 2" descr="Image result for rosmann"/>
+          <p:cNvPicPr>
+            <a:picLocks noChangeAspect="1" noChangeArrowheads="1"/>
+          </p:cNvPicPr>
+          <p:nvPr/>
+        </p:nvPicPr>
+        <p:blipFill>
+          <a:blip r:embed="rId2">
+            <a:extLst>
+              <a:ext uri="{28A0092B-C50C-407E-A947-70E740481C1C}">
+                <a14:useLocalDpi xmlns:a14="http://schemas.microsoft.com/office/drawing/2010/main" val="0"/>
+              </a:ext>
+            </a:extLst>
+          </a:blip>
+          <a:srcRect/>
+          <a:stretch>
+            <a:fillRect/>
+          </a:stretch>
+        </p:blipFill>
+        <p:spPr bwMode="auto">
+          <a:xfrm>
+            <a:off x="9544049" y="864190"/>
+            <a:ext cx="2390775" cy="327432"/>
+          </a:xfrm>
+          <a:prstGeom prst="rect">
+            <a:avLst/>
+          </a:prstGeom>
+          <a:noFill/>
+          <a:extLst>
+            <a:ext uri="{909E8E84-426E-40DD-AFC4-6F175D3DCCD1}">
+              <a14:hiddenFill xmlns:a14="http://schemas.microsoft.com/office/drawing/2010/main">
+                <a:solidFill>
+                  <a:srgbClr val="FFFFFF"/>
+                </a:solidFill>
+              </a14:hiddenFill>
+            </a:ext>
+          </a:extLst>
+        </p:spPr>
+      </p:pic>
+    </p:spTree>
+    <p:extLst>
+      <p:ext uri="{BB962C8B-B14F-4D97-AF65-F5344CB8AC3E}">
         <p14:creationId xmlns:p14="http://schemas.microsoft.com/office/powerpoint/2010/main" val="3851990781"/>
       </p:ext>
     </p:extLst>
@@ -7515,7 +10163,7 @@
 </p:sld>
 </file>
 
-<file path=ppt/slides/slide7.xml><?xml version="1.0" encoding="utf-8"?>
+<file path=ppt/slides/slide8.xml><?xml version="1.0" encoding="utf-8"?>
 <p:sld xmlns:a="http://schemas.openxmlformats.org/drawingml/2006/main" xmlns:r="http://schemas.openxmlformats.org/officeDocument/2006/relationships" xmlns:p="http://schemas.openxmlformats.org/presentationml/2006/main">
   <p:cSld>
     <p:spTree>
@@ -8297,7 +10945,7 @@
 </p:sld>
 </file>
 
-<file path=ppt/slides/slide8.xml><?xml version="1.0" encoding="utf-8"?>
+<file path=ppt/slides/slide9.xml><?xml version="1.0" encoding="utf-8"?>
 <p:sld xmlns:a="http://schemas.openxmlformats.org/drawingml/2006/main" xmlns:r="http://schemas.openxmlformats.org/officeDocument/2006/relationships" xmlns:p="http://schemas.openxmlformats.org/presentationml/2006/main">
   <p:cSld>
     <p:spTree>
@@ -8505,7 +11153,7 @@
         </p:nvSpPr>
         <p:spPr>
           <a:xfrm>
-            <a:off x="838200" y="2439250"/>
+            <a:off x="838200" y="2554878"/>
             <a:ext cx="4469091" cy="4065986"/>
           </a:xfrm>
           <a:prstGeom prst="rect">
@@ -8687,9 +11335,6 @@
             </a:r>
           </a:p>
           <a:p>
-            <a:endParaRPr lang="en-US" sz="2000" dirty="0"/>
-          </a:p>
-          <a:p>
             <a:r>
               <a:rPr lang="en-US" sz="2000" dirty="0"/>
               <a:t>Promotion, </a:t>
@@ -8734,7 +11379,7 @@
         </p:blipFill>
         <p:spPr>
           <a:xfrm>
-            <a:off x="5553086" y="2439250"/>
+            <a:off x="5553086" y="2554878"/>
             <a:ext cx="6260427" cy="2151603"/>
           </a:xfrm>
           <a:prstGeom prst="rect">
@@ -8746,246 +11391,6 @@
     <p:extLst>
       <p:ext uri="{BB962C8B-B14F-4D97-AF65-F5344CB8AC3E}">
         <p14:creationId xmlns:p14="http://schemas.microsoft.com/office/powerpoint/2010/main" val="1550925185"/>
-      </p:ext>
-    </p:extLst>
-  </p:cSld>
-  <p:clrMapOvr>
-    <a:overrideClrMapping bg1="dk1" tx1="lt1" bg2="dk2" tx2="lt2" accent1="accent1" accent2="accent2" accent3="accent3" accent4="accent4" accent5="accent5" accent6="accent6" hlink="hlink" folHlink="folHlink"/>
-  </p:clrMapOvr>
-</p:sld>
-</file>
-
-<file path=ppt/slides/slide9.xml><?xml version="1.0" encoding="utf-8"?>
-<p:sld xmlns:a="http://schemas.openxmlformats.org/drawingml/2006/main" xmlns:r="http://schemas.openxmlformats.org/officeDocument/2006/relationships" xmlns:p="http://schemas.openxmlformats.org/presentationml/2006/main">
-  <p:cSld>
-    <p:spTree>
-      <p:nvGrpSpPr>
-        <p:cNvPr id="1" name=""/>
-        <p:cNvGrpSpPr/>
-        <p:nvPr/>
-      </p:nvGrpSpPr>
-      <p:grpSpPr>
-        <a:xfrm>
-          <a:off x="0" y="0"/>
-          <a:ext cx="0" cy="0"/>
-          <a:chOff x="0" y="0"/>
-          <a:chExt cx="0" cy="0"/>
-        </a:xfrm>
-      </p:grpSpPr>
-      <p:sp>
-        <p:nvSpPr>
-          <p:cNvPr id="8" name="Rectangle 7">
-            <a:extLst/>
-          </p:cNvPr>
-          <p:cNvSpPr>
-            <a:spLocks noGrp="1" noRot="1" noChangeAspect="1" noMove="1" noResize="1" noEditPoints="1" noAdjustHandles="1" noChangeArrowheads="1" noChangeShapeType="1" noTextEdit="1"/>
-          </p:cNvSpPr>
-          <p:nvPr>
-            <p:extLst>
-              <p:ext uri="{386F3935-93C4-4BCD-93E2-E3B085C9AB24}">
-                <p16:designElem xmlns:p16="http://schemas.microsoft.com/office/powerpoint/2015/main" val="1"/>
-              </p:ext>
-            </p:extLst>
-          </p:nvPr>
-        </p:nvSpPr>
-        <p:spPr>
-          <a:xfrm>
-            <a:off x="0" y="0"/>
-            <a:ext cx="12192000" cy="1690688"/>
-          </a:xfrm>
-          <a:prstGeom prst="rect">
-            <a:avLst/>
-          </a:prstGeom>
-          <a:solidFill>
-            <a:schemeClr val="tx1"/>
-          </a:solidFill>
-          <a:ln>
-            <a:noFill/>
-          </a:ln>
-        </p:spPr>
-        <p:style>
-          <a:lnRef idx="2">
-            <a:schemeClr val="accent1">
-              <a:shade val="50000"/>
-            </a:schemeClr>
-          </a:lnRef>
-          <a:fillRef idx="1">
-            <a:schemeClr val="accent1"/>
-          </a:fillRef>
-          <a:effectRef idx="0">
-            <a:schemeClr val="accent1"/>
-          </a:effectRef>
-          <a:fontRef idx="minor">
-            <a:schemeClr val="lt1"/>
-          </a:fontRef>
-        </p:style>
-        <p:txBody>
-          <a:bodyPr rtlCol="0" anchor="ctr"/>
-          <a:lstStyle/>
-          <a:p>
-            <a:pPr algn="ctr"/>
-            <a:endParaRPr lang="en-US"/>
-          </a:p>
-        </p:txBody>
-      </p:sp>
-      <p:sp useBgFill="1">
-        <p:nvSpPr>
-          <p:cNvPr id="10" name="Rectangle 9"/>
-          <p:cNvSpPr>
-            <a:spLocks noGrp="1" noRot="1" noChangeAspect="1" noMove="1" noResize="1" noEditPoints="1" noAdjustHandles="1" noChangeArrowheads="1" noChangeShapeType="1" noTextEdit="1"/>
-          </p:cNvSpPr>
-          <p:nvPr>
-            <p:extLst>
-              <p:ext uri="{386F3935-93C4-4BCD-93E2-E3B085C9AB24}">
-                <p16:designElem xmlns:p16="http://schemas.microsoft.com/office/powerpoint/2015/main" val="1"/>
-              </p:ext>
-            </p:extLst>
-          </p:nvPr>
-        </p:nvSpPr>
-        <p:spPr>
-          <a:xfrm>
-            <a:off x="0" y="1690688"/>
-            <a:ext cx="12192000" cy="5166360"/>
-          </a:xfrm>
-          <a:prstGeom prst="rect">
-            <a:avLst/>
-          </a:prstGeom>
-          <a:ln>
-            <a:noFill/>
-          </a:ln>
-        </p:spPr>
-        <p:style>
-          <a:lnRef idx="2">
-            <a:schemeClr val="accent1">
-              <a:shade val="50000"/>
-            </a:schemeClr>
-          </a:lnRef>
-          <a:fillRef idx="1">
-            <a:schemeClr val="accent1"/>
-          </a:fillRef>
-          <a:effectRef idx="0">
-            <a:schemeClr val="accent1"/>
-          </a:effectRef>
-          <a:fontRef idx="minor">
-            <a:schemeClr val="lt1"/>
-          </a:fontRef>
-        </p:style>
-        <p:txBody>
-          <a:bodyPr rtlCol="0" anchor="ctr"/>
-          <a:lstStyle/>
-          <a:p>
-            <a:pPr algn="ctr"/>
-            <a:endParaRPr lang="en-US"/>
-          </a:p>
-        </p:txBody>
-      </p:sp>
-      <p:sp>
-        <p:nvSpPr>
-          <p:cNvPr id="2" name="Title 1"/>
-          <p:cNvSpPr>
-            <a:spLocks noGrp="1"/>
-          </p:cNvSpPr>
-          <p:nvPr>
-            <p:ph type="title"/>
-          </p:nvPr>
-        </p:nvSpPr>
-        <p:spPr>
-          <a:xfrm>
-            <a:off x="838200" y="365125"/>
-            <a:ext cx="10515600" cy="1325563"/>
-          </a:xfrm>
-        </p:spPr>
-        <p:txBody>
-          <a:bodyPr>
-            <a:normAutofit/>
-          </a:bodyPr>
-          <a:lstStyle/>
-          <a:p>
-            <a:r>
-              <a:rPr lang="en-US" b="1" dirty="0">
-                <a:solidFill>
-                  <a:srgbClr val="FFC000"/>
-                </a:solidFill>
-              </a:rPr>
-              <a:t>Modeling: Random Forest</a:t>
-            </a:r>
-          </a:p>
-        </p:txBody>
-      </p:sp>
-      <p:pic>
-        <p:nvPicPr>
-          <p:cNvPr id="6" name="Picture 2" descr="Image result for rosmann"/>
-          <p:cNvPicPr>
-            <a:picLocks noChangeAspect="1" noChangeArrowheads="1"/>
-          </p:cNvPicPr>
-          <p:nvPr/>
-        </p:nvPicPr>
-        <p:blipFill>
-          <a:blip r:embed="rId2">
-            <a:extLst>
-              <a:ext uri="{28A0092B-C50C-407E-A947-70E740481C1C}">
-                <a14:useLocalDpi xmlns:a14="http://schemas.microsoft.com/office/drawing/2010/main" val="0"/>
-              </a:ext>
-            </a:extLst>
-          </a:blip>
-          <a:srcRect/>
-          <a:stretch>
-            <a:fillRect/>
-          </a:stretch>
-        </p:blipFill>
-        <p:spPr bwMode="auto">
-          <a:xfrm>
-            <a:off x="9544049" y="864190"/>
-            <a:ext cx="2390775" cy="327432"/>
-          </a:xfrm>
-          <a:prstGeom prst="rect">
-            <a:avLst/>
-          </a:prstGeom>
-          <a:noFill/>
-          <a:extLst>
-            <a:ext uri="{909E8E84-426E-40DD-AFC4-6F175D3DCCD1}">
-              <a14:hiddenFill xmlns:a14="http://schemas.microsoft.com/office/drawing/2010/main">
-                <a:solidFill>
-                  <a:srgbClr val="FFFFFF"/>
-                </a:solidFill>
-              </a14:hiddenFill>
-            </a:ext>
-          </a:extLst>
-        </p:spPr>
-      </p:pic>
-      <p:sp>
-        <p:nvSpPr>
-          <p:cNvPr id="9" name="Content Placeholder 2"/>
-          <p:cNvSpPr>
-            <a:spLocks noGrp="1"/>
-          </p:cNvSpPr>
-          <p:nvPr>
-            <p:ph idx="1"/>
-          </p:nvPr>
-        </p:nvSpPr>
-        <p:spPr>
-          <a:xfrm>
-            <a:off x="838200" y="2015406"/>
-            <a:ext cx="10515600" cy="4065986"/>
-          </a:xfrm>
-        </p:spPr>
-        <p:txBody>
-          <a:bodyPr anchor="t">
-            <a:normAutofit/>
-          </a:bodyPr>
-          <a:lstStyle/>
-          <a:p>
-            <a:r>
-              <a:rPr lang="en-US" sz="2000" dirty="0"/>
-              <a:t>The best random forest model </a:t>
-            </a:r>
-          </a:p>
-        </p:txBody>
-      </p:sp>
-    </p:spTree>
-    <p:extLst>
-      <p:ext uri="{BB962C8B-B14F-4D97-AF65-F5344CB8AC3E}">
-        <p14:creationId xmlns:p14="http://schemas.microsoft.com/office/powerpoint/2010/main" val="3784079664"/>
       </p:ext>
     </p:extLst>
   </p:cSld>

--- a/FinalPresentation.pptx
+++ b/FinalPresentation.pptx
@@ -22,9 +22,10 @@
     <p:sldId id="279" r:id="rId16"/>
     <p:sldId id="262" r:id="rId17"/>
     <p:sldId id="263" r:id="rId18"/>
-    <p:sldId id="274" r:id="rId19"/>
-    <p:sldId id="275" r:id="rId20"/>
-    <p:sldId id="276" r:id="rId21"/>
+    <p:sldId id="280" r:id="rId19"/>
+    <p:sldId id="274" r:id="rId20"/>
+    <p:sldId id="275" r:id="rId21"/>
+    <p:sldId id="276" r:id="rId22"/>
   </p:sldIdLst>
   <p:sldSz cx="12192000" cy="6858000"/>
   <p:notesSz cx="6858000" cy="9144000"/>
@@ -3524,7 +3525,7 @@
           <a:p>
             <a:r>
               <a:rPr lang="en-US" sz="2000" dirty="0"/>
-              <a:t>When the number of trees equals to 100, the model performs better. The chosen parameters setting does not lead to overfitting the training data since the test MSE and training MSE are similar.</a:t>
+              <a:t>When the number of trees equals 100, the model performs better. The chosen parameters setting does not lead to overfitting the training data since the test MSE and training MSE are similar.</a:t>
             </a:r>
           </a:p>
           <a:p>
@@ -4380,7 +4381,7 @@
             </a:r>
             <a:r>
               <a:rPr lang="en-US" sz="2000" dirty="0"/>
-              <a:t> packages, we constructed a boosting models. The caret package can tune the parameters automatically and identify the optimal settings to generate the smallest RMSE.</a:t>
+              <a:t> packages, we constructed boosting models. The caret package can tune the parameters automatically and identify the optimal settings to generate the smallest RMSE.</a:t>
             </a:r>
           </a:p>
           <a:p>
@@ -4421,7 +4422,7 @@
           <a:p>
             <a:r>
               <a:rPr lang="en-US" sz="2000" dirty="0"/>
-              <a:t>Promotion, competition distance, store are more important than other features. </a:t>
+              <a:t>Promotion, competition distance, and store are more important than other features. </a:t>
             </a:r>
           </a:p>
           <a:p>
@@ -6070,7 +6071,7 @@
           <a:p>
             <a:r>
               <a:rPr lang="en-US" sz="2000" dirty="0"/>
-              <a:t>It was possible to slightly lower the RPSPE, but at the cost of increasing the MSE.</a:t>
+              <a:t>It was possible to slightly lower the RMSPE, but at the cost of increasing the MSE.</a:t>
             </a:r>
           </a:p>
           <a:p>
@@ -6535,14 +6536,14 @@
           <p:nvPr>
             <p:extLst>
               <p:ext uri="{D42A27DB-BD31-4B8C-83A1-F6EECF244321}">
-                <p14:modId xmlns:p14="http://schemas.microsoft.com/office/powerpoint/2010/main" val="2156224151"/>
+                <p14:modId xmlns:p14="http://schemas.microsoft.com/office/powerpoint/2010/main" val="2187387871"/>
               </p:ext>
             </p:extLst>
           </p:nvPr>
         </p:nvGraphicFramePr>
         <p:xfrm>
-          <a:off x="2032000" y="2554878"/>
-          <a:ext cx="8127999" cy="1483360"/>
+          <a:off x="1265382" y="2554878"/>
+          <a:ext cx="9661236" cy="3282504"/>
         </p:xfrm>
         <a:graphic>
           <a:graphicData uri="http://schemas.openxmlformats.org/drawingml/2006/table">
@@ -6551,21 +6552,21 @@
                 <a:tableStyleId>{21E4AEA4-8DFA-4A89-87EB-49C32662AFE0}</a:tableStyleId>
               </a:tblPr>
               <a:tblGrid>
-                <a:gridCol w="2709333">
+                <a:gridCol w="3220412">
                   <a:extLst>
                     <a:ext uri="{9D8B030D-6E8A-4147-A177-3AD203B41FA5}">
                       <a16:colId xmlns:a16="http://schemas.microsoft.com/office/drawing/2014/main" val="472140097"/>
                     </a:ext>
                   </a:extLst>
                 </a:gridCol>
-                <a:gridCol w="2709333">
+                <a:gridCol w="3220412">
                   <a:extLst>
                     <a:ext uri="{9D8B030D-6E8A-4147-A177-3AD203B41FA5}">
                       <a16:colId xmlns:a16="http://schemas.microsoft.com/office/drawing/2014/main" val="3720232126"/>
                     </a:ext>
                   </a:extLst>
                 </a:gridCol>
-                <a:gridCol w="2709333">
+                <a:gridCol w="3220412">
                   <a:extLst>
                     <a:ext uri="{9D8B030D-6E8A-4147-A177-3AD203B41FA5}">
                       <a16:colId xmlns:a16="http://schemas.microsoft.com/office/drawing/2014/main" val="120841938"/>
@@ -6573,7 +6574,7 @@
                   </a:extLst>
                 </a:gridCol>
               </a:tblGrid>
-              <a:tr h="370840">
+              <a:tr h="820626">
                 <a:tc>
                   <a:txBody>
                     <a:bodyPr/>
@@ -6582,7 +6583,7 @@
                       <a:endParaRPr lang="en-US" dirty="0"/>
                     </a:p>
                   </a:txBody>
-                  <a:tcPr/>
+                  <a:tcPr anchor="ctr"/>
                 </a:tc>
                 <a:tc>
                   <a:txBody>
@@ -6596,7 +6597,7 @@
                       </a:r>
                     </a:p>
                   </a:txBody>
-                  <a:tcPr/>
+                  <a:tcPr anchor="ctr"/>
                 </a:tc>
                 <a:tc>
                   <a:txBody>
@@ -6610,7 +6611,7 @@
                       </a:r>
                     </a:p>
                   </a:txBody>
-                  <a:tcPr/>
+                  <a:tcPr anchor="ctr"/>
                 </a:tc>
                 <a:extLst>
                   <a:ext uri="{0D108BD9-81ED-4DB2-BD59-A6C34878D82A}">
@@ -6618,7 +6619,7 @@
                   </a:ext>
                 </a:extLst>
               </a:tr>
-              <a:tr h="370840">
+              <a:tr h="820626">
                 <a:tc>
                   <a:txBody>
                     <a:bodyPr/>
@@ -6631,7 +6632,7 @@
                       </a:r>
                     </a:p>
                   </a:txBody>
-                  <a:tcPr/>
+                  <a:tcPr anchor="ctr"/>
                 </a:tc>
                 <a:tc>
                   <a:txBody>
@@ -6661,7 +6662,7 @@
                       </a:r>
                     </a:p>
                   </a:txBody>
-                  <a:tcPr/>
+                  <a:tcPr anchor="ctr"/>
                 </a:tc>
                 <a:tc>
                   <a:txBody>
@@ -6675,7 +6676,7 @@
                       </a:r>
                     </a:p>
                   </a:txBody>
-                  <a:tcPr/>
+                  <a:tcPr anchor="ctr"/>
                 </a:tc>
                 <a:extLst>
                   <a:ext uri="{0D108BD9-81ED-4DB2-BD59-A6C34878D82A}">
@@ -6683,7 +6684,7 @@
                   </a:ext>
                 </a:extLst>
               </a:tr>
-              <a:tr h="370840">
+              <a:tr h="820626">
                 <a:tc>
                   <a:txBody>
                     <a:bodyPr/>
@@ -6696,7 +6697,7 @@
                       </a:r>
                     </a:p>
                   </a:txBody>
-                  <a:tcPr/>
+                  <a:tcPr anchor="ctr"/>
                 </a:tc>
                 <a:tc>
                   <a:txBody>
@@ -6735,7 +6736,7 @@
                       <a:endParaRPr lang="en-US" dirty="0"/>
                     </a:p>
                   </a:txBody>
-                  <a:tcPr/>
+                  <a:tcPr anchor="ctr"/>
                 </a:tc>
                 <a:tc>
                   <a:txBody>
@@ -6749,7 +6750,7 @@
                       </a:r>
                     </a:p>
                   </a:txBody>
-                  <a:tcPr/>
+                  <a:tcPr anchor="ctr"/>
                 </a:tc>
                 <a:extLst>
                   <a:ext uri="{0D108BD9-81ED-4DB2-BD59-A6C34878D82A}">
@@ -6757,7 +6758,7 @@
                   </a:ext>
                 </a:extLst>
               </a:tr>
-              <a:tr h="370840">
+              <a:tr h="820626">
                 <a:tc>
                   <a:txBody>
                     <a:bodyPr/>
@@ -6770,7 +6771,7 @@
                       </a:r>
                     </a:p>
                   </a:txBody>
-                  <a:tcPr/>
+                  <a:tcPr anchor="ctr"/>
                 </a:tc>
                 <a:tc>
                   <a:txBody>
@@ -6809,7 +6810,7 @@
                       <a:endParaRPr lang="en-US" dirty="0"/>
                     </a:p>
                   </a:txBody>
-                  <a:tcPr/>
+                  <a:tcPr anchor="ctr"/>
                 </a:tc>
                 <a:tc>
                   <a:txBody>
@@ -6823,7 +6824,7 @@
                       </a:r>
                     </a:p>
                   </a:txBody>
-                  <a:tcPr/>
+                  <a:tcPr anchor="ctr"/>
                 </a:tc>
                 <a:extLst>
                   <a:ext uri="{0D108BD9-81ED-4DB2-BD59-A6C34878D82A}">
@@ -6843,7 +6844,7 @@
         </p:nvSpPr>
         <p:spPr>
           <a:xfrm>
-            <a:off x="5081137" y="2075436"/>
+            <a:off x="4742745" y="1975256"/>
             <a:ext cx="2706510" cy="461665"/>
           </a:xfrm>
           <a:prstGeom prst="rect">
@@ -7029,7 +7030,7 @@
                   <a:srgbClr val="FFC000"/>
                 </a:solidFill>
               </a:rPr>
-              <a:t>Conclusions and Prospective</a:t>
+              <a:t>Conclusions and Perspective</a:t>
             </a:r>
           </a:p>
         </p:txBody>
@@ -7058,17 +7059,80 @@
           <a:p>
             <a:r>
               <a:rPr lang="en-US" sz="2000" dirty="0"/>
-              <a:t>Your interpretation of the results of your analysis </a:t>
-            </a:r>
-          </a:p>
-          <a:p>
-            <a:pPr marL="457200" lvl="1" indent="0">
-              <a:buNone/>
-            </a:pPr>
+              <a:t>GAMs are useful for modeling nonlinear trends, especially with time series data</a:t>
+            </a:r>
+          </a:p>
+          <a:p>
+            <a:r>
+              <a:rPr lang="en-US" sz="2000" dirty="0"/>
+              <a:t>Important predictors for the data set can be categorized as:</a:t>
+            </a:r>
+          </a:p>
+          <a:p>
+            <a:pPr lvl="1"/>
             <a:r>
               <a:rPr lang="en-US" sz="1600" dirty="0"/>
-              <a:t>• What you learned, how it might inform the business situation that you chose to analyze, how your findings might be deployed in the organization.</a:t>
-            </a:r>
+              <a:t>Seasonality</a:t>
+            </a:r>
+          </a:p>
+          <a:p>
+            <a:pPr lvl="1"/>
+            <a:r>
+              <a:rPr lang="en-US" sz="1600" dirty="0"/>
+              <a:t>Local competition</a:t>
+            </a:r>
+          </a:p>
+          <a:p>
+            <a:pPr lvl="1"/>
+            <a:r>
+              <a:rPr lang="en-US" sz="1600" dirty="0"/>
+              <a:t>Assortment and Type of Store</a:t>
+            </a:r>
+          </a:p>
+          <a:p>
+            <a:r>
+              <a:rPr lang="en-US" sz="2000" dirty="0" err="1"/>
+              <a:t>Rossmann</a:t>
+            </a:r>
+            <a:r>
+              <a:rPr lang="en-US" sz="2000" dirty="0"/>
+              <a:t> could use a similar model to:</a:t>
+            </a:r>
+          </a:p>
+          <a:p>
+            <a:pPr lvl="1"/>
+            <a:r>
+              <a:rPr lang="en-US" sz="1600" dirty="0"/>
+              <a:t>Predict sales for their stores</a:t>
+            </a:r>
+          </a:p>
+          <a:p>
+            <a:pPr lvl="1"/>
+            <a:r>
+              <a:rPr lang="en-US" sz="1600" dirty="0"/>
+              <a:t>Build employee schedules</a:t>
+            </a:r>
+          </a:p>
+          <a:p>
+            <a:pPr lvl="1"/>
+            <a:r>
+              <a:rPr lang="en-US" sz="1600" dirty="0"/>
+              <a:t>Manage inventory</a:t>
+            </a:r>
+          </a:p>
+          <a:p>
+            <a:r>
+              <a:rPr lang="en-US" sz="2000" dirty="0"/>
+              <a:t>Understanding what types of stores and merchandise drive sales could be useful in future studies</a:t>
+            </a:r>
+          </a:p>
+          <a:p>
+            <a:pPr lvl="1"/>
+            <a:endParaRPr lang="en-US" sz="1600" dirty="0"/>
+          </a:p>
+          <a:p>
+            <a:pPr lvl="1"/>
+            <a:endParaRPr lang="en-US" sz="1600" dirty="0"/>
           </a:p>
         </p:txBody>
       </p:sp>
@@ -7194,6 +7258,257 @@
           <a:bodyPr rtlCol="0" anchor="ctr"/>
           <a:lstStyle/>
           <a:p>
+            <a:pPr algn="ctr"/>
+            <a:endParaRPr lang="en-US"/>
+          </a:p>
+        </p:txBody>
+      </p:sp>
+      <p:sp useBgFill="1">
+        <p:nvSpPr>
+          <p:cNvPr id="10" name="Rectangle 9"/>
+          <p:cNvSpPr>
+            <a:spLocks noGrp="1" noRot="1" noChangeAspect="1" noMove="1" noResize="1" noEditPoints="1" noAdjustHandles="1" noChangeArrowheads="1" noChangeShapeType="1" noTextEdit="1"/>
+          </p:cNvSpPr>
+          <p:nvPr>
+            <p:extLst>
+              <p:ext uri="{386F3935-93C4-4BCD-93E2-E3B085C9AB24}">
+                <p16:designElem xmlns:p16="http://schemas.microsoft.com/office/powerpoint/2015/main" val="1"/>
+              </p:ext>
+            </p:extLst>
+          </p:nvPr>
+        </p:nvSpPr>
+        <p:spPr>
+          <a:xfrm>
+            <a:off x="0" y="1690688"/>
+            <a:ext cx="12192000" cy="5166360"/>
+          </a:xfrm>
+          <a:prstGeom prst="rect">
+            <a:avLst/>
+          </a:prstGeom>
+          <a:ln>
+            <a:noFill/>
+          </a:ln>
+        </p:spPr>
+        <p:style>
+          <a:lnRef idx="2">
+            <a:schemeClr val="accent1">
+              <a:shade val="50000"/>
+            </a:schemeClr>
+          </a:lnRef>
+          <a:fillRef idx="1">
+            <a:schemeClr val="accent1"/>
+          </a:fillRef>
+          <a:effectRef idx="0">
+            <a:schemeClr val="accent1"/>
+          </a:effectRef>
+          <a:fontRef idx="minor">
+            <a:schemeClr val="lt1"/>
+          </a:fontRef>
+        </p:style>
+        <p:txBody>
+          <a:bodyPr rtlCol="0" anchor="ctr"/>
+          <a:lstStyle/>
+          <a:p>
+            <a:pPr algn="ctr"/>
+            <a:endParaRPr lang="en-US"/>
+          </a:p>
+        </p:txBody>
+      </p:sp>
+      <p:sp>
+        <p:nvSpPr>
+          <p:cNvPr id="2" name="Title 1"/>
+          <p:cNvSpPr>
+            <a:spLocks noGrp="1"/>
+          </p:cNvSpPr>
+          <p:nvPr>
+            <p:ph type="title"/>
+          </p:nvPr>
+        </p:nvSpPr>
+        <p:spPr>
+          <a:xfrm>
+            <a:off x="838200" y="365125"/>
+            <a:ext cx="10515600" cy="1325563"/>
+          </a:xfrm>
+        </p:spPr>
+        <p:txBody>
+          <a:bodyPr>
+            <a:normAutofit/>
+          </a:bodyPr>
+          <a:lstStyle/>
+          <a:p>
+            <a:r>
+              <a:rPr lang="en-US" b="1" dirty="0">
+                <a:solidFill>
+                  <a:srgbClr val="FFC000"/>
+                </a:solidFill>
+              </a:rPr>
+              <a:t>Conclusions and Perspective</a:t>
+            </a:r>
+          </a:p>
+        </p:txBody>
+      </p:sp>
+      <p:sp>
+        <p:nvSpPr>
+          <p:cNvPr id="3" name="Content Placeholder 2"/>
+          <p:cNvSpPr>
+            <a:spLocks noGrp="1"/>
+          </p:cNvSpPr>
+          <p:nvPr>
+            <p:ph idx="1"/>
+          </p:nvPr>
+        </p:nvSpPr>
+        <p:spPr>
+          <a:xfrm>
+            <a:off x="838200" y="2015406"/>
+            <a:ext cx="10515600" cy="4065986"/>
+          </a:xfrm>
+        </p:spPr>
+        <p:txBody>
+          <a:bodyPr anchor="t">
+            <a:normAutofit/>
+          </a:bodyPr>
+          <a:lstStyle/>
+          <a:p>
+            <a:r>
+              <a:rPr lang="en-US" sz="2000" dirty="0"/>
+              <a:t>Clustering stores could prove useful in improving the predictive power of the model</a:t>
+            </a:r>
+          </a:p>
+          <a:p>
+            <a:r>
+              <a:rPr lang="en-US" sz="2000" dirty="0"/>
+              <a:t>Demographic data for each store could also be useful in finding profitability of a future store</a:t>
+            </a:r>
+            <a:endParaRPr lang="en-US" sz="1600" dirty="0"/>
+          </a:p>
+          <a:p>
+            <a:pPr lvl="1"/>
+            <a:endParaRPr lang="en-US" sz="1600" dirty="0"/>
+          </a:p>
+        </p:txBody>
+      </p:sp>
+      <p:pic>
+        <p:nvPicPr>
+          <p:cNvPr id="6" name="Picture 2" descr="Image result for rosmann"/>
+          <p:cNvPicPr>
+            <a:picLocks noChangeAspect="1" noChangeArrowheads="1"/>
+          </p:cNvPicPr>
+          <p:nvPr/>
+        </p:nvPicPr>
+        <p:blipFill>
+          <a:blip r:embed="rId2">
+            <a:extLst>
+              <a:ext uri="{28A0092B-C50C-407E-A947-70E740481C1C}">
+                <a14:useLocalDpi xmlns:a14="http://schemas.microsoft.com/office/drawing/2010/main" val="0"/>
+              </a:ext>
+            </a:extLst>
+          </a:blip>
+          <a:srcRect/>
+          <a:stretch>
+            <a:fillRect/>
+          </a:stretch>
+        </p:blipFill>
+        <p:spPr bwMode="auto">
+          <a:xfrm>
+            <a:off x="9544049" y="864190"/>
+            <a:ext cx="2390775" cy="327432"/>
+          </a:xfrm>
+          <a:prstGeom prst="rect">
+            <a:avLst/>
+          </a:prstGeom>
+          <a:noFill/>
+          <a:extLst>
+            <a:ext uri="{909E8E84-426E-40DD-AFC4-6F175D3DCCD1}">
+              <a14:hiddenFill xmlns:a14="http://schemas.microsoft.com/office/drawing/2010/main">
+                <a:solidFill>
+                  <a:srgbClr val="FFFFFF"/>
+                </a:solidFill>
+              </a14:hiddenFill>
+            </a:ext>
+          </a:extLst>
+        </p:spPr>
+      </p:pic>
+    </p:spTree>
+    <p:extLst>
+      <p:ext uri="{BB962C8B-B14F-4D97-AF65-F5344CB8AC3E}">
+        <p14:creationId xmlns:p14="http://schemas.microsoft.com/office/powerpoint/2010/main" val="140694229"/>
+      </p:ext>
+    </p:extLst>
+  </p:cSld>
+  <p:clrMapOvr>
+    <a:overrideClrMapping bg1="dk1" tx1="lt1" bg2="dk2" tx2="lt2" accent1="accent1" accent2="accent2" accent3="accent3" accent4="accent4" accent5="accent5" accent6="accent6" hlink="hlink" folHlink="folHlink"/>
+  </p:clrMapOvr>
+</p:sld>
+</file>
+
+<file path=ppt/slides/slide19.xml><?xml version="1.0" encoding="utf-8"?>
+<p:sld xmlns:a="http://schemas.openxmlformats.org/drawingml/2006/main" xmlns:r="http://schemas.openxmlformats.org/officeDocument/2006/relationships" xmlns:p="http://schemas.openxmlformats.org/presentationml/2006/main">
+  <p:cSld>
+    <p:spTree>
+      <p:nvGrpSpPr>
+        <p:cNvPr id="1" name=""/>
+        <p:cNvGrpSpPr/>
+        <p:nvPr/>
+      </p:nvGrpSpPr>
+      <p:grpSpPr>
+        <a:xfrm>
+          <a:off x="0" y="0"/>
+          <a:ext cx="0" cy="0"/>
+          <a:chOff x="0" y="0"/>
+          <a:chExt cx="0" cy="0"/>
+        </a:xfrm>
+      </p:grpSpPr>
+      <p:sp>
+        <p:nvSpPr>
+          <p:cNvPr id="8" name="Rectangle 7">
+            <a:extLst/>
+          </p:cNvPr>
+          <p:cNvSpPr>
+            <a:spLocks noGrp="1" noRot="1" noChangeAspect="1" noMove="1" noResize="1" noEditPoints="1" noAdjustHandles="1" noChangeArrowheads="1" noChangeShapeType="1" noTextEdit="1"/>
+          </p:cNvSpPr>
+          <p:nvPr>
+            <p:extLst>
+              <p:ext uri="{386F3935-93C4-4BCD-93E2-E3B085C9AB24}">
+                <p16:designElem xmlns:p16="http://schemas.microsoft.com/office/powerpoint/2015/main" val="1"/>
+              </p:ext>
+            </p:extLst>
+          </p:nvPr>
+        </p:nvSpPr>
+        <p:spPr>
+          <a:xfrm>
+            <a:off x="0" y="0"/>
+            <a:ext cx="12192000" cy="1690688"/>
+          </a:xfrm>
+          <a:prstGeom prst="rect">
+            <a:avLst/>
+          </a:prstGeom>
+          <a:solidFill>
+            <a:schemeClr val="tx1"/>
+          </a:solidFill>
+          <a:ln>
+            <a:noFill/>
+          </a:ln>
+        </p:spPr>
+        <p:style>
+          <a:lnRef idx="2">
+            <a:schemeClr val="accent1">
+              <a:shade val="50000"/>
+            </a:schemeClr>
+          </a:lnRef>
+          <a:fillRef idx="1">
+            <a:schemeClr val="accent1"/>
+          </a:fillRef>
+          <a:effectRef idx="0">
+            <a:schemeClr val="accent1"/>
+          </a:effectRef>
+          <a:fontRef idx="minor">
+            <a:schemeClr val="lt1"/>
+          </a:fontRef>
+        </p:style>
+        <p:txBody>
+          <a:bodyPr rtlCol="0" anchor="ctr"/>
+          <a:lstStyle/>
+          <a:p>
             <a:pPr marL="0" marR="0" lvl="0" indent="0" algn="ctr" defTabSz="914400" rtl="0" eaLnBrk="1" fontAlgn="auto" latinLnBrk="0" hangingPunct="1">
               <a:lnSpc>
                 <a:spcPct val="100000"/>
@@ -7451,7 +7766,288 @@
 </p:sld>
 </file>
 
-<file path=ppt/slides/slide19.xml><?xml version="1.0" encoding="utf-8"?>
+<file path=ppt/slides/slide2.xml><?xml version="1.0" encoding="utf-8"?>
+<p:sld xmlns:a="http://schemas.openxmlformats.org/drawingml/2006/main" xmlns:r="http://schemas.openxmlformats.org/officeDocument/2006/relationships" xmlns:p="http://schemas.openxmlformats.org/presentationml/2006/main">
+  <p:cSld>
+    <p:spTree>
+      <p:nvGrpSpPr>
+        <p:cNvPr id="1" name=""/>
+        <p:cNvGrpSpPr/>
+        <p:nvPr/>
+      </p:nvGrpSpPr>
+      <p:grpSpPr>
+        <a:xfrm>
+          <a:off x="0" y="0"/>
+          <a:ext cx="0" cy="0"/>
+          <a:chOff x="0" y="0"/>
+          <a:chExt cx="0" cy="0"/>
+        </a:xfrm>
+      </p:grpSpPr>
+      <p:sp>
+        <p:nvSpPr>
+          <p:cNvPr id="8" name="Rectangle 7">
+            <a:extLst/>
+          </p:cNvPr>
+          <p:cNvSpPr>
+            <a:spLocks noGrp="1" noRot="1" noChangeAspect="1" noMove="1" noResize="1" noEditPoints="1" noAdjustHandles="1" noChangeArrowheads="1" noChangeShapeType="1" noTextEdit="1"/>
+          </p:cNvSpPr>
+          <p:nvPr>
+            <p:extLst>
+              <p:ext uri="{386F3935-93C4-4BCD-93E2-E3B085C9AB24}">
+                <p16:designElem xmlns:p16="http://schemas.microsoft.com/office/powerpoint/2015/main" val="1"/>
+              </p:ext>
+            </p:extLst>
+          </p:nvPr>
+        </p:nvSpPr>
+        <p:spPr>
+          <a:xfrm>
+            <a:off x="0" y="0"/>
+            <a:ext cx="12192000" cy="1690688"/>
+          </a:xfrm>
+          <a:prstGeom prst="rect">
+            <a:avLst/>
+          </a:prstGeom>
+          <a:solidFill>
+            <a:schemeClr val="tx1"/>
+          </a:solidFill>
+          <a:ln>
+            <a:noFill/>
+          </a:ln>
+        </p:spPr>
+        <p:style>
+          <a:lnRef idx="2">
+            <a:schemeClr val="accent1">
+              <a:shade val="50000"/>
+            </a:schemeClr>
+          </a:lnRef>
+          <a:fillRef idx="1">
+            <a:schemeClr val="accent1"/>
+          </a:fillRef>
+          <a:effectRef idx="0">
+            <a:schemeClr val="accent1"/>
+          </a:effectRef>
+          <a:fontRef idx="minor">
+            <a:schemeClr val="lt1"/>
+          </a:fontRef>
+        </p:style>
+        <p:txBody>
+          <a:bodyPr rtlCol="0" anchor="ctr"/>
+          <a:lstStyle/>
+          <a:p>
+            <a:pPr algn="ctr"/>
+            <a:endParaRPr lang="en-US"/>
+          </a:p>
+        </p:txBody>
+      </p:sp>
+      <p:sp useBgFill="1">
+        <p:nvSpPr>
+          <p:cNvPr id="10" name="Rectangle 9"/>
+          <p:cNvSpPr>
+            <a:spLocks noGrp="1" noRot="1" noChangeAspect="1" noMove="1" noResize="1" noEditPoints="1" noAdjustHandles="1" noChangeArrowheads="1" noChangeShapeType="1" noTextEdit="1"/>
+          </p:cNvSpPr>
+          <p:nvPr>
+            <p:extLst>
+              <p:ext uri="{386F3935-93C4-4BCD-93E2-E3B085C9AB24}">
+                <p16:designElem xmlns:p16="http://schemas.microsoft.com/office/powerpoint/2015/main" val="1"/>
+              </p:ext>
+            </p:extLst>
+          </p:nvPr>
+        </p:nvSpPr>
+        <p:spPr>
+          <a:xfrm>
+            <a:off x="0" y="1690688"/>
+            <a:ext cx="12192000" cy="5166360"/>
+          </a:xfrm>
+          <a:prstGeom prst="rect">
+            <a:avLst/>
+          </a:prstGeom>
+          <a:ln>
+            <a:noFill/>
+          </a:ln>
+        </p:spPr>
+        <p:style>
+          <a:lnRef idx="2">
+            <a:schemeClr val="accent1">
+              <a:shade val="50000"/>
+            </a:schemeClr>
+          </a:lnRef>
+          <a:fillRef idx="1">
+            <a:schemeClr val="accent1"/>
+          </a:fillRef>
+          <a:effectRef idx="0">
+            <a:schemeClr val="accent1"/>
+          </a:effectRef>
+          <a:fontRef idx="minor">
+            <a:schemeClr val="lt1"/>
+          </a:fontRef>
+        </p:style>
+        <p:txBody>
+          <a:bodyPr rtlCol="0" anchor="ctr"/>
+          <a:lstStyle/>
+          <a:p>
+            <a:pPr algn="ctr"/>
+            <a:endParaRPr lang="en-US"/>
+          </a:p>
+        </p:txBody>
+      </p:sp>
+      <p:sp>
+        <p:nvSpPr>
+          <p:cNvPr id="2" name="Title 1"/>
+          <p:cNvSpPr>
+            <a:spLocks noGrp="1"/>
+          </p:cNvSpPr>
+          <p:nvPr>
+            <p:ph type="title"/>
+          </p:nvPr>
+        </p:nvSpPr>
+        <p:spPr>
+          <a:xfrm>
+            <a:off x="838200" y="365125"/>
+            <a:ext cx="10515600" cy="1325563"/>
+          </a:xfrm>
+        </p:spPr>
+        <p:txBody>
+          <a:bodyPr>
+            <a:normAutofit/>
+          </a:bodyPr>
+          <a:lstStyle/>
+          <a:p>
+            <a:r>
+              <a:rPr lang="en-US" b="1" dirty="0">
+                <a:solidFill>
+                  <a:srgbClr val="FFC000"/>
+                </a:solidFill>
+              </a:rPr>
+              <a:t>Business Situation</a:t>
+            </a:r>
+          </a:p>
+        </p:txBody>
+      </p:sp>
+      <p:sp>
+        <p:nvSpPr>
+          <p:cNvPr id="3" name="Content Placeholder 2"/>
+          <p:cNvSpPr>
+            <a:spLocks noGrp="1"/>
+          </p:cNvSpPr>
+          <p:nvPr>
+            <p:ph idx="1"/>
+          </p:nvPr>
+        </p:nvSpPr>
+        <p:spPr>
+          <a:xfrm>
+            <a:off x="838200" y="2015406"/>
+            <a:ext cx="10515600" cy="4065986"/>
+          </a:xfrm>
+        </p:spPr>
+        <p:txBody>
+          <a:bodyPr anchor="ctr">
+            <a:normAutofit/>
+          </a:bodyPr>
+          <a:lstStyle/>
+          <a:p>
+            <a:r>
+              <a:rPr lang="en-US" sz="2400" dirty="0" err="1"/>
+              <a:t>Rossmann</a:t>
+            </a:r>
+            <a:r>
+              <a:rPr lang="en-US" sz="2400" dirty="0"/>
+              <a:t> GmbH operates over 3,000 drug stores in Europe</a:t>
+            </a:r>
+          </a:p>
+          <a:p>
+            <a:r>
+              <a:rPr lang="en-US" sz="2400" dirty="0"/>
+              <a:t>Predicting sales for each store is vital for:</a:t>
+            </a:r>
+          </a:p>
+          <a:p>
+            <a:pPr lvl="2"/>
+            <a:r>
+              <a:rPr lang="en-US" sz="2400" dirty="0"/>
+              <a:t>Purchasing Inventory</a:t>
+            </a:r>
+          </a:p>
+          <a:p>
+            <a:pPr lvl="2"/>
+            <a:r>
+              <a:rPr lang="en-US" sz="2400" dirty="0"/>
+              <a:t>Creating a staff schedule</a:t>
+            </a:r>
+          </a:p>
+          <a:p>
+            <a:pPr lvl="2"/>
+            <a:r>
+              <a:rPr lang="en-US" sz="2400" dirty="0"/>
+              <a:t>General productivity</a:t>
+            </a:r>
+          </a:p>
+          <a:p>
+            <a:r>
+              <a:rPr lang="en-US" sz="3200" dirty="0"/>
+              <a:t>The goal is to understand what factors drive sales, and accurately predict future daily sales using historical data</a:t>
+            </a:r>
+          </a:p>
+          <a:p>
+            <a:pPr lvl="2"/>
+            <a:endParaRPr lang="en-US" dirty="0"/>
+          </a:p>
+        </p:txBody>
+      </p:sp>
+      <p:pic>
+        <p:nvPicPr>
+          <p:cNvPr id="6" name="Picture 2" descr="Image result for rosmann"/>
+          <p:cNvPicPr>
+            <a:picLocks noChangeAspect="1" noChangeArrowheads="1"/>
+          </p:cNvPicPr>
+          <p:nvPr/>
+        </p:nvPicPr>
+        <p:blipFill>
+          <a:blip r:embed="rId2">
+            <a:extLst>
+              <a:ext uri="{28A0092B-C50C-407E-A947-70E740481C1C}">
+                <a14:useLocalDpi xmlns:a14="http://schemas.microsoft.com/office/drawing/2010/main" val="0"/>
+              </a:ext>
+            </a:extLst>
+          </a:blip>
+          <a:srcRect/>
+          <a:stretch>
+            <a:fillRect/>
+          </a:stretch>
+        </p:blipFill>
+        <p:spPr bwMode="auto">
+          <a:xfrm>
+            <a:off x="9667874" y="915032"/>
+            <a:ext cx="2390775" cy="327432"/>
+          </a:xfrm>
+          <a:prstGeom prst="rect">
+            <a:avLst/>
+          </a:prstGeom>
+          <a:noFill/>
+          <a:extLst>
+            <a:ext uri="{909E8E84-426E-40DD-AFC4-6F175D3DCCD1}">
+              <a14:hiddenFill xmlns:a14="http://schemas.microsoft.com/office/drawing/2010/main">
+                <a:solidFill>
+                  <a:srgbClr val="FFFFFF"/>
+                </a:solidFill>
+              </a14:hiddenFill>
+            </a:ext>
+          </a:extLst>
+        </p:spPr>
+      </p:pic>
+    </p:spTree>
+    <p:extLst>
+      <p:ext uri="{BB962C8B-B14F-4D97-AF65-F5344CB8AC3E}">
+        <p14:creationId xmlns:p14="http://schemas.microsoft.com/office/powerpoint/2010/main" val="2441697419"/>
+      </p:ext>
+    </p:extLst>
+  </p:cSld>
+  <p:clrMapOvr>
+    <a:overrideClrMapping bg1="dk1" tx1="lt1" bg2="dk2" tx2="lt2" accent1="accent1" accent2="accent2" accent3="accent3" accent4="accent4" accent5="accent5" accent6="accent6" hlink="hlink" folHlink="folHlink"/>
+  </p:clrMapOvr>
+</p:sld>
+</file>
+
+<file path=ppt/slides/slide20.xml><?xml version="1.0" encoding="utf-8"?>
 <p:sld xmlns:a="http://schemas.openxmlformats.org/drawingml/2006/main" xmlns:r="http://schemas.openxmlformats.org/officeDocument/2006/relationships" xmlns:p="http://schemas.openxmlformats.org/presentationml/2006/main">
   <p:cSld>
     <p:spTree>
@@ -7773,288 +8369,7 @@
 </p:sld>
 </file>
 
-<file path=ppt/slides/slide2.xml><?xml version="1.0" encoding="utf-8"?>
-<p:sld xmlns:a="http://schemas.openxmlformats.org/drawingml/2006/main" xmlns:r="http://schemas.openxmlformats.org/officeDocument/2006/relationships" xmlns:p="http://schemas.openxmlformats.org/presentationml/2006/main">
-  <p:cSld>
-    <p:spTree>
-      <p:nvGrpSpPr>
-        <p:cNvPr id="1" name=""/>
-        <p:cNvGrpSpPr/>
-        <p:nvPr/>
-      </p:nvGrpSpPr>
-      <p:grpSpPr>
-        <a:xfrm>
-          <a:off x="0" y="0"/>
-          <a:ext cx="0" cy="0"/>
-          <a:chOff x="0" y="0"/>
-          <a:chExt cx="0" cy="0"/>
-        </a:xfrm>
-      </p:grpSpPr>
-      <p:sp>
-        <p:nvSpPr>
-          <p:cNvPr id="8" name="Rectangle 7">
-            <a:extLst/>
-          </p:cNvPr>
-          <p:cNvSpPr>
-            <a:spLocks noGrp="1" noRot="1" noChangeAspect="1" noMove="1" noResize="1" noEditPoints="1" noAdjustHandles="1" noChangeArrowheads="1" noChangeShapeType="1" noTextEdit="1"/>
-          </p:cNvSpPr>
-          <p:nvPr>
-            <p:extLst>
-              <p:ext uri="{386F3935-93C4-4BCD-93E2-E3B085C9AB24}">
-                <p16:designElem xmlns:p16="http://schemas.microsoft.com/office/powerpoint/2015/main" val="1"/>
-              </p:ext>
-            </p:extLst>
-          </p:nvPr>
-        </p:nvSpPr>
-        <p:spPr>
-          <a:xfrm>
-            <a:off x="0" y="0"/>
-            <a:ext cx="12192000" cy="1690688"/>
-          </a:xfrm>
-          <a:prstGeom prst="rect">
-            <a:avLst/>
-          </a:prstGeom>
-          <a:solidFill>
-            <a:schemeClr val="tx1"/>
-          </a:solidFill>
-          <a:ln>
-            <a:noFill/>
-          </a:ln>
-        </p:spPr>
-        <p:style>
-          <a:lnRef idx="2">
-            <a:schemeClr val="accent1">
-              <a:shade val="50000"/>
-            </a:schemeClr>
-          </a:lnRef>
-          <a:fillRef idx="1">
-            <a:schemeClr val="accent1"/>
-          </a:fillRef>
-          <a:effectRef idx="0">
-            <a:schemeClr val="accent1"/>
-          </a:effectRef>
-          <a:fontRef idx="minor">
-            <a:schemeClr val="lt1"/>
-          </a:fontRef>
-        </p:style>
-        <p:txBody>
-          <a:bodyPr rtlCol="0" anchor="ctr"/>
-          <a:lstStyle/>
-          <a:p>
-            <a:pPr algn="ctr"/>
-            <a:endParaRPr lang="en-US"/>
-          </a:p>
-        </p:txBody>
-      </p:sp>
-      <p:sp useBgFill="1">
-        <p:nvSpPr>
-          <p:cNvPr id="10" name="Rectangle 9"/>
-          <p:cNvSpPr>
-            <a:spLocks noGrp="1" noRot="1" noChangeAspect="1" noMove="1" noResize="1" noEditPoints="1" noAdjustHandles="1" noChangeArrowheads="1" noChangeShapeType="1" noTextEdit="1"/>
-          </p:cNvSpPr>
-          <p:nvPr>
-            <p:extLst>
-              <p:ext uri="{386F3935-93C4-4BCD-93E2-E3B085C9AB24}">
-                <p16:designElem xmlns:p16="http://schemas.microsoft.com/office/powerpoint/2015/main" val="1"/>
-              </p:ext>
-            </p:extLst>
-          </p:nvPr>
-        </p:nvSpPr>
-        <p:spPr>
-          <a:xfrm>
-            <a:off x="0" y="1690688"/>
-            <a:ext cx="12192000" cy="5166360"/>
-          </a:xfrm>
-          <a:prstGeom prst="rect">
-            <a:avLst/>
-          </a:prstGeom>
-          <a:ln>
-            <a:noFill/>
-          </a:ln>
-        </p:spPr>
-        <p:style>
-          <a:lnRef idx="2">
-            <a:schemeClr val="accent1">
-              <a:shade val="50000"/>
-            </a:schemeClr>
-          </a:lnRef>
-          <a:fillRef idx="1">
-            <a:schemeClr val="accent1"/>
-          </a:fillRef>
-          <a:effectRef idx="0">
-            <a:schemeClr val="accent1"/>
-          </a:effectRef>
-          <a:fontRef idx="minor">
-            <a:schemeClr val="lt1"/>
-          </a:fontRef>
-        </p:style>
-        <p:txBody>
-          <a:bodyPr rtlCol="0" anchor="ctr"/>
-          <a:lstStyle/>
-          <a:p>
-            <a:pPr algn="ctr"/>
-            <a:endParaRPr lang="en-US"/>
-          </a:p>
-        </p:txBody>
-      </p:sp>
-      <p:sp>
-        <p:nvSpPr>
-          <p:cNvPr id="2" name="Title 1"/>
-          <p:cNvSpPr>
-            <a:spLocks noGrp="1"/>
-          </p:cNvSpPr>
-          <p:nvPr>
-            <p:ph type="title"/>
-          </p:nvPr>
-        </p:nvSpPr>
-        <p:spPr>
-          <a:xfrm>
-            <a:off x="838200" y="365125"/>
-            <a:ext cx="10515600" cy="1325563"/>
-          </a:xfrm>
-        </p:spPr>
-        <p:txBody>
-          <a:bodyPr>
-            <a:normAutofit/>
-          </a:bodyPr>
-          <a:lstStyle/>
-          <a:p>
-            <a:r>
-              <a:rPr lang="en-US" b="1" dirty="0">
-                <a:solidFill>
-                  <a:srgbClr val="FFC000"/>
-                </a:solidFill>
-              </a:rPr>
-              <a:t>Business Reasoning</a:t>
-            </a:r>
-          </a:p>
-        </p:txBody>
-      </p:sp>
-      <p:sp>
-        <p:nvSpPr>
-          <p:cNvPr id="3" name="Content Placeholder 2"/>
-          <p:cNvSpPr>
-            <a:spLocks noGrp="1"/>
-          </p:cNvSpPr>
-          <p:nvPr>
-            <p:ph idx="1"/>
-          </p:nvPr>
-        </p:nvSpPr>
-        <p:spPr>
-          <a:xfrm>
-            <a:off x="838200" y="2015406"/>
-            <a:ext cx="10515600" cy="4065986"/>
-          </a:xfrm>
-        </p:spPr>
-        <p:txBody>
-          <a:bodyPr anchor="ctr">
-            <a:normAutofit/>
-          </a:bodyPr>
-          <a:lstStyle/>
-          <a:p>
-            <a:r>
-              <a:rPr lang="en-US" sz="2400" dirty="0" err="1"/>
-              <a:t>Rossmann</a:t>
-            </a:r>
-            <a:r>
-              <a:rPr lang="en-US" sz="2400" dirty="0"/>
-              <a:t> GmbH operates over 3,000 drug stores in Europe</a:t>
-            </a:r>
-          </a:p>
-          <a:p>
-            <a:r>
-              <a:rPr lang="en-US" sz="2400" dirty="0"/>
-              <a:t>Predicting sales for each store is vital for:</a:t>
-            </a:r>
-          </a:p>
-          <a:p>
-            <a:pPr lvl="2"/>
-            <a:r>
-              <a:rPr lang="en-US" sz="2400" dirty="0"/>
-              <a:t>Purchasing Inventory</a:t>
-            </a:r>
-          </a:p>
-          <a:p>
-            <a:pPr lvl="2"/>
-            <a:r>
-              <a:rPr lang="en-US" sz="2400" dirty="0"/>
-              <a:t>Creating a staff schedule</a:t>
-            </a:r>
-          </a:p>
-          <a:p>
-            <a:pPr lvl="2"/>
-            <a:r>
-              <a:rPr lang="en-US" sz="2400" dirty="0"/>
-              <a:t>General productivity</a:t>
-            </a:r>
-          </a:p>
-          <a:p>
-            <a:r>
-              <a:rPr lang="en-US" sz="2400" dirty="0"/>
-              <a:t>The goal is to understand what factors drive sales, and accurately predict future daily sales using historical data</a:t>
-            </a:r>
-          </a:p>
-          <a:p>
-            <a:pPr lvl="2"/>
-            <a:endParaRPr lang="en-US" dirty="0"/>
-          </a:p>
-        </p:txBody>
-      </p:sp>
-      <p:pic>
-        <p:nvPicPr>
-          <p:cNvPr id="6" name="Picture 2" descr="Image result for rosmann"/>
-          <p:cNvPicPr>
-            <a:picLocks noChangeAspect="1" noChangeArrowheads="1"/>
-          </p:cNvPicPr>
-          <p:nvPr/>
-        </p:nvPicPr>
-        <p:blipFill>
-          <a:blip r:embed="rId2">
-            <a:extLst>
-              <a:ext uri="{28A0092B-C50C-407E-A947-70E740481C1C}">
-                <a14:useLocalDpi xmlns:a14="http://schemas.microsoft.com/office/drawing/2010/main" val="0"/>
-              </a:ext>
-            </a:extLst>
-          </a:blip>
-          <a:srcRect/>
-          <a:stretch>
-            <a:fillRect/>
-          </a:stretch>
-        </p:blipFill>
-        <p:spPr bwMode="auto">
-          <a:xfrm>
-            <a:off x="9667874" y="915032"/>
-            <a:ext cx="2390775" cy="327432"/>
-          </a:xfrm>
-          <a:prstGeom prst="rect">
-            <a:avLst/>
-          </a:prstGeom>
-          <a:noFill/>
-          <a:extLst>
-            <a:ext uri="{909E8E84-426E-40DD-AFC4-6F175D3DCCD1}">
-              <a14:hiddenFill xmlns:a14="http://schemas.microsoft.com/office/drawing/2010/main">
-                <a:solidFill>
-                  <a:srgbClr val="FFFFFF"/>
-                </a:solidFill>
-              </a14:hiddenFill>
-            </a:ext>
-          </a:extLst>
-        </p:spPr>
-      </p:pic>
-    </p:spTree>
-    <p:extLst>
-      <p:ext uri="{BB962C8B-B14F-4D97-AF65-F5344CB8AC3E}">
-        <p14:creationId xmlns:p14="http://schemas.microsoft.com/office/powerpoint/2010/main" val="2441697419"/>
-      </p:ext>
-    </p:extLst>
-  </p:cSld>
-  <p:clrMapOvr>
-    <a:overrideClrMapping bg1="dk1" tx1="lt1" bg2="dk2" tx2="lt2" accent1="accent1" accent2="accent2" accent3="accent3" accent4="accent4" accent5="accent5" accent6="accent6" hlink="hlink" folHlink="folHlink"/>
-  </p:clrMapOvr>
-</p:sld>
-</file>
-
-<file path=ppt/slides/slide20.xml><?xml version="1.0" encoding="utf-8"?>
+<file path=ppt/slides/slide21.xml><?xml version="1.0" encoding="utf-8"?>
 <p:sld xmlns:a="http://schemas.openxmlformats.org/drawingml/2006/main" xmlns:r="http://schemas.openxmlformats.org/officeDocument/2006/relationships" xmlns:p="http://schemas.openxmlformats.org/presentationml/2006/main">
   <p:cSld>
     <p:spTree>
@@ -9408,7 +9723,7 @@
           <a:p>
             <a:r>
               <a:rPr lang="en-US" dirty="0"/>
-              <a:t>Change Variable Type</a:t>
+              <a:t>Change variable type</a:t>
             </a:r>
           </a:p>
           <a:p>
@@ -9432,7 +9747,7 @@
             </a:pPr>
             <a:r>
               <a:rPr lang="en-US" dirty="0"/>
-              <a:t>Change Labels of Factor Variables</a:t>
+              <a:t>Change labels of factor variables</a:t>
             </a:r>
           </a:p>
           <a:p>
@@ -9450,7 +9765,7 @@
             </a:pPr>
             <a:r>
               <a:rPr lang="en-US" dirty="0"/>
-              <a:t>Add month and year variables</a:t>
+              <a:t>Add integer month and year variables</a:t>
             </a:r>
           </a:p>
           <a:p>
@@ -9998,7 +10313,7 @@
         </p:spPr>
         <p:txBody>
           <a:bodyPr anchor="t">
-            <a:normAutofit lnSpcReduction="10000"/>
+            <a:normAutofit/>
           </a:bodyPr>
           <a:lstStyle/>
           <a:p>
@@ -10028,17 +10343,6 @@
             <a:r>
               <a:rPr lang="en-US" dirty="0"/>
               <a:t>Training and test datasets</a:t>
-            </a:r>
-          </a:p>
-          <a:p>
-            <a:pPr lvl="1">
-              <a:buSzPct val="60000"/>
-              <a:buFont typeface="Courier New" panose="02070309020205020404" pitchFamily="49" charset="0"/>
-              <a:buChar char="o"/>
-            </a:pPr>
-            <a:r>
-              <a:rPr lang="en-US" dirty="0"/>
-              <a:t>Time series</a:t>
             </a:r>
           </a:p>
           <a:p>

--- a/FinalPresentation.pptx
+++ b/FinalPresentation.pptx
@@ -23,10 +23,11 @@
     <p:sldId id="262" r:id="rId17"/>
     <p:sldId id="263" r:id="rId18"/>
     <p:sldId id="280" r:id="rId19"/>
-    <p:sldId id="274" r:id="rId20"/>
-    <p:sldId id="275" r:id="rId21"/>
-    <p:sldId id="276" r:id="rId22"/>
-    <p:sldId id="281" r:id="rId23"/>
+    <p:sldId id="283" r:id="rId20"/>
+    <p:sldId id="274" r:id="rId21"/>
+    <p:sldId id="275" r:id="rId22"/>
+    <p:sldId id="276" r:id="rId23"/>
+    <p:sldId id="281" r:id="rId24"/>
   </p:sldIdLst>
   <p:sldSz cx="12192000" cy="6858000"/>
   <p:notesSz cx="6858000" cy="9144000"/>
@@ -7649,43 +7650,16 @@
             <a:r>
               <a:rPr lang="en-US" dirty="0">
                 <a:solidFill>
-                  <a:srgbClr val="FFC000"/>
+                  <a:schemeClr val="bg1"/>
                 </a:solidFill>
               </a:rPr>
-              <a:t>Appendix</a:t>
-            </a:r>
-          </a:p>
-        </p:txBody>
-      </p:sp>
-      <p:sp>
-        <p:nvSpPr>
-          <p:cNvPr id="3" name="Content Placeholder 2"/>
-          <p:cNvSpPr>
-            <a:spLocks noGrp="1"/>
-          </p:cNvSpPr>
-          <p:nvPr>
-            <p:ph idx="1"/>
-          </p:nvPr>
-        </p:nvSpPr>
-        <p:spPr>
-          <a:xfrm>
-            <a:off x="838200" y="2015406"/>
-            <a:ext cx="7446818" cy="1000845"/>
-          </a:xfrm>
-        </p:spPr>
-        <p:txBody>
-          <a:bodyPr anchor="ctr">
-            <a:normAutofit/>
-          </a:bodyPr>
-          <a:lstStyle/>
-          <a:p>
-            <a:r>
-              <a:rPr lang="en-US" sz="2000" dirty="0"/>
-              <a:t>1. A simple bar chart of average sales by Store Type. Store Type b generally had larger sales numbers</a:t>
-            </a:r>
-          </a:p>
-          <a:p>
-            <a:endParaRPr lang="en-US" sz="1600" dirty="0"/>
+              <a:t>Possible Additions/Alternatives</a:t>
+            </a:r>
+            <a:endParaRPr lang="en-US" b="1" dirty="0">
+              <a:solidFill>
+                <a:schemeClr val="bg1"/>
+              </a:solidFill>
+            </a:endParaRPr>
           </a:p>
         </p:txBody>
       </p:sp>
@@ -7730,34 +7704,305 @@
           </a:extLst>
         </p:spPr>
       </p:pic>
-      <p:pic>
-        <p:nvPicPr>
-          <p:cNvPr id="5" name="Picture 4"/>
-          <p:cNvPicPr>
-            <a:picLocks noChangeAspect="1"/>
-          </p:cNvPicPr>
+      <p:sp>
+        <p:nvSpPr>
+          <p:cNvPr id="7" name="Content Placeholder 2"/>
+          <p:cNvSpPr txBox="1">
+            <a:spLocks/>
+          </p:cNvSpPr>
           <p:nvPr/>
-        </p:nvPicPr>
-        <p:blipFill>
-          <a:blip r:embed="rId3"/>
-          <a:stretch>
-            <a:fillRect/>
-          </a:stretch>
-        </p:blipFill>
+        </p:nvSpPr>
         <p:spPr>
           <a:xfrm>
-            <a:off x="8909411" y="1832771"/>
-            <a:ext cx="2444389" cy="4882193"/>
+            <a:off x="653642" y="4196398"/>
+            <a:ext cx="10515600" cy="4351338"/>
           </a:xfrm>
           <a:prstGeom prst="rect">
             <a:avLst/>
           </a:prstGeom>
         </p:spPr>
-      </p:pic>
+        <p:txBody>
+          <a:bodyPr vert="horz" lIns="91440" tIns="45720" rIns="91440" bIns="45720" rtlCol="0">
+            <a:normAutofit/>
+          </a:bodyPr>
+          <a:lstStyle>
+            <a:lvl1pPr marL="228600" indent="-228600" algn="l" defTabSz="914400" rtl="0" eaLnBrk="1" latinLnBrk="0" hangingPunct="1">
+              <a:lnSpc>
+                <a:spcPct val="90000"/>
+              </a:lnSpc>
+              <a:spcBef>
+                <a:spcPts val="1000"/>
+              </a:spcBef>
+              <a:buFont typeface="Arial" panose="020B0604020202020204" pitchFamily="34" charset="0"/>
+              <a:buChar char="•"/>
+              <a:defRPr sz="2800" kern="1200">
+                <a:solidFill>
+                  <a:schemeClr val="tx1"/>
+                </a:solidFill>
+                <a:latin typeface="+mn-lt"/>
+                <a:ea typeface="+mn-ea"/>
+                <a:cs typeface="+mn-cs"/>
+              </a:defRPr>
+            </a:lvl1pPr>
+            <a:lvl2pPr marL="685800" indent="-228600" algn="l" defTabSz="914400" rtl="0" eaLnBrk="1" latinLnBrk="0" hangingPunct="1">
+              <a:lnSpc>
+                <a:spcPct val="90000"/>
+              </a:lnSpc>
+              <a:spcBef>
+                <a:spcPts val="500"/>
+              </a:spcBef>
+              <a:buFont typeface="Arial" panose="020B0604020202020204" pitchFamily="34" charset="0"/>
+              <a:buChar char="•"/>
+              <a:defRPr sz="2400" kern="1200">
+                <a:solidFill>
+                  <a:schemeClr val="tx1"/>
+                </a:solidFill>
+                <a:latin typeface="+mn-lt"/>
+                <a:ea typeface="+mn-ea"/>
+                <a:cs typeface="+mn-cs"/>
+              </a:defRPr>
+            </a:lvl2pPr>
+            <a:lvl3pPr marL="1143000" indent="-228600" algn="l" defTabSz="914400" rtl="0" eaLnBrk="1" latinLnBrk="0" hangingPunct="1">
+              <a:lnSpc>
+                <a:spcPct val="90000"/>
+              </a:lnSpc>
+              <a:spcBef>
+                <a:spcPts val="500"/>
+              </a:spcBef>
+              <a:buFont typeface="Arial" panose="020B0604020202020204" pitchFamily="34" charset="0"/>
+              <a:buChar char="•"/>
+              <a:defRPr sz="2000" kern="1200">
+                <a:solidFill>
+                  <a:schemeClr val="tx1"/>
+                </a:solidFill>
+                <a:latin typeface="+mn-lt"/>
+                <a:ea typeface="+mn-ea"/>
+                <a:cs typeface="+mn-cs"/>
+              </a:defRPr>
+            </a:lvl3pPr>
+            <a:lvl4pPr marL="1600200" indent="-228600" algn="l" defTabSz="914400" rtl="0" eaLnBrk="1" latinLnBrk="0" hangingPunct="1">
+              <a:lnSpc>
+                <a:spcPct val="90000"/>
+              </a:lnSpc>
+              <a:spcBef>
+                <a:spcPts val="500"/>
+              </a:spcBef>
+              <a:buFont typeface="Arial" panose="020B0604020202020204" pitchFamily="34" charset="0"/>
+              <a:buChar char="•"/>
+              <a:defRPr sz="1800" kern="1200">
+                <a:solidFill>
+                  <a:schemeClr val="tx1"/>
+                </a:solidFill>
+                <a:latin typeface="+mn-lt"/>
+                <a:ea typeface="+mn-ea"/>
+                <a:cs typeface="+mn-cs"/>
+              </a:defRPr>
+            </a:lvl4pPr>
+            <a:lvl5pPr marL="2057400" indent="-228600" algn="l" defTabSz="914400" rtl="0" eaLnBrk="1" latinLnBrk="0" hangingPunct="1">
+              <a:lnSpc>
+                <a:spcPct val="90000"/>
+              </a:lnSpc>
+              <a:spcBef>
+                <a:spcPts val="500"/>
+              </a:spcBef>
+              <a:buFont typeface="Arial" panose="020B0604020202020204" pitchFamily="34" charset="0"/>
+              <a:buChar char="•"/>
+              <a:defRPr sz="1800" kern="1200">
+                <a:solidFill>
+                  <a:schemeClr val="tx1"/>
+                </a:solidFill>
+                <a:latin typeface="+mn-lt"/>
+                <a:ea typeface="+mn-ea"/>
+                <a:cs typeface="+mn-cs"/>
+              </a:defRPr>
+            </a:lvl5pPr>
+            <a:lvl6pPr marL="2514600" indent="-228600" algn="l" defTabSz="914400" rtl="0" eaLnBrk="1" latinLnBrk="0" hangingPunct="1">
+              <a:lnSpc>
+                <a:spcPct val="90000"/>
+              </a:lnSpc>
+              <a:spcBef>
+                <a:spcPts val="500"/>
+              </a:spcBef>
+              <a:buFont typeface="Arial" panose="020B0604020202020204" pitchFamily="34" charset="0"/>
+              <a:buChar char="•"/>
+              <a:defRPr sz="1800" kern="1200">
+                <a:solidFill>
+                  <a:schemeClr val="tx1"/>
+                </a:solidFill>
+                <a:latin typeface="+mn-lt"/>
+                <a:ea typeface="+mn-ea"/>
+                <a:cs typeface="+mn-cs"/>
+              </a:defRPr>
+            </a:lvl6pPr>
+            <a:lvl7pPr marL="2971800" indent="-228600" algn="l" defTabSz="914400" rtl="0" eaLnBrk="1" latinLnBrk="0" hangingPunct="1">
+              <a:lnSpc>
+                <a:spcPct val="90000"/>
+              </a:lnSpc>
+              <a:spcBef>
+                <a:spcPts val="500"/>
+              </a:spcBef>
+              <a:buFont typeface="Arial" panose="020B0604020202020204" pitchFamily="34" charset="0"/>
+              <a:buChar char="•"/>
+              <a:defRPr sz="1800" kern="1200">
+                <a:solidFill>
+                  <a:schemeClr val="tx1"/>
+                </a:solidFill>
+                <a:latin typeface="+mn-lt"/>
+                <a:ea typeface="+mn-ea"/>
+                <a:cs typeface="+mn-cs"/>
+              </a:defRPr>
+            </a:lvl7pPr>
+            <a:lvl8pPr marL="3429000" indent="-228600" algn="l" defTabSz="914400" rtl="0" eaLnBrk="1" latinLnBrk="0" hangingPunct="1">
+              <a:lnSpc>
+                <a:spcPct val="90000"/>
+              </a:lnSpc>
+              <a:spcBef>
+                <a:spcPts val="500"/>
+              </a:spcBef>
+              <a:buFont typeface="Arial" panose="020B0604020202020204" pitchFamily="34" charset="0"/>
+              <a:buChar char="•"/>
+              <a:defRPr sz="1800" kern="1200">
+                <a:solidFill>
+                  <a:schemeClr val="tx1"/>
+                </a:solidFill>
+                <a:latin typeface="+mn-lt"/>
+                <a:ea typeface="+mn-ea"/>
+                <a:cs typeface="+mn-cs"/>
+              </a:defRPr>
+            </a:lvl8pPr>
+            <a:lvl9pPr marL="3886200" indent="-228600" algn="l" defTabSz="914400" rtl="0" eaLnBrk="1" latinLnBrk="0" hangingPunct="1">
+              <a:lnSpc>
+                <a:spcPct val="90000"/>
+              </a:lnSpc>
+              <a:spcBef>
+                <a:spcPts val="500"/>
+              </a:spcBef>
+              <a:buFont typeface="Arial" panose="020B0604020202020204" pitchFamily="34" charset="0"/>
+              <a:buChar char="•"/>
+              <a:defRPr sz="1800" kern="1200">
+                <a:solidFill>
+                  <a:schemeClr val="tx1"/>
+                </a:solidFill>
+                <a:latin typeface="+mn-lt"/>
+                <a:ea typeface="+mn-ea"/>
+                <a:cs typeface="+mn-cs"/>
+              </a:defRPr>
+            </a:lvl9pPr>
+          </a:lstStyle>
+          <a:p>
+            <a:endParaRPr lang="en-US" dirty="0"/>
+          </a:p>
+        </p:txBody>
+      </p:sp>
+      <p:sp>
+        <p:nvSpPr>
+          <p:cNvPr id="4" name="Content Placeholder 3"/>
+          <p:cNvSpPr>
+            <a:spLocks noGrp="1"/>
+          </p:cNvSpPr>
+          <p:nvPr>
+            <p:ph idx="1"/>
+          </p:nvPr>
+        </p:nvSpPr>
+        <p:spPr/>
+        <p:txBody>
+          <a:bodyPr>
+            <a:normAutofit fontScale="92500" lnSpcReduction="20000"/>
+          </a:bodyPr>
+          <a:lstStyle/>
+          <a:p>
+            <a:r>
+              <a:rPr lang="en-US" dirty="0"/>
+              <a:t>The original </a:t>
+            </a:r>
+            <a:r>
+              <a:rPr lang="en-US" dirty="0" err="1"/>
+              <a:t>kaggle</a:t>
+            </a:r>
+            <a:r>
+              <a:rPr lang="en-US" dirty="0"/>
+              <a:t> problem provides training sales data before 2015, and asks to predict daily sales for stores in 2015</a:t>
+            </a:r>
+          </a:p>
+          <a:p>
+            <a:r>
+              <a:rPr lang="en-US" dirty="0"/>
+              <a:t>Store Specific Method:</a:t>
+            </a:r>
+          </a:p>
+          <a:p>
+            <a:pPr lvl="1"/>
+            <a:r>
+              <a:rPr lang="en-US" dirty="0"/>
+              <a:t>A function is created that will take a 2015 store number as a parameter, it will then create a tuned model for this store based on the training data of the same store in the training data then function will output predicted sales</a:t>
+            </a:r>
+          </a:p>
+          <a:p>
+            <a:r>
+              <a:rPr lang="en-US" dirty="0"/>
+              <a:t>Clustering Method:</a:t>
+            </a:r>
+          </a:p>
+          <a:p>
+            <a:pPr lvl="1"/>
+            <a:r>
+              <a:rPr lang="en-US" dirty="0"/>
+              <a:t>Remove sales and customer data from training data</a:t>
+            </a:r>
+          </a:p>
+          <a:p>
+            <a:pPr lvl="1"/>
+            <a:r>
+              <a:rPr lang="en-US" dirty="0"/>
+              <a:t>Use hierarchical clustering to cluster all rows of data cut into 5 clusters</a:t>
+            </a:r>
+          </a:p>
+          <a:p>
+            <a:pPr lvl="1"/>
+            <a:r>
+              <a:rPr lang="en-US" dirty="0"/>
+              <a:t>Use a </a:t>
+            </a:r>
+            <a:r>
+              <a:rPr lang="en-US" dirty="0" err="1"/>
+              <a:t>lvq</a:t>
+            </a:r>
+            <a:r>
+              <a:rPr lang="en-US" dirty="0"/>
+              <a:t> classification model to predict cluster classification of test data</a:t>
+            </a:r>
+          </a:p>
+          <a:p>
+            <a:pPr lvl="1"/>
+            <a:r>
+              <a:rPr lang="en-US" dirty="0"/>
+              <a:t>Partition training data by cluster</a:t>
+            </a:r>
+          </a:p>
+          <a:p>
+            <a:pPr lvl="1"/>
+            <a:r>
+              <a:rPr lang="en-US" dirty="0"/>
+              <a:t>Use each training partition to train a sales prediction </a:t>
+            </a:r>
+            <a:r>
+              <a:rPr lang="en-US" dirty="0" err="1"/>
+              <a:t>gbm</a:t>
+            </a:r>
+            <a:r>
+              <a:rPr lang="en-US" dirty="0"/>
+              <a:t> model to predict cluster classified test data</a:t>
+            </a:r>
+          </a:p>
+          <a:p>
+            <a:endParaRPr lang="en-US" dirty="0"/>
+          </a:p>
+        </p:txBody>
+      </p:sp>
     </p:spTree>
     <p:extLst>
       <p:ext uri="{BB962C8B-B14F-4D97-AF65-F5344CB8AC3E}">
-        <p14:creationId xmlns:p14="http://schemas.microsoft.com/office/powerpoint/2010/main" val="2385773561"/>
+        <p14:creationId xmlns:p14="http://schemas.microsoft.com/office/powerpoint/2010/main" val="1035613499"/>
       </p:ext>
     </p:extLst>
   </p:cSld>
@@ -8276,7 +8521,7 @@
         <p:spPr>
           <a:xfrm>
             <a:off x="838200" y="2015406"/>
-            <a:ext cx="10515600" cy="1000845"/>
+            <a:ext cx="7446818" cy="1000845"/>
           </a:xfrm>
         </p:spPr>
         <p:txBody>
@@ -8286,9 +8531,12 @@
           <a:lstStyle/>
           <a:p>
             <a:r>
-              <a:rPr lang="en-US" sz="1600" dirty="0"/>
-              <a:t>2. A bar chart showing average sales on days when there was a school holiday and days when there was not. There might be a slight correlation between higher sales and days when there was a school holiday.</a:t>
-            </a:r>
+              <a:rPr lang="en-US" sz="2000" dirty="0"/>
+              <a:t>1. A simple bar chart of average sales by Store Type. Store Type b generally had larger sales numbers</a:t>
+            </a:r>
+          </a:p>
+          <a:p>
+            <a:endParaRPr lang="en-US" sz="1600" dirty="0"/>
           </a:p>
         </p:txBody>
       </p:sp>
@@ -8349,8 +8597,8 @@
         </p:blipFill>
         <p:spPr>
           <a:xfrm>
-            <a:off x="593883" y="3642946"/>
-            <a:ext cx="11004234" cy="2453853"/>
+            <a:off x="8909411" y="1832771"/>
+            <a:ext cx="2444389" cy="4882193"/>
           </a:xfrm>
           <a:prstGeom prst="rect">
             <a:avLst/>
@@ -8360,7 +8608,7 @@
     </p:spTree>
     <p:extLst>
       <p:ext uri="{BB962C8B-B14F-4D97-AF65-F5344CB8AC3E}">
-        <p14:creationId xmlns:p14="http://schemas.microsoft.com/office/powerpoint/2010/main" val="3542369672"/>
+        <p14:creationId xmlns:p14="http://schemas.microsoft.com/office/powerpoint/2010/main" val="2385773561"/>
       </p:ext>
     </p:extLst>
   </p:cSld>
@@ -8597,7 +8845,7 @@
         </p:nvSpPr>
         <p:spPr>
           <a:xfrm>
-            <a:off x="838200" y="1881465"/>
+            <a:off x="838200" y="2015406"/>
             <a:ext cx="10515600" cy="1000845"/>
           </a:xfrm>
         </p:spPr>
@@ -8609,7 +8857,7 @@
           <a:p>
             <a:r>
               <a:rPr lang="en-US" sz="1600" dirty="0"/>
-              <a:t>3. A line graph of average sales by month. December seems to be a peak month.</a:t>
+              <a:t>2. A bar chart showing average sales on days when there was a school holiday and days when there was not. There might be a slight correlation between higher sales and days when there was a school holiday.</a:t>
             </a:r>
           </a:p>
         </p:txBody>
@@ -8657,7 +8905,7 @@
       </p:pic>
       <p:pic>
         <p:nvPicPr>
-          <p:cNvPr id="4" name="Picture 3"/>
+          <p:cNvPr id="5" name="Picture 4"/>
           <p:cNvPicPr>
             <a:picLocks noChangeAspect="1"/>
           </p:cNvPicPr>
@@ -8671,8 +8919,8 @@
         </p:blipFill>
         <p:spPr>
           <a:xfrm>
-            <a:off x="1145309" y="2763490"/>
-            <a:ext cx="9901382" cy="3886897"/>
+            <a:off x="593883" y="3642946"/>
+            <a:ext cx="11004234" cy="2453853"/>
           </a:xfrm>
           <a:prstGeom prst="rect">
             <a:avLst/>
@@ -8682,7 +8930,7 @@
     </p:spTree>
     <p:extLst>
       <p:ext uri="{BB962C8B-B14F-4D97-AF65-F5344CB8AC3E}">
-        <p14:creationId xmlns:p14="http://schemas.microsoft.com/office/powerpoint/2010/main" val="2076217759"/>
+        <p14:creationId xmlns:p14="http://schemas.microsoft.com/office/powerpoint/2010/main" val="3542369672"/>
       </p:ext>
     </p:extLst>
   </p:cSld>
@@ -8931,6 +9179,328 @@
           <a:p>
             <a:r>
               <a:rPr lang="en-US" sz="1600" dirty="0"/>
+              <a:t>3. A line graph of average sales by month. December seems to be a peak month.</a:t>
+            </a:r>
+          </a:p>
+        </p:txBody>
+      </p:sp>
+      <p:pic>
+        <p:nvPicPr>
+          <p:cNvPr id="6" name="Picture 2" descr="Image result for rosmann"/>
+          <p:cNvPicPr>
+            <a:picLocks noChangeAspect="1" noChangeArrowheads="1"/>
+          </p:cNvPicPr>
+          <p:nvPr/>
+        </p:nvPicPr>
+        <p:blipFill>
+          <a:blip r:embed="rId2">
+            <a:extLst>
+              <a:ext uri="{28A0092B-C50C-407E-A947-70E740481C1C}">
+                <a14:useLocalDpi xmlns:a14="http://schemas.microsoft.com/office/drawing/2010/main" val="0"/>
+              </a:ext>
+            </a:extLst>
+          </a:blip>
+          <a:srcRect/>
+          <a:stretch>
+            <a:fillRect/>
+          </a:stretch>
+        </p:blipFill>
+        <p:spPr bwMode="auto">
+          <a:xfrm>
+            <a:off x="9544049" y="864190"/>
+            <a:ext cx="2390775" cy="327432"/>
+          </a:xfrm>
+          <a:prstGeom prst="rect">
+            <a:avLst/>
+          </a:prstGeom>
+          <a:noFill/>
+          <a:extLst>
+            <a:ext uri="{909E8E84-426E-40DD-AFC4-6F175D3DCCD1}">
+              <a14:hiddenFill xmlns:a14="http://schemas.microsoft.com/office/drawing/2010/main">
+                <a:solidFill>
+                  <a:srgbClr val="FFFFFF"/>
+                </a:solidFill>
+              </a14:hiddenFill>
+            </a:ext>
+          </a:extLst>
+        </p:spPr>
+      </p:pic>
+      <p:pic>
+        <p:nvPicPr>
+          <p:cNvPr id="4" name="Picture 3"/>
+          <p:cNvPicPr>
+            <a:picLocks noChangeAspect="1"/>
+          </p:cNvPicPr>
+          <p:nvPr/>
+        </p:nvPicPr>
+        <p:blipFill>
+          <a:blip r:embed="rId3"/>
+          <a:stretch>
+            <a:fillRect/>
+          </a:stretch>
+        </p:blipFill>
+        <p:spPr>
+          <a:xfrm>
+            <a:off x="1145309" y="2763490"/>
+            <a:ext cx="9901382" cy="3886897"/>
+          </a:xfrm>
+          <a:prstGeom prst="rect">
+            <a:avLst/>
+          </a:prstGeom>
+        </p:spPr>
+      </p:pic>
+    </p:spTree>
+    <p:extLst>
+      <p:ext uri="{BB962C8B-B14F-4D97-AF65-F5344CB8AC3E}">
+        <p14:creationId xmlns:p14="http://schemas.microsoft.com/office/powerpoint/2010/main" val="2076217759"/>
+      </p:ext>
+    </p:extLst>
+  </p:cSld>
+  <p:clrMapOvr>
+    <a:overrideClrMapping bg1="dk1" tx1="lt1" bg2="dk2" tx2="lt2" accent1="accent1" accent2="accent2" accent3="accent3" accent4="accent4" accent5="accent5" accent6="accent6" hlink="hlink" folHlink="folHlink"/>
+  </p:clrMapOvr>
+</p:sld>
+</file>
+
+<file path=ppt/slides/slide23.xml><?xml version="1.0" encoding="utf-8"?>
+<p:sld xmlns:a="http://schemas.openxmlformats.org/drawingml/2006/main" xmlns:r="http://schemas.openxmlformats.org/officeDocument/2006/relationships" xmlns:p="http://schemas.openxmlformats.org/presentationml/2006/main">
+  <p:cSld>
+    <p:spTree>
+      <p:nvGrpSpPr>
+        <p:cNvPr id="1" name=""/>
+        <p:cNvGrpSpPr/>
+        <p:nvPr/>
+      </p:nvGrpSpPr>
+      <p:grpSpPr>
+        <a:xfrm>
+          <a:off x="0" y="0"/>
+          <a:ext cx="0" cy="0"/>
+          <a:chOff x="0" y="0"/>
+          <a:chExt cx="0" cy="0"/>
+        </a:xfrm>
+      </p:grpSpPr>
+      <p:sp>
+        <p:nvSpPr>
+          <p:cNvPr id="8" name="Rectangle 7">
+            <a:extLst/>
+          </p:cNvPr>
+          <p:cNvSpPr>
+            <a:spLocks noGrp="1" noRot="1" noChangeAspect="1" noMove="1" noResize="1" noEditPoints="1" noAdjustHandles="1" noChangeArrowheads="1" noChangeShapeType="1" noTextEdit="1"/>
+          </p:cNvSpPr>
+          <p:nvPr>
+            <p:extLst>
+              <p:ext uri="{386F3935-93C4-4BCD-93E2-E3B085C9AB24}">
+                <p16:designElem xmlns:p16="http://schemas.microsoft.com/office/powerpoint/2015/main" val="1"/>
+              </p:ext>
+            </p:extLst>
+          </p:nvPr>
+        </p:nvSpPr>
+        <p:spPr>
+          <a:xfrm>
+            <a:off x="0" y="0"/>
+            <a:ext cx="12192000" cy="1690688"/>
+          </a:xfrm>
+          <a:prstGeom prst="rect">
+            <a:avLst/>
+          </a:prstGeom>
+          <a:solidFill>
+            <a:schemeClr val="tx1"/>
+          </a:solidFill>
+          <a:ln>
+            <a:noFill/>
+          </a:ln>
+        </p:spPr>
+        <p:style>
+          <a:lnRef idx="2">
+            <a:schemeClr val="accent1">
+              <a:shade val="50000"/>
+            </a:schemeClr>
+          </a:lnRef>
+          <a:fillRef idx="1">
+            <a:schemeClr val="accent1"/>
+          </a:fillRef>
+          <a:effectRef idx="0">
+            <a:schemeClr val="accent1"/>
+          </a:effectRef>
+          <a:fontRef idx="minor">
+            <a:schemeClr val="lt1"/>
+          </a:fontRef>
+        </p:style>
+        <p:txBody>
+          <a:bodyPr rtlCol="0" anchor="ctr"/>
+          <a:lstStyle/>
+          <a:p>
+            <a:pPr marL="0" marR="0" lvl="0" indent="0" algn="ctr" defTabSz="914400" rtl="0" eaLnBrk="1" fontAlgn="auto" latinLnBrk="0" hangingPunct="1">
+              <a:lnSpc>
+                <a:spcPct val="100000"/>
+              </a:lnSpc>
+              <a:spcBef>
+                <a:spcPts val="0"/>
+              </a:spcBef>
+              <a:spcAft>
+                <a:spcPts val="0"/>
+              </a:spcAft>
+              <a:buClrTx/>
+              <a:buSzTx/>
+              <a:buFontTx/>
+              <a:buNone/>
+              <a:tabLst/>
+              <a:defRPr/>
+            </a:pPr>
+            <a:endParaRPr kumimoji="0" lang="en-US" sz="1800" b="0" i="0" u="none" strike="noStrike" kern="1200" cap="none" spc="0" normalizeH="0" baseline="0" noProof="0">
+              <a:ln>
+                <a:noFill/>
+              </a:ln>
+              <a:solidFill>
+                <a:prstClr val="white"/>
+              </a:solidFill>
+              <a:effectLst/>
+              <a:uLnTx/>
+              <a:uFillTx/>
+              <a:latin typeface="Calibri" panose="020F0502020204030204"/>
+              <a:ea typeface="+mn-ea"/>
+              <a:cs typeface="+mn-cs"/>
+            </a:endParaRPr>
+          </a:p>
+        </p:txBody>
+      </p:sp>
+      <p:sp useBgFill="1">
+        <p:nvSpPr>
+          <p:cNvPr id="10" name="Rectangle 9"/>
+          <p:cNvSpPr>
+            <a:spLocks noGrp="1" noRot="1" noChangeAspect="1" noMove="1" noResize="1" noEditPoints="1" noAdjustHandles="1" noChangeArrowheads="1" noChangeShapeType="1" noTextEdit="1"/>
+          </p:cNvSpPr>
+          <p:nvPr>
+            <p:extLst>
+              <p:ext uri="{386F3935-93C4-4BCD-93E2-E3B085C9AB24}">
+                <p16:designElem xmlns:p16="http://schemas.microsoft.com/office/powerpoint/2015/main" val="1"/>
+              </p:ext>
+            </p:extLst>
+          </p:nvPr>
+        </p:nvSpPr>
+        <p:spPr>
+          <a:xfrm>
+            <a:off x="0" y="1690688"/>
+            <a:ext cx="12192000" cy="5166360"/>
+          </a:xfrm>
+          <a:prstGeom prst="rect">
+            <a:avLst/>
+          </a:prstGeom>
+          <a:ln>
+            <a:noFill/>
+          </a:ln>
+        </p:spPr>
+        <p:style>
+          <a:lnRef idx="2">
+            <a:schemeClr val="accent1">
+              <a:shade val="50000"/>
+            </a:schemeClr>
+          </a:lnRef>
+          <a:fillRef idx="1">
+            <a:schemeClr val="accent1"/>
+          </a:fillRef>
+          <a:effectRef idx="0">
+            <a:schemeClr val="accent1"/>
+          </a:effectRef>
+          <a:fontRef idx="minor">
+            <a:schemeClr val="lt1"/>
+          </a:fontRef>
+        </p:style>
+        <p:txBody>
+          <a:bodyPr rtlCol="0" anchor="ctr"/>
+          <a:lstStyle/>
+          <a:p>
+            <a:pPr marL="0" marR="0" lvl="0" indent="0" algn="ctr" defTabSz="914400" rtl="0" eaLnBrk="1" fontAlgn="auto" latinLnBrk="0" hangingPunct="1">
+              <a:lnSpc>
+                <a:spcPct val="100000"/>
+              </a:lnSpc>
+              <a:spcBef>
+                <a:spcPts val="0"/>
+              </a:spcBef>
+              <a:spcAft>
+                <a:spcPts val="0"/>
+              </a:spcAft>
+              <a:buClrTx/>
+              <a:buSzTx/>
+              <a:buFontTx/>
+              <a:buNone/>
+              <a:tabLst/>
+              <a:defRPr/>
+            </a:pPr>
+            <a:endParaRPr kumimoji="0" lang="en-US" sz="1800" b="0" i="0" u="none" strike="noStrike" kern="1200" cap="none" spc="0" normalizeH="0" baseline="0" noProof="0">
+              <a:ln>
+                <a:noFill/>
+              </a:ln>
+              <a:solidFill>
+                <a:prstClr val="white"/>
+              </a:solidFill>
+              <a:effectLst/>
+              <a:uLnTx/>
+              <a:uFillTx/>
+              <a:latin typeface="Calibri" panose="020F0502020204030204"/>
+              <a:ea typeface="+mn-ea"/>
+              <a:cs typeface="+mn-cs"/>
+            </a:endParaRPr>
+          </a:p>
+        </p:txBody>
+      </p:sp>
+      <p:sp>
+        <p:nvSpPr>
+          <p:cNvPr id="2" name="Title 1"/>
+          <p:cNvSpPr>
+            <a:spLocks noGrp="1"/>
+          </p:cNvSpPr>
+          <p:nvPr>
+            <p:ph type="title"/>
+          </p:nvPr>
+        </p:nvSpPr>
+        <p:spPr>
+          <a:xfrm>
+            <a:off x="838200" y="365125"/>
+            <a:ext cx="10515600" cy="1325563"/>
+          </a:xfrm>
+        </p:spPr>
+        <p:txBody>
+          <a:bodyPr>
+            <a:normAutofit/>
+          </a:bodyPr>
+          <a:lstStyle/>
+          <a:p>
+            <a:r>
+              <a:rPr lang="en-US" dirty="0">
+                <a:solidFill>
+                  <a:srgbClr val="FFC000"/>
+                </a:solidFill>
+              </a:rPr>
+              <a:t>Appendix</a:t>
+            </a:r>
+          </a:p>
+        </p:txBody>
+      </p:sp>
+      <p:sp>
+        <p:nvSpPr>
+          <p:cNvPr id="3" name="Content Placeholder 2"/>
+          <p:cNvSpPr>
+            <a:spLocks noGrp="1"/>
+          </p:cNvSpPr>
+          <p:nvPr>
+            <p:ph idx="1"/>
+          </p:nvPr>
+        </p:nvSpPr>
+        <p:spPr>
+          <a:xfrm>
+            <a:off x="838200" y="1881465"/>
+            <a:ext cx="10515600" cy="1000845"/>
+          </a:xfrm>
+        </p:spPr>
+        <p:txBody>
+          <a:bodyPr anchor="ctr">
+            <a:normAutofit/>
+          </a:bodyPr>
+          <a:lstStyle/>
+          <a:p>
+            <a:r>
+              <a:rPr lang="en-US" sz="1600" dirty="0"/>
               <a:t>4. Results of PCA and Plot PC1 and PC 2</a:t>
             </a:r>
           </a:p>
@@ -11004,8 +11574,8 @@
           </a:p>
         </p:txBody>
       </p:sp>
-      <mc:AlternateContent xmlns:mc="http://schemas.openxmlformats.org/markup-compatibility/2006">
-        <mc:Choice xmlns:a14="http://schemas.microsoft.com/office/drawing/2010/main" Requires="a14">
+      <mc:AlternateContent xmlns:mc="http://schemas.openxmlformats.org/markup-compatibility/2006" xmlns:a14="http://schemas.microsoft.com/office/drawing/2010/main">
+        <mc:Choice Requires="a14">
           <p:sp>
             <p:nvSpPr>
               <p:cNvPr id="3" name="Content Placeholder 2"/>
@@ -11402,7 +11972,7 @@
             </p:txBody>
           </p:sp>
         </mc:Choice>
-        <mc:Fallback>
+        <mc:Fallback xmlns="">
           <p:sp>
             <p:nvSpPr>
               <p:cNvPr id="3" name="Content Placeholder 2"/>

--- a/FinalPresentation.pptx
+++ b/FinalPresentation.pptx
@@ -24,10 +24,11 @@
     <p:sldId id="263" r:id="rId18"/>
     <p:sldId id="280" r:id="rId19"/>
     <p:sldId id="283" r:id="rId20"/>
-    <p:sldId id="274" r:id="rId21"/>
-    <p:sldId id="275" r:id="rId22"/>
-    <p:sldId id="276" r:id="rId23"/>
-    <p:sldId id="281" r:id="rId24"/>
+    <p:sldId id="284" r:id="rId21"/>
+    <p:sldId id="274" r:id="rId22"/>
+    <p:sldId id="275" r:id="rId23"/>
+    <p:sldId id="276" r:id="rId24"/>
+    <p:sldId id="281" r:id="rId25"/>
   </p:sldIdLst>
   <p:sldSz cx="12192000" cy="6858000"/>
   <p:notesSz cx="6858000" cy="9144000"/>
@@ -8500,43 +8501,16 @@
             <a:r>
               <a:rPr lang="en-US" dirty="0">
                 <a:solidFill>
-                  <a:srgbClr val="FFC000"/>
+                  <a:schemeClr val="bg1"/>
                 </a:solidFill>
               </a:rPr>
-              <a:t>Appendix</a:t>
-            </a:r>
-          </a:p>
-        </p:txBody>
-      </p:sp>
-      <p:sp>
-        <p:nvSpPr>
-          <p:cNvPr id="3" name="Content Placeholder 2"/>
-          <p:cNvSpPr>
-            <a:spLocks noGrp="1"/>
-          </p:cNvSpPr>
-          <p:nvPr>
-            <p:ph idx="1"/>
-          </p:nvPr>
-        </p:nvSpPr>
-        <p:spPr>
-          <a:xfrm>
-            <a:off x="838200" y="2015406"/>
-            <a:ext cx="7446818" cy="1000845"/>
-          </a:xfrm>
-        </p:spPr>
-        <p:txBody>
-          <a:bodyPr anchor="ctr">
-            <a:normAutofit/>
-          </a:bodyPr>
-          <a:lstStyle/>
-          <a:p>
-            <a:r>
-              <a:rPr lang="en-US" sz="2000" dirty="0"/>
-              <a:t>1. A simple bar chart of average sales by Store Type. Store Type b generally had larger sales numbers</a:t>
-            </a:r>
-          </a:p>
-          <a:p>
-            <a:endParaRPr lang="en-US" sz="1600" dirty="0"/>
+              <a:t>Possible Additions/Alternatives</a:t>
+            </a:r>
+            <a:endParaRPr lang="en-US" b="1" dirty="0">
+              <a:solidFill>
+                <a:schemeClr val="bg1"/>
+              </a:solidFill>
+            </a:endParaRPr>
           </a:p>
         </p:txBody>
       </p:sp>
@@ -8581,34 +8555,372 @@
           </a:extLst>
         </p:spPr>
       </p:pic>
-      <p:pic>
-        <p:nvPicPr>
-          <p:cNvPr id="5" name="Picture 4"/>
-          <p:cNvPicPr>
-            <a:picLocks noChangeAspect="1"/>
-          </p:cNvPicPr>
+      <p:sp>
+        <p:nvSpPr>
+          <p:cNvPr id="7" name="Content Placeholder 2"/>
+          <p:cNvSpPr txBox="1">
+            <a:spLocks/>
+          </p:cNvSpPr>
           <p:nvPr/>
-        </p:nvPicPr>
-        <p:blipFill>
-          <a:blip r:embed="rId3"/>
-          <a:stretch>
-            <a:fillRect/>
-          </a:stretch>
-        </p:blipFill>
+        </p:nvSpPr>
         <p:spPr>
           <a:xfrm>
-            <a:off x="8909411" y="1832771"/>
-            <a:ext cx="2444389" cy="4882193"/>
+            <a:off x="653642" y="4196398"/>
+            <a:ext cx="10515600" cy="4351338"/>
           </a:xfrm>
           <a:prstGeom prst="rect">
             <a:avLst/>
           </a:prstGeom>
         </p:spPr>
-      </p:pic>
+        <p:txBody>
+          <a:bodyPr vert="horz" lIns="91440" tIns="45720" rIns="91440" bIns="45720" rtlCol="0">
+            <a:normAutofit/>
+          </a:bodyPr>
+          <a:lstStyle>
+            <a:lvl1pPr marL="228600" indent="-228600" algn="l" defTabSz="914400" rtl="0" eaLnBrk="1" latinLnBrk="0" hangingPunct="1">
+              <a:lnSpc>
+                <a:spcPct val="90000"/>
+              </a:lnSpc>
+              <a:spcBef>
+                <a:spcPts val="1000"/>
+              </a:spcBef>
+              <a:buFont typeface="Arial" panose="020B0604020202020204" pitchFamily="34" charset="0"/>
+              <a:buChar char="•"/>
+              <a:defRPr sz="2800" kern="1200">
+                <a:solidFill>
+                  <a:schemeClr val="tx1"/>
+                </a:solidFill>
+                <a:latin typeface="+mn-lt"/>
+                <a:ea typeface="+mn-ea"/>
+                <a:cs typeface="+mn-cs"/>
+              </a:defRPr>
+            </a:lvl1pPr>
+            <a:lvl2pPr marL="685800" indent="-228600" algn="l" defTabSz="914400" rtl="0" eaLnBrk="1" latinLnBrk="0" hangingPunct="1">
+              <a:lnSpc>
+                <a:spcPct val="90000"/>
+              </a:lnSpc>
+              <a:spcBef>
+                <a:spcPts val="500"/>
+              </a:spcBef>
+              <a:buFont typeface="Arial" panose="020B0604020202020204" pitchFamily="34" charset="0"/>
+              <a:buChar char="•"/>
+              <a:defRPr sz="2400" kern="1200">
+                <a:solidFill>
+                  <a:schemeClr val="tx1"/>
+                </a:solidFill>
+                <a:latin typeface="+mn-lt"/>
+                <a:ea typeface="+mn-ea"/>
+                <a:cs typeface="+mn-cs"/>
+              </a:defRPr>
+            </a:lvl2pPr>
+            <a:lvl3pPr marL="1143000" indent="-228600" algn="l" defTabSz="914400" rtl="0" eaLnBrk="1" latinLnBrk="0" hangingPunct="1">
+              <a:lnSpc>
+                <a:spcPct val="90000"/>
+              </a:lnSpc>
+              <a:spcBef>
+                <a:spcPts val="500"/>
+              </a:spcBef>
+              <a:buFont typeface="Arial" panose="020B0604020202020204" pitchFamily="34" charset="0"/>
+              <a:buChar char="•"/>
+              <a:defRPr sz="2000" kern="1200">
+                <a:solidFill>
+                  <a:schemeClr val="tx1"/>
+                </a:solidFill>
+                <a:latin typeface="+mn-lt"/>
+                <a:ea typeface="+mn-ea"/>
+                <a:cs typeface="+mn-cs"/>
+              </a:defRPr>
+            </a:lvl3pPr>
+            <a:lvl4pPr marL="1600200" indent="-228600" algn="l" defTabSz="914400" rtl="0" eaLnBrk="1" latinLnBrk="0" hangingPunct="1">
+              <a:lnSpc>
+                <a:spcPct val="90000"/>
+              </a:lnSpc>
+              <a:spcBef>
+                <a:spcPts val="500"/>
+              </a:spcBef>
+              <a:buFont typeface="Arial" panose="020B0604020202020204" pitchFamily="34" charset="0"/>
+              <a:buChar char="•"/>
+              <a:defRPr sz="1800" kern="1200">
+                <a:solidFill>
+                  <a:schemeClr val="tx1"/>
+                </a:solidFill>
+                <a:latin typeface="+mn-lt"/>
+                <a:ea typeface="+mn-ea"/>
+                <a:cs typeface="+mn-cs"/>
+              </a:defRPr>
+            </a:lvl4pPr>
+            <a:lvl5pPr marL="2057400" indent="-228600" algn="l" defTabSz="914400" rtl="0" eaLnBrk="1" latinLnBrk="0" hangingPunct="1">
+              <a:lnSpc>
+                <a:spcPct val="90000"/>
+              </a:lnSpc>
+              <a:spcBef>
+                <a:spcPts val="500"/>
+              </a:spcBef>
+              <a:buFont typeface="Arial" panose="020B0604020202020204" pitchFamily="34" charset="0"/>
+              <a:buChar char="•"/>
+              <a:defRPr sz="1800" kern="1200">
+                <a:solidFill>
+                  <a:schemeClr val="tx1"/>
+                </a:solidFill>
+                <a:latin typeface="+mn-lt"/>
+                <a:ea typeface="+mn-ea"/>
+                <a:cs typeface="+mn-cs"/>
+              </a:defRPr>
+            </a:lvl5pPr>
+            <a:lvl6pPr marL="2514600" indent="-228600" algn="l" defTabSz="914400" rtl="0" eaLnBrk="1" latinLnBrk="0" hangingPunct="1">
+              <a:lnSpc>
+                <a:spcPct val="90000"/>
+              </a:lnSpc>
+              <a:spcBef>
+                <a:spcPts val="500"/>
+              </a:spcBef>
+              <a:buFont typeface="Arial" panose="020B0604020202020204" pitchFamily="34" charset="0"/>
+              <a:buChar char="•"/>
+              <a:defRPr sz="1800" kern="1200">
+                <a:solidFill>
+                  <a:schemeClr val="tx1"/>
+                </a:solidFill>
+                <a:latin typeface="+mn-lt"/>
+                <a:ea typeface="+mn-ea"/>
+                <a:cs typeface="+mn-cs"/>
+              </a:defRPr>
+            </a:lvl6pPr>
+            <a:lvl7pPr marL="2971800" indent="-228600" algn="l" defTabSz="914400" rtl="0" eaLnBrk="1" latinLnBrk="0" hangingPunct="1">
+              <a:lnSpc>
+                <a:spcPct val="90000"/>
+              </a:lnSpc>
+              <a:spcBef>
+                <a:spcPts val="500"/>
+              </a:spcBef>
+              <a:buFont typeface="Arial" panose="020B0604020202020204" pitchFamily="34" charset="0"/>
+              <a:buChar char="•"/>
+              <a:defRPr sz="1800" kern="1200">
+                <a:solidFill>
+                  <a:schemeClr val="tx1"/>
+                </a:solidFill>
+                <a:latin typeface="+mn-lt"/>
+                <a:ea typeface="+mn-ea"/>
+                <a:cs typeface="+mn-cs"/>
+              </a:defRPr>
+            </a:lvl7pPr>
+            <a:lvl8pPr marL="3429000" indent="-228600" algn="l" defTabSz="914400" rtl="0" eaLnBrk="1" latinLnBrk="0" hangingPunct="1">
+              <a:lnSpc>
+                <a:spcPct val="90000"/>
+              </a:lnSpc>
+              <a:spcBef>
+                <a:spcPts val="500"/>
+              </a:spcBef>
+              <a:buFont typeface="Arial" panose="020B0604020202020204" pitchFamily="34" charset="0"/>
+              <a:buChar char="•"/>
+              <a:defRPr sz="1800" kern="1200">
+                <a:solidFill>
+                  <a:schemeClr val="tx1"/>
+                </a:solidFill>
+                <a:latin typeface="+mn-lt"/>
+                <a:ea typeface="+mn-ea"/>
+                <a:cs typeface="+mn-cs"/>
+              </a:defRPr>
+            </a:lvl8pPr>
+            <a:lvl9pPr marL="3886200" indent="-228600" algn="l" defTabSz="914400" rtl="0" eaLnBrk="1" latinLnBrk="0" hangingPunct="1">
+              <a:lnSpc>
+                <a:spcPct val="90000"/>
+              </a:lnSpc>
+              <a:spcBef>
+                <a:spcPts val="500"/>
+              </a:spcBef>
+              <a:buFont typeface="Arial" panose="020B0604020202020204" pitchFamily="34" charset="0"/>
+              <a:buChar char="•"/>
+              <a:defRPr sz="1800" kern="1200">
+                <a:solidFill>
+                  <a:schemeClr val="tx1"/>
+                </a:solidFill>
+                <a:latin typeface="+mn-lt"/>
+                <a:ea typeface="+mn-ea"/>
+                <a:cs typeface="+mn-cs"/>
+              </a:defRPr>
+            </a:lvl9pPr>
+          </a:lstStyle>
+          <a:p>
+            <a:pPr marL="228600" marR="0" lvl="0" indent="-228600" algn="l" defTabSz="914400" rtl="0" eaLnBrk="1" fontAlgn="auto" latinLnBrk="0" hangingPunct="1">
+              <a:lnSpc>
+                <a:spcPct val="90000"/>
+              </a:lnSpc>
+              <a:spcBef>
+                <a:spcPts val="1000"/>
+              </a:spcBef>
+              <a:spcAft>
+                <a:spcPts val="0"/>
+              </a:spcAft>
+              <a:buClrTx/>
+              <a:buSzTx/>
+              <a:buFont typeface="Arial" panose="020B0604020202020204" pitchFamily="34" charset="0"/>
+              <a:buChar char="•"/>
+              <a:tabLst/>
+              <a:defRPr/>
+            </a:pPr>
+            <a:endParaRPr kumimoji="0" lang="en-US" sz="2800" b="0" i="0" u="none" strike="noStrike" kern="1200" cap="none" spc="0" normalizeH="0" baseline="0" noProof="0" dirty="0">
+              <a:ln>
+                <a:noFill/>
+              </a:ln>
+              <a:solidFill>
+                <a:prstClr val="white"/>
+              </a:solidFill>
+              <a:effectLst/>
+              <a:uLnTx/>
+              <a:uFillTx/>
+              <a:latin typeface="Calibri" panose="020F0502020204030204"/>
+              <a:ea typeface="+mn-ea"/>
+              <a:cs typeface="+mn-cs"/>
+            </a:endParaRPr>
+          </a:p>
+        </p:txBody>
+      </p:sp>
+      <p:sp>
+        <p:nvSpPr>
+          <p:cNvPr id="4" name="Content Placeholder 3"/>
+          <p:cNvSpPr>
+            <a:spLocks noGrp="1"/>
+          </p:cNvSpPr>
+          <p:nvPr>
+            <p:ph idx="1"/>
+          </p:nvPr>
+        </p:nvSpPr>
+        <p:spPr/>
+        <p:txBody>
+          <a:bodyPr>
+            <a:normAutofit fontScale="92500" lnSpcReduction="20000"/>
+          </a:bodyPr>
+          <a:lstStyle/>
+          <a:p>
+            <a:r>
+              <a:rPr lang="en-US" dirty="0"/>
+              <a:t>Average daily sales: </a:t>
+            </a:r>
+            <a:r>
+              <a:rPr lang="en-US" sz="2000" dirty="0"/>
+              <a:t>$</a:t>
+            </a:r>
+            <a:r>
+              <a:rPr lang="en-US" altLang="en-US" sz="2000" dirty="0">
+                <a:solidFill>
+                  <a:srgbClr val="FFFFFF"/>
+                </a:solidFill>
+                <a:latin typeface="Lucida Console" panose="020B0609040504020204" pitchFamily="49" charset="0"/>
+              </a:rPr>
+              <a:t>5773.82</a:t>
+            </a:r>
+            <a:endParaRPr lang="en-US" dirty="0"/>
+          </a:p>
+          <a:p>
+            <a:r>
+              <a:rPr lang="en-US" dirty="0"/>
+              <a:t>Results for  Store Specific Method:</a:t>
+            </a:r>
+          </a:p>
+          <a:p>
+            <a:pPr lvl="1"/>
+            <a:r>
+              <a:rPr lang="en-US" dirty="0"/>
+              <a:t>Mean Absolute Error:</a:t>
+            </a:r>
+          </a:p>
+          <a:p>
+            <a:pPr lvl="2"/>
+            <a:r>
+              <a:rPr lang="en-US" dirty="0" err="1"/>
+              <a:t>randomForest</a:t>
+            </a:r>
+            <a:r>
+              <a:rPr lang="en-US" dirty="0"/>
+              <a:t> Model:  $551.274</a:t>
+            </a:r>
+          </a:p>
+          <a:p>
+            <a:pPr lvl="2"/>
+            <a:r>
+              <a:rPr lang="en-US" dirty="0">
+                <a:solidFill>
+                  <a:schemeClr val="accent2">
+                    <a:lumMod val="75000"/>
+                  </a:schemeClr>
+                </a:solidFill>
+              </a:rPr>
+              <a:t>GBM Model:  $457.27</a:t>
+            </a:r>
+          </a:p>
+          <a:p>
+            <a:pPr lvl="2"/>
+            <a:r>
+              <a:rPr lang="en-US" dirty="0"/>
+              <a:t>GAM Model: $564.02</a:t>
+            </a:r>
+          </a:p>
+          <a:p>
+            <a:r>
+              <a:rPr lang="en-US" dirty="0"/>
+              <a:t>Clustering Method:</a:t>
+            </a:r>
+          </a:p>
+          <a:p>
+            <a:pPr lvl="1"/>
+            <a:r>
+              <a:rPr lang="en-US" dirty="0"/>
+              <a:t>Remove sales and customer data from training data</a:t>
+            </a:r>
+          </a:p>
+          <a:p>
+            <a:pPr lvl="1"/>
+            <a:r>
+              <a:rPr lang="en-US" dirty="0"/>
+              <a:t>Use hierarchical clustering to cluster all rows of data cut into 5 clusters</a:t>
+            </a:r>
+          </a:p>
+          <a:p>
+            <a:pPr lvl="1"/>
+            <a:r>
+              <a:rPr lang="en-US" dirty="0"/>
+              <a:t>Use a </a:t>
+            </a:r>
+            <a:r>
+              <a:rPr lang="en-US" dirty="0" err="1"/>
+              <a:t>lvq</a:t>
+            </a:r>
+            <a:r>
+              <a:rPr lang="en-US" dirty="0"/>
+              <a:t> classification model to predict cluster classification of test data</a:t>
+            </a:r>
+          </a:p>
+          <a:p>
+            <a:pPr lvl="1"/>
+            <a:r>
+              <a:rPr lang="en-US" dirty="0"/>
+              <a:t>Partition training data by cluster</a:t>
+            </a:r>
+          </a:p>
+          <a:p>
+            <a:pPr lvl="1"/>
+            <a:r>
+              <a:rPr lang="en-US" dirty="0"/>
+              <a:t>Use each training partition to train a sales prediction </a:t>
+            </a:r>
+            <a:r>
+              <a:rPr lang="en-US" dirty="0" err="1"/>
+              <a:t>gbm</a:t>
+            </a:r>
+            <a:r>
+              <a:rPr lang="en-US" dirty="0"/>
+              <a:t> model to predict cluster classified test data</a:t>
+            </a:r>
+          </a:p>
+          <a:p>
+            <a:endParaRPr lang="en-US" dirty="0"/>
+          </a:p>
+        </p:txBody>
+      </p:sp>
     </p:spTree>
     <p:extLst>
       <p:ext uri="{BB962C8B-B14F-4D97-AF65-F5344CB8AC3E}">
-        <p14:creationId xmlns:p14="http://schemas.microsoft.com/office/powerpoint/2010/main" val="2385773561"/>
+        <p14:creationId xmlns:p14="http://schemas.microsoft.com/office/powerpoint/2010/main" val="240686190"/>
       </p:ext>
     </p:extLst>
   </p:cSld>
@@ -8846,7 +9158,7 @@
         <p:spPr>
           <a:xfrm>
             <a:off x="838200" y="2015406"/>
-            <a:ext cx="10515600" cy="1000845"/>
+            <a:ext cx="7446818" cy="1000845"/>
           </a:xfrm>
         </p:spPr>
         <p:txBody>
@@ -8856,9 +9168,12 @@
           <a:lstStyle/>
           <a:p>
             <a:r>
-              <a:rPr lang="en-US" sz="1600" dirty="0"/>
-              <a:t>2. A bar chart showing average sales on days when there was a school holiday and days when there was not. There might be a slight correlation between higher sales and days when there was a school holiday.</a:t>
-            </a:r>
+              <a:rPr lang="en-US" sz="2000" dirty="0"/>
+              <a:t>1. A simple bar chart of average sales by Store Type. Store Type b generally had larger sales numbers</a:t>
+            </a:r>
+          </a:p>
+          <a:p>
+            <a:endParaRPr lang="en-US" sz="1600" dirty="0"/>
           </a:p>
         </p:txBody>
       </p:sp>
@@ -8919,8 +9234,8 @@
         </p:blipFill>
         <p:spPr>
           <a:xfrm>
-            <a:off x="593883" y="3642946"/>
-            <a:ext cx="11004234" cy="2453853"/>
+            <a:off x="8909411" y="1832771"/>
+            <a:ext cx="2444389" cy="4882193"/>
           </a:xfrm>
           <a:prstGeom prst="rect">
             <a:avLst/>
@@ -8930,7 +9245,7 @@
     </p:spTree>
     <p:extLst>
       <p:ext uri="{BB962C8B-B14F-4D97-AF65-F5344CB8AC3E}">
-        <p14:creationId xmlns:p14="http://schemas.microsoft.com/office/powerpoint/2010/main" val="3542369672"/>
+        <p14:creationId xmlns:p14="http://schemas.microsoft.com/office/powerpoint/2010/main" val="2385773561"/>
       </p:ext>
     </p:extLst>
   </p:cSld>
@@ -9167,7 +9482,7 @@
         </p:nvSpPr>
         <p:spPr>
           <a:xfrm>
-            <a:off x="838200" y="1881465"/>
+            <a:off x="838200" y="2015406"/>
             <a:ext cx="10515600" cy="1000845"/>
           </a:xfrm>
         </p:spPr>
@@ -9179,7 +9494,7 @@
           <a:p>
             <a:r>
               <a:rPr lang="en-US" sz="1600" dirty="0"/>
-              <a:t>3. A line graph of average sales by month. December seems to be a peak month.</a:t>
+              <a:t>2. A bar chart showing average sales on days when there was a school holiday and days when there was not. There might be a slight correlation between higher sales and days when there was a school holiday.</a:t>
             </a:r>
           </a:p>
         </p:txBody>
@@ -9227,6 +9542,328 @@
       </p:pic>
       <p:pic>
         <p:nvPicPr>
+          <p:cNvPr id="5" name="Picture 4"/>
+          <p:cNvPicPr>
+            <a:picLocks noChangeAspect="1"/>
+          </p:cNvPicPr>
+          <p:nvPr/>
+        </p:nvPicPr>
+        <p:blipFill>
+          <a:blip r:embed="rId3"/>
+          <a:stretch>
+            <a:fillRect/>
+          </a:stretch>
+        </p:blipFill>
+        <p:spPr>
+          <a:xfrm>
+            <a:off x="593883" y="3642946"/>
+            <a:ext cx="11004234" cy="2453853"/>
+          </a:xfrm>
+          <a:prstGeom prst="rect">
+            <a:avLst/>
+          </a:prstGeom>
+        </p:spPr>
+      </p:pic>
+    </p:spTree>
+    <p:extLst>
+      <p:ext uri="{BB962C8B-B14F-4D97-AF65-F5344CB8AC3E}">
+        <p14:creationId xmlns:p14="http://schemas.microsoft.com/office/powerpoint/2010/main" val="3542369672"/>
+      </p:ext>
+    </p:extLst>
+  </p:cSld>
+  <p:clrMapOvr>
+    <a:overrideClrMapping bg1="dk1" tx1="lt1" bg2="dk2" tx2="lt2" accent1="accent1" accent2="accent2" accent3="accent3" accent4="accent4" accent5="accent5" accent6="accent6" hlink="hlink" folHlink="folHlink"/>
+  </p:clrMapOvr>
+</p:sld>
+</file>
+
+<file path=ppt/slides/slide23.xml><?xml version="1.0" encoding="utf-8"?>
+<p:sld xmlns:a="http://schemas.openxmlformats.org/drawingml/2006/main" xmlns:r="http://schemas.openxmlformats.org/officeDocument/2006/relationships" xmlns:p="http://schemas.openxmlformats.org/presentationml/2006/main">
+  <p:cSld>
+    <p:spTree>
+      <p:nvGrpSpPr>
+        <p:cNvPr id="1" name=""/>
+        <p:cNvGrpSpPr/>
+        <p:nvPr/>
+      </p:nvGrpSpPr>
+      <p:grpSpPr>
+        <a:xfrm>
+          <a:off x="0" y="0"/>
+          <a:ext cx="0" cy="0"/>
+          <a:chOff x="0" y="0"/>
+          <a:chExt cx="0" cy="0"/>
+        </a:xfrm>
+      </p:grpSpPr>
+      <p:sp>
+        <p:nvSpPr>
+          <p:cNvPr id="8" name="Rectangle 7">
+            <a:extLst/>
+          </p:cNvPr>
+          <p:cNvSpPr>
+            <a:spLocks noGrp="1" noRot="1" noChangeAspect="1" noMove="1" noResize="1" noEditPoints="1" noAdjustHandles="1" noChangeArrowheads="1" noChangeShapeType="1" noTextEdit="1"/>
+          </p:cNvSpPr>
+          <p:nvPr>
+            <p:extLst>
+              <p:ext uri="{386F3935-93C4-4BCD-93E2-E3B085C9AB24}">
+                <p16:designElem xmlns:p16="http://schemas.microsoft.com/office/powerpoint/2015/main" val="1"/>
+              </p:ext>
+            </p:extLst>
+          </p:nvPr>
+        </p:nvSpPr>
+        <p:spPr>
+          <a:xfrm>
+            <a:off x="0" y="0"/>
+            <a:ext cx="12192000" cy="1690688"/>
+          </a:xfrm>
+          <a:prstGeom prst="rect">
+            <a:avLst/>
+          </a:prstGeom>
+          <a:solidFill>
+            <a:schemeClr val="tx1"/>
+          </a:solidFill>
+          <a:ln>
+            <a:noFill/>
+          </a:ln>
+        </p:spPr>
+        <p:style>
+          <a:lnRef idx="2">
+            <a:schemeClr val="accent1">
+              <a:shade val="50000"/>
+            </a:schemeClr>
+          </a:lnRef>
+          <a:fillRef idx="1">
+            <a:schemeClr val="accent1"/>
+          </a:fillRef>
+          <a:effectRef idx="0">
+            <a:schemeClr val="accent1"/>
+          </a:effectRef>
+          <a:fontRef idx="minor">
+            <a:schemeClr val="lt1"/>
+          </a:fontRef>
+        </p:style>
+        <p:txBody>
+          <a:bodyPr rtlCol="0" anchor="ctr"/>
+          <a:lstStyle/>
+          <a:p>
+            <a:pPr marL="0" marR="0" lvl="0" indent="0" algn="ctr" defTabSz="914400" rtl="0" eaLnBrk="1" fontAlgn="auto" latinLnBrk="0" hangingPunct="1">
+              <a:lnSpc>
+                <a:spcPct val="100000"/>
+              </a:lnSpc>
+              <a:spcBef>
+                <a:spcPts val="0"/>
+              </a:spcBef>
+              <a:spcAft>
+                <a:spcPts val="0"/>
+              </a:spcAft>
+              <a:buClrTx/>
+              <a:buSzTx/>
+              <a:buFontTx/>
+              <a:buNone/>
+              <a:tabLst/>
+              <a:defRPr/>
+            </a:pPr>
+            <a:endParaRPr kumimoji="0" lang="en-US" sz="1800" b="0" i="0" u="none" strike="noStrike" kern="1200" cap="none" spc="0" normalizeH="0" baseline="0" noProof="0">
+              <a:ln>
+                <a:noFill/>
+              </a:ln>
+              <a:solidFill>
+                <a:prstClr val="white"/>
+              </a:solidFill>
+              <a:effectLst/>
+              <a:uLnTx/>
+              <a:uFillTx/>
+              <a:latin typeface="Calibri" panose="020F0502020204030204"/>
+              <a:ea typeface="+mn-ea"/>
+              <a:cs typeface="+mn-cs"/>
+            </a:endParaRPr>
+          </a:p>
+        </p:txBody>
+      </p:sp>
+      <p:sp useBgFill="1">
+        <p:nvSpPr>
+          <p:cNvPr id="10" name="Rectangle 9"/>
+          <p:cNvSpPr>
+            <a:spLocks noGrp="1" noRot="1" noChangeAspect="1" noMove="1" noResize="1" noEditPoints="1" noAdjustHandles="1" noChangeArrowheads="1" noChangeShapeType="1" noTextEdit="1"/>
+          </p:cNvSpPr>
+          <p:nvPr>
+            <p:extLst>
+              <p:ext uri="{386F3935-93C4-4BCD-93E2-E3B085C9AB24}">
+                <p16:designElem xmlns:p16="http://schemas.microsoft.com/office/powerpoint/2015/main" val="1"/>
+              </p:ext>
+            </p:extLst>
+          </p:nvPr>
+        </p:nvSpPr>
+        <p:spPr>
+          <a:xfrm>
+            <a:off x="0" y="1690688"/>
+            <a:ext cx="12192000" cy="5166360"/>
+          </a:xfrm>
+          <a:prstGeom prst="rect">
+            <a:avLst/>
+          </a:prstGeom>
+          <a:ln>
+            <a:noFill/>
+          </a:ln>
+        </p:spPr>
+        <p:style>
+          <a:lnRef idx="2">
+            <a:schemeClr val="accent1">
+              <a:shade val="50000"/>
+            </a:schemeClr>
+          </a:lnRef>
+          <a:fillRef idx="1">
+            <a:schemeClr val="accent1"/>
+          </a:fillRef>
+          <a:effectRef idx="0">
+            <a:schemeClr val="accent1"/>
+          </a:effectRef>
+          <a:fontRef idx="minor">
+            <a:schemeClr val="lt1"/>
+          </a:fontRef>
+        </p:style>
+        <p:txBody>
+          <a:bodyPr rtlCol="0" anchor="ctr"/>
+          <a:lstStyle/>
+          <a:p>
+            <a:pPr marL="0" marR="0" lvl="0" indent="0" algn="ctr" defTabSz="914400" rtl="0" eaLnBrk="1" fontAlgn="auto" latinLnBrk="0" hangingPunct="1">
+              <a:lnSpc>
+                <a:spcPct val="100000"/>
+              </a:lnSpc>
+              <a:spcBef>
+                <a:spcPts val="0"/>
+              </a:spcBef>
+              <a:spcAft>
+                <a:spcPts val="0"/>
+              </a:spcAft>
+              <a:buClrTx/>
+              <a:buSzTx/>
+              <a:buFontTx/>
+              <a:buNone/>
+              <a:tabLst/>
+              <a:defRPr/>
+            </a:pPr>
+            <a:endParaRPr kumimoji="0" lang="en-US" sz="1800" b="0" i="0" u="none" strike="noStrike" kern="1200" cap="none" spc="0" normalizeH="0" baseline="0" noProof="0">
+              <a:ln>
+                <a:noFill/>
+              </a:ln>
+              <a:solidFill>
+                <a:prstClr val="white"/>
+              </a:solidFill>
+              <a:effectLst/>
+              <a:uLnTx/>
+              <a:uFillTx/>
+              <a:latin typeface="Calibri" panose="020F0502020204030204"/>
+              <a:ea typeface="+mn-ea"/>
+              <a:cs typeface="+mn-cs"/>
+            </a:endParaRPr>
+          </a:p>
+        </p:txBody>
+      </p:sp>
+      <p:sp>
+        <p:nvSpPr>
+          <p:cNvPr id="2" name="Title 1"/>
+          <p:cNvSpPr>
+            <a:spLocks noGrp="1"/>
+          </p:cNvSpPr>
+          <p:nvPr>
+            <p:ph type="title"/>
+          </p:nvPr>
+        </p:nvSpPr>
+        <p:spPr>
+          <a:xfrm>
+            <a:off x="838200" y="365125"/>
+            <a:ext cx="10515600" cy="1325563"/>
+          </a:xfrm>
+        </p:spPr>
+        <p:txBody>
+          <a:bodyPr>
+            <a:normAutofit/>
+          </a:bodyPr>
+          <a:lstStyle/>
+          <a:p>
+            <a:r>
+              <a:rPr lang="en-US" dirty="0">
+                <a:solidFill>
+                  <a:srgbClr val="FFC000"/>
+                </a:solidFill>
+              </a:rPr>
+              <a:t>Appendix</a:t>
+            </a:r>
+          </a:p>
+        </p:txBody>
+      </p:sp>
+      <p:sp>
+        <p:nvSpPr>
+          <p:cNvPr id="3" name="Content Placeholder 2"/>
+          <p:cNvSpPr>
+            <a:spLocks noGrp="1"/>
+          </p:cNvSpPr>
+          <p:nvPr>
+            <p:ph idx="1"/>
+          </p:nvPr>
+        </p:nvSpPr>
+        <p:spPr>
+          <a:xfrm>
+            <a:off x="838200" y="1881465"/>
+            <a:ext cx="10515600" cy="1000845"/>
+          </a:xfrm>
+        </p:spPr>
+        <p:txBody>
+          <a:bodyPr anchor="ctr">
+            <a:normAutofit/>
+          </a:bodyPr>
+          <a:lstStyle/>
+          <a:p>
+            <a:r>
+              <a:rPr lang="en-US" sz="1600" dirty="0"/>
+              <a:t>3. A line graph of average sales by month. December seems to be a peak month.</a:t>
+            </a:r>
+          </a:p>
+        </p:txBody>
+      </p:sp>
+      <p:pic>
+        <p:nvPicPr>
+          <p:cNvPr id="6" name="Picture 2" descr="Image result for rosmann"/>
+          <p:cNvPicPr>
+            <a:picLocks noChangeAspect="1" noChangeArrowheads="1"/>
+          </p:cNvPicPr>
+          <p:nvPr/>
+        </p:nvPicPr>
+        <p:blipFill>
+          <a:blip r:embed="rId2">
+            <a:extLst>
+              <a:ext uri="{28A0092B-C50C-407E-A947-70E740481C1C}">
+                <a14:useLocalDpi xmlns:a14="http://schemas.microsoft.com/office/drawing/2010/main" val="0"/>
+              </a:ext>
+            </a:extLst>
+          </a:blip>
+          <a:srcRect/>
+          <a:stretch>
+            <a:fillRect/>
+          </a:stretch>
+        </p:blipFill>
+        <p:spPr bwMode="auto">
+          <a:xfrm>
+            <a:off x="9544049" y="864190"/>
+            <a:ext cx="2390775" cy="327432"/>
+          </a:xfrm>
+          <a:prstGeom prst="rect">
+            <a:avLst/>
+          </a:prstGeom>
+          <a:noFill/>
+          <a:extLst>
+            <a:ext uri="{909E8E84-426E-40DD-AFC4-6F175D3DCCD1}">
+              <a14:hiddenFill xmlns:a14="http://schemas.microsoft.com/office/drawing/2010/main">
+                <a:solidFill>
+                  <a:srgbClr val="FFFFFF"/>
+                </a:solidFill>
+              </a14:hiddenFill>
+            </a:ext>
+          </a:extLst>
+        </p:spPr>
+      </p:pic>
+      <p:pic>
+        <p:nvPicPr>
           <p:cNvPr id="4" name="Picture 3"/>
           <p:cNvPicPr>
             <a:picLocks noChangeAspect="1"/>
@@ -9262,7 +9899,7 @@
 </p:sld>
 </file>
 
-<file path=ppt/slides/slide23.xml><?xml version="1.0" encoding="utf-8"?>
+<file path=ppt/slides/slide24.xml><?xml version="1.0" encoding="utf-8"?>
 <p:sld xmlns:a="http://schemas.openxmlformats.org/drawingml/2006/main" xmlns:r="http://schemas.openxmlformats.org/officeDocument/2006/relationships" xmlns:p="http://schemas.openxmlformats.org/presentationml/2006/main">
   <p:cSld>
     <p:spTree>

--- a/FinalPresentation.pptx
+++ b/FinalPresentation.pptx
@@ -7,28 +7,29 @@
   <p:sldIdLst>
     <p:sldId id="256" r:id="rId2"/>
     <p:sldId id="257" r:id="rId3"/>
-    <p:sldId id="258" r:id="rId4"/>
-    <p:sldId id="277" r:id="rId5"/>
-    <p:sldId id="264" r:id="rId6"/>
-    <p:sldId id="265" r:id="rId7"/>
-    <p:sldId id="267" r:id="rId8"/>
-    <p:sldId id="271" r:id="rId9"/>
-    <p:sldId id="272" r:id="rId10"/>
-    <p:sldId id="266" r:id="rId11"/>
-    <p:sldId id="259" r:id="rId12"/>
-    <p:sldId id="273" r:id="rId13"/>
-    <p:sldId id="269" r:id="rId14"/>
-    <p:sldId id="278" r:id="rId15"/>
-    <p:sldId id="279" r:id="rId16"/>
-    <p:sldId id="262" r:id="rId17"/>
-    <p:sldId id="263" r:id="rId18"/>
-    <p:sldId id="280" r:id="rId19"/>
+    <p:sldId id="287" r:id="rId4"/>
+    <p:sldId id="258" r:id="rId5"/>
+    <p:sldId id="277" r:id="rId6"/>
+    <p:sldId id="264" r:id="rId7"/>
+    <p:sldId id="265" r:id="rId8"/>
+    <p:sldId id="267" r:id="rId9"/>
+    <p:sldId id="271" r:id="rId10"/>
+    <p:sldId id="272" r:id="rId11"/>
+    <p:sldId id="266" r:id="rId12"/>
+    <p:sldId id="259" r:id="rId13"/>
+    <p:sldId id="273" r:id="rId14"/>
+    <p:sldId id="269" r:id="rId15"/>
+    <p:sldId id="278" r:id="rId16"/>
+    <p:sldId id="279" r:id="rId17"/>
+    <p:sldId id="262" r:id="rId18"/>
+    <p:sldId id="263" r:id="rId19"/>
     <p:sldId id="283" r:id="rId20"/>
-    <p:sldId id="284" r:id="rId21"/>
-    <p:sldId id="274" r:id="rId22"/>
-    <p:sldId id="275" r:id="rId23"/>
-    <p:sldId id="276" r:id="rId24"/>
-    <p:sldId id="281" r:id="rId25"/>
+    <p:sldId id="285" r:id="rId21"/>
+    <p:sldId id="286" r:id="rId22"/>
+    <p:sldId id="274" r:id="rId23"/>
+    <p:sldId id="275" r:id="rId24"/>
+    <p:sldId id="276" r:id="rId25"/>
+    <p:sldId id="281" r:id="rId26"/>
   </p:sldIdLst>
   <p:sldSz cx="12192000" cy="6858000"/>
   <p:notesSz cx="6858000" cy="9144000"/>
@@ -3451,6 +3452,461 @@
       </p:pic>
       <p:sp>
         <p:nvSpPr>
+          <p:cNvPr id="11" name="Content Placeholder 2"/>
+          <p:cNvSpPr txBox="1">
+            <a:spLocks/>
+          </p:cNvSpPr>
+          <p:nvPr/>
+        </p:nvSpPr>
+        <p:spPr>
+          <a:xfrm>
+            <a:off x="838200" y="2554878"/>
+            <a:ext cx="4469091" cy="4065986"/>
+          </a:xfrm>
+          <a:prstGeom prst="rect">
+            <a:avLst/>
+          </a:prstGeom>
+        </p:spPr>
+        <p:txBody>
+          <a:bodyPr vert="horz" lIns="91440" tIns="45720" rIns="91440" bIns="45720" rtlCol="0" anchor="t">
+            <a:normAutofit/>
+          </a:bodyPr>
+          <a:lstStyle>
+            <a:lvl1pPr marL="228600" indent="-228600" algn="l" defTabSz="914400" rtl="0" eaLnBrk="1" latinLnBrk="0" hangingPunct="1">
+              <a:lnSpc>
+                <a:spcPct val="90000"/>
+              </a:lnSpc>
+              <a:spcBef>
+                <a:spcPts val="1000"/>
+              </a:spcBef>
+              <a:buFont typeface="Arial" panose="020B0604020202020204" pitchFamily="34" charset="0"/>
+              <a:buChar char="•"/>
+              <a:defRPr sz="2800" kern="1200">
+                <a:solidFill>
+                  <a:schemeClr val="tx1"/>
+                </a:solidFill>
+                <a:latin typeface="+mn-lt"/>
+                <a:ea typeface="+mn-ea"/>
+                <a:cs typeface="+mn-cs"/>
+              </a:defRPr>
+            </a:lvl1pPr>
+            <a:lvl2pPr marL="685800" indent="-228600" algn="l" defTabSz="914400" rtl="0" eaLnBrk="1" latinLnBrk="0" hangingPunct="1">
+              <a:lnSpc>
+                <a:spcPct val="90000"/>
+              </a:lnSpc>
+              <a:spcBef>
+                <a:spcPts val="500"/>
+              </a:spcBef>
+              <a:buFont typeface="Arial" panose="020B0604020202020204" pitchFamily="34" charset="0"/>
+              <a:buChar char="•"/>
+              <a:defRPr sz="2400" kern="1200">
+                <a:solidFill>
+                  <a:schemeClr val="tx1"/>
+                </a:solidFill>
+                <a:latin typeface="+mn-lt"/>
+                <a:ea typeface="+mn-ea"/>
+                <a:cs typeface="+mn-cs"/>
+              </a:defRPr>
+            </a:lvl2pPr>
+            <a:lvl3pPr marL="1143000" indent="-228600" algn="l" defTabSz="914400" rtl="0" eaLnBrk="1" latinLnBrk="0" hangingPunct="1">
+              <a:lnSpc>
+                <a:spcPct val="90000"/>
+              </a:lnSpc>
+              <a:spcBef>
+                <a:spcPts val="500"/>
+              </a:spcBef>
+              <a:buFont typeface="Arial" panose="020B0604020202020204" pitchFamily="34" charset="0"/>
+              <a:buChar char="•"/>
+              <a:defRPr sz="2000" kern="1200">
+                <a:solidFill>
+                  <a:schemeClr val="tx1"/>
+                </a:solidFill>
+                <a:latin typeface="+mn-lt"/>
+                <a:ea typeface="+mn-ea"/>
+                <a:cs typeface="+mn-cs"/>
+              </a:defRPr>
+            </a:lvl3pPr>
+            <a:lvl4pPr marL="1600200" indent="-228600" algn="l" defTabSz="914400" rtl="0" eaLnBrk="1" latinLnBrk="0" hangingPunct="1">
+              <a:lnSpc>
+                <a:spcPct val="90000"/>
+              </a:lnSpc>
+              <a:spcBef>
+                <a:spcPts val="500"/>
+              </a:spcBef>
+              <a:buFont typeface="Arial" panose="020B0604020202020204" pitchFamily="34" charset="0"/>
+              <a:buChar char="•"/>
+              <a:defRPr sz="1800" kern="1200">
+                <a:solidFill>
+                  <a:schemeClr val="tx1"/>
+                </a:solidFill>
+                <a:latin typeface="+mn-lt"/>
+                <a:ea typeface="+mn-ea"/>
+                <a:cs typeface="+mn-cs"/>
+              </a:defRPr>
+            </a:lvl4pPr>
+            <a:lvl5pPr marL="2057400" indent="-228600" algn="l" defTabSz="914400" rtl="0" eaLnBrk="1" latinLnBrk="0" hangingPunct="1">
+              <a:lnSpc>
+                <a:spcPct val="90000"/>
+              </a:lnSpc>
+              <a:spcBef>
+                <a:spcPts val="500"/>
+              </a:spcBef>
+              <a:buFont typeface="Arial" panose="020B0604020202020204" pitchFamily="34" charset="0"/>
+              <a:buChar char="•"/>
+              <a:defRPr sz="1800" kern="1200">
+                <a:solidFill>
+                  <a:schemeClr val="tx1"/>
+                </a:solidFill>
+                <a:latin typeface="+mn-lt"/>
+                <a:ea typeface="+mn-ea"/>
+                <a:cs typeface="+mn-cs"/>
+              </a:defRPr>
+            </a:lvl5pPr>
+            <a:lvl6pPr marL="2514600" indent="-228600" algn="l" defTabSz="914400" rtl="0" eaLnBrk="1" latinLnBrk="0" hangingPunct="1">
+              <a:lnSpc>
+                <a:spcPct val="90000"/>
+              </a:lnSpc>
+              <a:spcBef>
+                <a:spcPts val="500"/>
+              </a:spcBef>
+              <a:buFont typeface="Arial" panose="020B0604020202020204" pitchFamily="34" charset="0"/>
+              <a:buChar char="•"/>
+              <a:defRPr sz="1800" kern="1200">
+                <a:solidFill>
+                  <a:schemeClr val="tx1"/>
+                </a:solidFill>
+                <a:latin typeface="+mn-lt"/>
+                <a:ea typeface="+mn-ea"/>
+                <a:cs typeface="+mn-cs"/>
+              </a:defRPr>
+            </a:lvl6pPr>
+            <a:lvl7pPr marL="2971800" indent="-228600" algn="l" defTabSz="914400" rtl="0" eaLnBrk="1" latinLnBrk="0" hangingPunct="1">
+              <a:lnSpc>
+                <a:spcPct val="90000"/>
+              </a:lnSpc>
+              <a:spcBef>
+                <a:spcPts val="500"/>
+              </a:spcBef>
+              <a:buFont typeface="Arial" panose="020B0604020202020204" pitchFamily="34" charset="0"/>
+              <a:buChar char="•"/>
+              <a:defRPr sz="1800" kern="1200">
+                <a:solidFill>
+                  <a:schemeClr val="tx1"/>
+                </a:solidFill>
+                <a:latin typeface="+mn-lt"/>
+                <a:ea typeface="+mn-ea"/>
+                <a:cs typeface="+mn-cs"/>
+              </a:defRPr>
+            </a:lvl7pPr>
+            <a:lvl8pPr marL="3429000" indent="-228600" algn="l" defTabSz="914400" rtl="0" eaLnBrk="1" latinLnBrk="0" hangingPunct="1">
+              <a:lnSpc>
+                <a:spcPct val="90000"/>
+              </a:lnSpc>
+              <a:spcBef>
+                <a:spcPts val="500"/>
+              </a:spcBef>
+              <a:buFont typeface="Arial" panose="020B0604020202020204" pitchFamily="34" charset="0"/>
+              <a:buChar char="•"/>
+              <a:defRPr sz="1800" kern="1200">
+                <a:solidFill>
+                  <a:schemeClr val="tx1"/>
+                </a:solidFill>
+                <a:latin typeface="+mn-lt"/>
+                <a:ea typeface="+mn-ea"/>
+                <a:cs typeface="+mn-cs"/>
+              </a:defRPr>
+            </a:lvl8pPr>
+            <a:lvl9pPr marL="3886200" indent="-228600" algn="l" defTabSz="914400" rtl="0" eaLnBrk="1" latinLnBrk="0" hangingPunct="1">
+              <a:lnSpc>
+                <a:spcPct val="90000"/>
+              </a:lnSpc>
+              <a:spcBef>
+                <a:spcPts val="500"/>
+              </a:spcBef>
+              <a:buFont typeface="Arial" panose="020B0604020202020204" pitchFamily="34" charset="0"/>
+              <a:buChar char="•"/>
+              <a:defRPr sz="1800" kern="1200">
+                <a:solidFill>
+                  <a:schemeClr val="tx1"/>
+                </a:solidFill>
+                <a:latin typeface="+mn-lt"/>
+                <a:ea typeface="+mn-ea"/>
+                <a:cs typeface="+mn-cs"/>
+              </a:defRPr>
+            </a:lvl9pPr>
+          </a:lstStyle>
+          <a:p>
+            <a:r>
+              <a:rPr lang="en-US" sz="2000" dirty="0"/>
+              <a:t>Using the h2o package, we constructed several random forest models which used different values of number of trees and max depth. The h2o allows us to process the large scale dataset fast and accurately, using the 100% CPU. </a:t>
+            </a:r>
+          </a:p>
+          <a:p>
+            <a:r>
+              <a:rPr lang="en-US" sz="2000" dirty="0"/>
+              <a:t>Promotion, </a:t>
+            </a:r>
+            <a:r>
+              <a:rPr lang="en-US" sz="2000" dirty="0" err="1"/>
+              <a:t>DayOfWeek</a:t>
+            </a:r>
+            <a:r>
+              <a:rPr lang="en-US" sz="2000" dirty="0"/>
+              <a:t> are the most important features. </a:t>
+            </a:r>
+          </a:p>
+          <a:p>
+            <a:pPr marL="0" indent="0">
+              <a:buFont typeface="Arial" panose="020B0604020202020204" pitchFamily="34" charset="0"/>
+              <a:buNone/>
+            </a:pPr>
+            <a:endParaRPr lang="en-US" sz="2000" dirty="0"/>
+          </a:p>
+        </p:txBody>
+      </p:sp>
+      <p:pic>
+        <p:nvPicPr>
+          <p:cNvPr id="12" name="Picture 11"/>
+          <p:cNvPicPr>
+            <a:picLocks noChangeAspect="1"/>
+          </p:cNvPicPr>
+          <p:nvPr/>
+        </p:nvPicPr>
+        <p:blipFill>
+          <a:blip r:embed="rId3">
+            <a:extLst>
+              <a:ext uri="{28A0092B-C50C-407E-A947-70E740481C1C}">
+                <a14:useLocalDpi xmlns:a14="http://schemas.microsoft.com/office/drawing/2010/main" val="0"/>
+              </a:ext>
+            </a:extLst>
+          </a:blip>
+          <a:stretch>
+            <a:fillRect/>
+          </a:stretch>
+        </p:blipFill>
+        <p:spPr>
+          <a:xfrm>
+            <a:off x="5553086" y="2554878"/>
+            <a:ext cx="6260427" cy="2151603"/>
+          </a:xfrm>
+          <a:prstGeom prst="rect">
+            <a:avLst/>
+          </a:prstGeom>
+        </p:spPr>
+      </p:pic>
+    </p:spTree>
+    <p:extLst>
+      <p:ext uri="{BB962C8B-B14F-4D97-AF65-F5344CB8AC3E}">
+        <p14:creationId xmlns:p14="http://schemas.microsoft.com/office/powerpoint/2010/main" val="1550925185"/>
+      </p:ext>
+    </p:extLst>
+  </p:cSld>
+  <p:clrMapOvr>
+    <a:overrideClrMapping bg1="dk1" tx1="lt1" bg2="dk2" tx2="lt2" accent1="accent1" accent2="accent2" accent3="accent3" accent4="accent4" accent5="accent5" accent6="accent6" hlink="hlink" folHlink="folHlink"/>
+  </p:clrMapOvr>
+</p:sld>
+</file>
+
+<file path=ppt/slides/slide11.xml><?xml version="1.0" encoding="utf-8"?>
+<p:sld xmlns:a="http://schemas.openxmlformats.org/drawingml/2006/main" xmlns:r="http://schemas.openxmlformats.org/officeDocument/2006/relationships" xmlns:p="http://schemas.openxmlformats.org/presentationml/2006/main">
+  <p:cSld>
+    <p:spTree>
+      <p:nvGrpSpPr>
+        <p:cNvPr id="1" name=""/>
+        <p:cNvGrpSpPr/>
+        <p:nvPr/>
+      </p:nvGrpSpPr>
+      <p:grpSpPr>
+        <a:xfrm>
+          <a:off x="0" y="0"/>
+          <a:ext cx="0" cy="0"/>
+          <a:chOff x="0" y="0"/>
+          <a:chExt cx="0" cy="0"/>
+        </a:xfrm>
+      </p:grpSpPr>
+      <p:sp>
+        <p:nvSpPr>
+          <p:cNvPr id="8" name="Rectangle 7">
+            <a:extLst/>
+          </p:cNvPr>
+          <p:cNvSpPr>
+            <a:spLocks noGrp="1" noRot="1" noChangeAspect="1" noMove="1" noResize="1" noEditPoints="1" noAdjustHandles="1" noChangeArrowheads="1" noChangeShapeType="1" noTextEdit="1"/>
+          </p:cNvSpPr>
+          <p:nvPr>
+            <p:extLst>
+              <p:ext uri="{386F3935-93C4-4BCD-93E2-E3B085C9AB24}">
+                <p16:designElem xmlns:p16="http://schemas.microsoft.com/office/powerpoint/2015/main" val="1"/>
+              </p:ext>
+            </p:extLst>
+          </p:nvPr>
+        </p:nvSpPr>
+        <p:spPr>
+          <a:xfrm>
+            <a:off x="0" y="0"/>
+            <a:ext cx="12192000" cy="1690688"/>
+          </a:xfrm>
+          <a:prstGeom prst="rect">
+            <a:avLst/>
+          </a:prstGeom>
+          <a:solidFill>
+            <a:schemeClr val="tx1"/>
+          </a:solidFill>
+          <a:ln>
+            <a:noFill/>
+          </a:ln>
+        </p:spPr>
+        <p:style>
+          <a:lnRef idx="2">
+            <a:schemeClr val="accent1">
+              <a:shade val="50000"/>
+            </a:schemeClr>
+          </a:lnRef>
+          <a:fillRef idx="1">
+            <a:schemeClr val="accent1"/>
+          </a:fillRef>
+          <a:effectRef idx="0">
+            <a:schemeClr val="accent1"/>
+          </a:effectRef>
+          <a:fontRef idx="minor">
+            <a:schemeClr val="lt1"/>
+          </a:fontRef>
+        </p:style>
+        <p:txBody>
+          <a:bodyPr rtlCol="0" anchor="ctr"/>
+          <a:lstStyle/>
+          <a:p>
+            <a:pPr algn="ctr"/>
+            <a:endParaRPr lang="en-US"/>
+          </a:p>
+        </p:txBody>
+      </p:sp>
+      <p:sp useBgFill="1">
+        <p:nvSpPr>
+          <p:cNvPr id="10" name="Rectangle 9"/>
+          <p:cNvSpPr>
+            <a:spLocks noGrp="1" noRot="1" noChangeAspect="1" noMove="1" noResize="1" noEditPoints="1" noAdjustHandles="1" noChangeArrowheads="1" noChangeShapeType="1" noTextEdit="1"/>
+          </p:cNvSpPr>
+          <p:nvPr>
+            <p:extLst>
+              <p:ext uri="{386F3935-93C4-4BCD-93E2-E3B085C9AB24}">
+                <p16:designElem xmlns:p16="http://schemas.microsoft.com/office/powerpoint/2015/main" val="1"/>
+              </p:ext>
+            </p:extLst>
+          </p:nvPr>
+        </p:nvSpPr>
+        <p:spPr>
+          <a:xfrm>
+            <a:off x="0" y="1690688"/>
+            <a:ext cx="12192000" cy="5166360"/>
+          </a:xfrm>
+          <a:prstGeom prst="rect">
+            <a:avLst/>
+          </a:prstGeom>
+          <a:ln>
+            <a:noFill/>
+          </a:ln>
+        </p:spPr>
+        <p:style>
+          <a:lnRef idx="2">
+            <a:schemeClr val="accent1">
+              <a:shade val="50000"/>
+            </a:schemeClr>
+          </a:lnRef>
+          <a:fillRef idx="1">
+            <a:schemeClr val="accent1"/>
+          </a:fillRef>
+          <a:effectRef idx="0">
+            <a:schemeClr val="accent1"/>
+          </a:effectRef>
+          <a:fontRef idx="minor">
+            <a:schemeClr val="lt1"/>
+          </a:fontRef>
+        </p:style>
+        <p:txBody>
+          <a:bodyPr rtlCol="0" anchor="ctr"/>
+          <a:lstStyle/>
+          <a:p>
+            <a:pPr algn="ctr"/>
+            <a:endParaRPr lang="en-US"/>
+          </a:p>
+        </p:txBody>
+      </p:sp>
+      <p:sp>
+        <p:nvSpPr>
+          <p:cNvPr id="2" name="Title 1"/>
+          <p:cNvSpPr>
+            <a:spLocks noGrp="1"/>
+          </p:cNvSpPr>
+          <p:nvPr>
+            <p:ph type="title"/>
+          </p:nvPr>
+        </p:nvSpPr>
+        <p:spPr>
+          <a:xfrm>
+            <a:off x="838200" y="365125"/>
+            <a:ext cx="10515600" cy="1325563"/>
+          </a:xfrm>
+        </p:spPr>
+        <p:txBody>
+          <a:bodyPr>
+            <a:normAutofit/>
+          </a:bodyPr>
+          <a:lstStyle/>
+          <a:p>
+            <a:r>
+              <a:rPr lang="en-US" b="1" dirty="0">
+                <a:solidFill>
+                  <a:srgbClr val="FFC000"/>
+                </a:solidFill>
+              </a:rPr>
+              <a:t>Modeling: Random Forest</a:t>
+            </a:r>
+          </a:p>
+        </p:txBody>
+      </p:sp>
+      <p:pic>
+        <p:nvPicPr>
+          <p:cNvPr id="6" name="Picture 2" descr="Image result for rosmann"/>
+          <p:cNvPicPr>
+            <a:picLocks noChangeAspect="1" noChangeArrowheads="1"/>
+          </p:cNvPicPr>
+          <p:nvPr/>
+        </p:nvPicPr>
+        <p:blipFill>
+          <a:blip r:embed="rId2">
+            <a:extLst>
+              <a:ext uri="{28A0092B-C50C-407E-A947-70E740481C1C}">
+                <a14:useLocalDpi xmlns:a14="http://schemas.microsoft.com/office/drawing/2010/main" val="0"/>
+              </a:ext>
+            </a:extLst>
+          </a:blip>
+          <a:srcRect/>
+          <a:stretch>
+            <a:fillRect/>
+          </a:stretch>
+        </p:blipFill>
+        <p:spPr bwMode="auto">
+          <a:xfrm>
+            <a:off x="9544049" y="864190"/>
+            <a:ext cx="2390775" cy="327432"/>
+          </a:xfrm>
+          <a:prstGeom prst="rect">
+            <a:avLst/>
+          </a:prstGeom>
+          <a:noFill/>
+          <a:extLst>
+            <a:ext uri="{909E8E84-426E-40DD-AFC4-6F175D3DCCD1}">
+              <a14:hiddenFill xmlns:a14="http://schemas.microsoft.com/office/drawing/2010/main">
+                <a:solidFill>
+                  <a:srgbClr val="FFFFFF"/>
+                </a:solidFill>
+              </a14:hiddenFill>
+            </a:ext>
+          </a:extLst>
+        </p:spPr>
+      </p:pic>
+      <p:sp>
+        <p:nvSpPr>
           <p:cNvPr id="9" name="Content Placeholder 2"/>
           <p:cNvSpPr>
             <a:spLocks noGrp="1"/>
@@ -3990,7 +4446,7 @@
 </p:sld>
 </file>
 
-<file path=ppt/slides/slide11.xml><?xml version="1.0" encoding="utf-8"?>
+<file path=ppt/slides/slide12.xml><?xml version="1.0" encoding="utf-8"?>
 <p:sld xmlns:a="http://schemas.openxmlformats.org/drawingml/2006/main" xmlns:r="http://schemas.openxmlformats.org/officeDocument/2006/relationships" xmlns:p="http://schemas.openxmlformats.org/presentationml/2006/main">
   <p:cSld>
     <p:spTree>
@@ -4473,7 +4929,7 @@
 </p:sld>
 </file>
 
-<file path=ppt/slides/slide12.xml><?xml version="1.0" encoding="utf-8"?>
+<file path=ppt/slides/slide13.xml><?xml version="1.0" encoding="utf-8"?>
 <p:sld xmlns:a="http://schemas.openxmlformats.org/drawingml/2006/main" xmlns:r="http://schemas.openxmlformats.org/officeDocument/2006/relationships" xmlns:p="http://schemas.openxmlformats.org/presentationml/2006/main">
   <p:cSld>
     <p:spTree>
@@ -4968,7 +5424,7 @@
 </p:sld>
 </file>
 
-<file path=ppt/slides/slide13.xml><?xml version="1.0" encoding="utf-8"?>
+<file path=ppt/slides/slide14.xml><?xml version="1.0" encoding="utf-8"?>
 <p:sld xmlns:a="http://schemas.openxmlformats.org/drawingml/2006/main" xmlns:r="http://schemas.openxmlformats.org/officeDocument/2006/relationships" xmlns:p="http://schemas.openxmlformats.org/presentationml/2006/main">
   <p:cSld>
     <p:spTree>
@@ -5446,7 +5902,7 @@
 </p:sld>
 </file>
 
-<file path=ppt/slides/slide14.xml><?xml version="1.0" encoding="utf-8"?>
+<file path=ppt/slides/slide15.xml><?xml version="1.0" encoding="utf-8"?>
 <p:sld xmlns:a="http://schemas.openxmlformats.org/drawingml/2006/main" xmlns:r="http://schemas.openxmlformats.org/officeDocument/2006/relationships" xmlns:p="http://schemas.openxmlformats.org/presentationml/2006/main">
   <p:cSld>
     <p:spTree>
@@ -5805,7 +6261,7 @@
 </p:sld>
 </file>
 
-<file path=ppt/slides/slide15.xml><?xml version="1.0" encoding="utf-8"?>
+<file path=ppt/slides/slide16.xml><?xml version="1.0" encoding="utf-8"?>
 <p:sld xmlns:a="http://schemas.openxmlformats.org/drawingml/2006/main" xmlns:r="http://schemas.openxmlformats.org/officeDocument/2006/relationships" xmlns:p="http://schemas.openxmlformats.org/presentationml/2006/main">
   <p:cSld>
     <p:spTree>
@@ -6332,7 +6788,7 @@
 </p:sld>
 </file>
 
-<file path=ppt/slides/slide16.xml><?xml version="1.0" encoding="utf-8"?>
+<file path=ppt/slides/slide17.xml><?xml version="1.0" encoding="utf-8"?>
 <p:sld xmlns:a="http://schemas.openxmlformats.org/drawingml/2006/main" xmlns:r="http://schemas.openxmlformats.org/officeDocument/2006/relationships" xmlns:p="http://schemas.openxmlformats.org/presentationml/2006/main">
   <p:cSld>
     <p:spTree>
@@ -6881,7 +7337,7 @@
 </p:sld>
 </file>
 
-<file path=ppt/slides/slide17.xml><?xml version="1.0" encoding="utf-8"?>
+<file path=ppt/slides/slide18.xml><?xml version="1.0" encoding="utf-8"?>
 <p:sld xmlns:a="http://schemas.openxmlformats.org/drawingml/2006/main" xmlns:r="http://schemas.openxmlformats.org/officeDocument/2006/relationships" xmlns:p="http://schemas.openxmlformats.org/presentationml/2006/main">
   <p:cSld>
     <p:spTree>
@@ -7056,7 +7512,7 @@
         </p:spPr>
         <p:txBody>
           <a:bodyPr anchor="t">
-            <a:normAutofit/>
+            <a:normAutofit lnSpcReduction="10000"/>
           </a:bodyPr>
           <a:lstStyle/>
           <a:p>
@@ -7128,9 +7584,19 @@
               <a:rPr lang="en-US" sz="2000" dirty="0"/>
               <a:t>Understanding what types of stores and merchandise drive sales could be useful in future studies</a:t>
             </a:r>
-          </a:p>
-          <a:p>
-            <a:pPr lvl="1"/>
+            <a:endParaRPr lang="en-US" sz="1600" dirty="0"/>
+          </a:p>
+          <a:p>
+            <a:r>
+              <a:rPr lang="en-US" sz="2000" dirty="0"/>
+              <a:t>Clustering stores could prove useful in improving the predictive power of the model</a:t>
+            </a:r>
+          </a:p>
+          <a:p>
+            <a:r>
+              <a:rPr lang="en-US" sz="2000" dirty="0"/>
+              <a:t>Demographic data for each store could also be useful in finding profitability of a future store</a:t>
+            </a:r>
             <a:endParaRPr lang="en-US" sz="1600" dirty="0"/>
           </a:p>
           <a:p>
@@ -7184,257 +7650,6 @@
     <p:extLst>
       <p:ext uri="{BB962C8B-B14F-4D97-AF65-F5344CB8AC3E}">
         <p14:creationId xmlns:p14="http://schemas.microsoft.com/office/powerpoint/2010/main" val="166134734"/>
-      </p:ext>
-    </p:extLst>
-  </p:cSld>
-  <p:clrMapOvr>
-    <a:overrideClrMapping bg1="dk1" tx1="lt1" bg2="dk2" tx2="lt2" accent1="accent1" accent2="accent2" accent3="accent3" accent4="accent4" accent5="accent5" accent6="accent6" hlink="hlink" folHlink="folHlink"/>
-  </p:clrMapOvr>
-</p:sld>
-</file>
-
-<file path=ppt/slides/slide18.xml><?xml version="1.0" encoding="utf-8"?>
-<p:sld xmlns:a="http://schemas.openxmlformats.org/drawingml/2006/main" xmlns:r="http://schemas.openxmlformats.org/officeDocument/2006/relationships" xmlns:p="http://schemas.openxmlformats.org/presentationml/2006/main">
-  <p:cSld>
-    <p:spTree>
-      <p:nvGrpSpPr>
-        <p:cNvPr id="1" name=""/>
-        <p:cNvGrpSpPr/>
-        <p:nvPr/>
-      </p:nvGrpSpPr>
-      <p:grpSpPr>
-        <a:xfrm>
-          <a:off x="0" y="0"/>
-          <a:ext cx="0" cy="0"/>
-          <a:chOff x="0" y="0"/>
-          <a:chExt cx="0" cy="0"/>
-        </a:xfrm>
-      </p:grpSpPr>
-      <p:sp>
-        <p:nvSpPr>
-          <p:cNvPr id="8" name="Rectangle 7">
-            <a:extLst/>
-          </p:cNvPr>
-          <p:cNvSpPr>
-            <a:spLocks noGrp="1" noRot="1" noChangeAspect="1" noMove="1" noResize="1" noEditPoints="1" noAdjustHandles="1" noChangeArrowheads="1" noChangeShapeType="1" noTextEdit="1"/>
-          </p:cNvSpPr>
-          <p:nvPr>
-            <p:extLst>
-              <p:ext uri="{386F3935-93C4-4BCD-93E2-E3B085C9AB24}">
-                <p16:designElem xmlns:p16="http://schemas.microsoft.com/office/powerpoint/2015/main" val="1"/>
-              </p:ext>
-            </p:extLst>
-          </p:nvPr>
-        </p:nvSpPr>
-        <p:spPr>
-          <a:xfrm>
-            <a:off x="0" y="0"/>
-            <a:ext cx="12192000" cy="1690688"/>
-          </a:xfrm>
-          <a:prstGeom prst="rect">
-            <a:avLst/>
-          </a:prstGeom>
-          <a:solidFill>
-            <a:schemeClr val="tx1"/>
-          </a:solidFill>
-          <a:ln>
-            <a:noFill/>
-          </a:ln>
-        </p:spPr>
-        <p:style>
-          <a:lnRef idx="2">
-            <a:schemeClr val="accent1">
-              <a:shade val="50000"/>
-            </a:schemeClr>
-          </a:lnRef>
-          <a:fillRef idx="1">
-            <a:schemeClr val="accent1"/>
-          </a:fillRef>
-          <a:effectRef idx="0">
-            <a:schemeClr val="accent1"/>
-          </a:effectRef>
-          <a:fontRef idx="minor">
-            <a:schemeClr val="lt1"/>
-          </a:fontRef>
-        </p:style>
-        <p:txBody>
-          <a:bodyPr rtlCol="0" anchor="ctr"/>
-          <a:lstStyle/>
-          <a:p>
-            <a:pPr algn="ctr"/>
-            <a:endParaRPr lang="en-US"/>
-          </a:p>
-        </p:txBody>
-      </p:sp>
-      <p:sp useBgFill="1">
-        <p:nvSpPr>
-          <p:cNvPr id="10" name="Rectangle 9"/>
-          <p:cNvSpPr>
-            <a:spLocks noGrp="1" noRot="1" noChangeAspect="1" noMove="1" noResize="1" noEditPoints="1" noAdjustHandles="1" noChangeArrowheads="1" noChangeShapeType="1" noTextEdit="1"/>
-          </p:cNvSpPr>
-          <p:nvPr>
-            <p:extLst>
-              <p:ext uri="{386F3935-93C4-4BCD-93E2-E3B085C9AB24}">
-                <p16:designElem xmlns:p16="http://schemas.microsoft.com/office/powerpoint/2015/main" val="1"/>
-              </p:ext>
-            </p:extLst>
-          </p:nvPr>
-        </p:nvSpPr>
-        <p:spPr>
-          <a:xfrm>
-            <a:off x="0" y="1690688"/>
-            <a:ext cx="12192000" cy="5166360"/>
-          </a:xfrm>
-          <a:prstGeom prst="rect">
-            <a:avLst/>
-          </a:prstGeom>
-          <a:ln>
-            <a:noFill/>
-          </a:ln>
-        </p:spPr>
-        <p:style>
-          <a:lnRef idx="2">
-            <a:schemeClr val="accent1">
-              <a:shade val="50000"/>
-            </a:schemeClr>
-          </a:lnRef>
-          <a:fillRef idx="1">
-            <a:schemeClr val="accent1"/>
-          </a:fillRef>
-          <a:effectRef idx="0">
-            <a:schemeClr val="accent1"/>
-          </a:effectRef>
-          <a:fontRef idx="minor">
-            <a:schemeClr val="lt1"/>
-          </a:fontRef>
-        </p:style>
-        <p:txBody>
-          <a:bodyPr rtlCol="0" anchor="ctr"/>
-          <a:lstStyle/>
-          <a:p>
-            <a:pPr algn="ctr"/>
-            <a:endParaRPr lang="en-US"/>
-          </a:p>
-        </p:txBody>
-      </p:sp>
-      <p:sp>
-        <p:nvSpPr>
-          <p:cNvPr id="2" name="Title 1"/>
-          <p:cNvSpPr>
-            <a:spLocks noGrp="1"/>
-          </p:cNvSpPr>
-          <p:nvPr>
-            <p:ph type="title"/>
-          </p:nvPr>
-        </p:nvSpPr>
-        <p:spPr>
-          <a:xfrm>
-            <a:off x="838200" y="365125"/>
-            <a:ext cx="10515600" cy="1325563"/>
-          </a:xfrm>
-        </p:spPr>
-        <p:txBody>
-          <a:bodyPr>
-            <a:normAutofit/>
-          </a:bodyPr>
-          <a:lstStyle/>
-          <a:p>
-            <a:r>
-              <a:rPr lang="en-US" b="1" dirty="0">
-                <a:solidFill>
-                  <a:srgbClr val="FFC000"/>
-                </a:solidFill>
-              </a:rPr>
-              <a:t>Conclusions and Perspective</a:t>
-            </a:r>
-          </a:p>
-        </p:txBody>
-      </p:sp>
-      <p:sp>
-        <p:nvSpPr>
-          <p:cNvPr id="3" name="Content Placeholder 2"/>
-          <p:cNvSpPr>
-            <a:spLocks noGrp="1"/>
-          </p:cNvSpPr>
-          <p:nvPr>
-            <p:ph idx="1"/>
-          </p:nvPr>
-        </p:nvSpPr>
-        <p:spPr>
-          <a:xfrm>
-            <a:off x="838200" y="2015406"/>
-            <a:ext cx="10515600" cy="4065986"/>
-          </a:xfrm>
-        </p:spPr>
-        <p:txBody>
-          <a:bodyPr anchor="t">
-            <a:normAutofit/>
-          </a:bodyPr>
-          <a:lstStyle/>
-          <a:p>
-            <a:r>
-              <a:rPr lang="en-US" sz="2000" dirty="0"/>
-              <a:t>Clustering stores could prove useful in improving the predictive power of the model</a:t>
-            </a:r>
-          </a:p>
-          <a:p>
-            <a:r>
-              <a:rPr lang="en-US" sz="2000" dirty="0"/>
-              <a:t>Demographic data for each store could also be useful in finding profitability of a future store</a:t>
-            </a:r>
-            <a:endParaRPr lang="en-US" sz="1600" dirty="0"/>
-          </a:p>
-          <a:p>
-            <a:pPr lvl="1"/>
-            <a:endParaRPr lang="en-US" sz="1600" dirty="0"/>
-          </a:p>
-        </p:txBody>
-      </p:sp>
-      <p:pic>
-        <p:nvPicPr>
-          <p:cNvPr id="6" name="Picture 2" descr="Image result for rosmann"/>
-          <p:cNvPicPr>
-            <a:picLocks noChangeAspect="1" noChangeArrowheads="1"/>
-          </p:cNvPicPr>
-          <p:nvPr/>
-        </p:nvPicPr>
-        <p:blipFill>
-          <a:blip r:embed="rId2">
-            <a:extLst>
-              <a:ext uri="{28A0092B-C50C-407E-A947-70E740481C1C}">
-                <a14:useLocalDpi xmlns:a14="http://schemas.microsoft.com/office/drawing/2010/main" val="0"/>
-              </a:ext>
-            </a:extLst>
-          </a:blip>
-          <a:srcRect/>
-          <a:stretch>
-            <a:fillRect/>
-          </a:stretch>
-        </p:blipFill>
-        <p:spPr bwMode="auto">
-          <a:xfrm>
-            <a:off x="9544049" y="864190"/>
-            <a:ext cx="2390775" cy="327432"/>
-          </a:xfrm>
-          <a:prstGeom prst="rect">
-            <a:avLst/>
-          </a:prstGeom>
-          <a:noFill/>
-          <a:extLst>
-            <a:ext uri="{909E8E84-426E-40DD-AFC4-6F175D3DCCD1}">
-              <a14:hiddenFill xmlns:a14="http://schemas.microsoft.com/office/drawing/2010/main">
-                <a:solidFill>
-                  <a:srgbClr val="FFFFFF"/>
-                </a:solidFill>
-              </a14:hiddenFill>
-            </a:ext>
-          </a:extLst>
-        </p:spPr>
-      </p:pic>
-    </p:spTree>
-    <p:extLst>
-      <p:ext uri="{BB962C8B-B14F-4D97-AF65-F5344CB8AC3E}">
-        <p14:creationId xmlns:p14="http://schemas.microsoft.com/office/powerpoint/2010/main" val="140694229"/>
       </p:ext>
     </p:extLst>
   </p:cSld>
@@ -7649,18 +7864,13 @@
           <a:lstStyle/>
           <a:p>
             <a:r>
-              <a:rPr lang="en-US" dirty="0">
+              <a:rPr lang="en-US" b="1" dirty="0">
                 <a:solidFill>
-                  <a:schemeClr val="bg1"/>
+                  <a:srgbClr val="FFC000"/>
                 </a:solidFill>
               </a:rPr>
               <a:t>Possible Additions/Alternatives</a:t>
             </a:r>
-            <a:endParaRPr lang="en-US" b="1" dirty="0">
-              <a:solidFill>
-                <a:schemeClr val="bg1"/>
-              </a:solidFill>
-            </a:endParaRPr>
           </a:p>
         </p:txBody>
       </p:sp>
@@ -7908,23 +8118,9 @@
         <p:spPr/>
         <p:txBody>
           <a:bodyPr>
-            <a:normAutofit fontScale="92500" lnSpcReduction="20000"/>
+            <a:normAutofit/>
           </a:bodyPr>
           <a:lstStyle/>
-          <a:p>
-            <a:r>
-              <a:rPr lang="en-US" dirty="0"/>
-              <a:t>The original </a:t>
-            </a:r>
-            <a:r>
-              <a:rPr lang="en-US" dirty="0" err="1"/>
-              <a:t>kaggle</a:t>
-            </a:r>
-            <a:r>
-              <a:rPr lang="en-US" dirty="0"/>
-              <a:t> problem provides training sales data before 2015, and asks to predict daily sales for stores in 2015</a:t>
-            </a:r>
-          </a:p>
           <a:p>
             <a:r>
               <a:rPr lang="en-US" dirty="0"/>
@@ -7935,7 +8131,7 @@
             <a:pPr lvl="1"/>
             <a:r>
               <a:rPr lang="en-US" dirty="0"/>
-              <a:t>A function is created that will take a 2015 store number as a parameter, it will then create a tuned model for this store based on the training data of the same store in the training data then function will output predicted sales</a:t>
+              <a:t>A function is created that will take a 2015 store ID as a parameter. It will then create a tuned model for this store based on the training data of the same store in the training data then function will output predicted sales</a:t>
             </a:r>
           </a:p>
           <a:p>
@@ -7955,7 +8151,7 @@
             <a:pPr lvl="1"/>
             <a:r>
               <a:rPr lang="en-US" dirty="0"/>
-              <a:t>Use hierarchical clustering to cluster all rows of data cut into 5 clusters</a:t>
+              <a:t>Use hierarchical clustering to cluster all rows of data and cut into 5 clusters</a:t>
             </a:r>
           </a:p>
           <a:p>
@@ -8165,7 +8361,7 @@
                   <a:srgbClr val="FFC000"/>
                 </a:solidFill>
               </a:rPr>
-              <a:t>Business Situation</a:t>
+              <a:t>Table of Contents</a:t>
             </a:r>
           </a:p>
         </p:txBody>
@@ -8188,50 +8384,92 @@
         </p:spPr>
         <p:txBody>
           <a:bodyPr anchor="ctr">
-            <a:normAutofit/>
+            <a:normAutofit fontScale="92500" lnSpcReduction="20000"/>
           </a:bodyPr>
           <a:lstStyle/>
           <a:p>
             <a:r>
-              <a:rPr lang="en-US" sz="2400" dirty="0" err="1"/>
-              <a:t>Rossmann</a:t>
-            </a:r>
-            <a:r>
               <a:rPr lang="en-US" sz="2400" dirty="0"/>
-              <a:t> GmbH operates over 3,000 drug stores in Europe</a:t>
+              <a:t>Business Situation</a:t>
             </a:r>
           </a:p>
           <a:p>
             <a:r>
               <a:rPr lang="en-US" sz="2400" dirty="0"/>
-              <a:t>Predicting sales for each store is vital for:</a:t>
-            </a:r>
-          </a:p>
-          <a:p>
-            <a:pPr lvl="2"/>
+              <a:t>Data</a:t>
+            </a:r>
+          </a:p>
+          <a:p>
+            <a:pPr lvl="1"/>
+            <a:r>
+              <a:rPr lang="en-US" sz="2000" dirty="0"/>
+              <a:t>Exploration</a:t>
+            </a:r>
+          </a:p>
+          <a:p>
+            <a:pPr lvl="1"/>
+            <a:r>
+              <a:rPr lang="en-US" sz="2000" dirty="0"/>
+              <a:t>Cleaning</a:t>
+            </a:r>
+          </a:p>
+          <a:p>
             <a:r>
               <a:rPr lang="en-US" sz="2400" dirty="0"/>
-              <a:t>Purchasing Inventory</a:t>
-            </a:r>
-          </a:p>
-          <a:p>
-            <a:pPr lvl="2"/>
+              <a:t>Modeling</a:t>
+            </a:r>
+          </a:p>
+          <a:p>
+            <a:pPr lvl="1"/>
+            <a:r>
+              <a:rPr lang="en-US" sz="2000" dirty="0"/>
+              <a:t>Random Forest</a:t>
+            </a:r>
+          </a:p>
+          <a:p>
+            <a:pPr lvl="1"/>
+            <a:r>
+              <a:rPr lang="en-US" sz="2000" dirty="0"/>
+              <a:t>Boosting</a:t>
+            </a:r>
+          </a:p>
+          <a:p>
+            <a:pPr lvl="1"/>
+            <a:r>
+              <a:rPr lang="en-US" sz="2000" dirty="0"/>
+              <a:t>GAMs</a:t>
+            </a:r>
+          </a:p>
+          <a:p>
             <a:r>
               <a:rPr lang="en-US" sz="2400" dirty="0"/>
-              <a:t>Creating a staff schedule</a:t>
-            </a:r>
-          </a:p>
-          <a:p>
-            <a:pPr lvl="2"/>
+              <a:t>Results</a:t>
+            </a:r>
+          </a:p>
+          <a:p>
             <a:r>
               <a:rPr lang="en-US" sz="2400" dirty="0"/>
-              <a:t>General productivity</a:t>
-            </a:r>
-          </a:p>
-          <a:p>
-            <a:r>
-              <a:rPr lang="en-US" sz="3200" dirty="0"/>
-              <a:t>The goal is to understand what factors drive sales, and accurately predict future daily sales using historical data</a:t>
+              <a:t>Alternative Methods</a:t>
+            </a:r>
+          </a:p>
+          <a:p>
+            <a:pPr lvl="1"/>
+            <a:r>
+              <a:rPr lang="en-US" sz="2000" dirty="0"/>
+              <a:t>Store Specific</a:t>
+            </a:r>
+          </a:p>
+          <a:p>
+            <a:pPr lvl="1"/>
+            <a:r>
+              <a:rPr lang="en-US" sz="2000" dirty="0"/>
+              <a:t>Clustering</a:t>
+            </a:r>
+          </a:p>
+          <a:p>
+            <a:r>
+              <a:rPr lang="en-US" sz="2400" dirty="0"/>
+              <a:t>Appendix</a:t>
             </a:r>
           </a:p>
           <a:p>
@@ -8499,18 +8737,13 @@
           <a:lstStyle/>
           <a:p>
             <a:r>
-              <a:rPr lang="en-US" dirty="0">
+              <a:rPr lang="en-US" b="1" dirty="0">
                 <a:solidFill>
-                  <a:schemeClr val="bg1"/>
+                  <a:srgbClr val="FFC000"/>
                 </a:solidFill>
               </a:rPr>
-              <a:t>Possible Additions/Alternatives</a:t>
-            </a:r>
-            <a:endParaRPr lang="en-US" b="1" dirty="0">
-              <a:solidFill>
-                <a:schemeClr val="bg1"/>
-              </a:solidFill>
-            </a:endParaRPr>
+              <a:t>Store Specific Method</a:t>
+            </a:r>
           </a:p>
         </p:txBody>
       </p:sp>
@@ -8788,13 +9021,13 @@
         <p:spPr/>
         <p:txBody>
           <a:bodyPr>
-            <a:normAutofit fontScale="92500" lnSpcReduction="20000"/>
+            <a:normAutofit/>
           </a:bodyPr>
           <a:lstStyle/>
           <a:p>
             <a:r>
               <a:rPr lang="en-US" dirty="0"/>
-              <a:t>Average daily sales: </a:t>
+              <a:t>Average daily sales for all stores: </a:t>
             </a:r>
             <a:r>
               <a:rPr lang="en-US" sz="2000" dirty="0"/>
@@ -8840,9 +9073,7 @@
             <a:r>
               <a:rPr lang="en-US" dirty="0">
                 <a:solidFill>
-                  <a:schemeClr val="accent2">
-                    <a:lumMod val="75000"/>
-                  </a:schemeClr>
+                  <a:srgbClr val="FFC000"/>
                 </a:solidFill>
               </a:rPr>
               <a:t>GBM Model:  $457.27</a:t>
@@ -8856,60 +9087,18 @@
             </a:r>
           </a:p>
           <a:p>
+            <a:pPr lvl="1"/>
             <a:r>
               <a:rPr lang="en-US" dirty="0"/>
-              <a:t>Clustering Method:</a:t>
-            </a:r>
-          </a:p>
-          <a:p>
-            <a:pPr lvl="1"/>
+              <a:t>Modeling for specific stores may be a better method than applying the same model to all stores, especially if more location specific data were available (</a:t>
+            </a:r>
+            <a:r>
+              <a:rPr lang="en-US" dirty="0" err="1"/>
+              <a:t>eg</a:t>
+            </a:r>
             <a:r>
               <a:rPr lang="en-US" dirty="0"/>
-              <a:t>Remove sales and customer data from training data</a:t>
-            </a:r>
-          </a:p>
-          <a:p>
-            <a:pPr lvl="1"/>
-            <a:r>
-              <a:rPr lang="en-US" dirty="0"/>
-              <a:t>Use hierarchical clustering to cluster all rows of data cut into 5 clusters</a:t>
-            </a:r>
-          </a:p>
-          <a:p>
-            <a:pPr lvl="1"/>
-            <a:r>
-              <a:rPr lang="en-US" dirty="0"/>
-              <a:t>Use a </a:t>
-            </a:r>
-            <a:r>
-              <a:rPr lang="en-US" dirty="0" err="1"/>
-              <a:t>lvq</a:t>
-            </a:r>
-            <a:r>
-              <a:rPr lang="en-US" dirty="0"/>
-              <a:t> classification model to predict cluster classification of test data</a:t>
-            </a:r>
-          </a:p>
-          <a:p>
-            <a:pPr lvl="1"/>
-            <a:r>
-              <a:rPr lang="en-US" dirty="0"/>
-              <a:t>Partition training data by cluster</a:t>
-            </a:r>
-          </a:p>
-          <a:p>
-            <a:pPr lvl="1"/>
-            <a:r>
-              <a:rPr lang="en-US" dirty="0"/>
-              <a:t>Use each training partition to train a sales prediction </a:t>
-            </a:r>
-            <a:r>
-              <a:rPr lang="en-US" dirty="0" err="1"/>
-              <a:t>gbm</a:t>
-            </a:r>
-            <a:r>
-              <a:rPr lang="en-US" dirty="0"/>
-              <a:t> model to predict cluster classified test data</a:t>
+              <a:t>. Distance from highway)</a:t>
             </a:r>
           </a:p>
           <a:p>
@@ -9135,45 +9324,13 @@
           <a:lstStyle/>
           <a:p>
             <a:r>
-              <a:rPr lang="en-US" dirty="0">
+              <a:rPr lang="en-US" b="1" dirty="0">
                 <a:solidFill>
                   <a:srgbClr val="FFC000"/>
                 </a:solidFill>
               </a:rPr>
-              <a:t>Appendix</a:t>
-            </a:r>
-          </a:p>
-        </p:txBody>
-      </p:sp>
-      <p:sp>
-        <p:nvSpPr>
-          <p:cNvPr id="3" name="Content Placeholder 2"/>
-          <p:cNvSpPr>
-            <a:spLocks noGrp="1"/>
-          </p:cNvSpPr>
-          <p:nvPr>
-            <p:ph idx="1"/>
-          </p:nvPr>
-        </p:nvSpPr>
-        <p:spPr>
-          <a:xfrm>
-            <a:off x="838200" y="2015406"/>
-            <a:ext cx="7446818" cy="1000845"/>
-          </a:xfrm>
-        </p:spPr>
-        <p:txBody>
-          <a:bodyPr anchor="ctr">
-            <a:normAutofit/>
-          </a:bodyPr>
-          <a:lstStyle/>
-          <a:p>
-            <a:r>
-              <a:rPr lang="en-US" sz="2000" dirty="0"/>
-              <a:t>1. A simple bar chart of average sales by Store Type. Store Type b generally had larger sales numbers</a:t>
-            </a:r>
-          </a:p>
-          <a:p>
-            <a:endParaRPr lang="en-US" sz="1600" dirty="0"/>
+              <a:t>Clustering Method</a:t>
+            </a:r>
           </a:p>
         </p:txBody>
       </p:sp>
@@ -9218,34 +9375,325 @@
           </a:extLst>
         </p:spPr>
       </p:pic>
-      <p:pic>
-        <p:nvPicPr>
-          <p:cNvPr id="5" name="Picture 4"/>
-          <p:cNvPicPr>
-            <a:picLocks noChangeAspect="1"/>
-          </p:cNvPicPr>
+      <p:sp>
+        <p:nvSpPr>
+          <p:cNvPr id="7" name="Content Placeholder 2"/>
+          <p:cNvSpPr txBox="1">
+            <a:spLocks/>
+          </p:cNvSpPr>
           <p:nvPr/>
-        </p:nvPicPr>
-        <p:blipFill>
-          <a:blip r:embed="rId3"/>
-          <a:stretch>
-            <a:fillRect/>
-          </a:stretch>
-        </p:blipFill>
+        </p:nvSpPr>
         <p:spPr>
           <a:xfrm>
-            <a:off x="8909411" y="1832771"/>
-            <a:ext cx="2444389" cy="4882193"/>
+            <a:off x="653642" y="4196398"/>
+            <a:ext cx="10515600" cy="4351338"/>
           </a:xfrm>
           <a:prstGeom prst="rect">
             <a:avLst/>
           </a:prstGeom>
         </p:spPr>
-      </p:pic>
+        <p:txBody>
+          <a:bodyPr vert="horz" lIns="91440" tIns="45720" rIns="91440" bIns="45720" rtlCol="0">
+            <a:normAutofit/>
+          </a:bodyPr>
+          <a:lstStyle>
+            <a:lvl1pPr marL="228600" indent="-228600" algn="l" defTabSz="914400" rtl="0" eaLnBrk="1" latinLnBrk="0" hangingPunct="1">
+              <a:lnSpc>
+                <a:spcPct val="90000"/>
+              </a:lnSpc>
+              <a:spcBef>
+                <a:spcPts val="1000"/>
+              </a:spcBef>
+              <a:buFont typeface="Arial" panose="020B0604020202020204" pitchFamily="34" charset="0"/>
+              <a:buChar char="•"/>
+              <a:defRPr sz="2800" kern="1200">
+                <a:solidFill>
+                  <a:schemeClr val="tx1"/>
+                </a:solidFill>
+                <a:latin typeface="+mn-lt"/>
+                <a:ea typeface="+mn-ea"/>
+                <a:cs typeface="+mn-cs"/>
+              </a:defRPr>
+            </a:lvl1pPr>
+            <a:lvl2pPr marL="685800" indent="-228600" algn="l" defTabSz="914400" rtl="0" eaLnBrk="1" latinLnBrk="0" hangingPunct="1">
+              <a:lnSpc>
+                <a:spcPct val="90000"/>
+              </a:lnSpc>
+              <a:spcBef>
+                <a:spcPts val="500"/>
+              </a:spcBef>
+              <a:buFont typeface="Arial" panose="020B0604020202020204" pitchFamily="34" charset="0"/>
+              <a:buChar char="•"/>
+              <a:defRPr sz="2400" kern="1200">
+                <a:solidFill>
+                  <a:schemeClr val="tx1"/>
+                </a:solidFill>
+                <a:latin typeface="+mn-lt"/>
+                <a:ea typeface="+mn-ea"/>
+                <a:cs typeface="+mn-cs"/>
+              </a:defRPr>
+            </a:lvl2pPr>
+            <a:lvl3pPr marL="1143000" indent="-228600" algn="l" defTabSz="914400" rtl="0" eaLnBrk="1" latinLnBrk="0" hangingPunct="1">
+              <a:lnSpc>
+                <a:spcPct val="90000"/>
+              </a:lnSpc>
+              <a:spcBef>
+                <a:spcPts val="500"/>
+              </a:spcBef>
+              <a:buFont typeface="Arial" panose="020B0604020202020204" pitchFamily="34" charset="0"/>
+              <a:buChar char="•"/>
+              <a:defRPr sz="2000" kern="1200">
+                <a:solidFill>
+                  <a:schemeClr val="tx1"/>
+                </a:solidFill>
+                <a:latin typeface="+mn-lt"/>
+                <a:ea typeface="+mn-ea"/>
+                <a:cs typeface="+mn-cs"/>
+              </a:defRPr>
+            </a:lvl3pPr>
+            <a:lvl4pPr marL="1600200" indent="-228600" algn="l" defTabSz="914400" rtl="0" eaLnBrk="1" latinLnBrk="0" hangingPunct="1">
+              <a:lnSpc>
+                <a:spcPct val="90000"/>
+              </a:lnSpc>
+              <a:spcBef>
+                <a:spcPts val="500"/>
+              </a:spcBef>
+              <a:buFont typeface="Arial" panose="020B0604020202020204" pitchFamily="34" charset="0"/>
+              <a:buChar char="•"/>
+              <a:defRPr sz="1800" kern="1200">
+                <a:solidFill>
+                  <a:schemeClr val="tx1"/>
+                </a:solidFill>
+                <a:latin typeface="+mn-lt"/>
+                <a:ea typeface="+mn-ea"/>
+                <a:cs typeface="+mn-cs"/>
+              </a:defRPr>
+            </a:lvl4pPr>
+            <a:lvl5pPr marL="2057400" indent="-228600" algn="l" defTabSz="914400" rtl="0" eaLnBrk="1" latinLnBrk="0" hangingPunct="1">
+              <a:lnSpc>
+                <a:spcPct val="90000"/>
+              </a:lnSpc>
+              <a:spcBef>
+                <a:spcPts val="500"/>
+              </a:spcBef>
+              <a:buFont typeface="Arial" panose="020B0604020202020204" pitchFamily="34" charset="0"/>
+              <a:buChar char="•"/>
+              <a:defRPr sz="1800" kern="1200">
+                <a:solidFill>
+                  <a:schemeClr val="tx1"/>
+                </a:solidFill>
+                <a:latin typeface="+mn-lt"/>
+                <a:ea typeface="+mn-ea"/>
+                <a:cs typeface="+mn-cs"/>
+              </a:defRPr>
+            </a:lvl5pPr>
+            <a:lvl6pPr marL="2514600" indent="-228600" algn="l" defTabSz="914400" rtl="0" eaLnBrk="1" latinLnBrk="0" hangingPunct="1">
+              <a:lnSpc>
+                <a:spcPct val="90000"/>
+              </a:lnSpc>
+              <a:spcBef>
+                <a:spcPts val="500"/>
+              </a:spcBef>
+              <a:buFont typeface="Arial" panose="020B0604020202020204" pitchFamily="34" charset="0"/>
+              <a:buChar char="•"/>
+              <a:defRPr sz="1800" kern="1200">
+                <a:solidFill>
+                  <a:schemeClr val="tx1"/>
+                </a:solidFill>
+                <a:latin typeface="+mn-lt"/>
+                <a:ea typeface="+mn-ea"/>
+                <a:cs typeface="+mn-cs"/>
+              </a:defRPr>
+            </a:lvl6pPr>
+            <a:lvl7pPr marL="2971800" indent="-228600" algn="l" defTabSz="914400" rtl="0" eaLnBrk="1" latinLnBrk="0" hangingPunct="1">
+              <a:lnSpc>
+                <a:spcPct val="90000"/>
+              </a:lnSpc>
+              <a:spcBef>
+                <a:spcPts val="500"/>
+              </a:spcBef>
+              <a:buFont typeface="Arial" panose="020B0604020202020204" pitchFamily="34" charset="0"/>
+              <a:buChar char="•"/>
+              <a:defRPr sz="1800" kern="1200">
+                <a:solidFill>
+                  <a:schemeClr val="tx1"/>
+                </a:solidFill>
+                <a:latin typeface="+mn-lt"/>
+                <a:ea typeface="+mn-ea"/>
+                <a:cs typeface="+mn-cs"/>
+              </a:defRPr>
+            </a:lvl7pPr>
+            <a:lvl8pPr marL="3429000" indent="-228600" algn="l" defTabSz="914400" rtl="0" eaLnBrk="1" latinLnBrk="0" hangingPunct="1">
+              <a:lnSpc>
+                <a:spcPct val="90000"/>
+              </a:lnSpc>
+              <a:spcBef>
+                <a:spcPts val="500"/>
+              </a:spcBef>
+              <a:buFont typeface="Arial" panose="020B0604020202020204" pitchFamily="34" charset="0"/>
+              <a:buChar char="•"/>
+              <a:defRPr sz="1800" kern="1200">
+                <a:solidFill>
+                  <a:schemeClr val="tx1"/>
+                </a:solidFill>
+                <a:latin typeface="+mn-lt"/>
+                <a:ea typeface="+mn-ea"/>
+                <a:cs typeface="+mn-cs"/>
+              </a:defRPr>
+            </a:lvl8pPr>
+            <a:lvl9pPr marL="3886200" indent="-228600" algn="l" defTabSz="914400" rtl="0" eaLnBrk="1" latinLnBrk="0" hangingPunct="1">
+              <a:lnSpc>
+                <a:spcPct val="90000"/>
+              </a:lnSpc>
+              <a:spcBef>
+                <a:spcPts val="500"/>
+              </a:spcBef>
+              <a:buFont typeface="Arial" panose="020B0604020202020204" pitchFamily="34" charset="0"/>
+              <a:buChar char="•"/>
+              <a:defRPr sz="1800" kern="1200">
+                <a:solidFill>
+                  <a:schemeClr val="tx1"/>
+                </a:solidFill>
+                <a:latin typeface="+mn-lt"/>
+                <a:ea typeface="+mn-ea"/>
+                <a:cs typeface="+mn-cs"/>
+              </a:defRPr>
+            </a:lvl9pPr>
+          </a:lstStyle>
+          <a:p>
+            <a:pPr marL="228600" marR="0" lvl="0" indent="-228600" algn="l" defTabSz="914400" rtl="0" eaLnBrk="1" fontAlgn="auto" latinLnBrk="0" hangingPunct="1">
+              <a:lnSpc>
+                <a:spcPct val="90000"/>
+              </a:lnSpc>
+              <a:spcBef>
+                <a:spcPts val="1000"/>
+              </a:spcBef>
+              <a:spcAft>
+                <a:spcPts val="0"/>
+              </a:spcAft>
+              <a:buClrTx/>
+              <a:buSzTx/>
+              <a:buFont typeface="Arial" panose="020B0604020202020204" pitchFamily="34" charset="0"/>
+              <a:buChar char="•"/>
+              <a:tabLst/>
+              <a:defRPr/>
+            </a:pPr>
+            <a:endParaRPr kumimoji="0" lang="en-US" sz="2800" b="0" i="0" u="none" strike="noStrike" kern="1200" cap="none" spc="0" normalizeH="0" baseline="0" noProof="0" dirty="0">
+              <a:ln>
+                <a:noFill/>
+              </a:ln>
+              <a:solidFill>
+                <a:prstClr val="white"/>
+              </a:solidFill>
+              <a:effectLst/>
+              <a:uLnTx/>
+              <a:uFillTx/>
+              <a:latin typeface="Calibri" panose="020F0502020204030204"/>
+              <a:ea typeface="+mn-ea"/>
+              <a:cs typeface="+mn-cs"/>
+            </a:endParaRPr>
+          </a:p>
+        </p:txBody>
+      </p:sp>
+      <p:sp>
+        <p:nvSpPr>
+          <p:cNvPr id="4" name="Content Placeholder 3"/>
+          <p:cNvSpPr>
+            <a:spLocks noGrp="1"/>
+          </p:cNvSpPr>
+          <p:nvPr>
+            <p:ph idx="1"/>
+          </p:nvPr>
+        </p:nvSpPr>
+        <p:spPr/>
+        <p:txBody>
+          <a:bodyPr>
+            <a:normAutofit/>
+          </a:bodyPr>
+          <a:lstStyle/>
+          <a:p>
+            <a:r>
+              <a:rPr lang="en-US" dirty="0"/>
+              <a:t>Clustering Method:</a:t>
+            </a:r>
+          </a:p>
+          <a:p>
+            <a:pPr lvl="1"/>
+            <a:r>
+              <a:rPr lang="en-US" dirty="0"/>
+              <a:t>Remove sales and customer data from training data</a:t>
+            </a:r>
+          </a:p>
+          <a:p>
+            <a:pPr lvl="1"/>
+            <a:r>
+              <a:rPr lang="en-US" dirty="0"/>
+              <a:t>Use hierarchical clustering to cluster all rows of data cut into 5 clusters</a:t>
+            </a:r>
+          </a:p>
+          <a:p>
+            <a:pPr lvl="1"/>
+            <a:r>
+              <a:rPr lang="en-US" dirty="0"/>
+              <a:t>Use a </a:t>
+            </a:r>
+            <a:r>
+              <a:rPr lang="en-US" dirty="0" err="1"/>
+              <a:t>lvq</a:t>
+            </a:r>
+            <a:r>
+              <a:rPr lang="en-US" dirty="0"/>
+              <a:t> classification model to predict cluster classification of test data</a:t>
+            </a:r>
+          </a:p>
+          <a:p>
+            <a:pPr lvl="1"/>
+            <a:r>
+              <a:rPr lang="en-US" dirty="0"/>
+              <a:t>Partition training data by cluster</a:t>
+            </a:r>
+          </a:p>
+          <a:p>
+            <a:pPr lvl="1"/>
+            <a:r>
+              <a:rPr lang="en-US" dirty="0"/>
+              <a:t>Use each training partition to train a sales prediction </a:t>
+            </a:r>
+            <a:r>
+              <a:rPr lang="en-US" dirty="0" err="1"/>
+              <a:t>gbm</a:t>
+            </a:r>
+            <a:r>
+              <a:rPr lang="en-US" dirty="0"/>
+              <a:t> model to predict cluster classified test data</a:t>
+            </a:r>
+          </a:p>
+          <a:p>
+            <a:r>
+              <a:rPr lang="en-US" dirty="0"/>
+              <a:t>While not fully fleshed out, the clustering method proves promising</a:t>
+            </a:r>
+          </a:p>
+          <a:p>
+            <a:pPr lvl="1"/>
+            <a:r>
+              <a:rPr lang="en-US" dirty="0"/>
+              <a:t>Would require fewer models than the store specific method</a:t>
+            </a:r>
+          </a:p>
+          <a:p>
+            <a:pPr lvl="1"/>
+            <a:r>
+              <a:rPr lang="en-US" dirty="0"/>
+              <a:t>Would be able to predict profitability of future locations</a:t>
+            </a:r>
+          </a:p>
+        </p:txBody>
+      </p:sp>
     </p:spTree>
     <p:extLst>
       <p:ext uri="{BB962C8B-B14F-4D97-AF65-F5344CB8AC3E}">
-        <p14:creationId xmlns:p14="http://schemas.microsoft.com/office/powerpoint/2010/main" val="2385773561"/>
+        <p14:creationId xmlns:p14="http://schemas.microsoft.com/office/powerpoint/2010/main" val="1879179164"/>
       </p:ext>
     </p:extLst>
   </p:cSld>
@@ -9483,7 +9931,7 @@
         <p:spPr>
           <a:xfrm>
             <a:off x="838200" y="2015406"/>
-            <a:ext cx="10515600" cy="1000845"/>
+            <a:ext cx="7446818" cy="1000845"/>
           </a:xfrm>
         </p:spPr>
         <p:txBody>
@@ -9493,9 +9941,12 @@
           <a:lstStyle/>
           <a:p>
             <a:r>
-              <a:rPr lang="en-US" sz="1600" dirty="0"/>
-              <a:t>2. A bar chart showing average sales on days when there was a school holiday and days when there was not. There might be a slight correlation between higher sales and days when there was a school holiday.</a:t>
-            </a:r>
+              <a:rPr lang="en-US" sz="2000" dirty="0"/>
+              <a:t>1. A simple bar chart of average sales by Store Type. Store Type b generally had larger sales numbers</a:t>
+            </a:r>
+          </a:p>
+          <a:p>
+            <a:endParaRPr lang="en-US" sz="1600" dirty="0"/>
           </a:p>
         </p:txBody>
       </p:sp>
@@ -9556,8 +10007,8 @@
         </p:blipFill>
         <p:spPr>
           <a:xfrm>
-            <a:off x="593883" y="3642946"/>
-            <a:ext cx="11004234" cy="2453853"/>
+            <a:off x="8909411" y="1832771"/>
+            <a:ext cx="2444389" cy="4882193"/>
           </a:xfrm>
           <a:prstGeom prst="rect">
             <a:avLst/>
@@ -9567,7 +10018,7 @@
     </p:spTree>
     <p:extLst>
       <p:ext uri="{BB962C8B-B14F-4D97-AF65-F5344CB8AC3E}">
-        <p14:creationId xmlns:p14="http://schemas.microsoft.com/office/powerpoint/2010/main" val="3542369672"/>
+        <p14:creationId xmlns:p14="http://schemas.microsoft.com/office/powerpoint/2010/main" val="2385773561"/>
       </p:ext>
     </p:extLst>
   </p:cSld>
@@ -9804,7 +10255,7 @@
         </p:nvSpPr>
         <p:spPr>
           <a:xfrm>
-            <a:off x="838200" y="1881465"/>
+            <a:off x="838200" y="2015406"/>
             <a:ext cx="10515600" cy="1000845"/>
           </a:xfrm>
         </p:spPr>
@@ -9816,7 +10267,7 @@
           <a:p>
             <a:r>
               <a:rPr lang="en-US" sz="1600" dirty="0"/>
-              <a:t>3. A line graph of average sales by month. December seems to be a peak month.</a:t>
+              <a:t>2. A bar chart showing average sales on days when there was a school holiday and days when there was not. There might be a slight correlation between higher sales and days when there was a school holiday.</a:t>
             </a:r>
           </a:p>
         </p:txBody>
@@ -9864,6 +10315,328 @@
       </p:pic>
       <p:pic>
         <p:nvPicPr>
+          <p:cNvPr id="5" name="Picture 4"/>
+          <p:cNvPicPr>
+            <a:picLocks noChangeAspect="1"/>
+          </p:cNvPicPr>
+          <p:nvPr/>
+        </p:nvPicPr>
+        <p:blipFill>
+          <a:blip r:embed="rId3"/>
+          <a:stretch>
+            <a:fillRect/>
+          </a:stretch>
+        </p:blipFill>
+        <p:spPr>
+          <a:xfrm>
+            <a:off x="593883" y="3642946"/>
+            <a:ext cx="11004234" cy="2453853"/>
+          </a:xfrm>
+          <a:prstGeom prst="rect">
+            <a:avLst/>
+          </a:prstGeom>
+        </p:spPr>
+      </p:pic>
+    </p:spTree>
+    <p:extLst>
+      <p:ext uri="{BB962C8B-B14F-4D97-AF65-F5344CB8AC3E}">
+        <p14:creationId xmlns:p14="http://schemas.microsoft.com/office/powerpoint/2010/main" val="3542369672"/>
+      </p:ext>
+    </p:extLst>
+  </p:cSld>
+  <p:clrMapOvr>
+    <a:overrideClrMapping bg1="dk1" tx1="lt1" bg2="dk2" tx2="lt2" accent1="accent1" accent2="accent2" accent3="accent3" accent4="accent4" accent5="accent5" accent6="accent6" hlink="hlink" folHlink="folHlink"/>
+  </p:clrMapOvr>
+</p:sld>
+</file>
+
+<file path=ppt/slides/slide24.xml><?xml version="1.0" encoding="utf-8"?>
+<p:sld xmlns:a="http://schemas.openxmlformats.org/drawingml/2006/main" xmlns:r="http://schemas.openxmlformats.org/officeDocument/2006/relationships" xmlns:p="http://schemas.openxmlformats.org/presentationml/2006/main">
+  <p:cSld>
+    <p:spTree>
+      <p:nvGrpSpPr>
+        <p:cNvPr id="1" name=""/>
+        <p:cNvGrpSpPr/>
+        <p:nvPr/>
+      </p:nvGrpSpPr>
+      <p:grpSpPr>
+        <a:xfrm>
+          <a:off x="0" y="0"/>
+          <a:ext cx="0" cy="0"/>
+          <a:chOff x="0" y="0"/>
+          <a:chExt cx="0" cy="0"/>
+        </a:xfrm>
+      </p:grpSpPr>
+      <p:sp>
+        <p:nvSpPr>
+          <p:cNvPr id="8" name="Rectangle 7">
+            <a:extLst/>
+          </p:cNvPr>
+          <p:cNvSpPr>
+            <a:spLocks noGrp="1" noRot="1" noChangeAspect="1" noMove="1" noResize="1" noEditPoints="1" noAdjustHandles="1" noChangeArrowheads="1" noChangeShapeType="1" noTextEdit="1"/>
+          </p:cNvSpPr>
+          <p:nvPr>
+            <p:extLst>
+              <p:ext uri="{386F3935-93C4-4BCD-93E2-E3B085C9AB24}">
+                <p16:designElem xmlns:p16="http://schemas.microsoft.com/office/powerpoint/2015/main" val="1"/>
+              </p:ext>
+            </p:extLst>
+          </p:nvPr>
+        </p:nvSpPr>
+        <p:spPr>
+          <a:xfrm>
+            <a:off x="0" y="0"/>
+            <a:ext cx="12192000" cy="1690688"/>
+          </a:xfrm>
+          <a:prstGeom prst="rect">
+            <a:avLst/>
+          </a:prstGeom>
+          <a:solidFill>
+            <a:schemeClr val="tx1"/>
+          </a:solidFill>
+          <a:ln>
+            <a:noFill/>
+          </a:ln>
+        </p:spPr>
+        <p:style>
+          <a:lnRef idx="2">
+            <a:schemeClr val="accent1">
+              <a:shade val="50000"/>
+            </a:schemeClr>
+          </a:lnRef>
+          <a:fillRef idx="1">
+            <a:schemeClr val="accent1"/>
+          </a:fillRef>
+          <a:effectRef idx="0">
+            <a:schemeClr val="accent1"/>
+          </a:effectRef>
+          <a:fontRef idx="minor">
+            <a:schemeClr val="lt1"/>
+          </a:fontRef>
+        </p:style>
+        <p:txBody>
+          <a:bodyPr rtlCol="0" anchor="ctr"/>
+          <a:lstStyle/>
+          <a:p>
+            <a:pPr marL="0" marR="0" lvl="0" indent="0" algn="ctr" defTabSz="914400" rtl="0" eaLnBrk="1" fontAlgn="auto" latinLnBrk="0" hangingPunct="1">
+              <a:lnSpc>
+                <a:spcPct val="100000"/>
+              </a:lnSpc>
+              <a:spcBef>
+                <a:spcPts val="0"/>
+              </a:spcBef>
+              <a:spcAft>
+                <a:spcPts val="0"/>
+              </a:spcAft>
+              <a:buClrTx/>
+              <a:buSzTx/>
+              <a:buFontTx/>
+              <a:buNone/>
+              <a:tabLst/>
+              <a:defRPr/>
+            </a:pPr>
+            <a:endParaRPr kumimoji="0" lang="en-US" sz="1800" b="0" i="0" u="none" strike="noStrike" kern="1200" cap="none" spc="0" normalizeH="0" baseline="0" noProof="0">
+              <a:ln>
+                <a:noFill/>
+              </a:ln>
+              <a:solidFill>
+                <a:prstClr val="white"/>
+              </a:solidFill>
+              <a:effectLst/>
+              <a:uLnTx/>
+              <a:uFillTx/>
+              <a:latin typeface="Calibri" panose="020F0502020204030204"/>
+              <a:ea typeface="+mn-ea"/>
+              <a:cs typeface="+mn-cs"/>
+            </a:endParaRPr>
+          </a:p>
+        </p:txBody>
+      </p:sp>
+      <p:sp useBgFill="1">
+        <p:nvSpPr>
+          <p:cNvPr id="10" name="Rectangle 9"/>
+          <p:cNvSpPr>
+            <a:spLocks noGrp="1" noRot="1" noChangeAspect="1" noMove="1" noResize="1" noEditPoints="1" noAdjustHandles="1" noChangeArrowheads="1" noChangeShapeType="1" noTextEdit="1"/>
+          </p:cNvSpPr>
+          <p:nvPr>
+            <p:extLst>
+              <p:ext uri="{386F3935-93C4-4BCD-93E2-E3B085C9AB24}">
+                <p16:designElem xmlns:p16="http://schemas.microsoft.com/office/powerpoint/2015/main" val="1"/>
+              </p:ext>
+            </p:extLst>
+          </p:nvPr>
+        </p:nvSpPr>
+        <p:spPr>
+          <a:xfrm>
+            <a:off x="0" y="1690688"/>
+            <a:ext cx="12192000" cy="5166360"/>
+          </a:xfrm>
+          <a:prstGeom prst="rect">
+            <a:avLst/>
+          </a:prstGeom>
+          <a:ln>
+            <a:noFill/>
+          </a:ln>
+        </p:spPr>
+        <p:style>
+          <a:lnRef idx="2">
+            <a:schemeClr val="accent1">
+              <a:shade val="50000"/>
+            </a:schemeClr>
+          </a:lnRef>
+          <a:fillRef idx="1">
+            <a:schemeClr val="accent1"/>
+          </a:fillRef>
+          <a:effectRef idx="0">
+            <a:schemeClr val="accent1"/>
+          </a:effectRef>
+          <a:fontRef idx="minor">
+            <a:schemeClr val="lt1"/>
+          </a:fontRef>
+        </p:style>
+        <p:txBody>
+          <a:bodyPr rtlCol="0" anchor="ctr"/>
+          <a:lstStyle/>
+          <a:p>
+            <a:pPr marL="0" marR="0" lvl="0" indent="0" algn="ctr" defTabSz="914400" rtl="0" eaLnBrk="1" fontAlgn="auto" latinLnBrk="0" hangingPunct="1">
+              <a:lnSpc>
+                <a:spcPct val="100000"/>
+              </a:lnSpc>
+              <a:spcBef>
+                <a:spcPts val="0"/>
+              </a:spcBef>
+              <a:spcAft>
+                <a:spcPts val="0"/>
+              </a:spcAft>
+              <a:buClrTx/>
+              <a:buSzTx/>
+              <a:buFontTx/>
+              <a:buNone/>
+              <a:tabLst/>
+              <a:defRPr/>
+            </a:pPr>
+            <a:endParaRPr kumimoji="0" lang="en-US" sz="1800" b="0" i="0" u="none" strike="noStrike" kern="1200" cap="none" spc="0" normalizeH="0" baseline="0" noProof="0">
+              <a:ln>
+                <a:noFill/>
+              </a:ln>
+              <a:solidFill>
+                <a:prstClr val="white"/>
+              </a:solidFill>
+              <a:effectLst/>
+              <a:uLnTx/>
+              <a:uFillTx/>
+              <a:latin typeface="Calibri" panose="020F0502020204030204"/>
+              <a:ea typeface="+mn-ea"/>
+              <a:cs typeface="+mn-cs"/>
+            </a:endParaRPr>
+          </a:p>
+        </p:txBody>
+      </p:sp>
+      <p:sp>
+        <p:nvSpPr>
+          <p:cNvPr id="2" name="Title 1"/>
+          <p:cNvSpPr>
+            <a:spLocks noGrp="1"/>
+          </p:cNvSpPr>
+          <p:nvPr>
+            <p:ph type="title"/>
+          </p:nvPr>
+        </p:nvSpPr>
+        <p:spPr>
+          <a:xfrm>
+            <a:off x="838200" y="365125"/>
+            <a:ext cx="10515600" cy="1325563"/>
+          </a:xfrm>
+        </p:spPr>
+        <p:txBody>
+          <a:bodyPr>
+            <a:normAutofit/>
+          </a:bodyPr>
+          <a:lstStyle/>
+          <a:p>
+            <a:r>
+              <a:rPr lang="en-US" dirty="0">
+                <a:solidFill>
+                  <a:srgbClr val="FFC000"/>
+                </a:solidFill>
+              </a:rPr>
+              <a:t>Appendix</a:t>
+            </a:r>
+          </a:p>
+        </p:txBody>
+      </p:sp>
+      <p:sp>
+        <p:nvSpPr>
+          <p:cNvPr id="3" name="Content Placeholder 2"/>
+          <p:cNvSpPr>
+            <a:spLocks noGrp="1"/>
+          </p:cNvSpPr>
+          <p:nvPr>
+            <p:ph idx="1"/>
+          </p:nvPr>
+        </p:nvSpPr>
+        <p:spPr>
+          <a:xfrm>
+            <a:off x="838200" y="1881465"/>
+            <a:ext cx="10515600" cy="1000845"/>
+          </a:xfrm>
+        </p:spPr>
+        <p:txBody>
+          <a:bodyPr anchor="ctr">
+            <a:normAutofit/>
+          </a:bodyPr>
+          <a:lstStyle/>
+          <a:p>
+            <a:r>
+              <a:rPr lang="en-US" sz="1600" dirty="0"/>
+              <a:t>3. A line graph of average sales by month. December seems to be a peak month.</a:t>
+            </a:r>
+          </a:p>
+        </p:txBody>
+      </p:sp>
+      <p:pic>
+        <p:nvPicPr>
+          <p:cNvPr id="6" name="Picture 2" descr="Image result for rosmann"/>
+          <p:cNvPicPr>
+            <a:picLocks noChangeAspect="1" noChangeArrowheads="1"/>
+          </p:cNvPicPr>
+          <p:nvPr/>
+        </p:nvPicPr>
+        <p:blipFill>
+          <a:blip r:embed="rId2">
+            <a:extLst>
+              <a:ext uri="{28A0092B-C50C-407E-A947-70E740481C1C}">
+                <a14:useLocalDpi xmlns:a14="http://schemas.microsoft.com/office/drawing/2010/main" val="0"/>
+              </a:ext>
+            </a:extLst>
+          </a:blip>
+          <a:srcRect/>
+          <a:stretch>
+            <a:fillRect/>
+          </a:stretch>
+        </p:blipFill>
+        <p:spPr bwMode="auto">
+          <a:xfrm>
+            <a:off x="9544049" y="864190"/>
+            <a:ext cx="2390775" cy="327432"/>
+          </a:xfrm>
+          <a:prstGeom prst="rect">
+            <a:avLst/>
+          </a:prstGeom>
+          <a:noFill/>
+          <a:extLst>
+            <a:ext uri="{909E8E84-426E-40DD-AFC4-6F175D3DCCD1}">
+              <a14:hiddenFill xmlns:a14="http://schemas.microsoft.com/office/drawing/2010/main">
+                <a:solidFill>
+                  <a:srgbClr val="FFFFFF"/>
+                </a:solidFill>
+              </a14:hiddenFill>
+            </a:ext>
+          </a:extLst>
+        </p:spPr>
+      </p:pic>
+      <p:pic>
+        <p:nvPicPr>
           <p:cNvPr id="4" name="Picture 3"/>
           <p:cNvPicPr>
             <a:picLocks noChangeAspect="1"/>
@@ -9899,7 +10672,7 @@
 </p:sld>
 </file>
 
-<file path=ppt/slides/slide24.xml><?xml version="1.0" encoding="utf-8"?>
+<file path=ppt/slides/slide25.xml><?xml version="1.0" encoding="utf-8"?>
 <p:sld xmlns:a="http://schemas.openxmlformats.org/drawingml/2006/main" xmlns:r="http://schemas.openxmlformats.org/officeDocument/2006/relationships" xmlns:p="http://schemas.openxmlformats.org/presentationml/2006/main">
   <p:cSld>
     <p:spTree>
@@ -10419,6 +11192,287 @@
                   <a:srgbClr val="FFC000"/>
                 </a:solidFill>
               </a:rPr>
+              <a:t>Business Situation</a:t>
+            </a:r>
+          </a:p>
+        </p:txBody>
+      </p:sp>
+      <p:sp>
+        <p:nvSpPr>
+          <p:cNvPr id="3" name="Content Placeholder 2"/>
+          <p:cNvSpPr>
+            <a:spLocks noGrp="1"/>
+          </p:cNvSpPr>
+          <p:nvPr>
+            <p:ph idx="1"/>
+          </p:nvPr>
+        </p:nvSpPr>
+        <p:spPr>
+          <a:xfrm>
+            <a:off x="838200" y="2015406"/>
+            <a:ext cx="10515600" cy="4065986"/>
+          </a:xfrm>
+        </p:spPr>
+        <p:txBody>
+          <a:bodyPr anchor="ctr">
+            <a:normAutofit/>
+          </a:bodyPr>
+          <a:lstStyle/>
+          <a:p>
+            <a:r>
+              <a:rPr lang="en-US" sz="2400" dirty="0" err="1"/>
+              <a:t>Rossmann</a:t>
+            </a:r>
+            <a:r>
+              <a:rPr lang="en-US" sz="2400" dirty="0"/>
+              <a:t> GmbH operates over 3,000 drug stores in Europe</a:t>
+            </a:r>
+          </a:p>
+          <a:p>
+            <a:r>
+              <a:rPr lang="en-US" sz="2400" dirty="0"/>
+              <a:t>Predicting sales for each store is vital for:</a:t>
+            </a:r>
+          </a:p>
+          <a:p>
+            <a:pPr lvl="2"/>
+            <a:r>
+              <a:rPr lang="en-US" sz="2400" dirty="0"/>
+              <a:t>Purchasing Inventory</a:t>
+            </a:r>
+          </a:p>
+          <a:p>
+            <a:pPr lvl="2"/>
+            <a:r>
+              <a:rPr lang="en-US" sz="2400" dirty="0"/>
+              <a:t>Creating a staff schedule</a:t>
+            </a:r>
+          </a:p>
+          <a:p>
+            <a:pPr lvl="2"/>
+            <a:r>
+              <a:rPr lang="en-US" sz="2400" dirty="0"/>
+              <a:t>General productivity</a:t>
+            </a:r>
+          </a:p>
+          <a:p>
+            <a:r>
+              <a:rPr lang="en-US" sz="3200" dirty="0"/>
+              <a:t>The goal is to understand what factors drive sales, and accurately predict future daily sales using historical data</a:t>
+            </a:r>
+          </a:p>
+          <a:p>
+            <a:pPr lvl="2"/>
+            <a:endParaRPr lang="en-US" dirty="0"/>
+          </a:p>
+        </p:txBody>
+      </p:sp>
+      <p:pic>
+        <p:nvPicPr>
+          <p:cNvPr id="6" name="Picture 2" descr="Image result for rosmann"/>
+          <p:cNvPicPr>
+            <a:picLocks noChangeAspect="1" noChangeArrowheads="1"/>
+          </p:cNvPicPr>
+          <p:nvPr/>
+        </p:nvPicPr>
+        <p:blipFill>
+          <a:blip r:embed="rId2">
+            <a:extLst>
+              <a:ext uri="{28A0092B-C50C-407E-A947-70E740481C1C}">
+                <a14:useLocalDpi xmlns:a14="http://schemas.microsoft.com/office/drawing/2010/main" val="0"/>
+              </a:ext>
+            </a:extLst>
+          </a:blip>
+          <a:srcRect/>
+          <a:stretch>
+            <a:fillRect/>
+          </a:stretch>
+        </p:blipFill>
+        <p:spPr bwMode="auto">
+          <a:xfrm>
+            <a:off x="9667874" y="915032"/>
+            <a:ext cx="2390775" cy="327432"/>
+          </a:xfrm>
+          <a:prstGeom prst="rect">
+            <a:avLst/>
+          </a:prstGeom>
+          <a:noFill/>
+          <a:extLst>
+            <a:ext uri="{909E8E84-426E-40DD-AFC4-6F175D3DCCD1}">
+              <a14:hiddenFill xmlns:a14="http://schemas.microsoft.com/office/drawing/2010/main">
+                <a:solidFill>
+                  <a:srgbClr val="FFFFFF"/>
+                </a:solidFill>
+              </a14:hiddenFill>
+            </a:ext>
+          </a:extLst>
+        </p:spPr>
+      </p:pic>
+    </p:spTree>
+    <p:extLst>
+      <p:ext uri="{BB962C8B-B14F-4D97-AF65-F5344CB8AC3E}">
+        <p14:creationId xmlns:p14="http://schemas.microsoft.com/office/powerpoint/2010/main" val="3973563327"/>
+      </p:ext>
+    </p:extLst>
+  </p:cSld>
+  <p:clrMapOvr>
+    <a:overrideClrMapping bg1="dk1" tx1="lt1" bg2="dk2" tx2="lt2" accent1="accent1" accent2="accent2" accent3="accent3" accent4="accent4" accent5="accent5" accent6="accent6" hlink="hlink" folHlink="folHlink"/>
+  </p:clrMapOvr>
+</p:sld>
+</file>
+
+<file path=ppt/slides/slide4.xml><?xml version="1.0" encoding="utf-8"?>
+<p:sld xmlns:a="http://schemas.openxmlformats.org/drawingml/2006/main" xmlns:r="http://schemas.openxmlformats.org/officeDocument/2006/relationships" xmlns:p="http://schemas.openxmlformats.org/presentationml/2006/main">
+  <p:cSld>
+    <p:spTree>
+      <p:nvGrpSpPr>
+        <p:cNvPr id="1" name=""/>
+        <p:cNvGrpSpPr/>
+        <p:nvPr/>
+      </p:nvGrpSpPr>
+      <p:grpSpPr>
+        <a:xfrm>
+          <a:off x="0" y="0"/>
+          <a:ext cx="0" cy="0"/>
+          <a:chOff x="0" y="0"/>
+          <a:chExt cx="0" cy="0"/>
+        </a:xfrm>
+      </p:grpSpPr>
+      <p:sp>
+        <p:nvSpPr>
+          <p:cNvPr id="8" name="Rectangle 7">
+            <a:extLst/>
+          </p:cNvPr>
+          <p:cNvSpPr>
+            <a:spLocks noGrp="1" noRot="1" noChangeAspect="1" noMove="1" noResize="1" noEditPoints="1" noAdjustHandles="1" noChangeArrowheads="1" noChangeShapeType="1" noTextEdit="1"/>
+          </p:cNvSpPr>
+          <p:nvPr>
+            <p:extLst>
+              <p:ext uri="{386F3935-93C4-4BCD-93E2-E3B085C9AB24}">
+                <p16:designElem xmlns:p16="http://schemas.microsoft.com/office/powerpoint/2015/main" val="1"/>
+              </p:ext>
+            </p:extLst>
+          </p:nvPr>
+        </p:nvSpPr>
+        <p:spPr>
+          <a:xfrm>
+            <a:off x="0" y="0"/>
+            <a:ext cx="12192000" cy="1690688"/>
+          </a:xfrm>
+          <a:prstGeom prst="rect">
+            <a:avLst/>
+          </a:prstGeom>
+          <a:solidFill>
+            <a:schemeClr val="tx1"/>
+          </a:solidFill>
+          <a:ln>
+            <a:noFill/>
+          </a:ln>
+        </p:spPr>
+        <p:style>
+          <a:lnRef idx="2">
+            <a:schemeClr val="accent1">
+              <a:shade val="50000"/>
+            </a:schemeClr>
+          </a:lnRef>
+          <a:fillRef idx="1">
+            <a:schemeClr val="accent1"/>
+          </a:fillRef>
+          <a:effectRef idx="0">
+            <a:schemeClr val="accent1"/>
+          </a:effectRef>
+          <a:fontRef idx="minor">
+            <a:schemeClr val="lt1"/>
+          </a:fontRef>
+        </p:style>
+        <p:txBody>
+          <a:bodyPr rtlCol="0" anchor="ctr"/>
+          <a:lstStyle/>
+          <a:p>
+            <a:pPr algn="ctr"/>
+            <a:endParaRPr lang="en-US"/>
+          </a:p>
+        </p:txBody>
+      </p:sp>
+      <p:sp useBgFill="1">
+        <p:nvSpPr>
+          <p:cNvPr id="10" name="Rectangle 9"/>
+          <p:cNvSpPr>
+            <a:spLocks noGrp="1" noRot="1" noChangeAspect="1" noMove="1" noResize="1" noEditPoints="1" noAdjustHandles="1" noChangeArrowheads="1" noChangeShapeType="1" noTextEdit="1"/>
+          </p:cNvSpPr>
+          <p:nvPr>
+            <p:extLst>
+              <p:ext uri="{386F3935-93C4-4BCD-93E2-E3B085C9AB24}">
+                <p16:designElem xmlns:p16="http://schemas.microsoft.com/office/powerpoint/2015/main" val="1"/>
+              </p:ext>
+            </p:extLst>
+          </p:nvPr>
+        </p:nvSpPr>
+        <p:spPr>
+          <a:xfrm>
+            <a:off x="0" y="1690688"/>
+            <a:ext cx="12192000" cy="5166360"/>
+          </a:xfrm>
+          <a:prstGeom prst="rect">
+            <a:avLst/>
+          </a:prstGeom>
+          <a:ln>
+            <a:noFill/>
+          </a:ln>
+        </p:spPr>
+        <p:style>
+          <a:lnRef idx="2">
+            <a:schemeClr val="accent1">
+              <a:shade val="50000"/>
+            </a:schemeClr>
+          </a:lnRef>
+          <a:fillRef idx="1">
+            <a:schemeClr val="accent1"/>
+          </a:fillRef>
+          <a:effectRef idx="0">
+            <a:schemeClr val="accent1"/>
+          </a:effectRef>
+          <a:fontRef idx="minor">
+            <a:schemeClr val="lt1"/>
+          </a:fontRef>
+        </p:style>
+        <p:txBody>
+          <a:bodyPr rtlCol="0" anchor="ctr"/>
+          <a:lstStyle/>
+          <a:p>
+            <a:pPr algn="ctr"/>
+            <a:endParaRPr lang="en-US"/>
+          </a:p>
+        </p:txBody>
+      </p:sp>
+      <p:sp>
+        <p:nvSpPr>
+          <p:cNvPr id="2" name="Title 1"/>
+          <p:cNvSpPr>
+            <a:spLocks noGrp="1"/>
+          </p:cNvSpPr>
+          <p:nvPr>
+            <p:ph type="title"/>
+          </p:nvPr>
+        </p:nvSpPr>
+        <p:spPr>
+          <a:xfrm>
+            <a:off x="838200" y="365125"/>
+            <a:ext cx="10515600" cy="1325563"/>
+          </a:xfrm>
+        </p:spPr>
+        <p:txBody>
+          <a:bodyPr>
+            <a:normAutofit/>
+          </a:bodyPr>
+          <a:lstStyle/>
+          <a:p>
+            <a:r>
+              <a:rPr lang="en-US" b="1" dirty="0">
+                <a:solidFill>
+                  <a:srgbClr val="FFC000"/>
+                </a:solidFill>
+              </a:rPr>
               <a:t>Data</a:t>
             </a:r>
           </a:p>
@@ -10793,7 +11847,7 @@
 </p:sld>
 </file>
 
-<file path=ppt/slides/slide4.xml><?xml version="1.0" encoding="utf-8"?>
+<file path=ppt/slides/slide5.xml><?xml version="1.0" encoding="utf-8"?>
 <p:sld xmlns:a="http://schemas.openxmlformats.org/drawingml/2006/main" xmlns:r="http://schemas.openxmlformats.org/officeDocument/2006/relationships" xmlns:p="http://schemas.openxmlformats.org/presentationml/2006/main">
   <p:cSld>
     <p:spTree>
@@ -11129,7 +12183,7 @@
 </p:sld>
 </file>
 
-<file path=ppt/slides/slide5.xml><?xml version="1.0" encoding="utf-8"?>
+<file path=ppt/slides/slide6.xml><?xml version="1.0" encoding="utf-8"?>
 <p:sld xmlns:a="http://schemas.openxmlformats.org/drawingml/2006/main" xmlns:r="http://schemas.openxmlformats.org/officeDocument/2006/relationships" xmlns:p="http://schemas.openxmlformats.org/presentationml/2006/main">
   <p:cSld>
     <p:spTree>
@@ -11411,311 +12465,6 @@
     <p:extLst>
       <p:ext uri="{BB962C8B-B14F-4D97-AF65-F5344CB8AC3E}">
         <p14:creationId xmlns:p14="http://schemas.microsoft.com/office/powerpoint/2010/main" val="258080076"/>
-      </p:ext>
-    </p:extLst>
-  </p:cSld>
-  <p:clrMapOvr>
-    <a:overrideClrMapping bg1="dk1" tx1="lt1" bg2="dk2" tx2="lt2" accent1="accent1" accent2="accent2" accent3="accent3" accent4="accent4" accent5="accent5" accent6="accent6" hlink="hlink" folHlink="folHlink"/>
-  </p:clrMapOvr>
-</p:sld>
-</file>
-
-<file path=ppt/slides/slide6.xml><?xml version="1.0" encoding="utf-8"?>
-<p:sld xmlns:a="http://schemas.openxmlformats.org/drawingml/2006/main" xmlns:r="http://schemas.openxmlformats.org/officeDocument/2006/relationships" xmlns:p="http://schemas.openxmlformats.org/presentationml/2006/main">
-  <p:cSld>
-    <p:spTree>
-      <p:nvGrpSpPr>
-        <p:cNvPr id="1" name=""/>
-        <p:cNvGrpSpPr/>
-        <p:nvPr/>
-      </p:nvGrpSpPr>
-      <p:grpSpPr>
-        <a:xfrm>
-          <a:off x="0" y="0"/>
-          <a:ext cx="0" cy="0"/>
-          <a:chOff x="0" y="0"/>
-          <a:chExt cx="0" cy="0"/>
-        </a:xfrm>
-      </p:grpSpPr>
-      <p:sp>
-        <p:nvSpPr>
-          <p:cNvPr id="8" name="Rectangle 7">
-            <a:extLst/>
-          </p:cNvPr>
-          <p:cNvSpPr>
-            <a:spLocks noGrp="1" noRot="1" noChangeAspect="1" noMove="1" noResize="1" noEditPoints="1" noAdjustHandles="1" noChangeArrowheads="1" noChangeShapeType="1" noTextEdit="1"/>
-          </p:cNvSpPr>
-          <p:nvPr>
-            <p:extLst>
-              <p:ext uri="{386F3935-93C4-4BCD-93E2-E3B085C9AB24}">
-                <p16:designElem xmlns:p16="http://schemas.microsoft.com/office/powerpoint/2015/main" val="1"/>
-              </p:ext>
-            </p:extLst>
-          </p:nvPr>
-        </p:nvSpPr>
-        <p:spPr>
-          <a:xfrm>
-            <a:off x="0" y="0"/>
-            <a:ext cx="12192000" cy="1690688"/>
-          </a:xfrm>
-          <a:prstGeom prst="rect">
-            <a:avLst/>
-          </a:prstGeom>
-          <a:solidFill>
-            <a:schemeClr val="tx1"/>
-          </a:solidFill>
-          <a:ln>
-            <a:noFill/>
-          </a:ln>
-        </p:spPr>
-        <p:style>
-          <a:lnRef idx="2">
-            <a:schemeClr val="accent1">
-              <a:shade val="50000"/>
-            </a:schemeClr>
-          </a:lnRef>
-          <a:fillRef idx="1">
-            <a:schemeClr val="accent1"/>
-          </a:fillRef>
-          <a:effectRef idx="0">
-            <a:schemeClr val="accent1"/>
-          </a:effectRef>
-          <a:fontRef idx="minor">
-            <a:schemeClr val="lt1"/>
-          </a:fontRef>
-        </p:style>
-        <p:txBody>
-          <a:bodyPr rtlCol="0" anchor="ctr"/>
-          <a:lstStyle/>
-          <a:p>
-            <a:pPr algn="ctr"/>
-            <a:endParaRPr lang="en-US"/>
-          </a:p>
-        </p:txBody>
-      </p:sp>
-      <p:sp useBgFill="1">
-        <p:nvSpPr>
-          <p:cNvPr id="10" name="Rectangle 9"/>
-          <p:cNvSpPr>
-            <a:spLocks noGrp="1" noRot="1" noChangeAspect="1" noMove="1" noResize="1" noEditPoints="1" noAdjustHandles="1" noChangeArrowheads="1" noChangeShapeType="1" noTextEdit="1"/>
-          </p:cNvSpPr>
-          <p:nvPr>
-            <p:extLst>
-              <p:ext uri="{386F3935-93C4-4BCD-93E2-E3B085C9AB24}">
-                <p16:designElem xmlns:p16="http://schemas.microsoft.com/office/powerpoint/2015/main" val="1"/>
-              </p:ext>
-            </p:extLst>
-          </p:nvPr>
-        </p:nvSpPr>
-        <p:spPr>
-          <a:xfrm>
-            <a:off x="0" y="1690688"/>
-            <a:ext cx="12192000" cy="5166360"/>
-          </a:xfrm>
-          <a:prstGeom prst="rect">
-            <a:avLst/>
-          </a:prstGeom>
-          <a:ln>
-            <a:noFill/>
-          </a:ln>
-        </p:spPr>
-        <p:style>
-          <a:lnRef idx="2">
-            <a:schemeClr val="accent1">
-              <a:shade val="50000"/>
-            </a:schemeClr>
-          </a:lnRef>
-          <a:fillRef idx="1">
-            <a:schemeClr val="accent1"/>
-          </a:fillRef>
-          <a:effectRef idx="0">
-            <a:schemeClr val="accent1"/>
-          </a:effectRef>
-          <a:fontRef idx="minor">
-            <a:schemeClr val="lt1"/>
-          </a:fontRef>
-        </p:style>
-        <p:txBody>
-          <a:bodyPr rtlCol="0" anchor="ctr"/>
-          <a:lstStyle/>
-          <a:p>
-            <a:pPr algn="ctr"/>
-            <a:endParaRPr lang="en-US"/>
-          </a:p>
-        </p:txBody>
-      </p:sp>
-      <p:sp>
-        <p:nvSpPr>
-          <p:cNvPr id="2" name="Title 1"/>
-          <p:cNvSpPr>
-            <a:spLocks noGrp="1"/>
-          </p:cNvSpPr>
-          <p:nvPr>
-            <p:ph type="title"/>
-          </p:nvPr>
-        </p:nvSpPr>
-        <p:spPr>
-          <a:xfrm>
-            <a:off x="838200" y="365125"/>
-            <a:ext cx="10515600" cy="1325563"/>
-          </a:xfrm>
-        </p:spPr>
-        <p:txBody>
-          <a:bodyPr>
-            <a:normAutofit/>
-          </a:bodyPr>
-          <a:lstStyle/>
-          <a:p>
-            <a:r>
-              <a:rPr lang="en-US" b="1" dirty="0">
-                <a:solidFill>
-                  <a:srgbClr val="FFC000"/>
-                </a:solidFill>
-              </a:rPr>
-              <a:t>Data Cleaning &amp; Preprocessing</a:t>
-            </a:r>
-          </a:p>
-        </p:txBody>
-      </p:sp>
-      <p:sp>
-        <p:nvSpPr>
-          <p:cNvPr id="3" name="Content Placeholder 2"/>
-          <p:cNvSpPr>
-            <a:spLocks noGrp="1"/>
-          </p:cNvSpPr>
-          <p:nvPr>
-            <p:ph idx="1"/>
-          </p:nvPr>
-        </p:nvSpPr>
-        <p:spPr>
-          <a:xfrm>
-            <a:off x="838200" y="2015406"/>
-            <a:ext cx="10515600" cy="4065986"/>
-          </a:xfrm>
-        </p:spPr>
-        <p:txBody>
-          <a:bodyPr anchor="ctr">
-            <a:normAutofit/>
-          </a:bodyPr>
-          <a:lstStyle/>
-          <a:p>
-            <a:r>
-              <a:rPr lang="en-US" dirty="0"/>
-              <a:t>Add a new variable and calculate the time interval in days since the competitor appeared</a:t>
-            </a:r>
-          </a:p>
-          <a:p>
-            <a:pPr lvl="1">
-              <a:buSzPct val="60000"/>
-              <a:buFont typeface="Courier New" panose="02070309020205020404" pitchFamily="49" charset="0"/>
-              <a:buChar char="o"/>
-            </a:pPr>
-            <a:r>
-              <a:rPr lang="en-US" dirty="0"/>
-              <a:t>2015-07-31  minus Competitor Open Date</a:t>
-            </a:r>
-          </a:p>
-          <a:p>
-            <a:r>
-              <a:rPr lang="en-US" dirty="0"/>
-              <a:t>Exclude closed stores and zero sales observations</a:t>
-            </a:r>
-          </a:p>
-          <a:p>
-            <a:pPr>
-              <a:buSzPct val="100000"/>
-            </a:pPr>
-            <a:r>
-              <a:rPr lang="en-US" dirty="0"/>
-              <a:t>Exclude outliers</a:t>
-            </a:r>
-          </a:p>
-          <a:p>
-            <a:pPr lvl="1">
-              <a:buSzPct val="60000"/>
-              <a:buFont typeface="Courier New" panose="02070309020205020404" pitchFamily="49" charset="0"/>
-              <a:buChar char="o"/>
-            </a:pPr>
-            <a:r>
-              <a:rPr lang="en-US" dirty="0"/>
-              <a:t>Competitor Open Date on 1900 and 1961</a:t>
-            </a:r>
-          </a:p>
-          <a:p>
-            <a:pPr lvl="1">
-              <a:buSzPct val="60000"/>
-              <a:buFont typeface="Courier New" panose="02070309020205020404" pitchFamily="49" charset="0"/>
-              <a:buChar char="o"/>
-            </a:pPr>
-            <a:r>
-              <a:rPr lang="en-US" dirty="0"/>
-              <a:t>Sales equal to 46</a:t>
-            </a:r>
-          </a:p>
-          <a:p>
-            <a:pPr lvl="1">
-              <a:buSzPct val="60000"/>
-              <a:buFont typeface="Courier New" panose="02070309020205020404" pitchFamily="49" charset="0"/>
-              <a:buChar char="o"/>
-            </a:pPr>
-            <a:r>
-              <a:rPr lang="en-US" dirty="0"/>
-              <a:t>Minus time interval</a:t>
-            </a:r>
-          </a:p>
-          <a:p>
-            <a:pPr lvl="1">
-              <a:buSzPct val="100000"/>
-            </a:pPr>
-            <a:endParaRPr lang="en-US" sz="2000" dirty="0"/>
-          </a:p>
-        </p:txBody>
-      </p:sp>
-      <p:pic>
-        <p:nvPicPr>
-          <p:cNvPr id="7" name="Picture 2" descr="Image result for rosmann"/>
-          <p:cNvPicPr>
-            <a:picLocks noChangeAspect="1" noChangeArrowheads="1"/>
-          </p:cNvPicPr>
-          <p:nvPr/>
-        </p:nvPicPr>
-        <p:blipFill>
-          <a:blip r:embed="rId2">
-            <a:extLst>
-              <a:ext uri="{28A0092B-C50C-407E-A947-70E740481C1C}">
-                <a14:useLocalDpi xmlns:a14="http://schemas.microsoft.com/office/drawing/2010/main" val="0"/>
-              </a:ext>
-            </a:extLst>
-          </a:blip>
-          <a:srcRect/>
-          <a:stretch>
-            <a:fillRect/>
-          </a:stretch>
-        </p:blipFill>
-        <p:spPr bwMode="auto">
-          <a:xfrm>
-            <a:off x="9544049" y="864190"/>
-            <a:ext cx="2390775" cy="327432"/>
-          </a:xfrm>
-          <a:prstGeom prst="rect">
-            <a:avLst/>
-          </a:prstGeom>
-          <a:noFill/>
-          <a:extLst>
-            <a:ext uri="{909E8E84-426E-40DD-AFC4-6F175D3DCCD1}">
-              <a14:hiddenFill xmlns:a14="http://schemas.microsoft.com/office/drawing/2010/main">
-                <a:solidFill>
-                  <a:srgbClr val="FFFFFF"/>
-                </a:solidFill>
-              </a14:hiddenFill>
-            </a:ext>
-          </a:extLst>
-        </p:spPr>
-      </p:pic>
-    </p:spTree>
-    <p:extLst>
-      <p:ext uri="{BB962C8B-B14F-4D97-AF65-F5344CB8AC3E}">
-        <p14:creationId xmlns:p14="http://schemas.microsoft.com/office/powerpoint/2010/main" val="390173608"/>
       </p:ext>
     </p:extLst>
   </p:cSld>
@@ -11894,42 +12643,19 @@
         </p:nvSpPr>
         <p:spPr>
           <a:xfrm>
-            <a:off x="838200" y="1857081"/>
-            <a:ext cx="10515600" cy="4224312"/>
-          </a:xfrm>
-        </p:spPr>
-        <p:txBody>
-          <a:bodyPr anchor="t">
+            <a:off x="838200" y="2015406"/>
+            <a:ext cx="10515600" cy="4065986"/>
+          </a:xfrm>
+        </p:spPr>
+        <p:txBody>
+          <a:bodyPr anchor="ctr">
             <a:normAutofit/>
           </a:bodyPr>
           <a:lstStyle/>
           <a:p>
-            <a:endParaRPr lang="en-US" dirty="0"/>
-          </a:p>
-          <a:p>
             <a:r>
               <a:rPr lang="en-US" dirty="0"/>
-              <a:t>Final full dataset</a:t>
-            </a:r>
-          </a:p>
-          <a:p>
-            <a:pPr lvl="1">
-              <a:lnSpc>
-                <a:spcPct val="100000"/>
-              </a:lnSpc>
-              <a:buSzPct val="60000"/>
-              <a:buFont typeface="Courier New" panose="02070309020205020404" pitchFamily="49" charset="0"/>
-              <a:buChar char="o"/>
-            </a:pPr>
-            <a:r>
-              <a:rPr lang="en-US" dirty="0"/>
-              <a:t>571997 obs. 16 variables</a:t>
-            </a:r>
-          </a:p>
-          <a:p>
-            <a:r>
-              <a:rPr lang="en-US" dirty="0"/>
-              <a:t>Training and test datasets</a:t>
+              <a:t>Add a new variable and calculate the time interval in days since the competitor appeared</a:t>
             </a:r>
           </a:p>
           <a:p>
@@ -11940,29 +12666,22 @@
             </a:pPr>
             <a:r>
               <a:rPr lang="en-US" dirty="0"/>
-              <a:t>Training dataset</a:t>
-            </a:r>
-          </a:p>
-          <a:p>
-            <a:pPr lvl="2">
-              <a:buSzPct val="60000"/>
-              <a:buFont typeface="Courier New" panose="02070309020205020404" pitchFamily="49" charset="0"/>
-              <a:buChar char="o"/>
+              <a:t>2015-07-31  minus Competitor Open Date</a:t>
+            </a:r>
+          </a:p>
+          <a:p>
+            <a:r>
+              <a:rPr lang="en-US" dirty="0"/>
+              <a:t>Exclude closed stores and zero sales observations</a:t>
+            </a:r>
+          </a:p>
+          <a:p>
+            <a:pPr>
+              <a:buSzPct val="100000"/>
             </a:pPr>
             <a:r>
               <a:rPr lang="en-US" dirty="0"/>
-              <a:t>439116 obs.</a:t>
-            </a:r>
-          </a:p>
-          <a:p>
-            <a:pPr lvl="2">
-              <a:buSzPct val="60000"/>
-              <a:buFont typeface="Courier New" panose="02070309020205020404" pitchFamily="49" charset="0"/>
-              <a:buChar char="o"/>
-            </a:pPr>
-            <a:r>
-              <a:rPr lang="en-US" dirty="0"/>
-              <a:t>Prior to 2015</a:t>
+              <a:t>Exclude outliers</a:t>
             </a:r>
           </a:p>
           <a:p>
@@ -11973,30 +12692,36 @@
             </a:pPr>
             <a:r>
               <a:rPr lang="en-US" dirty="0"/>
-              <a:t>Test dataset</a:t>
-            </a:r>
-          </a:p>
-          <a:p>
-            <a:pPr lvl="2">
+              <a:t>Competitor Open Date on 1900 and 1961</a:t>
+            </a:r>
+          </a:p>
+          <a:p>
+            <a:pPr lvl="1">
               <a:buSzPct val="60000"/>
               <a:buFont typeface="Courier New" panose="02070309020205020404" pitchFamily="49" charset="0"/>
               <a:buChar char="o"/>
             </a:pPr>
             <a:r>
               <a:rPr lang="en-US" dirty="0"/>
-              <a:t>132881 obs.</a:t>
-            </a:r>
-          </a:p>
-          <a:p>
-            <a:pPr lvl="2">
+              <a:t>Sales equal to 46</a:t>
+            </a:r>
+          </a:p>
+          <a:p>
+            <a:pPr lvl="1">
               <a:buSzPct val="60000"/>
               <a:buFont typeface="Courier New" panose="02070309020205020404" pitchFamily="49" charset="0"/>
               <a:buChar char="o"/>
             </a:pPr>
             <a:r>
               <a:rPr lang="en-US" dirty="0"/>
-              <a:t>Year 2015</a:t>
-            </a:r>
+              <a:t>Minus time interval</a:t>
+            </a:r>
+          </a:p>
+          <a:p>
+            <a:pPr lvl="1">
+              <a:buSzPct val="100000"/>
+            </a:pPr>
+            <a:endParaRPr lang="en-US" sz="2000" dirty="0"/>
           </a:p>
         </p:txBody>
       </p:sp>
@@ -12044,6 +12769,335 @@
     </p:spTree>
     <p:extLst>
       <p:ext uri="{BB962C8B-B14F-4D97-AF65-F5344CB8AC3E}">
+        <p14:creationId xmlns:p14="http://schemas.microsoft.com/office/powerpoint/2010/main" val="390173608"/>
+      </p:ext>
+    </p:extLst>
+  </p:cSld>
+  <p:clrMapOvr>
+    <a:overrideClrMapping bg1="dk1" tx1="lt1" bg2="dk2" tx2="lt2" accent1="accent1" accent2="accent2" accent3="accent3" accent4="accent4" accent5="accent5" accent6="accent6" hlink="hlink" folHlink="folHlink"/>
+  </p:clrMapOvr>
+</p:sld>
+</file>
+
+<file path=ppt/slides/slide8.xml><?xml version="1.0" encoding="utf-8"?>
+<p:sld xmlns:a="http://schemas.openxmlformats.org/drawingml/2006/main" xmlns:r="http://schemas.openxmlformats.org/officeDocument/2006/relationships" xmlns:p="http://schemas.openxmlformats.org/presentationml/2006/main">
+  <p:cSld>
+    <p:spTree>
+      <p:nvGrpSpPr>
+        <p:cNvPr id="1" name=""/>
+        <p:cNvGrpSpPr/>
+        <p:nvPr/>
+      </p:nvGrpSpPr>
+      <p:grpSpPr>
+        <a:xfrm>
+          <a:off x="0" y="0"/>
+          <a:ext cx="0" cy="0"/>
+          <a:chOff x="0" y="0"/>
+          <a:chExt cx="0" cy="0"/>
+        </a:xfrm>
+      </p:grpSpPr>
+      <p:sp>
+        <p:nvSpPr>
+          <p:cNvPr id="8" name="Rectangle 7">
+            <a:extLst/>
+          </p:cNvPr>
+          <p:cNvSpPr>
+            <a:spLocks noGrp="1" noRot="1" noChangeAspect="1" noMove="1" noResize="1" noEditPoints="1" noAdjustHandles="1" noChangeArrowheads="1" noChangeShapeType="1" noTextEdit="1"/>
+          </p:cNvSpPr>
+          <p:nvPr>
+            <p:extLst>
+              <p:ext uri="{386F3935-93C4-4BCD-93E2-E3B085C9AB24}">
+                <p16:designElem xmlns:p16="http://schemas.microsoft.com/office/powerpoint/2015/main" val="1"/>
+              </p:ext>
+            </p:extLst>
+          </p:nvPr>
+        </p:nvSpPr>
+        <p:spPr>
+          <a:xfrm>
+            <a:off x="0" y="0"/>
+            <a:ext cx="12192000" cy="1690688"/>
+          </a:xfrm>
+          <a:prstGeom prst="rect">
+            <a:avLst/>
+          </a:prstGeom>
+          <a:solidFill>
+            <a:schemeClr val="tx1"/>
+          </a:solidFill>
+          <a:ln>
+            <a:noFill/>
+          </a:ln>
+        </p:spPr>
+        <p:style>
+          <a:lnRef idx="2">
+            <a:schemeClr val="accent1">
+              <a:shade val="50000"/>
+            </a:schemeClr>
+          </a:lnRef>
+          <a:fillRef idx="1">
+            <a:schemeClr val="accent1"/>
+          </a:fillRef>
+          <a:effectRef idx="0">
+            <a:schemeClr val="accent1"/>
+          </a:effectRef>
+          <a:fontRef idx="minor">
+            <a:schemeClr val="lt1"/>
+          </a:fontRef>
+        </p:style>
+        <p:txBody>
+          <a:bodyPr rtlCol="0" anchor="ctr"/>
+          <a:lstStyle/>
+          <a:p>
+            <a:pPr algn="ctr"/>
+            <a:endParaRPr lang="en-US"/>
+          </a:p>
+        </p:txBody>
+      </p:sp>
+      <p:sp useBgFill="1">
+        <p:nvSpPr>
+          <p:cNvPr id="10" name="Rectangle 9"/>
+          <p:cNvSpPr>
+            <a:spLocks noGrp="1" noRot="1" noChangeAspect="1" noMove="1" noResize="1" noEditPoints="1" noAdjustHandles="1" noChangeArrowheads="1" noChangeShapeType="1" noTextEdit="1"/>
+          </p:cNvSpPr>
+          <p:nvPr>
+            <p:extLst>
+              <p:ext uri="{386F3935-93C4-4BCD-93E2-E3B085C9AB24}">
+                <p16:designElem xmlns:p16="http://schemas.microsoft.com/office/powerpoint/2015/main" val="1"/>
+              </p:ext>
+            </p:extLst>
+          </p:nvPr>
+        </p:nvSpPr>
+        <p:spPr>
+          <a:xfrm>
+            <a:off x="0" y="1690688"/>
+            <a:ext cx="12192000" cy="5166360"/>
+          </a:xfrm>
+          <a:prstGeom prst="rect">
+            <a:avLst/>
+          </a:prstGeom>
+          <a:ln>
+            <a:noFill/>
+          </a:ln>
+        </p:spPr>
+        <p:style>
+          <a:lnRef idx="2">
+            <a:schemeClr val="accent1">
+              <a:shade val="50000"/>
+            </a:schemeClr>
+          </a:lnRef>
+          <a:fillRef idx="1">
+            <a:schemeClr val="accent1"/>
+          </a:fillRef>
+          <a:effectRef idx="0">
+            <a:schemeClr val="accent1"/>
+          </a:effectRef>
+          <a:fontRef idx="minor">
+            <a:schemeClr val="lt1"/>
+          </a:fontRef>
+        </p:style>
+        <p:txBody>
+          <a:bodyPr rtlCol="0" anchor="ctr"/>
+          <a:lstStyle/>
+          <a:p>
+            <a:pPr algn="ctr"/>
+            <a:endParaRPr lang="en-US"/>
+          </a:p>
+        </p:txBody>
+      </p:sp>
+      <p:sp>
+        <p:nvSpPr>
+          <p:cNvPr id="2" name="Title 1"/>
+          <p:cNvSpPr>
+            <a:spLocks noGrp="1"/>
+          </p:cNvSpPr>
+          <p:nvPr>
+            <p:ph type="title"/>
+          </p:nvPr>
+        </p:nvSpPr>
+        <p:spPr>
+          <a:xfrm>
+            <a:off x="838200" y="365125"/>
+            <a:ext cx="10515600" cy="1325563"/>
+          </a:xfrm>
+        </p:spPr>
+        <p:txBody>
+          <a:bodyPr>
+            <a:normAutofit/>
+          </a:bodyPr>
+          <a:lstStyle/>
+          <a:p>
+            <a:r>
+              <a:rPr lang="en-US" b="1" dirty="0">
+                <a:solidFill>
+                  <a:srgbClr val="FFC000"/>
+                </a:solidFill>
+              </a:rPr>
+              <a:t>Data Cleaning &amp; Preprocessing</a:t>
+            </a:r>
+          </a:p>
+        </p:txBody>
+      </p:sp>
+      <p:sp>
+        <p:nvSpPr>
+          <p:cNvPr id="3" name="Content Placeholder 2"/>
+          <p:cNvSpPr>
+            <a:spLocks noGrp="1"/>
+          </p:cNvSpPr>
+          <p:nvPr>
+            <p:ph idx="1"/>
+          </p:nvPr>
+        </p:nvSpPr>
+        <p:spPr>
+          <a:xfrm>
+            <a:off x="838200" y="1857081"/>
+            <a:ext cx="10515600" cy="4224312"/>
+          </a:xfrm>
+        </p:spPr>
+        <p:txBody>
+          <a:bodyPr anchor="t">
+            <a:normAutofit/>
+          </a:bodyPr>
+          <a:lstStyle/>
+          <a:p>
+            <a:endParaRPr lang="en-US" dirty="0"/>
+          </a:p>
+          <a:p>
+            <a:r>
+              <a:rPr lang="en-US" dirty="0"/>
+              <a:t>Final full dataset</a:t>
+            </a:r>
+          </a:p>
+          <a:p>
+            <a:pPr lvl="1">
+              <a:lnSpc>
+                <a:spcPct val="100000"/>
+              </a:lnSpc>
+              <a:buSzPct val="60000"/>
+              <a:buFont typeface="Courier New" panose="02070309020205020404" pitchFamily="49" charset="0"/>
+              <a:buChar char="o"/>
+            </a:pPr>
+            <a:r>
+              <a:rPr lang="en-US" dirty="0"/>
+              <a:t>571997 obs. 16 variables</a:t>
+            </a:r>
+          </a:p>
+          <a:p>
+            <a:r>
+              <a:rPr lang="en-US" dirty="0"/>
+              <a:t>Training and test datasets</a:t>
+            </a:r>
+          </a:p>
+          <a:p>
+            <a:pPr lvl="1">
+              <a:buSzPct val="60000"/>
+              <a:buFont typeface="Courier New" panose="02070309020205020404" pitchFamily="49" charset="0"/>
+              <a:buChar char="o"/>
+            </a:pPr>
+            <a:r>
+              <a:rPr lang="en-US" dirty="0"/>
+              <a:t>Training dataset</a:t>
+            </a:r>
+          </a:p>
+          <a:p>
+            <a:pPr lvl="2">
+              <a:buSzPct val="60000"/>
+              <a:buFont typeface="Courier New" panose="02070309020205020404" pitchFamily="49" charset="0"/>
+              <a:buChar char="o"/>
+            </a:pPr>
+            <a:r>
+              <a:rPr lang="en-US" dirty="0"/>
+              <a:t>439116 obs.</a:t>
+            </a:r>
+          </a:p>
+          <a:p>
+            <a:pPr lvl="2">
+              <a:buSzPct val="60000"/>
+              <a:buFont typeface="Courier New" panose="02070309020205020404" pitchFamily="49" charset="0"/>
+              <a:buChar char="o"/>
+            </a:pPr>
+            <a:r>
+              <a:rPr lang="en-US" dirty="0"/>
+              <a:t>Prior to 2015</a:t>
+            </a:r>
+          </a:p>
+          <a:p>
+            <a:pPr lvl="1">
+              <a:buSzPct val="60000"/>
+              <a:buFont typeface="Courier New" panose="02070309020205020404" pitchFamily="49" charset="0"/>
+              <a:buChar char="o"/>
+            </a:pPr>
+            <a:r>
+              <a:rPr lang="en-US" dirty="0"/>
+              <a:t>Test dataset</a:t>
+            </a:r>
+          </a:p>
+          <a:p>
+            <a:pPr lvl="2">
+              <a:buSzPct val="60000"/>
+              <a:buFont typeface="Courier New" panose="02070309020205020404" pitchFamily="49" charset="0"/>
+              <a:buChar char="o"/>
+            </a:pPr>
+            <a:r>
+              <a:rPr lang="en-US" dirty="0"/>
+              <a:t>132881 obs.</a:t>
+            </a:r>
+          </a:p>
+          <a:p>
+            <a:pPr lvl="2">
+              <a:buSzPct val="60000"/>
+              <a:buFont typeface="Courier New" panose="02070309020205020404" pitchFamily="49" charset="0"/>
+              <a:buChar char="o"/>
+            </a:pPr>
+            <a:r>
+              <a:rPr lang="en-US" dirty="0"/>
+              <a:t>Year 2015</a:t>
+            </a:r>
+          </a:p>
+        </p:txBody>
+      </p:sp>
+      <p:pic>
+        <p:nvPicPr>
+          <p:cNvPr id="7" name="Picture 2" descr="Image result for rosmann"/>
+          <p:cNvPicPr>
+            <a:picLocks noChangeAspect="1" noChangeArrowheads="1"/>
+          </p:cNvPicPr>
+          <p:nvPr/>
+        </p:nvPicPr>
+        <p:blipFill>
+          <a:blip r:embed="rId2">
+            <a:extLst>
+              <a:ext uri="{28A0092B-C50C-407E-A947-70E740481C1C}">
+                <a14:useLocalDpi xmlns:a14="http://schemas.microsoft.com/office/drawing/2010/main" val="0"/>
+              </a:ext>
+            </a:extLst>
+          </a:blip>
+          <a:srcRect/>
+          <a:stretch>
+            <a:fillRect/>
+          </a:stretch>
+        </p:blipFill>
+        <p:spPr bwMode="auto">
+          <a:xfrm>
+            <a:off x="9544049" y="864190"/>
+            <a:ext cx="2390775" cy="327432"/>
+          </a:xfrm>
+          <a:prstGeom prst="rect">
+            <a:avLst/>
+          </a:prstGeom>
+          <a:noFill/>
+          <a:extLst>
+            <a:ext uri="{909E8E84-426E-40DD-AFC4-6F175D3DCCD1}">
+              <a14:hiddenFill xmlns:a14="http://schemas.microsoft.com/office/drawing/2010/main">
+                <a:solidFill>
+                  <a:srgbClr val="FFFFFF"/>
+                </a:solidFill>
+              </a14:hiddenFill>
+            </a:ext>
+          </a:extLst>
+        </p:spPr>
+      </p:pic>
+    </p:spTree>
+    <p:extLst>
+      <p:ext uri="{BB962C8B-B14F-4D97-AF65-F5344CB8AC3E}">
         <p14:creationId xmlns:p14="http://schemas.microsoft.com/office/powerpoint/2010/main" val="3851990781"/>
       </p:ext>
     </p:extLst>
@@ -12054,7 +13108,7 @@
 </p:sld>
 </file>
 
-<file path=ppt/slides/slide8.xml><?xml version="1.0" encoding="utf-8"?>
+<file path=ppt/slides/slide9.xml><?xml version="1.0" encoding="utf-8"?>
 <p:sld xmlns:a="http://schemas.openxmlformats.org/drawingml/2006/main" xmlns:r="http://schemas.openxmlformats.org/officeDocument/2006/relationships" xmlns:p="http://schemas.openxmlformats.org/presentationml/2006/main">
   <p:cSld>
     <p:spTree>
@@ -12836,461 +13890,6 @@
 </p:sld>
 </file>
 
-<file path=ppt/slides/slide9.xml><?xml version="1.0" encoding="utf-8"?>
-<p:sld xmlns:a="http://schemas.openxmlformats.org/drawingml/2006/main" xmlns:r="http://schemas.openxmlformats.org/officeDocument/2006/relationships" xmlns:p="http://schemas.openxmlformats.org/presentationml/2006/main">
-  <p:cSld>
-    <p:spTree>
-      <p:nvGrpSpPr>
-        <p:cNvPr id="1" name=""/>
-        <p:cNvGrpSpPr/>
-        <p:nvPr/>
-      </p:nvGrpSpPr>
-      <p:grpSpPr>
-        <a:xfrm>
-          <a:off x="0" y="0"/>
-          <a:ext cx="0" cy="0"/>
-          <a:chOff x="0" y="0"/>
-          <a:chExt cx="0" cy="0"/>
-        </a:xfrm>
-      </p:grpSpPr>
-      <p:sp>
-        <p:nvSpPr>
-          <p:cNvPr id="8" name="Rectangle 7">
-            <a:extLst/>
-          </p:cNvPr>
-          <p:cNvSpPr>
-            <a:spLocks noGrp="1" noRot="1" noChangeAspect="1" noMove="1" noResize="1" noEditPoints="1" noAdjustHandles="1" noChangeArrowheads="1" noChangeShapeType="1" noTextEdit="1"/>
-          </p:cNvSpPr>
-          <p:nvPr>
-            <p:extLst>
-              <p:ext uri="{386F3935-93C4-4BCD-93E2-E3B085C9AB24}">
-                <p16:designElem xmlns:p16="http://schemas.microsoft.com/office/powerpoint/2015/main" val="1"/>
-              </p:ext>
-            </p:extLst>
-          </p:nvPr>
-        </p:nvSpPr>
-        <p:spPr>
-          <a:xfrm>
-            <a:off x="0" y="0"/>
-            <a:ext cx="12192000" cy="1690688"/>
-          </a:xfrm>
-          <a:prstGeom prst="rect">
-            <a:avLst/>
-          </a:prstGeom>
-          <a:solidFill>
-            <a:schemeClr val="tx1"/>
-          </a:solidFill>
-          <a:ln>
-            <a:noFill/>
-          </a:ln>
-        </p:spPr>
-        <p:style>
-          <a:lnRef idx="2">
-            <a:schemeClr val="accent1">
-              <a:shade val="50000"/>
-            </a:schemeClr>
-          </a:lnRef>
-          <a:fillRef idx="1">
-            <a:schemeClr val="accent1"/>
-          </a:fillRef>
-          <a:effectRef idx="0">
-            <a:schemeClr val="accent1"/>
-          </a:effectRef>
-          <a:fontRef idx="minor">
-            <a:schemeClr val="lt1"/>
-          </a:fontRef>
-        </p:style>
-        <p:txBody>
-          <a:bodyPr rtlCol="0" anchor="ctr"/>
-          <a:lstStyle/>
-          <a:p>
-            <a:pPr algn="ctr"/>
-            <a:endParaRPr lang="en-US"/>
-          </a:p>
-        </p:txBody>
-      </p:sp>
-      <p:sp useBgFill="1">
-        <p:nvSpPr>
-          <p:cNvPr id="10" name="Rectangle 9"/>
-          <p:cNvSpPr>
-            <a:spLocks noGrp="1" noRot="1" noChangeAspect="1" noMove="1" noResize="1" noEditPoints="1" noAdjustHandles="1" noChangeArrowheads="1" noChangeShapeType="1" noTextEdit="1"/>
-          </p:cNvSpPr>
-          <p:nvPr>
-            <p:extLst>
-              <p:ext uri="{386F3935-93C4-4BCD-93E2-E3B085C9AB24}">
-                <p16:designElem xmlns:p16="http://schemas.microsoft.com/office/powerpoint/2015/main" val="1"/>
-              </p:ext>
-            </p:extLst>
-          </p:nvPr>
-        </p:nvSpPr>
-        <p:spPr>
-          <a:xfrm>
-            <a:off x="0" y="1690688"/>
-            <a:ext cx="12192000" cy="5166360"/>
-          </a:xfrm>
-          <a:prstGeom prst="rect">
-            <a:avLst/>
-          </a:prstGeom>
-          <a:ln>
-            <a:noFill/>
-          </a:ln>
-        </p:spPr>
-        <p:style>
-          <a:lnRef idx="2">
-            <a:schemeClr val="accent1">
-              <a:shade val="50000"/>
-            </a:schemeClr>
-          </a:lnRef>
-          <a:fillRef idx="1">
-            <a:schemeClr val="accent1"/>
-          </a:fillRef>
-          <a:effectRef idx="0">
-            <a:schemeClr val="accent1"/>
-          </a:effectRef>
-          <a:fontRef idx="minor">
-            <a:schemeClr val="lt1"/>
-          </a:fontRef>
-        </p:style>
-        <p:txBody>
-          <a:bodyPr rtlCol="0" anchor="ctr"/>
-          <a:lstStyle/>
-          <a:p>
-            <a:pPr algn="ctr"/>
-            <a:endParaRPr lang="en-US"/>
-          </a:p>
-        </p:txBody>
-      </p:sp>
-      <p:sp>
-        <p:nvSpPr>
-          <p:cNvPr id="2" name="Title 1"/>
-          <p:cNvSpPr>
-            <a:spLocks noGrp="1"/>
-          </p:cNvSpPr>
-          <p:nvPr>
-            <p:ph type="title"/>
-          </p:nvPr>
-        </p:nvSpPr>
-        <p:spPr>
-          <a:xfrm>
-            <a:off x="838200" y="365125"/>
-            <a:ext cx="10515600" cy="1325563"/>
-          </a:xfrm>
-        </p:spPr>
-        <p:txBody>
-          <a:bodyPr>
-            <a:normAutofit/>
-          </a:bodyPr>
-          <a:lstStyle/>
-          <a:p>
-            <a:r>
-              <a:rPr lang="en-US" b="1" dirty="0">
-                <a:solidFill>
-                  <a:srgbClr val="FFC000"/>
-                </a:solidFill>
-              </a:rPr>
-              <a:t>Modeling: Random Forest</a:t>
-            </a:r>
-          </a:p>
-        </p:txBody>
-      </p:sp>
-      <p:pic>
-        <p:nvPicPr>
-          <p:cNvPr id="6" name="Picture 2" descr="Image result for rosmann"/>
-          <p:cNvPicPr>
-            <a:picLocks noChangeAspect="1" noChangeArrowheads="1"/>
-          </p:cNvPicPr>
-          <p:nvPr/>
-        </p:nvPicPr>
-        <p:blipFill>
-          <a:blip r:embed="rId2">
-            <a:extLst>
-              <a:ext uri="{28A0092B-C50C-407E-A947-70E740481C1C}">
-                <a14:useLocalDpi xmlns:a14="http://schemas.microsoft.com/office/drawing/2010/main" val="0"/>
-              </a:ext>
-            </a:extLst>
-          </a:blip>
-          <a:srcRect/>
-          <a:stretch>
-            <a:fillRect/>
-          </a:stretch>
-        </p:blipFill>
-        <p:spPr bwMode="auto">
-          <a:xfrm>
-            <a:off x="9544049" y="864190"/>
-            <a:ext cx="2390775" cy="327432"/>
-          </a:xfrm>
-          <a:prstGeom prst="rect">
-            <a:avLst/>
-          </a:prstGeom>
-          <a:noFill/>
-          <a:extLst>
-            <a:ext uri="{909E8E84-426E-40DD-AFC4-6F175D3DCCD1}">
-              <a14:hiddenFill xmlns:a14="http://schemas.microsoft.com/office/drawing/2010/main">
-                <a:solidFill>
-                  <a:srgbClr val="FFFFFF"/>
-                </a:solidFill>
-              </a14:hiddenFill>
-            </a:ext>
-          </a:extLst>
-        </p:spPr>
-      </p:pic>
-      <p:sp>
-        <p:nvSpPr>
-          <p:cNvPr id="11" name="Content Placeholder 2"/>
-          <p:cNvSpPr txBox="1">
-            <a:spLocks/>
-          </p:cNvSpPr>
-          <p:nvPr/>
-        </p:nvSpPr>
-        <p:spPr>
-          <a:xfrm>
-            <a:off x="838200" y="2554878"/>
-            <a:ext cx="4469091" cy="4065986"/>
-          </a:xfrm>
-          <a:prstGeom prst="rect">
-            <a:avLst/>
-          </a:prstGeom>
-        </p:spPr>
-        <p:txBody>
-          <a:bodyPr vert="horz" lIns="91440" tIns="45720" rIns="91440" bIns="45720" rtlCol="0" anchor="t">
-            <a:normAutofit/>
-          </a:bodyPr>
-          <a:lstStyle>
-            <a:lvl1pPr marL="228600" indent="-228600" algn="l" defTabSz="914400" rtl="0" eaLnBrk="1" latinLnBrk="0" hangingPunct="1">
-              <a:lnSpc>
-                <a:spcPct val="90000"/>
-              </a:lnSpc>
-              <a:spcBef>
-                <a:spcPts val="1000"/>
-              </a:spcBef>
-              <a:buFont typeface="Arial" panose="020B0604020202020204" pitchFamily="34" charset="0"/>
-              <a:buChar char="•"/>
-              <a:defRPr sz="2800" kern="1200">
-                <a:solidFill>
-                  <a:schemeClr val="tx1"/>
-                </a:solidFill>
-                <a:latin typeface="+mn-lt"/>
-                <a:ea typeface="+mn-ea"/>
-                <a:cs typeface="+mn-cs"/>
-              </a:defRPr>
-            </a:lvl1pPr>
-            <a:lvl2pPr marL="685800" indent="-228600" algn="l" defTabSz="914400" rtl="0" eaLnBrk="1" latinLnBrk="0" hangingPunct="1">
-              <a:lnSpc>
-                <a:spcPct val="90000"/>
-              </a:lnSpc>
-              <a:spcBef>
-                <a:spcPts val="500"/>
-              </a:spcBef>
-              <a:buFont typeface="Arial" panose="020B0604020202020204" pitchFamily="34" charset="0"/>
-              <a:buChar char="•"/>
-              <a:defRPr sz="2400" kern="1200">
-                <a:solidFill>
-                  <a:schemeClr val="tx1"/>
-                </a:solidFill>
-                <a:latin typeface="+mn-lt"/>
-                <a:ea typeface="+mn-ea"/>
-                <a:cs typeface="+mn-cs"/>
-              </a:defRPr>
-            </a:lvl2pPr>
-            <a:lvl3pPr marL="1143000" indent="-228600" algn="l" defTabSz="914400" rtl="0" eaLnBrk="1" latinLnBrk="0" hangingPunct="1">
-              <a:lnSpc>
-                <a:spcPct val="90000"/>
-              </a:lnSpc>
-              <a:spcBef>
-                <a:spcPts val="500"/>
-              </a:spcBef>
-              <a:buFont typeface="Arial" panose="020B0604020202020204" pitchFamily="34" charset="0"/>
-              <a:buChar char="•"/>
-              <a:defRPr sz="2000" kern="1200">
-                <a:solidFill>
-                  <a:schemeClr val="tx1"/>
-                </a:solidFill>
-                <a:latin typeface="+mn-lt"/>
-                <a:ea typeface="+mn-ea"/>
-                <a:cs typeface="+mn-cs"/>
-              </a:defRPr>
-            </a:lvl3pPr>
-            <a:lvl4pPr marL="1600200" indent="-228600" algn="l" defTabSz="914400" rtl="0" eaLnBrk="1" latinLnBrk="0" hangingPunct="1">
-              <a:lnSpc>
-                <a:spcPct val="90000"/>
-              </a:lnSpc>
-              <a:spcBef>
-                <a:spcPts val="500"/>
-              </a:spcBef>
-              <a:buFont typeface="Arial" panose="020B0604020202020204" pitchFamily="34" charset="0"/>
-              <a:buChar char="•"/>
-              <a:defRPr sz="1800" kern="1200">
-                <a:solidFill>
-                  <a:schemeClr val="tx1"/>
-                </a:solidFill>
-                <a:latin typeface="+mn-lt"/>
-                <a:ea typeface="+mn-ea"/>
-                <a:cs typeface="+mn-cs"/>
-              </a:defRPr>
-            </a:lvl4pPr>
-            <a:lvl5pPr marL="2057400" indent="-228600" algn="l" defTabSz="914400" rtl="0" eaLnBrk="1" latinLnBrk="0" hangingPunct="1">
-              <a:lnSpc>
-                <a:spcPct val="90000"/>
-              </a:lnSpc>
-              <a:spcBef>
-                <a:spcPts val="500"/>
-              </a:spcBef>
-              <a:buFont typeface="Arial" panose="020B0604020202020204" pitchFamily="34" charset="0"/>
-              <a:buChar char="•"/>
-              <a:defRPr sz="1800" kern="1200">
-                <a:solidFill>
-                  <a:schemeClr val="tx1"/>
-                </a:solidFill>
-                <a:latin typeface="+mn-lt"/>
-                <a:ea typeface="+mn-ea"/>
-                <a:cs typeface="+mn-cs"/>
-              </a:defRPr>
-            </a:lvl5pPr>
-            <a:lvl6pPr marL="2514600" indent="-228600" algn="l" defTabSz="914400" rtl="0" eaLnBrk="1" latinLnBrk="0" hangingPunct="1">
-              <a:lnSpc>
-                <a:spcPct val="90000"/>
-              </a:lnSpc>
-              <a:spcBef>
-                <a:spcPts val="500"/>
-              </a:spcBef>
-              <a:buFont typeface="Arial" panose="020B0604020202020204" pitchFamily="34" charset="0"/>
-              <a:buChar char="•"/>
-              <a:defRPr sz="1800" kern="1200">
-                <a:solidFill>
-                  <a:schemeClr val="tx1"/>
-                </a:solidFill>
-                <a:latin typeface="+mn-lt"/>
-                <a:ea typeface="+mn-ea"/>
-                <a:cs typeface="+mn-cs"/>
-              </a:defRPr>
-            </a:lvl6pPr>
-            <a:lvl7pPr marL="2971800" indent="-228600" algn="l" defTabSz="914400" rtl="0" eaLnBrk="1" latinLnBrk="0" hangingPunct="1">
-              <a:lnSpc>
-                <a:spcPct val="90000"/>
-              </a:lnSpc>
-              <a:spcBef>
-                <a:spcPts val="500"/>
-              </a:spcBef>
-              <a:buFont typeface="Arial" panose="020B0604020202020204" pitchFamily="34" charset="0"/>
-              <a:buChar char="•"/>
-              <a:defRPr sz="1800" kern="1200">
-                <a:solidFill>
-                  <a:schemeClr val="tx1"/>
-                </a:solidFill>
-                <a:latin typeface="+mn-lt"/>
-                <a:ea typeface="+mn-ea"/>
-                <a:cs typeface="+mn-cs"/>
-              </a:defRPr>
-            </a:lvl7pPr>
-            <a:lvl8pPr marL="3429000" indent="-228600" algn="l" defTabSz="914400" rtl="0" eaLnBrk="1" latinLnBrk="0" hangingPunct="1">
-              <a:lnSpc>
-                <a:spcPct val="90000"/>
-              </a:lnSpc>
-              <a:spcBef>
-                <a:spcPts val="500"/>
-              </a:spcBef>
-              <a:buFont typeface="Arial" panose="020B0604020202020204" pitchFamily="34" charset="0"/>
-              <a:buChar char="•"/>
-              <a:defRPr sz="1800" kern="1200">
-                <a:solidFill>
-                  <a:schemeClr val="tx1"/>
-                </a:solidFill>
-                <a:latin typeface="+mn-lt"/>
-                <a:ea typeface="+mn-ea"/>
-                <a:cs typeface="+mn-cs"/>
-              </a:defRPr>
-            </a:lvl8pPr>
-            <a:lvl9pPr marL="3886200" indent="-228600" algn="l" defTabSz="914400" rtl="0" eaLnBrk="1" latinLnBrk="0" hangingPunct="1">
-              <a:lnSpc>
-                <a:spcPct val="90000"/>
-              </a:lnSpc>
-              <a:spcBef>
-                <a:spcPts val="500"/>
-              </a:spcBef>
-              <a:buFont typeface="Arial" panose="020B0604020202020204" pitchFamily="34" charset="0"/>
-              <a:buChar char="•"/>
-              <a:defRPr sz="1800" kern="1200">
-                <a:solidFill>
-                  <a:schemeClr val="tx1"/>
-                </a:solidFill>
-                <a:latin typeface="+mn-lt"/>
-                <a:ea typeface="+mn-ea"/>
-                <a:cs typeface="+mn-cs"/>
-              </a:defRPr>
-            </a:lvl9pPr>
-          </a:lstStyle>
-          <a:p>
-            <a:r>
-              <a:rPr lang="en-US" sz="2000" dirty="0"/>
-              <a:t>Using the h2o package, we constructed several random forest models which used different values of number of trees and max depth. The h2o allows us to process the large scale dataset fast and accurately, using the 100% CPU. </a:t>
-            </a:r>
-          </a:p>
-          <a:p>
-            <a:r>
-              <a:rPr lang="en-US" sz="2000" dirty="0"/>
-              <a:t>Promotion, </a:t>
-            </a:r>
-            <a:r>
-              <a:rPr lang="en-US" sz="2000" dirty="0" err="1"/>
-              <a:t>DayOfWeek</a:t>
-            </a:r>
-            <a:r>
-              <a:rPr lang="en-US" sz="2000" dirty="0"/>
-              <a:t> are the most important features. </a:t>
-            </a:r>
-          </a:p>
-          <a:p>
-            <a:pPr marL="0" indent="0">
-              <a:buFont typeface="Arial" panose="020B0604020202020204" pitchFamily="34" charset="0"/>
-              <a:buNone/>
-            </a:pPr>
-            <a:endParaRPr lang="en-US" sz="2000" dirty="0"/>
-          </a:p>
-        </p:txBody>
-      </p:sp>
-      <p:pic>
-        <p:nvPicPr>
-          <p:cNvPr id="12" name="Picture 11"/>
-          <p:cNvPicPr>
-            <a:picLocks noChangeAspect="1"/>
-          </p:cNvPicPr>
-          <p:nvPr/>
-        </p:nvPicPr>
-        <p:blipFill>
-          <a:blip r:embed="rId3">
-            <a:extLst>
-              <a:ext uri="{28A0092B-C50C-407E-A947-70E740481C1C}">
-                <a14:useLocalDpi xmlns:a14="http://schemas.microsoft.com/office/drawing/2010/main" val="0"/>
-              </a:ext>
-            </a:extLst>
-          </a:blip>
-          <a:stretch>
-            <a:fillRect/>
-          </a:stretch>
-        </p:blipFill>
-        <p:spPr>
-          <a:xfrm>
-            <a:off x="5553086" y="2554878"/>
-            <a:ext cx="6260427" cy="2151603"/>
-          </a:xfrm>
-          <a:prstGeom prst="rect">
-            <a:avLst/>
-          </a:prstGeom>
-        </p:spPr>
-      </p:pic>
-    </p:spTree>
-    <p:extLst>
-      <p:ext uri="{BB962C8B-B14F-4D97-AF65-F5344CB8AC3E}">
-        <p14:creationId xmlns:p14="http://schemas.microsoft.com/office/powerpoint/2010/main" val="1550925185"/>
-      </p:ext>
-    </p:extLst>
-  </p:cSld>
-  <p:clrMapOvr>
-    <a:overrideClrMapping bg1="dk1" tx1="lt1" bg2="dk2" tx2="lt2" accent1="accent1" accent2="accent2" accent3="accent3" accent4="accent4" accent5="accent5" accent6="accent6" hlink="hlink" folHlink="folHlink"/>
-  </p:clrMapOvr>
-</p:sld>
-</file>
-
 <file path=ppt/theme/theme1.xml><?xml version="1.0" encoding="utf-8"?>
 <a:theme xmlns:a="http://schemas.openxmlformats.org/drawingml/2006/main" name="Office Theme">
   <a:themeElements>
